--- a/Resources/Final.Presentation.pptx
+++ b/Resources/Final.Presentation.pptx
@@ -5,12 +5,13 @@
     <p:sldMasterId id="2147483673" r:id="rId1"/>
   </p:sldMasterIdLst>
   <p:notesMasterIdLst>
-    <p:notesMasterId r:id="rId5"/>
+    <p:notesMasterId r:id="rId6"/>
   </p:notesMasterIdLst>
   <p:sldIdLst>
     <p:sldId id="256" r:id="rId2"/>
     <p:sldId id="257" r:id="rId3"/>
     <p:sldId id="258" r:id="rId4"/>
+    <p:sldId id="259" r:id="rId5"/>
   </p:sldIdLst>
   <p:sldSz cx="12192000" cy="6858000"/>
   <p:notesSz cx="6858000" cy="9144000"/>
@@ -120,7 +121,7 @@
 <file path=ppt/revisionInfo.xml><?xml version="1.0" encoding="utf-8"?>
 <p1510:revInfo xmlns:a="http://schemas.openxmlformats.org/drawingml/2006/main" xmlns:r="http://schemas.openxmlformats.org/officeDocument/2006/relationships" xmlns:p1510="http://schemas.microsoft.com/office/powerpoint/2015/10/main">
   <p1510:revLst>
-    <p1510:client id="{2D2F4B00-D67B-471E-8EC5-16430E5C6708}" v="7" dt="2021-10-25T04:05:12.911"/>
+    <p1510:client id="{2D2F4B00-D67B-471E-8EC5-16430E5C6708}" v="9" dt="2021-10-25T04:22:01.354"/>
   </p1510:revLst>
 </p1510:revInfo>
 </file>
@@ -130,7 +131,7 @@
   <pc:docChgLst>
     <pc:chgData name="Taryn Syler" userId="d093462dc93fe5e1" providerId="LiveId" clId="{2D2F4B00-D67B-471E-8EC5-16430E5C6708}"/>
     <pc:docChg chg="undo custSel addSld modSld">
-      <pc:chgData name="Taryn Syler" userId="d093462dc93fe5e1" providerId="LiveId" clId="{2D2F4B00-D67B-471E-8EC5-16430E5C6708}" dt="2021-10-25T04:05:26.786" v="1041" actId="403"/>
+      <pc:chgData name="Taryn Syler" userId="d093462dc93fe5e1" providerId="LiveId" clId="{2D2F4B00-D67B-471E-8EC5-16430E5C6708}" dt="2021-10-25T04:22:10.716" v="1955" actId="26606"/>
       <pc:docMkLst>
         <pc:docMk/>
       </pc:docMkLst>
@@ -268,6 +269,61 @@
           </ac:picMkLst>
         </pc:picChg>
       </pc:sldChg>
+      <pc:sldChg chg="addSp delSp modSp new mod setBg modNotesTx">
+        <pc:chgData name="Taryn Syler" userId="d093462dc93fe5e1" providerId="LiveId" clId="{2D2F4B00-D67B-471E-8EC5-16430E5C6708}" dt="2021-10-25T04:22:10.716" v="1955" actId="26606"/>
+        <pc:sldMkLst>
+          <pc:docMk/>
+          <pc:sldMk cId="218487303" sldId="259"/>
+        </pc:sldMkLst>
+        <pc:spChg chg="del">
+          <ac:chgData name="Taryn Syler" userId="d093462dc93fe5e1" providerId="LiveId" clId="{2D2F4B00-D67B-471E-8EC5-16430E5C6708}" dt="2021-10-25T04:21:39.882" v="1953" actId="26606"/>
+          <ac:spMkLst>
+            <pc:docMk/>
+            <pc:sldMk cId="218487303" sldId="259"/>
+            <ac:spMk id="2" creationId="{A5544B47-BB39-449A-AB86-CD14F16C063B}"/>
+          </ac:spMkLst>
+        </pc:spChg>
+        <pc:spChg chg="del">
+          <ac:chgData name="Taryn Syler" userId="d093462dc93fe5e1" providerId="LiveId" clId="{2D2F4B00-D67B-471E-8EC5-16430E5C6708}" dt="2021-10-25T04:20:49.103" v="1924"/>
+          <ac:spMkLst>
+            <pc:docMk/>
+            <pc:sldMk cId="218487303" sldId="259"/>
+            <ac:spMk id="3" creationId="{A3CE05A0-3949-4ED1-9EF4-C86373088AD5}"/>
+          </ac:spMkLst>
+        </pc:spChg>
+        <pc:spChg chg="add del">
+          <ac:chgData name="Taryn Syler" userId="d093462dc93fe5e1" providerId="LiveId" clId="{2D2F4B00-D67B-471E-8EC5-16430E5C6708}" dt="2021-10-25T04:22:10.716" v="1955" actId="26606"/>
+          <ac:spMkLst>
+            <pc:docMk/>
+            <pc:sldMk cId="218487303" sldId="259"/>
+            <ac:spMk id="71" creationId="{6BC377B7-18F1-42AD-A1DD-E1D6A5B27CE9}"/>
+          </ac:spMkLst>
+        </pc:spChg>
+        <pc:spChg chg="add del">
+          <ac:chgData name="Taryn Syler" userId="d093462dc93fe5e1" providerId="LiveId" clId="{2D2F4B00-D67B-471E-8EC5-16430E5C6708}" dt="2021-10-25T04:22:10.716" v="1955" actId="26606"/>
+          <ac:spMkLst>
+            <pc:docMk/>
+            <pc:sldMk cId="218487303" sldId="259"/>
+            <ac:spMk id="73" creationId="{D8CD3F60-224B-4A33-8366-65BAA0E6ECD1}"/>
+          </ac:spMkLst>
+        </pc:spChg>
+        <pc:spChg chg="add">
+          <ac:chgData name="Taryn Syler" userId="d093462dc93fe5e1" providerId="LiveId" clId="{2D2F4B00-D67B-471E-8EC5-16430E5C6708}" dt="2021-10-25T04:22:10.716" v="1955" actId="26606"/>
+          <ac:spMkLst>
+            <pc:docMk/>
+            <pc:sldMk cId="218487303" sldId="259"/>
+            <ac:spMk id="135" creationId="{6BC377B7-18F1-42AD-A1DD-E1D6A5B27CE9}"/>
+          </ac:spMkLst>
+        </pc:spChg>
+        <pc:picChg chg="add mod">
+          <ac:chgData name="Taryn Syler" userId="d093462dc93fe5e1" providerId="LiveId" clId="{2D2F4B00-D67B-471E-8EC5-16430E5C6708}" dt="2021-10-25T04:22:10.716" v="1955" actId="26606"/>
+          <ac:picMkLst>
+            <pc:docMk/>
+            <pc:sldMk cId="218487303" sldId="259"/>
+            <ac:picMk id="1026" creationId="{C03E19EB-544D-49C5-AD32-7FD0EBABF7AA}"/>
+          </ac:picMkLst>
+        </pc:picChg>
+      </pc:sldChg>
     </pc:docChg>
   </pc:docChgLst>
 </pc:chgInfo>
@@ -817,6 +873,99 @@
     <p:extLst>
       <p:ext uri="{BB962C8B-B14F-4D97-AF65-F5344CB8AC3E}">
         <p14:creationId xmlns:p14="http://schemas.microsoft.com/office/powerpoint/2010/main" val="3720323366"/>
+      </p:ext>
+    </p:extLst>
+  </p:cSld>
+  <p:clrMapOvr>
+    <a:masterClrMapping/>
+  </p:clrMapOvr>
+</p:notes>
+</file>
+
+<file path=ppt/notesSlides/notesSlide3.xml><?xml version="1.0" encoding="utf-8"?>
+<p:notes xmlns:a="http://schemas.openxmlformats.org/drawingml/2006/main" xmlns:r="http://schemas.openxmlformats.org/officeDocument/2006/relationships" xmlns:p="http://schemas.openxmlformats.org/presentationml/2006/main">
+  <p:cSld>
+    <p:spTree>
+      <p:nvGrpSpPr>
+        <p:cNvPr id="1" name=""/>
+        <p:cNvGrpSpPr/>
+        <p:nvPr/>
+      </p:nvGrpSpPr>
+      <p:grpSpPr>
+        <a:xfrm>
+          <a:off x="0" y="0"/>
+          <a:ext cx="0" cy="0"/>
+          <a:chOff x="0" y="0"/>
+          <a:chExt cx="0" cy="0"/>
+        </a:xfrm>
+      </p:grpSpPr>
+      <p:sp>
+        <p:nvSpPr>
+          <p:cNvPr id="2" name="Slide Image Placeholder 1"/>
+          <p:cNvSpPr>
+            <a:spLocks noGrp="1" noRot="1" noChangeAspect="1"/>
+          </p:cNvSpPr>
+          <p:nvPr>
+            <p:ph type="sldImg"/>
+          </p:nvPr>
+        </p:nvSpPr>
+        <p:spPr/>
+      </p:sp>
+      <p:sp>
+        <p:nvSpPr>
+          <p:cNvPr id="3" name="Notes Placeholder 2"/>
+          <p:cNvSpPr>
+            <a:spLocks noGrp="1"/>
+          </p:cNvSpPr>
+          <p:nvPr>
+            <p:ph type="body" idx="1"/>
+          </p:nvPr>
+        </p:nvSpPr>
+        <p:spPr/>
+        <p:txBody>
+          <a:bodyPr/>
+          <a:lstStyle/>
+          <a:p>
+            <a:r>
+              <a:rPr lang="en-US" dirty="0"/>
+              <a:t>Questions we hope to answer: Is it possible to create the ideal draft each week with the click of a button? No one wants to pore over statistics, large data sets, and various websites or go by blind luck trying to find the best draft for the week then do it all over again the next week. We want to make it possible to easily search all of that data and find the optimal team broken down by role. For example, a quarterback’s stats would pull from touchdowns and passing attempts. </a:t>
+            </a:r>
+          </a:p>
+          <a:p>
+            <a:r>
+              <a:rPr lang="en-US" dirty="0"/>
+              <a:t>Image source: https://www.reddit.com/r/Patriots/comments/6cxjlh/tom_brady_vs_peyton_manning_superbowl_stats/</a:t>
+            </a:r>
+          </a:p>
+        </p:txBody>
+      </p:sp>
+      <p:sp>
+        <p:nvSpPr>
+          <p:cNvPr id="4" name="Slide Number Placeholder 3"/>
+          <p:cNvSpPr>
+            <a:spLocks noGrp="1"/>
+          </p:cNvSpPr>
+          <p:nvPr>
+            <p:ph type="sldNum" sz="quarter" idx="5"/>
+          </p:nvPr>
+        </p:nvSpPr>
+        <p:spPr/>
+        <p:txBody>
+          <a:bodyPr/>
+          <a:lstStyle/>
+          <a:p>
+            <a:fld id="{8382AD83-B5DF-4BD6-AC2B-95FF0DEC3221}" type="slidenum">
+              <a:rPr lang="en-US" smtClean="0"/>
+              <a:t>4</a:t>
+            </a:fld>
+            <a:endParaRPr lang="en-US"/>
+          </a:p>
+        </p:txBody>
+      </p:sp>
+    </p:spTree>
+    <p:extLst>
+      <p:ext uri="{BB962C8B-B14F-4D97-AF65-F5344CB8AC3E}">
+        <p14:creationId xmlns:p14="http://schemas.microsoft.com/office/powerpoint/2010/main" val="1593192422"/>
       </p:ext>
     </p:extLst>
   </p:cSld>
@@ -5511,6 +5660,152 @@
   </p:cSld>
   <p:clrMapOvr>
     <a:overrideClrMapping bg1="dk1" tx1="lt1" bg2="dk2" tx2="lt2" accent1="accent1" accent2="accent2" accent3="accent3" accent4="accent4" accent5="accent5" accent6="accent6" hlink="hlink" folHlink="folHlink"/>
+  </p:clrMapOvr>
+</p:sld>
+</file>
+
+<file path=ppt/slides/slide4.xml><?xml version="1.0" encoding="utf-8"?>
+<p:sld xmlns:a="http://schemas.openxmlformats.org/drawingml/2006/main" xmlns:r="http://schemas.openxmlformats.org/officeDocument/2006/relationships" xmlns:p="http://schemas.openxmlformats.org/presentationml/2006/main">
+  <p:cSld>
+    <p:bg>
+      <p:bgPr>
+        <a:solidFill>
+          <a:schemeClr val="bg1"/>
+        </a:solidFill>
+        <a:effectLst/>
+      </p:bgPr>
+    </p:bg>
+    <p:spTree>
+      <p:nvGrpSpPr>
+        <p:cNvPr id="1" name=""/>
+        <p:cNvGrpSpPr/>
+        <p:nvPr/>
+      </p:nvGrpSpPr>
+      <p:grpSpPr>
+        <a:xfrm>
+          <a:off x="0" y="0"/>
+          <a:ext cx="0" cy="0"/>
+          <a:chOff x="0" y="0"/>
+          <a:chExt cx="0" cy="0"/>
+        </a:xfrm>
+      </p:grpSpPr>
+      <p:sp useBgFill="1">
+        <p:nvSpPr>
+          <p:cNvPr id="135" name="Rectangle 134">
+            <a:extLst>
+              <a:ext uri="{FF2B5EF4-FFF2-40B4-BE49-F238E27FC236}">
+                <a16:creationId xmlns:a16="http://schemas.microsoft.com/office/drawing/2014/main" id="{6BC377B7-18F1-42AD-A1DD-E1D6A5B27CE9}"/>
+              </a:ext>
+              <a:ext uri="{C183D7F6-B498-43B3-948B-1728B52AA6E4}">
+                <adec:decorative xmlns:adec="http://schemas.microsoft.com/office/drawing/2017/decorative" val="1"/>
+              </a:ext>
+            </a:extLst>
+          </p:cNvPr>
+          <p:cNvSpPr>
+            <a:spLocks noGrp="1" noRot="1" noChangeAspect="1" noMove="1" noResize="1" noEditPoints="1" noAdjustHandles="1" noChangeArrowheads="1" noChangeShapeType="1" noTextEdit="1"/>
+          </p:cNvSpPr>
+          <p:nvPr>
+            <p:extLst>
+              <p:ext uri="{386F3935-93C4-4BCD-93E2-E3B085C9AB24}">
+                <p16:designElem xmlns:p16="http://schemas.microsoft.com/office/powerpoint/2015/main" val="1"/>
+              </p:ext>
+            </p:extLst>
+          </p:nvPr>
+        </p:nvSpPr>
+        <p:spPr>
+          <a:xfrm>
+            <a:off x="0" y="0"/>
+            <a:ext cx="12192000" cy="6858000"/>
+          </a:xfrm>
+          <a:prstGeom prst="rect">
+            <a:avLst/>
+          </a:prstGeom>
+          <a:ln>
+            <a:noFill/>
+          </a:ln>
+        </p:spPr>
+        <p:style>
+          <a:lnRef idx="2">
+            <a:schemeClr val="accent1">
+              <a:shade val="50000"/>
+            </a:schemeClr>
+          </a:lnRef>
+          <a:fillRef idx="1">
+            <a:schemeClr val="accent1"/>
+          </a:fillRef>
+          <a:effectRef idx="0">
+            <a:schemeClr val="accent1"/>
+          </a:effectRef>
+          <a:fontRef idx="minor">
+            <a:schemeClr val="lt1"/>
+          </a:fontRef>
+        </p:style>
+        <p:txBody>
+          <a:bodyPr rtlCol="0" anchor="ctr"/>
+          <a:lstStyle/>
+          <a:p>
+            <a:pPr algn="ctr"/>
+            <a:endParaRPr lang="en-US"/>
+          </a:p>
+        </p:txBody>
+      </p:sp>
+      <p:pic>
+        <p:nvPicPr>
+          <p:cNvPr id="1026" name="Picture 2" descr="Tom Brady vs. Peyton Manning: Superbowl Stats Comparison: Patriots">
+            <a:extLst>
+              <a:ext uri="{FF2B5EF4-FFF2-40B4-BE49-F238E27FC236}">
+                <a16:creationId xmlns:a16="http://schemas.microsoft.com/office/drawing/2014/main" id="{C03E19EB-544D-49C5-AD32-7FD0EBABF7AA}"/>
+              </a:ext>
+            </a:extLst>
+          </p:cNvPr>
+          <p:cNvPicPr>
+            <a:picLocks noGrp="1" noChangeAspect="1" noChangeArrowheads="1"/>
+          </p:cNvPicPr>
+          <p:nvPr>
+            <p:ph idx="1"/>
+          </p:nvPr>
+        </p:nvPicPr>
+        <p:blipFill>
+          <a:blip r:embed="rId3">
+            <a:extLst>
+              <a:ext uri="{28A0092B-C50C-407E-A947-70E740481C1C}">
+                <a14:useLocalDpi xmlns:a14="http://schemas.microsoft.com/office/drawing/2010/main" val="0"/>
+              </a:ext>
+            </a:extLst>
+          </a:blip>
+          <a:stretch>
+            <a:fillRect/>
+          </a:stretch>
+        </p:blipFill>
+        <p:spPr bwMode="auto">
+          <a:xfrm>
+            <a:off x="2643508" y="643467"/>
+            <a:ext cx="6904983" cy="5571066"/>
+          </a:xfrm>
+          <a:prstGeom prst="rect">
+            <a:avLst/>
+          </a:prstGeom>
+          <a:noFill/>
+          <a:extLst>
+            <a:ext uri="{909E8E84-426E-40DD-AFC4-6F175D3DCCD1}">
+              <a14:hiddenFill xmlns:a14="http://schemas.microsoft.com/office/drawing/2010/main">
+                <a:solidFill>
+                  <a:srgbClr val="FFFFFF"/>
+                </a:solidFill>
+              </a14:hiddenFill>
+            </a:ext>
+          </a:extLst>
+        </p:spPr>
+      </p:pic>
+    </p:spTree>
+    <p:extLst>
+      <p:ext uri="{BB962C8B-B14F-4D97-AF65-F5344CB8AC3E}">
+        <p14:creationId xmlns:p14="http://schemas.microsoft.com/office/powerpoint/2010/main" val="218487303"/>
+      </p:ext>
+    </p:extLst>
+  </p:cSld>
+  <p:clrMapOvr>
+    <a:masterClrMapping/>
   </p:clrMapOvr>
 </p:sld>
 </file>

--- a/Resources/Final.Presentation.pptx
+++ b/Resources/Final.Presentation.pptx
@@ -5,13 +5,19 @@
     <p:sldMasterId id="2147483673" r:id="rId1"/>
   </p:sldMasterIdLst>
   <p:notesMasterIdLst>
-    <p:notesMasterId r:id="rId6"/>
+    <p:notesMasterId r:id="rId12"/>
   </p:notesMasterIdLst>
   <p:sldIdLst>
     <p:sldId id="256" r:id="rId2"/>
     <p:sldId id="257" r:id="rId3"/>
     <p:sldId id="258" r:id="rId4"/>
     <p:sldId id="259" r:id="rId5"/>
+    <p:sldId id="260" r:id="rId6"/>
+    <p:sldId id="261" r:id="rId7"/>
+    <p:sldId id="262" r:id="rId8"/>
+    <p:sldId id="263" r:id="rId9"/>
+    <p:sldId id="264" r:id="rId10"/>
+    <p:sldId id="265" r:id="rId11"/>
   </p:sldIdLst>
   <p:sldSz cx="12192000" cy="6858000"/>
   <p:notesSz cx="6858000" cy="9144000"/>
@@ -131,7 +137,7 @@
   <pc:docChgLst>
     <pc:chgData name="Taryn Syler" userId="d093462dc93fe5e1" providerId="LiveId" clId="{2D2F4B00-D67B-471E-8EC5-16430E5C6708}"/>
     <pc:docChg chg="undo custSel addSld modSld">
-      <pc:chgData name="Taryn Syler" userId="d093462dc93fe5e1" providerId="LiveId" clId="{2D2F4B00-D67B-471E-8EC5-16430E5C6708}" dt="2021-10-25T04:22:10.716" v="1955" actId="26606"/>
+      <pc:chgData name="Taryn Syler" userId="d093462dc93fe5e1" providerId="LiveId" clId="{2D2F4B00-D67B-471E-8EC5-16430E5C6708}" dt="2021-11-01T05:38:04.792" v="2313" actId="20577"/>
       <pc:docMkLst>
         <pc:docMk/>
       </pc:docMkLst>
@@ -324,6 +330,48 @@
           </ac:picMkLst>
         </pc:picChg>
       </pc:sldChg>
+      <pc:sldChg chg="new modNotesTx">
+        <pc:chgData name="Taryn Syler" userId="d093462dc93fe5e1" providerId="LiveId" clId="{2D2F4B00-D67B-471E-8EC5-16430E5C6708}" dt="2021-11-01T05:32:32.908" v="2024" actId="20577"/>
+        <pc:sldMkLst>
+          <pc:docMk/>
+          <pc:sldMk cId="2730496532" sldId="260"/>
+        </pc:sldMkLst>
+      </pc:sldChg>
+      <pc:sldChg chg="new modNotesTx">
+        <pc:chgData name="Taryn Syler" userId="d093462dc93fe5e1" providerId="LiveId" clId="{2D2F4B00-D67B-471E-8EC5-16430E5C6708}" dt="2021-11-01T05:36:44.853" v="2086" actId="20577"/>
+        <pc:sldMkLst>
+          <pc:docMk/>
+          <pc:sldMk cId="933643513" sldId="261"/>
+        </pc:sldMkLst>
+      </pc:sldChg>
+      <pc:sldChg chg="new modNotesTx">
+        <pc:chgData name="Taryn Syler" userId="d093462dc93fe5e1" providerId="LiveId" clId="{2D2F4B00-D67B-471E-8EC5-16430E5C6708}" dt="2021-11-01T05:37:18.958" v="2181" actId="20577"/>
+        <pc:sldMkLst>
+          <pc:docMk/>
+          <pc:sldMk cId="2869901700" sldId="262"/>
+        </pc:sldMkLst>
+      </pc:sldChg>
+      <pc:sldChg chg="new modNotesTx">
+        <pc:chgData name="Taryn Syler" userId="d093462dc93fe5e1" providerId="LiveId" clId="{2D2F4B00-D67B-471E-8EC5-16430E5C6708}" dt="2021-11-01T05:37:28.766" v="2203" actId="20577"/>
+        <pc:sldMkLst>
+          <pc:docMk/>
+          <pc:sldMk cId="642101144" sldId="263"/>
+        </pc:sldMkLst>
+      </pc:sldChg>
+      <pc:sldChg chg="new modNotesTx">
+        <pc:chgData name="Taryn Syler" userId="d093462dc93fe5e1" providerId="LiveId" clId="{2D2F4B00-D67B-471E-8EC5-16430E5C6708}" dt="2021-11-01T05:37:41.749" v="2240" actId="20577"/>
+        <pc:sldMkLst>
+          <pc:docMk/>
+          <pc:sldMk cId="1993694396" sldId="264"/>
+        </pc:sldMkLst>
+      </pc:sldChg>
+      <pc:sldChg chg="new modNotesTx">
+        <pc:chgData name="Taryn Syler" userId="d093462dc93fe5e1" providerId="LiveId" clId="{2D2F4B00-D67B-471E-8EC5-16430E5C6708}" dt="2021-11-01T05:38:04.792" v="2313" actId="20577"/>
+        <pc:sldMkLst>
+          <pc:docMk/>
+          <pc:sldMk cId="1302545605" sldId="265"/>
+        </pc:sldMkLst>
+      </pc:sldChg>
     </pc:docChg>
   </pc:docChgLst>
 </pc:chgInfo>
@@ -411,7 +459,7 @@
           <a:p>
             <a:fld id="{917E58E4-3C21-4D5C-B4E1-FAE723A9F180}" type="datetimeFigureOut">
               <a:rPr lang="en-US" smtClean="0"/>
-              <a:t>10/24/2021</a:t>
+              <a:t>10/31/2021</a:t>
             </a:fld>
             <a:endParaRPr lang="en-US"/>
           </a:p>
@@ -975,6 +1023,532 @@
 </p:notes>
 </file>
 
+<file path=ppt/notesSlides/notesSlide4.xml><?xml version="1.0" encoding="utf-8"?>
+<p:notes xmlns:a="http://schemas.openxmlformats.org/drawingml/2006/main" xmlns:r="http://schemas.openxmlformats.org/officeDocument/2006/relationships" xmlns:p="http://schemas.openxmlformats.org/presentationml/2006/main">
+  <p:cSld>
+    <p:spTree>
+      <p:nvGrpSpPr>
+        <p:cNvPr id="1" name=""/>
+        <p:cNvGrpSpPr/>
+        <p:nvPr/>
+      </p:nvGrpSpPr>
+      <p:grpSpPr>
+        <a:xfrm>
+          <a:off x="0" y="0"/>
+          <a:ext cx="0" cy="0"/>
+          <a:chOff x="0" y="0"/>
+          <a:chExt cx="0" cy="0"/>
+        </a:xfrm>
+      </p:grpSpPr>
+      <p:sp>
+        <p:nvSpPr>
+          <p:cNvPr id="2" name="Slide Image Placeholder 1"/>
+          <p:cNvSpPr>
+            <a:spLocks noGrp="1" noRot="1" noChangeAspect="1"/>
+          </p:cNvSpPr>
+          <p:nvPr>
+            <p:ph type="sldImg"/>
+          </p:nvPr>
+        </p:nvSpPr>
+        <p:spPr/>
+      </p:sp>
+      <p:sp>
+        <p:nvSpPr>
+          <p:cNvPr id="3" name="Notes Placeholder 2"/>
+          <p:cNvSpPr>
+            <a:spLocks noGrp="1"/>
+          </p:cNvSpPr>
+          <p:nvPr>
+            <p:ph type="body" idx="1"/>
+          </p:nvPr>
+        </p:nvSpPr>
+        <p:spPr/>
+        <p:txBody>
+          <a:bodyPr/>
+          <a:lstStyle/>
+          <a:p>
+            <a:r>
+              <a:rPr lang="en-US" dirty="0"/>
+              <a:t>Description of the data exploration phase of the project: </a:t>
+            </a:r>
+          </a:p>
+        </p:txBody>
+      </p:sp>
+      <p:sp>
+        <p:nvSpPr>
+          <p:cNvPr id="4" name="Slide Number Placeholder 3"/>
+          <p:cNvSpPr>
+            <a:spLocks noGrp="1"/>
+          </p:cNvSpPr>
+          <p:nvPr>
+            <p:ph type="sldNum" sz="quarter" idx="5"/>
+          </p:nvPr>
+        </p:nvSpPr>
+        <p:spPr/>
+        <p:txBody>
+          <a:bodyPr/>
+          <a:lstStyle/>
+          <a:p>
+            <a:fld id="{8382AD83-B5DF-4BD6-AC2B-95FF0DEC3221}" type="slidenum">
+              <a:rPr lang="en-US" smtClean="0"/>
+              <a:t>5</a:t>
+            </a:fld>
+            <a:endParaRPr lang="en-US"/>
+          </a:p>
+        </p:txBody>
+      </p:sp>
+    </p:spTree>
+    <p:extLst>
+      <p:ext uri="{BB962C8B-B14F-4D97-AF65-F5344CB8AC3E}">
+        <p14:creationId xmlns:p14="http://schemas.microsoft.com/office/powerpoint/2010/main" val="2428260531"/>
+      </p:ext>
+    </p:extLst>
+  </p:cSld>
+  <p:clrMapOvr>
+    <a:masterClrMapping/>
+  </p:clrMapOvr>
+</p:notes>
+</file>
+
+<file path=ppt/notesSlides/notesSlide5.xml><?xml version="1.0" encoding="utf-8"?>
+<p:notes xmlns:a="http://schemas.openxmlformats.org/drawingml/2006/main" xmlns:r="http://schemas.openxmlformats.org/officeDocument/2006/relationships" xmlns:p="http://schemas.openxmlformats.org/presentationml/2006/main">
+  <p:cSld>
+    <p:spTree>
+      <p:nvGrpSpPr>
+        <p:cNvPr id="1" name=""/>
+        <p:cNvGrpSpPr/>
+        <p:nvPr/>
+      </p:nvGrpSpPr>
+      <p:grpSpPr>
+        <a:xfrm>
+          <a:off x="0" y="0"/>
+          <a:ext cx="0" cy="0"/>
+          <a:chOff x="0" y="0"/>
+          <a:chExt cx="0" cy="0"/>
+        </a:xfrm>
+      </p:grpSpPr>
+      <p:sp>
+        <p:nvSpPr>
+          <p:cNvPr id="2" name="Slide Image Placeholder 1"/>
+          <p:cNvSpPr>
+            <a:spLocks noGrp="1" noRot="1" noChangeAspect="1"/>
+          </p:cNvSpPr>
+          <p:nvPr>
+            <p:ph type="sldImg"/>
+          </p:nvPr>
+        </p:nvSpPr>
+        <p:spPr/>
+      </p:sp>
+      <p:sp>
+        <p:nvSpPr>
+          <p:cNvPr id="3" name="Notes Placeholder 2"/>
+          <p:cNvSpPr>
+            <a:spLocks noGrp="1"/>
+          </p:cNvSpPr>
+          <p:nvPr>
+            <p:ph type="body" idx="1"/>
+          </p:nvPr>
+        </p:nvSpPr>
+        <p:spPr/>
+        <p:txBody>
+          <a:bodyPr/>
+          <a:lstStyle/>
+          <a:p>
+            <a:r>
+              <a:rPr lang="en-US" dirty="0"/>
+              <a:t>Description of the analysis phase of the project:</a:t>
+            </a:r>
+          </a:p>
+        </p:txBody>
+      </p:sp>
+      <p:sp>
+        <p:nvSpPr>
+          <p:cNvPr id="4" name="Slide Number Placeholder 3"/>
+          <p:cNvSpPr>
+            <a:spLocks noGrp="1"/>
+          </p:cNvSpPr>
+          <p:nvPr>
+            <p:ph type="sldNum" sz="quarter" idx="5"/>
+          </p:nvPr>
+        </p:nvSpPr>
+        <p:spPr/>
+        <p:txBody>
+          <a:bodyPr/>
+          <a:lstStyle/>
+          <a:p>
+            <a:fld id="{8382AD83-B5DF-4BD6-AC2B-95FF0DEC3221}" type="slidenum">
+              <a:rPr lang="en-US" smtClean="0"/>
+              <a:t>6</a:t>
+            </a:fld>
+            <a:endParaRPr lang="en-US"/>
+          </a:p>
+        </p:txBody>
+      </p:sp>
+    </p:spTree>
+    <p:extLst>
+      <p:ext uri="{BB962C8B-B14F-4D97-AF65-F5344CB8AC3E}">
+        <p14:creationId xmlns:p14="http://schemas.microsoft.com/office/powerpoint/2010/main" val="207807768"/>
+      </p:ext>
+    </p:extLst>
+  </p:cSld>
+  <p:clrMapOvr>
+    <a:masterClrMapping/>
+  </p:clrMapOvr>
+</p:notes>
+</file>
+
+<file path=ppt/notesSlides/notesSlide6.xml><?xml version="1.0" encoding="utf-8"?>
+<p:notes xmlns:a="http://schemas.openxmlformats.org/drawingml/2006/main" xmlns:r="http://schemas.openxmlformats.org/officeDocument/2006/relationships" xmlns:p="http://schemas.openxmlformats.org/presentationml/2006/main">
+  <p:cSld>
+    <p:spTree>
+      <p:nvGrpSpPr>
+        <p:cNvPr id="1" name=""/>
+        <p:cNvGrpSpPr/>
+        <p:nvPr/>
+      </p:nvGrpSpPr>
+      <p:grpSpPr>
+        <a:xfrm>
+          <a:off x="0" y="0"/>
+          <a:ext cx="0" cy="0"/>
+          <a:chOff x="0" y="0"/>
+          <a:chExt cx="0" cy="0"/>
+        </a:xfrm>
+      </p:grpSpPr>
+      <p:sp>
+        <p:nvSpPr>
+          <p:cNvPr id="2" name="Slide Image Placeholder 1"/>
+          <p:cNvSpPr>
+            <a:spLocks noGrp="1" noRot="1" noChangeAspect="1"/>
+          </p:cNvSpPr>
+          <p:nvPr>
+            <p:ph type="sldImg"/>
+          </p:nvPr>
+        </p:nvSpPr>
+        <p:spPr/>
+      </p:sp>
+      <p:sp>
+        <p:nvSpPr>
+          <p:cNvPr id="3" name="Notes Placeholder 2"/>
+          <p:cNvSpPr>
+            <a:spLocks noGrp="1"/>
+          </p:cNvSpPr>
+          <p:nvPr>
+            <p:ph type="body" idx="1"/>
+          </p:nvPr>
+        </p:nvSpPr>
+        <p:spPr/>
+        <p:txBody>
+          <a:bodyPr/>
+          <a:lstStyle/>
+          <a:p>
+            <a:r>
+              <a:rPr lang="en-US" dirty="0"/>
+              <a:t>Technologies, languages, tools, and algorithms used throughout the project: </a:t>
+            </a:r>
+          </a:p>
+        </p:txBody>
+      </p:sp>
+      <p:sp>
+        <p:nvSpPr>
+          <p:cNvPr id="4" name="Slide Number Placeholder 3"/>
+          <p:cNvSpPr>
+            <a:spLocks noGrp="1"/>
+          </p:cNvSpPr>
+          <p:nvPr>
+            <p:ph type="sldNum" sz="quarter" idx="5"/>
+          </p:nvPr>
+        </p:nvSpPr>
+        <p:spPr/>
+        <p:txBody>
+          <a:bodyPr/>
+          <a:lstStyle/>
+          <a:p>
+            <a:fld id="{8382AD83-B5DF-4BD6-AC2B-95FF0DEC3221}" type="slidenum">
+              <a:rPr lang="en-US" smtClean="0"/>
+              <a:t>7</a:t>
+            </a:fld>
+            <a:endParaRPr lang="en-US"/>
+          </a:p>
+        </p:txBody>
+      </p:sp>
+    </p:spTree>
+    <p:extLst>
+      <p:ext uri="{BB962C8B-B14F-4D97-AF65-F5344CB8AC3E}">
+        <p14:creationId xmlns:p14="http://schemas.microsoft.com/office/powerpoint/2010/main" val="4045243988"/>
+      </p:ext>
+    </p:extLst>
+  </p:cSld>
+  <p:clrMapOvr>
+    <a:masterClrMapping/>
+  </p:clrMapOvr>
+</p:notes>
+</file>
+
+<file path=ppt/notesSlides/notesSlide7.xml><?xml version="1.0" encoding="utf-8"?>
+<p:notes xmlns:a="http://schemas.openxmlformats.org/drawingml/2006/main" xmlns:r="http://schemas.openxmlformats.org/officeDocument/2006/relationships" xmlns:p="http://schemas.openxmlformats.org/presentationml/2006/main">
+  <p:cSld>
+    <p:spTree>
+      <p:nvGrpSpPr>
+        <p:cNvPr id="1" name=""/>
+        <p:cNvGrpSpPr/>
+        <p:nvPr/>
+      </p:nvGrpSpPr>
+      <p:grpSpPr>
+        <a:xfrm>
+          <a:off x="0" y="0"/>
+          <a:ext cx="0" cy="0"/>
+          <a:chOff x="0" y="0"/>
+          <a:chExt cx="0" cy="0"/>
+        </a:xfrm>
+      </p:grpSpPr>
+      <p:sp>
+        <p:nvSpPr>
+          <p:cNvPr id="2" name="Slide Image Placeholder 1"/>
+          <p:cNvSpPr>
+            <a:spLocks noGrp="1" noRot="1" noChangeAspect="1"/>
+          </p:cNvSpPr>
+          <p:nvPr>
+            <p:ph type="sldImg"/>
+          </p:nvPr>
+        </p:nvSpPr>
+        <p:spPr/>
+      </p:sp>
+      <p:sp>
+        <p:nvSpPr>
+          <p:cNvPr id="3" name="Notes Placeholder 2"/>
+          <p:cNvSpPr>
+            <a:spLocks noGrp="1"/>
+          </p:cNvSpPr>
+          <p:nvPr>
+            <p:ph type="body" idx="1"/>
+          </p:nvPr>
+        </p:nvSpPr>
+        <p:spPr/>
+        <p:txBody>
+          <a:bodyPr/>
+          <a:lstStyle/>
+          <a:p>
+            <a:r>
+              <a:rPr lang="en-US" dirty="0"/>
+              <a:t>Result of analysis:</a:t>
+            </a:r>
+          </a:p>
+        </p:txBody>
+      </p:sp>
+      <p:sp>
+        <p:nvSpPr>
+          <p:cNvPr id="4" name="Slide Number Placeholder 3"/>
+          <p:cNvSpPr>
+            <a:spLocks noGrp="1"/>
+          </p:cNvSpPr>
+          <p:nvPr>
+            <p:ph type="sldNum" sz="quarter" idx="5"/>
+          </p:nvPr>
+        </p:nvSpPr>
+        <p:spPr/>
+        <p:txBody>
+          <a:bodyPr/>
+          <a:lstStyle/>
+          <a:p>
+            <a:fld id="{8382AD83-B5DF-4BD6-AC2B-95FF0DEC3221}" type="slidenum">
+              <a:rPr lang="en-US" smtClean="0"/>
+              <a:t>8</a:t>
+            </a:fld>
+            <a:endParaRPr lang="en-US"/>
+          </a:p>
+        </p:txBody>
+      </p:sp>
+    </p:spTree>
+    <p:extLst>
+      <p:ext uri="{BB962C8B-B14F-4D97-AF65-F5344CB8AC3E}">
+        <p14:creationId xmlns:p14="http://schemas.microsoft.com/office/powerpoint/2010/main" val="2296447071"/>
+      </p:ext>
+    </p:extLst>
+  </p:cSld>
+  <p:clrMapOvr>
+    <a:masterClrMapping/>
+  </p:clrMapOvr>
+</p:notes>
+</file>
+
+<file path=ppt/notesSlides/notesSlide8.xml><?xml version="1.0" encoding="utf-8"?>
+<p:notes xmlns:a="http://schemas.openxmlformats.org/drawingml/2006/main" xmlns:r="http://schemas.openxmlformats.org/officeDocument/2006/relationships" xmlns:p="http://schemas.openxmlformats.org/presentationml/2006/main">
+  <p:cSld>
+    <p:spTree>
+      <p:nvGrpSpPr>
+        <p:cNvPr id="1" name=""/>
+        <p:cNvGrpSpPr/>
+        <p:nvPr/>
+      </p:nvGrpSpPr>
+      <p:grpSpPr>
+        <a:xfrm>
+          <a:off x="0" y="0"/>
+          <a:ext cx="0" cy="0"/>
+          <a:chOff x="0" y="0"/>
+          <a:chExt cx="0" cy="0"/>
+        </a:xfrm>
+      </p:grpSpPr>
+      <p:sp>
+        <p:nvSpPr>
+          <p:cNvPr id="2" name="Slide Image Placeholder 1"/>
+          <p:cNvSpPr>
+            <a:spLocks noGrp="1" noRot="1" noChangeAspect="1"/>
+          </p:cNvSpPr>
+          <p:nvPr>
+            <p:ph type="sldImg"/>
+          </p:nvPr>
+        </p:nvSpPr>
+        <p:spPr/>
+      </p:sp>
+      <p:sp>
+        <p:nvSpPr>
+          <p:cNvPr id="3" name="Notes Placeholder 2"/>
+          <p:cNvSpPr>
+            <a:spLocks noGrp="1"/>
+          </p:cNvSpPr>
+          <p:nvPr>
+            <p:ph type="body" idx="1"/>
+          </p:nvPr>
+        </p:nvSpPr>
+        <p:spPr/>
+        <p:txBody>
+          <a:bodyPr/>
+          <a:lstStyle/>
+          <a:p>
+            <a:r>
+              <a:rPr lang="en-US" dirty="0"/>
+              <a:t>Recommendation for future analysis: </a:t>
+            </a:r>
+          </a:p>
+        </p:txBody>
+      </p:sp>
+      <p:sp>
+        <p:nvSpPr>
+          <p:cNvPr id="4" name="Slide Number Placeholder 3"/>
+          <p:cNvSpPr>
+            <a:spLocks noGrp="1"/>
+          </p:cNvSpPr>
+          <p:nvPr>
+            <p:ph type="sldNum" sz="quarter" idx="5"/>
+          </p:nvPr>
+        </p:nvSpPr>
+        <p:spPr/>
+        <p:txBody>
+          <a:bodyPr/>
+          <a:lstStyle/>
+          <a:p>
+            <a:fld id="{8382AD83-B5DF-4BD6-AC2B-95FF0DEC3221}" type="slidenum">
+              <a:rPr lang="en-US" smtClean="0"/>
+              <a:t>9</a:t>
+            </a:fld>
+            <a:endParaRPr lang="en-US"/>
+          </a:p>
+        </p:txBody>
+      </p:sp>
+    </p:spTree>
+    <p:extLst>
+      <p:ext uri="{BB962C8B-B14F-4D97-AF65-F5344CB8AC3E}">
+        <p14:creationId xmlns:p14="http://schemas.microsoft.com/office/powerpoint/2010/main" val="1659576050"/>
+      </p:ext>
+    </p:extLst>
+  </p:cSld>
+  <p:clrMapOvr>
+    <a:masterClrMapping/>
+  </p:clrMapOvr>
+</p:notes>
+</file>
+
+<file path=ppt/notesSlides/notesSlide9.xml><?xml version="1.0" encoding="utf-8"?>
+<p:notes xmlns:a="http://schemas.openxmlformats.org/drawingml/2006/main" xmlns:r="http://schemas.openxmlformats.org/officeDocument/2006/relationships" xmlns:p="http://schemas.openxmlformats.org/presentationml/2006/main">
+  <p:cSld>
+    <p:spTree>
+      <p:nvGrpSpPr>
+        <p:cNvPr id="1" name=""/>
+        <p:cNvGrpSpPr/>
+        <p:nvPr/>
+      </p:nvGrpSpPr>
+      <p:grpSpPr>
+        <a:xfrm>
+          <a:off x="0" y="0"/>
+          <a:ext cx="0" cy="0"/>
+          <a:chOff x="0" y="0"/>
+          <a:chExt cx="0" cy="0"/>
+        </a:xfrm>
+      </p:grpSpPr>
+      <p:sp>
+        <p:nvSpPr>
+          <p:cNvPr id="2" name="Slide Image Placeholder 1"/>
+          <p:cNvSpPr>
+            <a:spLocks noGrp="1" noRot="1" noChangeAspect="1"/>
+          </p:cNvSpPr>
+          <p:nvPr>
+            <p:ph type="sldImg"/>
+          </p:nvPr>
+        </p:nvSpPr>
+        <p:spPr/>
+      </p:sp>
+      <p:sp>
+        <p:nvSpPr>
+          <p:cNvPr id="3" name="Notes Placeholder 2"/>
+          <p:cNvSpPr>
+            <a:spLocks noGrp="1"/>
+          </p:cNvSpPr>
+          <p:nvPr>
+            <p:ph type="body" idx="1"/>
+          </p:nvPr>
+        </p:nvSpPr>
+        <p:spPr/>
+        <p:txBody>
+          <a:bodyPr/>
+          <a:lstStyle/>
+          <a:p>
+            <a:r>
+              <a:rPr lang="en-US" dirty="0"/>
+              <a:t>Anything the team would have </a:t>
+            </a:r>
+            <a:r>
+              <a:rPr lang="en-US"/>
+              <a:t>done differently:</a:t>
+            </a:r>
+          </a:p>
+        </p:txBody>
+      </p:sp>
+      <p:sp>
+        <p:nvSpPr>
+          <p:cNvPr id="4" name="Slide Number Placeholder 3"/>
+          <p:cNvSpPr>
+            <a:spLocks noGrp="1"/>
+          </p:cNvSpPr>
+          <p:nvPr>
+            <p:ph type="sldNum" sz="quarter" idx="5"/>
+          </p:nvPr>
+        </p:nvSpPr>
+        <p:spPr/>
+        <p:txBody>
+          <a:bodyPr/>
+          <a:lstStyle/>
+          <a:p>
+            <a:fld id="{8382AD83-B5DF-4BD6-AC2B-95FF0DEC3221}" type="slidenum">
+              <a:rPr lang="en-US" smtClean="0"/>
+              <a:t>10</a:t>
+            </a:fld>
+            <a:endParaRPr lang="en-US"/>
+          </a:p>
+        </p:txBody>
+      </p:sp>
+    </p:spTree>
+    <p:extLst>
+      <p:ext uri="{BB962C8B-B14F-4D97-AF65-F5344CB8AC3E}">
+        <p14:creationId xmlns:p14="http://schemas.microsoft.com/office/powerpoint/2010/main" val="1968929199"/>
+      </p:ext>
+    </p:extLst>
+  </p:cSld>
+  <p:clrMapOvr>
+    <a:masterClrMapping/>
+  </p:clrMapOvr>
+</p:notes>
+</file>
+
 <file path=ppt/slideLayouts/slideLayout1.xml><?xml version="1.0" encoding="utf-8"?>
 <p:sldLayout xmlns:a="http://schemas.openxmlformats.org/drawingml/2006/main" xmlns:r="http://schemas.openxmlformats.org/officeDocument/2006/relationships" xmlns:p="http://schemas.openxmlformats.org/presentationml/2006/main" showMasterSp="0" type="title" preserve="1">
   <p:cSld name="Title Slide">
@@ -1197,7 +1771,7 @@
             <a:fld id="{A37D6D71-8B28-4ED6-B932-04B197003D23}" type="datetimeFigureOut">
               <a:rPr lang="en-US" smtClean="0"/>
               <a:pPr algn="r"/>
-              <a:t>10/24/2021</a:t>
+              <a:t>10/31/2021</a:t>
             </a:fld>
             <a:endParaRPr lang="en-US" dirty="0"/>
           </a:p>
@@ -1419,7 +1993,7 @@
             <a:fld id="{A37D6D71-8B28-4ED6-B932-04B197003D23}" type="datetimeFigureOut">
               <a:rPr lang="en-US" smtClean="0"/>
               <a:pPr algn="r"/>
-              <a:t>10/24/2021</a:t>
+              <a:t>10/31/2021</a:t>
             </a:fld>
             <a:endParaRPr lang="en-US" dirty="0"/>
           </a:p>
@@ -1702,7 +2276,7 @@
             <a:fld id="{A37D6D71-8B28-4ED6-B932-04B197003D23}" type="datetimeFigureOut">
               <a:rPr lang="en-US" smtClean="0"/>
               <a:pPr algn="r"/>
-              <a:t>10/24/2021</a:t>
+              <a:t>10/31/2021</a:t>
             </a:fld>
             <a:endParaRPr lang="en-US" dirty="0"/>
           </a:p>
@@ -1916,7 +2490,7 @@
             <a:fld id="{A37D6D71-8B28-4ED6-B932-04B197003D23}" type="datetimeFigureOut">
               <a:rPr lang="en-US" smtClean="0"/>
               <a:pPr algn="r"/>
-              <a:t>10/24/2021</a:t>
+              <a:t>10/31/2021</a:t>
             </a:fld>
             <a:endParaRPr lang="en-US" dirty="0"/>
           </a:p>
@@ -2254,7 +2828,7 @@
             <a:fld id="{A37D6D71-8B28-4ED6-B932-04B197003D23}" type="datetimeFigureOut">
               <a:rPr lang="en-US" smtClean="0"/>
               <a:pPr algn="r"/>
-              <a:t>10/24/2021</a:t>
+              <a:t>10/31/2021</a:t>
             </a:fld>
             <a:endParaRPr lang="en-US" dirty="0"/>
           </a:p>
@@ -2529,7 +3103,7 @@
             <a:fld id="{A37D6D71-8B28-4ED6-B932-04B197003D23}" type="datetimeFigureOut">
               <a:rPr lang="en-US" smtClean="0"/>
               <a:pPr algn="r"/>
-              <a:t>10/24/2021</a:t>
+              <a:t>10/31/2021</a:t>
             </a:fld>
             <a:endParaRPr lang="en-US" dirty="0"/>
           </a:p>
@@ -2918,7 +3492,7 @@
             <a:fld id="{A37D6D71-8B28-4ED6-B932-04B197003D23}" type="datetimeFigureOut">
               <a:rPr lang="en-US" smtClean="0"/>
               <a:pPr algn="r"/>
-              <a:t>10/24/2021</a:t>
+              <a:t>10/31/2021</a:t>
             </a:fld>
             <a:endParaRPr lang="en-US" dirty="0"/>
           </a:p>
@@ -3095,7 +3669,7 @@
             <a:fld id="{A37D6D71-8B28-4ED6-B932-04B197003D23}" type="datetimeFigureOut">
               <a:rPr lang="en-US" smtClean="0"/>
               <a:pPr algn="r"/>
-              <a:t>10/24/2021</a:t>
+              <a:t>10/31/2021</a:t>
             </a:fld>
             <a:endParaRPr lang="en-US" dirty="0"/>
           </a:p>
@@ -3216,7 +3790,7 @@
             <a:fld id="{A37D6D71-8B28-4ED6-B932-04B197003D23}" type="datetimeFigureOut">
               <a:rPr lang="en-US" smtClean="0"/>
               <a:pPr algn="r"/>
-              <a:t>10/24/2021</a:t>
+              <a:t>10/31/2021</a:t>
             </a:fld>
             <a:endParaRPr lang="en-US" dirty="0"/>
           </a:p>
@@ -3501,7 +4075,7 @@
             <a:fld id="{A37D6D71-8B28-4ED6-B932-04B197003D23}" type="datetimeFigureOut">
               <a:rPr lang="en-US" smtClean="0"/>
               <a:pPr algn="r"/>
-              <a:t>10/24/2021</a:t>
+              <a:t>10/31/2021</a:t>
             </a:fld>
             <a:endParaRPr lang="en-US" dirty="0"/>
           </a:p>
@@ -3802,7 +4376,7 @@
             <a:fld id="{A37D6D71-8B28-4ED6-B932-04B197003D23}" type="datetimeFigureOut">
               <a:rPr lang="en-US" smtClean="0"/>
               <a:pPr algn="r"/>
-              <a:t>10/24/2021</a:t>
+              <a:t>10/31/2021</a:t>
             </a:fld>
             <a:endParaRPr lang="en-US" dirty="0"/>
           </a:p>
@@ -4150,7 +4724,7 @@
             <a:fld id="{A37D6D71-8B28-4ED6-B932-04B197003D23}" type="datetimeFigureOut">
               <a:rPr lang="en-US" smtClean="0"/>
               <a:pPr algn="r"/>
-              <a:t>10/24/2021</a:t>
+              <a:t>10/31/2021</a:t>
             </a:fld>
             <a:endParaRPr lang="en-US" spc="50" dirty="0"/>
           </a:p>
@@ -5049,6 +5623,86 @@
 </p:sld>
 </file>
 
+<file path=ppt/slides/slide10.xml><?xml version="1.0" encoding="utf-8"?>
+<p:sld xmlns:a="http://schemas.openxmlformats.org/drawingml/2006/main" xmlns:r="http://schemas.openxmlformats.org/officeDocument/2006/relationships" xmlns:p="http://schemas.openxmlformats.org/presentationml/2006/main">
+  <p:cSld>
+    <p:spTree>
+      <p:nvGrpSpPr>
+        <p:cNvPr id="1" name=""/>
+        <p:cNvGrpSpPr/>
+        <p:nvPr/>
+      </p:nvGrpSpPr>
+      <p:grpSpPr>
+        <a:xfrm>
+          <a:off x="0" y="0"/>
+          <a:ext cx="0" cy="0"/>
+          <a:chOff x="0" y="0"/>
+          <a:chExt cx="0" cy="0"/>
+        </a:xfrm>
+      </p:grpSpPr>
+      <p:sp>
+        <p:nvSpPr>
+          <p:cNvPr id="2" name="Title 1">
+            <a:extLst>
+              <a:ext uri="{FF2B5EF4-FFF2-40B4-BE49-F238E27FC236}">
+                <a16:creationId xmlns:a16="http://schemas.microsoft.com/office/drawing/2014/main" id="{F7EE706F-D698-4024-BCE4-B57C05976FEF}"/>
+              </a:ext>
+            </a:extLst>
+          </p:cNvPr>
+          <p:cNvSpPr>
+            <a:spLocks noGrp="1"/>
+          </p:cNvSpPr>
+          <p:nvPr>
+            <p:ph type="title"/>
+          </p:nvPr>
+        </p:nvSpPr>
+        <p:spPr/>
+        <p:txBody>
+          <a:bodyPr/>
+          <a:lstStyle/>
+          <a:p>
+            <a:endParaRPr lang="en-US"/>
+          </a:p>
+        </p:txBody>
+      </p:sp>
+      <p:sp>
+        <p:nvSpPr>
+          <p:cNvPr id="3" name="Content Placeholder 2">
+            <a:extLst>
+              <a:ext uri="{FF2B5EF4-FFF2-40B4-BE49-F238E27FC236}">
+                <a16:creationId xmlns:a16="http://schemas.microsoft.com/office/drawing/2014/main" id="{9A15327A-8312-478B-A852-0F2E5BAE44A3}"/>
+              </a:ext>
+            </a:extLst>
+          </p:cNvPr>
+          <p:cNvSpPr>
+            <a:spLocks noGrp="1"/>
+          </p:cNvSpPr>
+          <p:nvPr>
+            <p:ph idx="1"/>
+          </p:nvPr>
+        </p:nvSpPr>
+        <p:spPr/>
+        <p:txBody>
+          <a:bodyPr/>
+          <a:lstStyle/>
+          <a:p>
+            <a:endParaRPr lang="en-US"/>
+          </a:p>
+        </p:txBody>
+      </p:sp>
+    </p:spTree>
+    <p:extLst>
+      <p:ext uri="{BB962C8B-B14F-4D97-AF65-F5344CB8AC3E}">
+        <p14:creationId xmlns:p14="http://schemas.microsoft.com/office/powerpoint/2010/main" val="1302545605"/>
+      </p:ext>
+    </p:extLst>
+  </p:cSld>
+  <p:clrMapOvr>
+    <a:masterClrMapping/>
+  </p:clrMapOvr>
+</p:sld>
+</file>
+
 <file path=ppt/slides/slide2.xml><?xml version="1.0" encoding="utf-8"?>
 <p:sld xmlns:a="http://schemas.openxmlformats.org/drawingml/2006/main" xmlns:r="http://schemas.openxmlformats.org/officeDocument/2006/relationships" xmlns:p="http://schemas.openxmlformats.org/presentationml/2006/main">
   <p:cSld>
@@ -5801,6 +6455,406 @@
     <p:extLst>
       <p:ext uri="{BB962C8B-B14F-4D97-AF65-F5344CB8AC3E}">
         <p14:creationId xmlns:p14="http://schemas.microsoft.com/office/powerpoint/2010/main" val="218487303"/>
+      </p:ext>
+    </p:extLst>
+  </p:cSld>
+  <p:clrMapOvr>
+    <a:masterClrMapping/>
+  </p:clrMapOvr>
+</p:sld>
+</file>
+
+<file path=ppt/slides/slide5.xml><?xml version="1.0" encoding="utf-8"?>
+<p:sld xmlns:a="http://schemas.openxmlformats.org/drawingml/2006/main" xmlns:r="http://schemas.openxmlformats.org/officeDocument/2006/relationships" xmlns:p="http://schemas.openxmlformats.org/presentationml/2006/main">
+  <p:cSld>
+    <p:spTree>
+      <p:nvGrpSpPr>
+        <p:cNvPr id="1" name=""/>
+        <p:cNvGrpSpPr/>
+        <p:nvPr/>
+      </p:nvGrpSpPr>
+      <p:grpSpPr>
+        <a:xfrm>
+          <a:off x="0" y="0"/>
+          <a:ext cx="0" cy="0"/>
+          <a:chOff x="0" y="0"/>
+          <a:chExt cx="0" cy="0"/>
+        </a:xfrm>
+      </p:grpSpPr>
+      <p:sp>
+        <p:nvSpPr>
+          <p:cNvPr id="2" name="Title 1">
+            <a:extLst>
+              <a:ext uri="{FF2B5EF4-FFF2-40B4-BE49-F238E27FC236}">
+                <a16:creationId xmlns:a16="http://schemas.microsoft.com/office/drawing/2014/main" id="{8B9EC104-FCF8-482D-833F-B9BAB79DA61D}"/>
+              </a:ext>
+            </a:extLst>
+          </p:cNvPr>
+          <p:cNvSpPr>
+            <a:spLocks noGrp="1"/>
+          </p:cNvSpPr>
+          <p:nvPr>
+            <p:ph type="title"/>
+          </p:nvPr>
+        </p:nvSpPr>
+        <p:spPr/>
+        <p:txBody>
+          <a:bodyPr/>
+          <a:lstStyle/>
+          <a:p>
+            <a:endParaRPr lang="en-US"/>
+          </a:p>
+        </p:txBody>
+      </p:sp>
+      <p:sp>
+        <p:nvSpPr>
+          <p:cNvPr id="3" name="Content Placeholder 2">
+            <a:extLst>
+              <a:ext uri="{FF2B5EF4-FFF2-40B4-BE49-F238E27FC236}">
+                <a16:creationId xmlns:a16="http://schemas.microsoft.com/office/drawing/2014/main" id="{18C6CAC7-1AC4-461F-BCFB-213EF76A92EE}"/>
+              </a:ext>
+            </a:extLst>
+          </p:cNvPr>
+          <p:cNvSpPr>
+            <a:spLocks noGrp="1"/>
+          </p:cNvSpPr>
+          <p:nvPr>
+            <p:ph idx="1"/>
+          </p:nvPr>
+        </p:nvSpPr>
+        <p:spPr/>
+        <p:txBody>
+          <a:bodyPr/>
+          <a:lstStyle/>
+          <a:p>
+            <a:endParaRPr lang="en-US"/>
+          </a:p>
+        </p:txBody>
+      </p:sp>
+    </p:spTree>
+    <p:extLst>
+      <p:ext uri="{BB962C8B-B14F-4D97-AF65-F5344CB8AC3E}">
+        <p14:creationId xmlns:p14="http://schemas.microsoft.com/office/powerpoint/2010/main" val="2730496532"/>
+      </p:ext>
+    </p:extLst>
+  </p:cSld>
+  <p:clrMapOvr>
+    <a:masterClrMapping/>
+  </p:clrMapOvr>
+</p:sld>
+</file>
+
+<file path=ppt/slides/slide6.xml><?xml version="1.0" encoding="utf-8"?>
+<p:sld xmlns:a="http://schemas.openxmlformats.org/drawingml/2006/main" xmlns:r="http://schemas.openxmlformats.org/officeDocument/2006/relationships" xmlns:p="http://schemas.openxmlformats.org/presentationml/2006/main">
+  <p:cSld>
+    <p:spTree>
+      <p:nvGrpSpPr>
+        <p:cNvPr id="1" name=""/>
+        <p:cNvGrpSpPr/>
+        <p:nvPr/>
+      </p:nvGrpSpPr>
+      <p:grpSpPr>
+        <a:xfrm>
+          <a:off x="0" y="0"/>
+          <a:ext cx="0" cy="0"/>
+          <a:chOff x="0" y="0"/>
+          <a:chExt cx="0" cy="0"/>
+        </a:xfrm>
+      </p:grpSpPr>
+      <p:sp>
+        <p:nvSpPr>
+          <p:cNvPr id="2" name="Title 1">
+            <a:extLst>
+              <a:ext uri="{FF2B5EF4-FFF2-40B4-BE49-F238E27FC236}">
+                <a16:creationId xmlns:a16="http://schemas.microsoft.com/office/drawing/2014/main" id="{8DC2469B-491B-449B-BBAF-62C42A10CBD8}"/>
+              </a:ext>
+            </a:extLst>
+          </p:cNvPr>
+          <p:cNvSpPr>
+            <a:spLocks noGrp="1"/>
+          </p:cNvSpPr>
+          <p:nvPr>
+            <p:ph type="title"/>
+          </p:nvPr>
+        </p:nvSpPr>
+        <p:spPr/>
+        <p:txBody>
+          <a:bodyPr/>
+          <a:lstStyle/>
+          <a:p>
+            <a:endParaRPr lang="en-US"/>
+          </a:p>
+        </p:txBody>
+      </p:sp>
+      <p:sp>
+        <p:nvSpPr>
+          <p:cNvPr id="3" name="Content Placeholder 2">
+            <a:extLst>
+              <a:ext uri="{FF2B5EF4-FFF2-40B4-BE49-F238E27FC236}">
+                <a16:creationId xmlns:a16="http://schemas.microsoft.com/office/drawing/2014/main" id="{135F1482-E208-49C4-9C5B-CC00A1E8831F}"/>
+              </a:ext>
+            </a:extLst>
+          </p:cNvPr>
+          <p:cNvSpPr>
+            <a:spLocks noGrp="1"/>
+          </p:cNvSpPr>
+          <p:nvPr>
+            <p:ph idx="1"/>
+          </p:nvPr>
+        </p:nvSpPr>
+        <p:spPr/>
+        <p:txBody>
+          <a:bodyPr/>
+          <a:lstStyle/>
+          <a:p>
+            <a:endParaRPr lang="en-US"/>
+          </a:p>
+        </p:txBody>
+      </p:sp>
+    </p:spTree>
+    <p:extLst>
+      <p:ext uri="{BB962C8B-B14F-4D97-AF65-F5344CB8AC3E}">
+        <p14:creationId xmlns:p14="http://schemas.microsoft.com/office/powerpoint/2010/main" val="933643513"/>
+      </p:ext>
+    </p:extLst>
+  </p:cSld>
+  <p:clrMapOvr>
+    <a:masterClrMapping/>
+  </p:clrMapOvr>
+</p:sld>
+</file>
+
+<file path=ppt/slides/slide7.xml><?xml version="1.0" encoding="utf-8"?>
+<p:sld xmlns:a="http://schemas.openxmlformats.org/drawingml/2006/main" xmlns:r="http://schemas.openxmlformats.org/officeDocument/2006/relationships" xmlns:p="http://schemas.openxmlformats.org/presentationml/2006/main">
+  <p:cSld>
+    <p:spTree>
+      <p:nvGrpSpPr>
+        <p:cNvPr id="1" name=""/>
+        <p:cNvGrpSpPr/>
+        <p:nvPr/>
+      </p:nvGrpSpPr>
+      <p:grpSpPr>
+        <a:xfrm>
+          <a:off x="0" y="0"/>
+          <a:ext cx="0" cy="0"/>
+          <a:chOff x="0" y="0"/>
+          <a:chExt cx="0" cy="0"/>
+        </a:xfrm>
+      </p:grpSpPr>
+      <p:sp>
+        <p:nvSpPr>
+          <p:cNvPr id="2" name="Title 1">
+            <a:extLst>
+              <a:ext uri="{FF2B5EF4-FFF2-40B4-BE49-F238E27FC236}">
+                <a16:creationId xmlns:a16="http://schemas.microsoft.com/office/drawing/2014/main" id="{7A8E0AB1-DBE1-451C-A032-485F6286E3F3}"/>
+              </a:ext>
+            </a:extLst>
+          </p:cNvPr>
+          <p:cNvSpPr>
+            <a:spLocks noGrp="1"/>
+          </p:cNvSpPr>
+          <p:nvPr>
+            <p:ph type="title"/>
+          </p:nvPr>
+        </p:nvSpPr>
+        <p:spPr/>
+        <p:txBody>
+          <a:bodyPr/>
+          <a:lstStyle/>
+          <a:p>
+            <a:endParaRPr lang="en-US"/>
+          </a:p>
+        </p:txBody>
+      </p:sp>
+      <p:sp>
+        <p:nvSpPr>
+          <p:cNvPr id="3" name="Content Placeholder 2">
+            <a:extLst>
+              <a:ext uri="{FF2B5EF4-FFF2-40B4-BE49-F238E27FC236}">
+                <a16:creationId xmlns:a16="http://schemas.microsoft.com/office/drawing/2014/main" id="{A612F5A8-3E12-43BD-8784-444B5C059B56}"/>
+              </a:ext>
+            </a:extLst>
+          </p:cNvPr>
+          <p:cNvSpPr>
+            <a:spLocks noGrp="1"/>
+          </p:cNvSpPr>
+          <p:nvPr>
+            <p:ph idx="1"/>
+          </p:nvPr>
+        </p:nvSpPr>
+        <p:spPr/>
+        <p:txBody>
+          <a:bodyPr/>
+          <a:lstStyle/>
+          <a:p>
+            <a:endParaRPr lang="en-US"/>
+          </a:p>
+        </p:txBody>
+      </p:sp>
+    </p:spTree>
+    <p:extLst>
+      <p:ext uri="{BB962C8B-B14F-4D97-AF65-F5344CB8AC3E}">
+        <p14:creationId xmlns:p14="http://schemas.microsoft.com/office/powerpoint/2010/main" val="2869901700"/>
+      </p:ext>
+    </p:extLst>
+  </p:cSld>
+  <p:clrMapOvr>
+    <a:masterClrMapping/>
+  </p:clrMapOvr>
+</p:sld>
+</file>
+
+<file path=ppt/slides/slide8.xml><?xml version="1.0" encoding="utf-8"?>
+<p:sld xmlns:a="http://schemas.openxmlformats.org/drawingml/2006/main" xmlns:r="http://schemas.openxmlformats.org/officeDocument/2006/relationships" xmlns:p="http://schemas.openxmlformats.org/presentationml/2006/main">
+  <p:cSld>
+    <p:spTree>
+      <p:nvGrpSpPr>
+        <p:cNvPr id="1" name=""/>
+        <p:cNvGrpSpPr/>
+        <p:nvPr/>
+      </p:nvGrpSpPr>
+      <p:grpSpPr>
+        <a:xfrm>
+          <a:off x="0" y="0"/>
+          <a:ext cx="0" cy="0"/>
+          <a:chOff x="0" y="0"/>
+          <a:chExt cx="0" cy="0"/>
+        </a:xfrm>
+      </p:grpSpPr>
+      <p:sp>
+        <p:nvSpPr>
+          <p:cNvPr id="2" name="Title 1">
+            <a:extLst>
+              <a:ext uri="{FF2B5EF4-FFF2-40B4-BE49-F238E27FC236}">
+                <a16:creationId xmlns:a16="http://schemas.microsoft.com/office/drawing/2014/main" id="{DC884FA8-97A7-42A3-B4A8-6475A65F7904}"/>
+              </a:ext>
+            </a:extLst>
+          </p:cNvPr>
+          <p:cNvSpPr>
+            <a:spLocks noGrp="1"/>
+          </p:cNvSpPr>
+          <p:nvPr>
+            <p:ph type="title"/>
+          </p:nvPr>
+        </p:nvSpPr>
+        <p:spPr/>
+        <p:txBody>
+          <a:bodyPr/>
+          <a:lstStyle/>
+          <a:p>
+            <a:endParaRPr lang="en-US"/>
+          </a:p>
+        </p:txBody>
+      </p:sp>
+      <p:sp>
+        <p:nvSpPr>
+          <p:cNvPr id="3" name="Content Placeholder 2">
+            <a:extLst>
+              <a:ext uri="{FF2B5EF4-FFF2-40B4-BE49-F238E27FC236}">
+                <a16:creationId xmlns:a16="http://schemas.microsoft.com/office/drawing/2014/main" id="{AE0B144A-0F7A-49F4-A7FE-EFD985425F1F}"/>
+              </a:ext>
+            </a:extLst>
+          </p:cNvPr>
+          <p:cNvSpPr>
+            <a:spLocks noGrp="1"/>
+          </p:cNvSpPr>
+          <p:nvPr>
+            <p:ph idx="1"/>
+          </p:nvPr>
+        </p:nvSpPr>
+        <p:spPr/>
+        <p:txBody>
+          <a:bodyPr/>
+          <a:lstStyle/>
+          <a:p>
+            <a:endParaRPr lang="en-US"/>
+          </a:p>
+        </p:txBody>
+      </p:sp>
+    </p:spTree>
+    <p:extLst>
+      <p:ext uri="{BB962C8B-B14F-4D97-AF65-F5344CB8AC3E}">
+        <p14:creationId xmlns:p14="http://schemas.microsoft.com/office/powerpoint/2010/main" val="642101144"/>
+      </p:ext>
+    </p:extLst>
+  </p:cSld>
+  <p:clrMapOvr>
+    <a:masterClrMapping/>
+  </p:clrMapOvr>
+</p:sld>
+</file>
+
+<file path=ppt/slides/slide9.xml><?xml version="1.0" encoding="utf-8"?>
+<p:sld xmlns:a="http://schemas.openxmlformats.org/drawingml/2006/main" xmlns:r="http://schemas.openxmlformats.org/officeDocument/2006/relationships" xmlns:p="http://schemas.openxmlformats.org/presentationml/2006/main">
+  <p:cSld>
+    <p:spTree>
+      <p:nvGrpSpPr>
+        <p:cNvPr id="1" name=""/>
+        <p:cNvGrpSpPr/>
+        <p:nvPr/>
+      </p:nvGrpSpPr>
+      <p:grpSpPr>
+        <a:xfrm>
+          <a:off x="0" y="0"/>
+          <a:ext cx="0" cy="0"/>
+          <a:chOff x="0" y="0"/>
+          <a:chExt cx="0" cy="0"/>
+        </a:xfrm>
+      </p:grpSpPr>
+      <p:sp>
+        <p:nvSpPr>
+          <p:cNvPr id="2" name="Title 1">
+            <a:extLst>
+              <a:ext uri="{FF2B5EF4-FFF2-40B4-BE49-F238E27FC236}">
+                <a16:creationId xmlns:a16="http://schemas.microsoft.com/office/drawing/2014/main" id="{00A15753-9A0A-46A0-827A-191A50197E37}"/>
+              </a:ext>
+            </a:extLst>
+          </p:cNvPr>
+          <p:cNvSpPr>
+            <a:spLocks noGrp="1"/>
+          </p:cNvSpPr>
+          <p:nvPr>
+            <p:ph type="title"/>
+          </p:nvPr>
+        </p:nvSpPr>
+        <p:spPr/>
+        <p:txBody>
+          <a:bodyPr/>
+          <a:lstStyle/>
+          <a:p>
+            <a:endParaRPr lang="en-US"/>
+          </a:p>
+        </p:txBody>
+      </p:sp>
+      <p:sp>
+        <p:nvSpPr>
+          <p:cNvPr id="3" name="Content Placeholder 2">
+            <a:extLst>
+              <a:ext uri="{FF2B5EF4-FFF2-40B4-BE49-F238E27FC236}">
+                <a16:creationId xmlns:a16="http://schemas.microsoft.com/office/drawing/2014/main" id="{03CA9E21-7364-4DA9-8E97-33FFAA50BF9C}"/>
+              </a:ext>
+            </a:extLst>
+          </p:cNvPr>
+          <p:cNvSpPr>
+            <a:spLocks noGrp="1"/>
+          </p:cNvSpPr>
+          <p:nvPr>
+            <p:ph idx="1"/>
+          </p:nvPr>
+        </p:nvSpPr>
+        <p:spPr/>
+        <p:txBody>
+          <a:bodyPr/>
+          <a:lstStyle/>
+          <a:p>
+            <a:endParaRPr lang="en-US"/>
+          </a:p>
+        </p:txBody>
+      </p:sp>
+    </p:spTree>
+    <p:extLst>
+      <p:ext uri="{BB962C8B-B14F-4D97-AF65-F5344CB8AC3E}">
+        <p14:creationId xmlns:p14="http://schemas.microsoft.com/office/powerpoint/2010/main" val="1993694396"/>
       </p:ext>
     </p:extLst>
   </p:cSld>

--- a/Resources/Final.Presentation.pptx
+++ b/Resources/Final.Presentation.pptx
@@ -137,7 +137,7 @@
   <pc:docChgLst>
     <pc:chgData name="Taryn Syler" userId="d093462dc93fe5e1" providerId="LiveId" clId="{2D2F4B00-D67B-471E-8EC5-16430E5C6708}"/>
     <pc:docChg chg="undo custSel addSld modSld">
-      <pc:chgData name="Taryn Syler" userId="d093462dc93fe5e1" providerId="LiveId" clId="{2D2F4B00-D67B-471E-8EC5-16430E5C6708}" dt="2021-11-01T05:38:04.792" v="2313" actId="20577"/>
+      <pc:chgData name="Taryn Syler" userId="d093462dc93fe5e1" providerId="LiveId" clId="{2D2F4B00-D67B-471E-8EC5-16430E5C6708}" dt="2021-11-01T05:57:44.482" v="2661" actId="20577"/>
       <pc:docMkLst>
         <pc:docMk/>
       </pc:docMkLst>
@@ -330,12 +330,28 @@
           </ac:picMkLst>
         </pc:picChg>
       </pc:sldChg>
-      <pc:sldChg chg="new modNotesTx">
-        <pc:chgData name="Taryn Syler" userId="d093462dc93fe5e1" providerId="LiveId" clId="{2D2F4B00-D67B-471E-8EC5-16430E5C6708}" dt="2021-11-01T05:32:32.908" v="2024" actId="20577"/>
+      <pc:sldChg chg="modSp new mod modNotesTx">
+        <pc:chgData name="Taryn Syler" userId="d093462dc93fe5e1" providerId="LiveId" clId="{2D2F4B00-D67B-471E-8EC5-16430E5C6708}" dt="2021-11-01T05:57:44.482" v="2661" actId="20577"/>
         <pc:sldMkLst>
           <pc:docMk/>
           <pc:sldMk cId="2730496532" sldId="260"/>
         </pc:sldMkLst>
+        <pc:spChg chg="mod">
+          <ac:chgData name="Taryn Syler" userId="d093462dc93fe5e1" providerId="LiveId" clId="{2D2F4B00-D67B-471E-8EC5-16430E5C6708}" dt="2021-11-01T05:45:58.398" v="2330" actId="20577"/>
+          <ac:spMkLst>
+            <pc:docMk/>
+            <pc:sldMk cId="2730496532" sldId="260"/>
+            <ac:spMk id="2" creationId="{8B9EC104-FCF8-482D-833F-B9BAB79DA61D}"/>
+          </ac:spMkLst>
+        </pc:spChg>
+        <pc:spChg chg="mod">
+          <ac:chgData name="Taryn Syler" userId="d093462dc93fe5e1" providerId="LiveId" clId="{2D2F4B00-D67B-471E-8EC5-16430E5C6708}" dt="2021-11-01T05:57:44.482" v="2661" actId="20577"/>
+          <ac:spMkLst>
+            <pc:docMk/>
+            <pc:sldMk cId="2730496532" sldId="260"/>
+            <ac:spMk id="3" creationId="{18C6CAC7-1AC4-461F-BCFB-213EF76A92EE}"/>
+          </ac:spMkLst>
+        </pc:spChg>
       </pc:sldChg>
       <pc:sldChg chg="new modNotesTx">
         <pc:chgData name="Taryn Syler" userId="d093462dc93fe5e1" providerId="LiveId" clId="{2D2F4B00-D67B-471E-8EC5-16430E5C6708}" dt="2021-11-01T05:36:44.853" v="2086" actId="20577"/>
@@ -6502,7 +6518,10 @@
           <a:bodyPr/>
           <a:lstStyle/>
           <a:p>
-            <a:endParaRPr lang="en-US"/>
+            <a:r>
+              <a:rPr lang="en-US" dirty="0"/>
+              <a:t>Data exploration	</a:t>
+            </a:r>
           </a:p>
         </p:txBody>
       </p:sp>
@@ -6527,7 +6546,55 @@
           <a:bodyPr/>
           <a:lstStyle/>
           <a:p>
-            <a:endParaRPr lang="en-US"/>
+            <a:pPr marL="457200" indent="-457200">
+              <a:buFont typeface="Arial" panose="020B0604020202020204" pitchFamily="34" charset="0"/>
+              <a:buChar char="•"/>
+            </a:pPr>
+            <a:r>
+              <a:rPr lang="en-US" dirty="0"/>
+              <a:t>Screenshot or example of the data we found through external sources</a:t>
+            </a:r>
+          </a:p>
+          <a:p>
+            <a:pPr marL="457200" indent="-457200">
+              <a:buFont typeface="Arial" panose="020B0604020202020204" pitchFamily="34" charset="0"/>
+              <a:buChar char="•"/>
+            </a:pPr>
+            <a:r>
+              <a:rPr lang="en-US" dirty="0"/>
+              <a:t>Issues that came up</a:t>
+            </a:r>
+          </a:p>
+          <a:p>
+            <a:pPr marL="731520" lvl="1" indent="-457200">
+              <a:buFont typeface="Arial" panose="020B0604020202020204" pitchFamily="34" charset="0"/>
+              <a:buChar char="•"/>
+            </a:pPr>
+            <a:r>
+              <a:rPr lang="en-US" dirty="0"/>
+              <a:t>Potentially put this section later, when talking about doing things differently in the future</a:t>
+            </a:r>
+          </a:p>
+          <a:p>
+            <a:pPr marL="457200" indent="-457200">
+              <a:buFont typeface="Arial" panose="020B0604020202020204" pitchFamily="34" charset="0"/>
+              <a:buChar char="•"/>
+            </a:pPr>
+            <a:r>
+              <a:rPr lang="en-US" dirty="0"/>
+              <a:t>Finding which data to </a:t>
+            </a:r>
+            <a:r>
+              <a:rPr lang="en-US"/>
+              <a:t>focus on</a:t>
+            </a:r>
+            <a:endParaRPr lang="en-US" dirty="0"/>
+          </a:p>
+          <a:p>
+            <a:pPr lvl="1" indent="0">
+              <a:buNone/>
+            </a:pPr>
+            <a:endParaRPr lang="en-US" dirty="0"/>
           </a:p>
         </p:txBody>
       </p:sp>

--- a/Resources/Final.Presentation.pptx
+++ b/Resources/Final.Presentation.pptx
@@ -137,7 +137,7 @@
   <pc:docChgLst>
     <pc:chgData name="Taryn Syler" userId="d093462dc93fe5e1" providerId="LiveId" clId="{2D2F4B00-D67B-471E-8EC5-16430E5C6708}"/>
     <pc:docChg chg="undo custSel addSld modSld">
-      <pc:chgData name="Taryn Syler" userId="d093462dc93fe5e1" providerId="LiveId" clId="{2D2F4B00-D67B-471E-8EC5-16430E5C6708}" dt="2021-11-01T05:57:44.482" v="2661" actId="20577"/>
+      <pc:chgData name="Taryn Syler" userId="d093462dc93fe5e1" providerId="LiveId" clId="{2D2F4B00-D67B-471E-8EC5-16430E5C6708}" dt="2021-11-01T06:03:01.430" v="2899" actId="20577"/>
       <pc:docMkLst>
         <pc:docMk/>
       </pc:docMkLst>
@@ -353,12 +353,28 @@
           </ac:spMkLst>
         </pc:spChg>
       </pc:sldChg>
-      <pc:sldChg chg="new modNotesTx">
-        <pc:chgData name="Taryn Syler" userId="d093462dc93fe5e1" providerId="LiveId" clId="{2D2F4B00-D67B-471E-8EC5-16430E5C6708}" dt="2021-11-01T05:36:44.853" v="2086" actId="20577"/>
+      <pc:sldChg chg="modSp new mod modNotesTx">
+        <pc:chgData name="Taryn Syler" userId="d093462dc93fe5e1" providerId="LiveId" clId="{2D2F4B00-D67B-471E-8EC5-16430E5C6708}" dt="2021-11-01T06:03:01.430" v="2899" actId="20577"/>
         <pc:sldMkLst>
           <pc:docMk/>
           <pc:sldMk cId="933643513" sldId="261"/>
         </pc:sldMkLst>
+        <pc:spChg chg="mod">
+          <ac:chgData name="Taryn Syler" userId="d093462dc93fe5e1" providerId="LiveId" clId="{2D2F4B00-D67B-471E-8EC5-16430E5C6708}" dt="2021-11-01T06:00:42.604" v="2675" actId="20577"/>
+          <ac:spMkLst>
+            <pc:docMk/>
+            <pc:sldMk cId="933643513" sldId="261"/>
+            <ac:spMk id="2" creationId="{8DC2469B-491B-449B-BBAF-62C42A10CBD8}"/>
+          </ac:spMkLst>
+        </pc:spChg>
+        <pc:spChg chg="mod">
+          <ac:chgData name="Taryn Syler" userId="d093462dc93fe5e1" providerId="LiveId" clId="{2D2F4B00-D67B-471E-8EC5-16430E5C6708}" dt="2021-11-01T06:03:01.430" v="2899" actId="20577"/>
+          <ac:spMkLst>
+            <pc:docMk/>
+            <pc:sldMk cId="933643513" sldId="261"/>
+            <ac:spMk id="3" creationId="{135F1482-E208-49C4-9C5B-CC00A1E8831F}"/>
+          </ac:spMkLst>
+        </pc:spChg>
       </pc:sldChg>
       <pc:sldChg chg="new modNotesTx">
         <pc:chgData name="Taryn Syler" userId="d093462dc93fe5e1" providerId="LiveId" clId="{2D2F4B00-D67B-471E-8EC5-16430E5C6708}" dt="2021-11-01T05:37:18.958" v="2181" actId="20577"/>
@@ -6649,7 +6665,10 @@
           <a:bodyPr/>
           <a:lstStyle/>
           <a:p>
-            <a:endParaRPr lang="en-US"/>
+            <a:r>
+              <a:rPr lang="en-US" dirty="0"/>
+              <a:t>Analysis phase</a:t>
+            </a:r>
           </a:p>
         </p:txBody>
       </p:sp>
@@ -6674,7 +6693,58 @@
           <a:bodyPr/>
           <a:lstStyle/>
           <a:p>
-            <a:endParaRPr lang="en-US"/>
+            <a:pPr marL="457200" indent="-457200">
+              <a:buFont typeface="Arial" panose="020B0604020202020204" pitchFamily="34" charset="0"/>
+              <a:buChar char="•"/>
+            </a:pPr>
+            <a:r>
+              <a:rPr lang="en-US" dirty="0"/>
+              <a:t>Figuring out which data to analyze</a:t>
+            </a:r>
+          </a:p>
+          <a:p>
+            <a:pPr marL="457200" indent="-457200">
+              <a:buFont typeface="Arial" panose="020B0604020202020204" pitchFamily="34" charset="0"/>
+              <a:buChar char="•"/>
+            </a:pPr>
+            <a:r>
+              <a:rPr lang="en-US" dirty="0"/>
+              <a:t>What methods we used to analyze the data</a:t>
+            </a:r>
+          </a:p>
+          <a:p>
+            <a:pPr marL="457200" indent="-457200">
+              <a:buFont typeface="Arial" panose="020B0604020202020204" pitchFamily="34" charset="0"/>
+              <a:buChar char="•"/>
+            </a:pPr>
+            <a:r>
+              <a:rPr lang="en-US" dirty="0"/>
+              <a:t>How will our machine analyze data</a:t>
+            </a:r>
+          </a:p>
+          <a:p>
+            <a:pPr marL="457200" indent="-457200">
+              <a:buFont typeface="Arial" panose="020B0604020202020204" pitchFamily="34" charset="0"/>
+              <a:buChar char="•"/>
+            </a:pPr>
+            <a:r>
+              <a:rPr lang="en-US" dirty="0"/>
+              <a:t>What is the purpose of analyzing the data</a:t>
+            </a:r>
+          </a:p>
+          <a:p>
+            <a:pPr marL="457200" indent="-457200">
+              <a:buFont typeface="Arial" panose="020B0604020202020204" pitchFamily="34" charset="0"/>
+              <a:buChar char="•"/>
+            </a:pPr>
+            <a:r>
+              <a:rPr lang="en-US" dirty="0"/>
+              <a:t>Analyzing results of </a:t>
+            </a:r>
+            <a:r>
+              <a:rPr lang="en-US"/>
+              <a:t>the machine</a:t>
+            </a:r>
           </a:p>
         </p:txBody>
       </p:sp>

--- a/Resources/Final.Presentation.pptx
+++ b/Resources/Final.Presentation.pptx
@@ -137,7 +137,7 @@
   <pc:docChgLst>
     <pc:chgData name="Taryn Syler" userId="d093462dc93fe5e1" providerId="LiveId" clId="{2D2F4B00-D67B-471E-8EC5-16430E5C6708}"/>
     <pc:docChg chg="undo custSel addSld modSld">
-      <pc:chgData name="Taryn Syler" userId="d093462dc93fe5e1" providerId="LiveId" clId="{2D2F4B00-D67B-471E-8EC5-16430E5C6708}" dt="2021-11-01T06:03:01.430" v="2899" actId="20577"/>
+      <pc:chgData name="Taryn Syler" userId="d093462dc93fe5e1" providerId="LiveId" clId="{2D2F4B00-D67B-471E-8EC5-16430E5C6708}" dt="2021-11-01T06:15:15.074" v="3103" actId="20577"/>
       <pc:docMkLst>
         <pc:docMk/>
       </pc:docMkLst>
@@ -376,12 +376,28 @@
           </ac:spMkLst>
         </pc:spChg>
       </pc:sldChg>
-      <pc:sldChg chg="new modNotesTx">
-        <pc:chgData name="Taryn Syler" userId="d093462dc93fe5e1" providerId="LiveId" clId="{2D2F4B00-D67B-471E-8EC5-16430E5C6708}" dt="2021-11-01T05:37:18.958" v="2181" actId="20577"/>
+      <pc:sldChg chg="modSp new mod modNotesTx">
+        <pc:chgData name="Taryn Syler" userId="d093462dc93fe5e1" providerId="LiveId" clId="{2D2F4B00-D67B-471E-8EC5-16430E5C6708}" dt="2021-11-01T06:15:15.074" v="3103" actId="20577"/>
         <pc:sldMkLst>
           <pc:docMk/>
           <pc:sldMk cId="2869901700" sldId="262"/>
         </pc:sldMkLst>
+        <pc:spChg chg="mod">
+          <ac:chgData name="Taryn Syler" userId="d093462dc93fe5e1" providerId="LiveId" clId="{2D2F4B00-D67B-471E-8EC5-16430E5C6708}" dt="2021-11-01T06:06:36.160" v="2934" actId="20577"/>
+          <ac:spMkLst>
+            <pc:docMk/>
+            <pc:sldMk cId="2869901700" sldId="262"/>
+            <ac:spMk id="2" creationId="{7A8E0AB1-DBE1-451C-A032-485F6286E3F3}"/>
+          </ac:spMkLst>
+        </pc:spChg>
+        <pc:spChg chg="mod">
+          <ac:chgData name="Taryn Syler" userId="d093462dc93fe5e1" providerId="LiveId" clId="{2D2F4B00-D67B-471E-8EC5-16430E5C6708}" dt="2021-11-01T06:15:15.074" v="3103" actId="20577"/>
+          <ac:spMkLst>
+            <pc:docMk/>
+            <pc:sldMk cId="2869901700" sldId="262"/>
+            <ac:spMk id="3" creationId="{A612F5A8-3E12-43BD-8784-444B5C059B56}"/>
+          </ac:spMkLst>
+        </pc:spChg>
       </pc:sldChg>
       <pc:sldChg chg="new modNotesTx">
         <pc:chgData name="Taryn Syler" userId="d093462dc93fe5e1" providerId="LiveId" clId="{2D2F4B00-D67B-471E-8EC5-16430E5C6708}" dt="2021-11-01T05:37:28.766" v="2203" actId="20577"/>
@@ -6796,10 +6812,15 @@
         </p:nvSpPr>
         <p:spPr/>
         <p:txBody>
-          <a:bodyPr/>
-          <a:lstStyle/>
-          <a:p>
-            <a:endParaRPr lang="en-US"/>
+          <a:bodyPr>
+            <a:normAutofit fontScale="90000"/>
+          </a:bodyPr>
+          <a:lstStyle/>
+          <a:p>
+            <a:r>
+              <a:rPr lang="en-US" dirty="0"/>
+              <a:t>Technologies, languages, tools</a:t>
+            </a:r>
           </a:p>
         </p:txBody>
       </p:sp>
@@ -6821,10 +6842,71 @@
         </p:nvSpPr>
         <p:spPr/>
         <p:txBody>
-          <a:bodyPr/>
-          <a:lstStyle/>
-          <a:p>
-            <a:endParaRPr lang="en-US"/>
+          <a:bodyPr>
+            <a:normAutofit/>
+          </a:bodyPr>
+          <a:lstStyle/>
+          <a:p>
+            <a:pPr marL="457200" indent="-457200">
+              <a:buFont typeface="Arial" panose="020B0604020202020204" pitchFamily="34" charset="0"/>
+              <a:buChar char="•"/>
+            </a:pPr>
+            <a:r>
+              <a:rPr lang="en-US" dirty="0" err="1"/>
+              <a:t>sportsipy</a:t>
+            </a:r>
+            <a:endParaRPr lang="en-US" dirty="0"/>
+          </a:p>
+          <a:p>
+            <a:pPr marL="457200" indent="-457200">
+              <a:buFont typeface="Arial" panose="020B0604020202020204" pitchFamily="34" charset="0"/>
+              <a:buChar char="•"/>
+            </a:pPr>
+            <a:r>
+              <a:rPr lang="en-US" dirty="0"/>
+              <a:t>Website for web scraping</a:t>
+            </a:r>
+          </a:p>
+          <a:p>
+            <a:pPr marL="457200" indent="-457200">
+              <a:buFont typeface="Arial" panose="020B0604020202020204" pitchFamily="34" charset="0"/>
+              <a:buChar char="•"/>
+            </a:pPr>
+            <a:r>
+              <a:rPr lang="en-US" dirty="0"/>
+              <a:t>Web scraping tool</a:t>
+            </a:r>
+          </a:p>
+          <a:p>
+            <a:pPr marL="457200" indent="-457200">
+              <a:buFont typeface="Arial" panose="020B0604020202020204" pitchFamily="34" charset="0"/>
+              <a:buChar char="•"/>
+            </a:pPr>
+            <a:r>
+              <a:rPr lang="en-US" dirty="0"/>
+              <a:t>Websites for NFL data</a:t>
+            </a:r>
+          </a:p>
+          <a:p>
+            <a:pPr marL="457200" indent="-457200">
+              <a:buFont typeface="Arial" panose="020B0604020202020204" pitchFamily="34" charset="0"/>
+              <a:buChar char="•"/>
+            </a:pPr>
+            <a:r>
+              <a:rPr lang="en-US" dirty="0"/>
+              <a:t>DraftKings</a:t>
+            </a:r>
+          </a:p>
+          <a:p>
+            <a:pPr marL="457200" indent="-457200">
+              <a:buFont typeface="Arial" panose="020B0604020202020204" pitchFamily="34" charset="0"/>
+              <a:buChar char="•"/>
+            </a:pPr>
+            <a:r>
+              <a:rPr lang="en-US"/>
+              <a:t>Languages--</a:t>
+            </a:r>
+            <a:endParaRPr lang="en-US" dirty="0"/>
           </a:p>
         </p:txBody>
       </p:sp>

--- a/Resources/Final.Presentation.pptx
+++ b/Resources/Final.Presentation.pptx
@@ -5,7 +5,7 @@
     <p:sldMasterId id="2147483673" r:id="rId1"/>
   </p:sldMasterIdLst>
   <p:notesMasterIdLst>
-    <p:notesMasterId r:id="rId12"/>
+    <p:notesMasterId r:id="rId13"/>
   </p:notesMasterIdLst>
   <p:sldIdLst>
     <p:sldId id="256" r:id="rId2"/>
@@ -13,11 +13,12 @@
     <p:sldId id="258" r:id="rId4"/>
     <p:sldId id="259" r:id="rId5"/>
     <p:sldId id="260" r:id="rId6"/>
-    <p:sldId id="261" r:id="rId7"/>
-    <p:sldId id="262" r:id="rId8"/>
-    <p:sldId id="263" r:id="rId9"/>
-    <p:sldId id="264" r:id="rId10"/>
-    <p:sldId id="265" r:id="rId11"/>
+    <p:sldId id="266" r:id="rId7"/>
+    <p:sldId id="261" r:id="rId8"/>
+    <p:sldId id="262" r:id="rId9"/>
+    <p:sldId id="263" r:id="rId10"/>
+    <p:sldId id="264" r:id="rId11"/>
+    <p:sldId id="265" r:id="rId12"/>
   </p:sldIdLst>
   <p:sldSz cx="12192000" cy="6858000"/>
   <p:notesSz cx="6858000" cy="9144000"/>
@@ -127,7 +128,7 @@
 <file path=ppt/revisionInfo.xml><?xml version="1.0" encoding="utf-8"?>
 <p1510:revInfo xmlns:a="http://schemas.openxmlformats.org/drawingml/2006/main" xmlns:r="http://schemas.openxmlformats.org/officeDocument/2006/relationships" xmlns:p1510="http://schemas.microsoft.com/office/powerpoint/2015/10/main">
   <p1510:revLst>
-    <p1510:client id="{2D2F4B00-D67B-471E-8EC5-16430E5C6708}" v="9" dt="2021-10-25T04:22:01.354"/>
+    <p1510:client id="{2D2F4B00-D67B-471E-8EC5-16430E5C6708}" v="13" dt="2021-11-08T04:13:36.447"/>
   </p1510:revLst>
 </p1510:revInfo>
 </file>
@@ -137,7 +138,7 @@
   <pc:docChgLst>
     <pc:chgData name="Taryn Syler" userId="d093462dc93fe5e1" providerId="LiveId" clId="{2D2F4B00-D67B-471E-8EC5-16430E5C6708}"/>
     <pc:docChg chg="undo custSel addSld modSld">
-      <pc:chgData name="Taryn Syler" userId="d093462dc93fe5e1" providerId="LiveId" clId="{2D2F4B00-D67B-471E-8EC5-16430E5C6708}" dt="2021-11-01T06:15:15.074" v="3103" actId="20577"/>
+      <pc:chgData name="Taryn Syler" userId="d093462dc93fe5e1" providerId="LiveId" clId="{2D2F4B00-D67B-471E-8EC5-16430E5C6708}" dt="2021-11-08T04:13:44.173" v="3166" actId="20577"/>
       <pc:docMkLst>
         <pc:docMk/>
       </pc:docMkLst>
@@ -330,8 +331,8 @@
           </ac:picMkLst>
         </pc:picChg>
       </pc:sldChg>
-      <pc:sldChg chg="modSp new mod modNotesTx">
-        <pc:chgData name="Taryn Syler" userId="d093462dc93fe5e1" providerId="LiveId" clId="{2D2F4B00-D67B-471E-8EC5-16430E5C6708}" dt="2021-11-01T05:57:44.482" v="2661" actId="20577"/>
+      <pc:sldChg chg="addSp delSp modSp new mod modNotesTx">
+        <pc:chgData name="Taryn Syler" userId="d093462dc93fe5e1" providerId="LiveId" clId="{2D2F4B00-D67B-471E-8EC5-16430E5C6708}" dt="2021-11-08T04:12:45.613" v="3110" actId="21"/>
         <pc:sldMkLst>
           <pc:docMk/>
           <pc:sldMk cId="2730496532" sldId="260"/>
@@ -345,13 +346,21 @@
           </ac:spMkLst>
         </pc:spChg>
         <pc:spChg chg="mod">
-          <ac:chgData name="Taryn Syler" userId="d093462dc93fe5e1" providerId="LiveId" clId="{2D2F4B00-D67B-471E-8EC5-16430E5C6708}" dt="2021-11-01T05:57:44.482" v="2661" actId="20577"/>
+          <ac:chgData name="Taryn Syler" userId="d093462dc93fe5e1" providerId="LiveId" clId="{2D2F4B00-D67B-471E-8EC5-16430E5C6708}" dt="2021-11-08T04:12:42.936" v="3108"/>
           <ac:spMkLst>
             <pc:docMk/>
             <pc:sldMk cId="2730496532" sldId="260"/>
             <ac:spMk id="3" creationId="{18C6CAC7-1AC4-461F-BCFB-213EF76A92EE}"/>
           </ac:spMkLst>
         </pc:spChg>
+        <pc:picChg chg="add del mod">
+          <ac:chgData name="Taryn Syler" userId="d093462dc93fe5e1" providerId="LiveId" clId="{2D2F4B00-D67B-471E-8EC5-16430E5C6708}" dt="2021-11-08T04:12:45.613" v="3110" actId="21"/>
+          <ac:picMkLst>
+            <pc:docMk/>
+            <pc:sldMk cId="2730496532" sldId="260"/>
+            <ac:picMk id="4" creationId="{90779B96-A73C-4E57-B435-A767CBAA17CB}"/>
+          </ac:picMkLst>
+        </pc:picChg>
       </pc:sldChg>
       <pc:sldChg chg="modSp new mod modNotesTx">
         <pc:chgData name="Taryn Syler" userId="d093462dc93fe5e1" providerId="LiveId" clId="{2D2F4B00-D67B-471E-8EC5-16430E5C6708}" dt="2021-11-01T06:03:01.430" v="2899" actId="20577"/>
@@ -420,6 +429,69 @@
           <pc:sldMk cId="1302545605" sldId="265"/>
         </pc:sldMkLst>
       </pc:sldChg>
+      <pc:sldChg chg="addSp delSp modSp new mod setBg modNotesTx">
+        <pc:chgData name="Taryn Syler" userId="d093462dc93fe5e1" providerId="LiveId" clId="{2D2F4B00-D67B-471E-8EC5-16430E5C6708}" dt="2021-11-08T04:13:44.173" v="3166" actId="20577"/>
+        <pc:sldMkLst>
+          <pc:docMk/>
+          <pc:sldMk cId="3767825425" sldId="266"/>
+        </pc:sldMkLst>
+        <pc:spChg chg="del">
+          <ac:chgData name="Taryn Syler" userId="d093462dc93fe5e1" providerId="LiveId" clId="{2D2F4B00-D67B-471E-8EC5-16430E5C6708}" dt="2021-11-08T04:12:53.065" v="3113" actId="26606"/>
+          <ac:spMkLst>
+            <pc:docMk/>
+            <pc:sldMk cId="3767825425" sldId="266"/>
+            <ac:spMk id="2" creationId="{F4C2C54E-88B6-41D6-9D5A-BE3D675F3091}"/>
+          </ac:spMkLst>
+        </pc:spChg>
+        <pc:spChg chg="del">
+          <ac:chgData name="Taryn Syler" userId="d093462dc93fe5e1" providerId="LiveId" clId="{2D2F4B00-D67B-471E-8EC5-16430E5C6708}" dt="2021-11-08T04:12:49.939" v="3112"/>
+          <ac:spMkLst>
+            <pc:docMk/>
+            <pc:sldMk cId="3767825425" sldId="266"/>
+            <ac:spMk id="3" creationId="{205A65A4-12DC-458A-9360-57F0A839FF77}"/>
+          </ac:spMkLst>
+        </pc:spChg>
+        <pc:spChg chg="add del">
+          <ac:chgData name="Taryn Syler" userId="d093462dc93fe5e1" providerId="LiveId" clId="{2D2F4B00-D67B-471E-8EC5-16430E5C6708}" dt="2021-11-08T04:13:12.978" v="3120" actId="26606"/>
+          <ac:spMkLst>
+            <pc:docMk/>
+            <pc:sldMk cId="3767825425" sldId="266"/>
+            <ac:spMk id="9" creationId="{6BC377B7-18F1-42AD-A1DD-E1D6A5B27CE9}"/>
+          </ac:spMkLst>
+        </pc:spChg>
+        <pc:spChg chg="add del">
+          <ac:chgData name="Taryn Syler" userId="d093462dc93fe5e1" providerId="LiveId" clId="{2D2F4B00-D67B-471E-8EC5-16430E5C6708}" dt="2021-11-08T04:13:12.978" v="3120" actId="26606"/>
+          <ac:spMkLst>
+            <pc:docMk/>
+            <pc:sldMk cId="3767825425" sldId="266"/>
+            <ac:spMk id="11" creationId="{E27CBDD7-6A01-4B3F-B16A-F50305427BC5}"/>
+          </ac:spMkLst>
+        </pc:spChg>
+        <pc:spChg chg="add">
+          <ac:chgData name="Taryn Syler" userId="d093462dc93fe5e1" providerId="LiveId" clId="{2D2F4B00-D67B-471E-8EC5-16430E5C6708}" dt="2021-11-08T04:13:12.978" v="3120" actId="26606"/>
+          <ac:spMkLst>
+            <pc:docMk/>
+            <pc:sldMk cId="3767825425" sldId="266"/>
+            <ac:spMk id="16" creationId="{6BC377B7-18F1-42AD-A1DD-E1D6A5B27CE9}"/>
+          </ac:spMkLst>
+        </pc:spChg>
+        <pc:picChg chg="add mod">
+          <ac:chgData name="Taryn Syler" userId="d093462dc93fe5e1" providerId="LiveId" clId="{2D2F4B00-D67B-471E-8EC5-16430E5C6708}" dt="2021-11-08T04:13:21.085" v="3123" actId="1076"/>
+          <ac:picMkLst>
+            <pc:docMk/>
+            <pc:sldMk cId="3767825425" sldId="266"/>
+            <ac:picMk id="4" creationId="{55B0D92C-A760-45A4-BE44-F23FDB40180B}"/>
+          </ac:picMkLst>
+        </pc:picChg>
+        <pc:picChg chg="add del mod">
+          <ac:chgData name="Taryn Syler" userId="d093462dc93fe5e1" providerId="LiveId" clId="{2D2F4B00-D67B-471E-8EC5-16430E5C6708}" dt="2021-11-08T04:13:36.447" v="3125"/>
+          <ac:picMkLst>
+            <pc:docMk/>
+            <pc:sldMk cId="3767825425" sldId="266"/>
+            <ac:picMk id="8" creationId="{CC1E67CF-80B8-4F4E-BE9A-0B886824B383}"/>
+          </ac:picMkLst>
+        </pc:picChg>
+      </pc:sldChg>
     </pc:docChg>
   </pc:docChgLst>
 </pc:chgInfo>
@@ -507,7 +579,7 @@
           <a:p>
             <a:fld id="{917E58E4-3C21-4D5C-B4E1-FAE723A9F180}" type="datetimeFigureOut">
               <a:rPr lang="en-US" smtClean="0"/>
-              <a:t>10/31/2021</a:t>
+              <a:t>11/2/2021</a:t>
             </a:fld>
             <a:endParaRPr lang="en-US"/>
           </a:p>
@@ -874,6 +946,93 @@
 </p:notes>
 </file>
 
+<file path=ppt/notesSlides/notesSlide10.xml><?xml version="1.0" encoding="utf-8"?>
+<p:notes xmlns:a="http://schemas.openxmlformats.org/drawingml/2006/main" xmlns:r="http://schemas.openxmlformats.org/officeDocument/2006/relationships" xmlns:p="http://schemas.openxmlformats.org/presentationml/2006/main">
+  <p:cSld>
+    <p:spTree>
+      <p:nvGrpSpPr>
+        <p:cNvPr id="1" name=""/>
+        <p:cNvGrpSpPr/>
+        <p:nvPr/>
+      </p:nvGrpSpPr>
+      <p:grpSpPr>
+        <a:xfrm>
+          <a:off x="0" y="0"/>
+          <a:ext cx="0" cy="0"/>
+          <a:chOff x="0" y="0"/>
+          <a:chExt cx="0" cy="0"/>
+        </a:xfrm>
+      </p:grpSpPr>
+      <p:sp>
+        <p:nvSpPr>
+          <p:cNvPr id="2" name="Slide Image Placeholder 1"/>
+          <p:cNvSpPr>
+            <a:spLocks noGrp="1" noRot="1" noChangeAspect="1"/>
+          </p:cNvSpPr>
+          <p:nvPr>
+            <p:ph type="sldImg"/>
+          </p:nvPr>
+        </p:nvSpPr>
+        <p:spPr/>
+      </p:sp>
+      <p:sp>
+        <p:nvSpPr>
+          <p:cNvPr id="3" name="Notes Placeholder 2"/>
+          <p:cNvSpPr>
+            <a:spLocks noGrp="1"/>
+          </p:cNvSpPr>
+          <p:nvPr>
+            <p:ph type="body" idx="1"/>
+          </p:nvPr>
+        </p:nvSpPr>
+        <p:spPr/>
+        <p:txBody>
+          <a:bodyPr/>
+          <a:lstStyle/>
+          <a:p>
+            <a:r>
+              <a:rPr lang="en-US" dirty="0"/>
+              <a:t>Anything the team would have done differently:</a:t>
+            </a:r>
+          </a:p>
+        </p:txBody>
+      </p:sp>
+      <p:sp>
+        <p:nvSpPr>
+          <p:cNvPr id="4" name="Slide Number Placeholder 3"/>
+          <p:cNvSpPr>
+            <a:spLocks noGrp="1"/>
+          </p:cNvSpPr>
+          <p:nvPr>
+            <p:ph type="sldNum" sz="quarter" idx="5"/>
+          </p:nvPr>
+        </p:nvSpPr>
+        <p:spPr/>
+        <p:txBody>
+          <a:bodyPr/>
+          <a:lstStyle/>
+          <a:p>
+            <a:fld id="{8382AD83-B5DF-4BD6-AC2B-95FF0DEC3221}" type="slidenum">
+              <a:rPr lang="en-US" smtClean="0"/>
+              <a:t>11</a:t>
+            </a:fld>
+            <a:endParaRPr lang="en-US"/>
+          </a:p>
+        </p:txBody>
+      </p:sp>
+    </p:spTree>
+    <p:extLst>
+      <p:ext uri="{BB962C8B-B14F-4D97-AF65-F5344CB8AC3E}">
+        <p14:creationId xmlns:p14="http://schemas.microsoft.com/office/powerpoint/2010/main" val="1968929199"/>
+      </p:ext>
+    </p:extLst>
+  </p:cSld>
+  <p:clrMapOvr>
+    <a:masterClrMapping/>
+  </p:clrMapOvr>
+</p:notes>
+</file>
+
 <file path=ppt/notesSlides/notesSlide2.xml><?xml version="1.0" encoding="utf-8"?>
 <p:notes xmlns:a="http://schemas.openxmlformats.org/drawingml/2006/main" xmlns:r="http://schemas.openxmlformats.org/officeDocument/2006/relationships" xmlns:p="http://schemas.openxmlformats.org/presentationml/2006/main">
   <p:cSld>
@@ -1203,9 +1362,10 @@
           <a:lstStyle/>
           <a:p>
             <a:r>
-              <a:rPr lang="en-US" dirty="0"/>
-              <a:t>Description of the analysis phase of the project:</a:t>
-            </a:r>
+              <a:rPr lang="en-US"/>
+              <a:t>Data exploration visual</a:t>
+            </a:r>
+            <a:endParaRPr lang="en-US" dirty="0"/>
           </a:p>
         </p:txBody>
       </p:sp>
@@ -1235,7 +1395,7 @@
     </p:spTree>
     <p:extLst>
       <p:ext uri="{BB962C8B-B14F-4D97-AF65-F5344CB8AC3E}">
-        <p14:creationId xmlns:p14="http://schemas.microsoft.com/office/powerpoint/2010/main" val="207807768"/>
+        <p14:creationId xmlns:p14="http://schemas.microsoft.com/office/powerpoint/2010/main" val="185165845"/>
       </p:ext>
     </p:extLst>
   </p:cSld>
@@ -1291,7 +1451,7 @@
           <a:p>
             <a:r>
               <a:rPr lang="en-US" dirty="0"/>
-              <a:t>Technologies, languages, tools, and algorithms used throughout the project: </a:t>
+              <a:t>Description of the analysis phase of the project:</a:t>
             </a:r>
           </a:p>
         </p:txBody>
@@ -1322,7 +1482,7 @@
     </p:spTree>
     <p:extLst>
       <p:ext uri="{BB962C8B-B14F-4D97-AF65-F5344CB8AC3E}">
-        <p14:creationId xmlns:p14="http://schemas.microsoft.com/office/powerpoint/2010/main" val="4045243988"/>
+        <p14:creationId xmlns:p14="http://schemas.microsoft.com/office/powerpoint/2010/main" val="207807768"/>
       </p:ext>
     </p:extLst>
   </p:cSld>
@@ -1378,7 +1538,7 @@
           <a:p>
             <a:r>
               <a:rPr lang="en-US" dirty="0"/>
-              <a:t>Result of analysis:</a:t>
+              <a:t>Technologies, languages, tools, and algorithms used throughout the project: </a:t>
             </a:r>
           </a:p>
         </p:txBody>
@@ -1409,7 +1569,7 @@
     </p:spTree>
     <p:extLst>
       <p:ext uri="{BB962C8B-B14F-4D97-AF65-F5344CB8AC3E}">
-        <p14:creationId xmlns:p14="http://schemas.microsoft.com/office/powerpoint/2010/main" val="2296447071"/>
+        <p14:creationId xmlns:p14="http://schemas.microsoft.com/office/powerpoint/2010/main" val="4045243988"/>
       </p:ext>
     </p:extLst>
   </p:cSld>
@@ -1465,7 +1625,7 @@
           <a:p>
             <a:r>
               <a:rPr lang="en-US" dirty="0"/>
-              <a:t>Recommendation for future analysis: </a:t>
+              <a:t>Result of analysis:</a:t>
             </a:r>
           </a:p>
         </p:txBody>
@@ -1496,7 +1656,7 @@
     </p:spTree>
     <p:extLst>
       <p:ext uri="{BB962C8B-B14F-4D97-AF65-F5344CB8AC3E}">
-        <p14:creationId xmlns:p14="http://schemas.microsoft.com/office/powerpoint/2010/main" val="1659576050"/>
+        <p14:creationId xmlns:p14="http://schemas.microsoft.com/office/powerpoint/2010/main" val="2296447071"/>
       </p:ext>
     </p:extLst>
   </p:cSld>
@@ -1552,11 +1712,7 @@
           <a:p>
             <a:r>
               <a:rPr lang="en-US" dirty="0"/>
-              <a:t>Anything the team would have </a:t>
-            </a:r>
-            <a:r>
-              <a:rPr lang="en-US"/>
-              <a:t>done differently:</a:t>
+              <a:t>Recommendation for future analysis: </a:t>
             </a:r>
           </a:p>
         </p:txBody>
@@ -1587,7 +1743,7 @@
     </p:spTree>
     <p:extLst>
       <p:ext uri="{BB962C8B-B14F-4D97-AF65-F5344CB8AC3E}">
-        <p14:creationId xmlns:p14="http://schemas.microsoft.com/office/powerpoint/2010/main" val="1968929199"/>
+        <p14:creationId xmlns:p14="http://schemas.microsoft.com/office/powerpoint/2010/main" val="1659576050"/>
       </p:ext>
     </p:extLst>
   </p:cSld>
@@ -1819,7 +1975,7 @@
             <a:fld id="{A37D6D71-8B28-4ED6-B932-04B197003D23}" type="datetimeFigureOut">
               <a:rPr lang="en-US" smtClean="0"/>
               <a:pPr algn="r"/>
-              <a:t>10/31/2021</a:t>
+              <a:t>11/2/2021</a:t>
             </a:fld>
             <a:endParaRPr lang="en-US" dirty="0"/>
           </a:p>
@@ -2041,7 +2197,7 @@
             <a:fld id="{A37D6D71-8B28-4ED6-B932-04B197003D23}" type="datetimeFigureOut">
               <a:rPr lang="en-US" smtClean="0"/>
               <a:pPr algn="r"/>
-              <a:t>10/31/2021</a:t>
+              <a:t>11/2/2021</a:t>
             </a:fld>
             <a:endParaRPr lang="en-US" dirty="0"/>
           </a:p>
@@ -2324,7 +2480,7 @@
             <a:fld id="{A37D6D71-8B28-4ED6-B932-04B197003D23}" type="datetimeFigureOut">
               <a:rPr lang="en-US" smtClean="0"/>
               <a:pPr algn="r"/>
-              <a:t>10/31/2021</a:t>
+              <a:t>11/2/2021</a:t>
             </a:fld>
             <a:endParaRPr lang="en-US" dirty="0"/>
           </a:p>
@@ -2538,7 +2694,7 @@
             <a:fld id="{A37D6D71-8B28-4ED6-B932-04B197003D23}" type="datetimeFigureOut">
               <a:rPr lang="en-US" smtClean="0"/>
               <a:pPr algn="r"/>
-              <a:t>10/31/2021</a:t>
+              <a:t>11/2/2021</a:t>
             </a:fld>
             <a:endParaRPr lang="en-US" dirty="0"/>
           </a:p>
@@ -2876,7 +3032,7 @@
             <a:fld id="{A37D6D71-8B28-4ED6-B932-04B197003D23}" type="datetimeFigureOut">
               <a:rPr lang="en-US" smtClean="0"/>
               <a:pPr algn="r"/>
-              <a:t>10/31/2021</a:t>
+              <a:t>11/2/2021</a:t>
             </a:fld>
             <a:endParaRPr lang="en-US" dirty="0"/>
           </a:p>
@@ -3151,7 +3307,7 @@
             <a:fld id="{A37D6D71-8B28-4ED6-B932-04B197003D23}" type="datetimeFigureOut">
               <a:rPr lang="en-US" smtClean="0"/>
               <a:pPr algn="r"/>
-              <a:t>10/31/2021</a:t>
+              <a:t>11/2/2021</a:t>
             </a:fld>
             <a:endParaRPr lang="en-US" dirty="0"/>
           </a:p>
@@ -3540,7 +3696,7 @@
             <a:fld id="{A37D6D71-8B28-4ED6-B932-04B197003D23}" type="datetimeFigureOut">
               <a:rPr lang="en-US" smtClean="0"/>
               <a:pPr algn="r"/>
-              <a:t>10/31/2021</a:t>
+              <a:t>11/2/2021</a:t>
             </a:fld>
             <a:endParaRPr lang="en-US" dirty="0"/>
           </a:p>
@@ -3717,7 +3873,7 @@
             <a:fld id="{A37D6D71-8B28-4ED6-B932-04B197003D23}" type="datetimeFigureOut">
               <a:rPr lang="en-US" smtClean="0"/>
               <a:pPr algn="r"/>
-              <a:t>10/31/2021</a:t>
+              <a:t>11/2/2021</a:t>
             </a:fld>
             <a:endParaRPr lang="en-US" dirty="0"/>
           </a:p>
@@ -3838,7 +3994,7 @@
             <a:fld id="{A37D6D71-8B28-4ED6-B932-04B197003D23}" type="datetimeFigureOut">
               <a:rPr lang="en-US" smtClean="0"/>
               <a:pPr algn="r"/>
-              <a:t>10/31/2021</a:t>
+              <a:t>11/2/2021</a:t>
             </a:fld>
             <a:endParaRPr lang="en-US" dirty="0"/>
           </a:p>
@@ -4123,7 +4279,7 @@
             <a:fld id="{A37D6D71-8B28-4ED6-B932-04B197003D23}" type="datetimeFigureOut">
               <a:rPr lang="en-US" smtClean="0"/>
               <a:pPr algn="r"/>
-              <a:t>10/31/2021</a:t>
+              <a:t>11/2/2021</a:t>
             </a:fld>
             <a:endParaRPr lang="en-US" dirty="0"/>
           </a:p>
@@ -4424,7 +4580,7 @@
             <a:fld id="{A37D6D71-8B28-4ED6-B932-04B197003D23}" type="datetimeFigureOut">
               <a:rPr lang="en-US" smtClean="0"/>
               <a:pPr algn="r"/>
-              <a:t>10/31/2021</a:t>
+              <a:t>11/2/2021</a:t>
             </a:fld>
             <a:endParaRPr lang="en-US" dirty="0"/>
           </a:p>
@@ -4772,7 +4928,7 @@
             <a:fld id="{A37D6D71-8B28-4ED6-B932-04B197003D23}" type="datetimeFigureOut">
               <a:rPr lang="en-US" smtClean="0"/>
               <a:pPr algn="r"/>
-              <a:t>10/31/2021</a:t>
+              <a:t>11/2/2021</a:t>
             </a:fld>
             <a:endParaRPr lang="en-US" spc="50" dirty="0"/>
           </a:p>
@@ -5693,6 +5849,86 @@
           <p:cNvPr id="2" name="Title 1">
             <a:extLst>
               <a:ext uri="{FF2B5EF4-FFF2-40B4-BE49-F238E27FC236}">
+                <a16:creationId xmlns:a16="http://schemas.microsoft.com/office/drawing/2014/main" id="{00A15753-9A0A-46A0-827A-191A50197E37}"/>
+              </a:ext>
+            </a:extLst>
+          </p:cNvPr>
+          <p:cNvSpPr>
+            <a:spLocks noGrp="1"/>
+          </p:cNvSpPr>
+          <p:nvPr>
+            <p:ph type="title"/>
+          </p:nvPr>
+        </p:nvSpPr>
+        <p:spPr/>
+        <p:txBody>
+          <a:bodyPr/>
+          <a:lstStyle/>
+          <a:p>
+            <a:endParaRPr lang="en-US"/>
+          </a:p>
+        </p:txBody>
+      </p:sp>
+      <p:sp>
+        <p:nvSpPr>
+          <p:cNvPr id="3" name="Content Placeholder 2">
+            <a:extLst>
+              <a:ext uri="{FF2B5EF4-FFF2-40B4-BE49-F238E27FC236}">
+                <a16:creationId xmlns:a16="http://schemas.microsoft.com/office/drawing/2014/main" id="{03CA9E21-7364-4DA9-8E97-33FFAA50BF9C}"/>
+              </a:ext>
+            </a:extLst>
+          </p:cNvPr>
+          <p:cNvSpPr>
+            <a:spLocks noGrp="1"/>
+          </p:cNvSpPr>
+          <p:nvPr>
+            <p:ph idx="1"/>
+          </p:nvPr>
+        </p:nvSpPr>
+        <p:spPr/>
+        <p:txBody>
+          <a:bodyPr/>
+          <a:lstStyle/>
+          <a:p>
+            <a:endParaRPr lang="en-US"/>
+          </a:p>
+        </p:txBody>
+      </p:sp>
+    </p:spTree>
+    <p:extLst>
+      <p:ext uri="{BB962C8B-B14F-4D97-AF65-F5344CB8AC3E}">
+        <p14:creationId xmlns:p14="http://schemas.microsoft.com/office/powerpoint/2010/main" val="1993694396"/>
+      </p:ext>
+    </p:extLst>
+  </p:cSld>
+  <p:clrMapOvr>
+    <a:masterClrMapping/>
+  </p:clrMapOvr>
+</p:sld>
+</file>
+
+<file path=ppt/slides/slide11.xml><?xml version="1.0" encoding="utf-8"?>
+<p:sld xmlns:a="http://schemas.openxmlformats.org/drawingml/2006/main" xmlns:r="http://schemas.openxmlformats.org/officeDocument/2006/relationships" xmlns:p="http://schemas.openxmlformats.org/presentationml/2006/main">
+  <p:cSld>
+    <p:spTree>
+      <p:nvGrpSpPr>
+        <p:cNvPr id="1" name=""/>
+        <p:cNvGrpSpPr/>
+        <p:nvPr/>
+      </p:nvGrpSpPr>
+      <p:grpSpPr>
+        <a:xfrm>
+          <a:off x="0" y="0"/>
+          <a:ext cx="0" cy="0"/>
+          <a:chOff x="0" y="0"/>
+          <a:chExt cx="0" cy="0"/>
+        </a:xfrm>
+      </p:grpSpPr>
+      <p:sp>
+        <p:nvSpPr>
+          <p:cNvPr id="2" name="Title 1">
+            <a:extLst>
+              <a:ext uri="{FF2B5EF4-FFF2-40B4-BE49-F238E27FC236}">
                 <a16:creationId xmlns:a16="http://schemas.microsoft.com/office/drawing/2014/main" id="{F7EE706F-D698-4024-BCE4-B57C05976FEF}"/>
               </a:ext>
             </a:extLst>
@@ -6614,13 +6850,8 @@
             </a:pPr>
             <a:r>
               <a:rPr lang="en-US" dirty="0"/>
-              <a:t>Finding which data to </a:t>
-            </a:r>
-            <a:r>
-              <a:rPr lang="en-US"/>
-              <a:t>focus on</a:t>
-            </a:r>
-            <a:endParaRPr lang="en-US" dirty="0"/>
+              <a:t>Finding which data to focus on</a:t>
+            </a:r>
           </a:p>
           <a:p>
             <a:pPr lvl="1" indent="0">
@@ -6646,6 +6877,14 @@
 <file path=ppt/slides/slide6.xml><?xml version="1.0" encoding="utf-8"?>
 <p:sld xmlns:a="http://schemas.openxmlformats.org/drawingml/2006/main" xmlns:r="http://schemas.openxmlformats.org/officeDocument/2006/relationships" xmlns:p="http://schemas.openxmlformats.org/presentationml/2006/main">
   <p:cSld>
+    <p:bg>
+      <p:bgPr>
+        <a:solidFill>
+          <a:schemeClr val="bg1"/>
+        </a:solidFill>
+        <a:effectLst/>
+      </p:bgPr>
+    </p:bg>
     <p:spTree>
       <p:nvGrpSpPr>
         <p:cNvPr id="1" name=""/>
@@ -6660,114 +6899,106 @@
           <a:chExt cx="0" cy="0"/>
         </a:xfrm>
       </p:grpSpPr>
-      <p:sp>
-        <p:nvSpPr>
-          <p:cNvPr id="2" name="Title 1">
-            <a:extLst>
-              <a:ext uri="{FF2B5EF4-FFF2-40B4-BE49-F238E27FC236}">
-                <a16:creationId xmlns:a16="http://schemas.microsoft.com/office/drawing/2014/main" id="{8DC2469B-491B-449B-BBAF-62C42A10CBD8}"/>
-              </a:ext>
-            </a:extLst>
-          </p:cNvPr>
-          <p:cNvSpPr>
-            <a:spLocks noGrp="1"/>
-          </p:cNvSpPr>
-          <p:nvPr>
-            <p:ph type="title"/>
-          </p:nvPr>
-        </p:nvSpPr>
-        <p:spPr/>
-        <p:txBody>
-          <a:bodyPr/>
-          <a:lstStyle/>
-          <a:p>
-            <a:r>
-              <a:rPr lang="en-US" dirty="0"/>
-              <a:t>Analysis phase</a:t>
-            </a:r>
-          </a:p>
-        </p:txBody>
-      </p:sp>
-      <p:sp>
-        <p:nvSpPr>
-          <p:cNvPr id="3" name="Content Placeholder 2">
-            <a:extLst>
-              <a:ext uri="{FF2B5EF4-FFF2-40B4-BE49-F238E27FC236}">
-                <a16:creationId xmlns:a16="http://schemas.microsoft.com/office/drawing/2014/main" id="{135F1482-E208-49C4-9C5B-CC00A1E8831F}"/>
-              </a:ext>
-            </a:extLst>
-          </p:cNvPr>
-          <p:cNvSpPr>
-            <a:spLocks noGrp="1"/>
-          </p:cNvSpPr>
+      <p:sp useBgFill="1">
+        <p:nvSpPr>
+          <p:cNvPr id="16" name="Rectangle 15">
+            <a:extLst>
+              <a:ext uri="{FF2B5EF4-FFF2-40B4-BE49-F238E27FC236}">
+                <a16:creationId xmlns:a16="http://schemas.microsoft.com/office/drawing/2014/main" id="{6BC377B7-18F1-42AD-A1DD-E1D6A5B27CE9}"/>
+              </a:ext>
+              <a:ext uri="{C183D7F6-B498-43B3-948B-1728B52AA6E4}">
+                <adec:decorative xmlns:adec="http://schemas.microsoft.com/office/drawing/2017/decorative" val="1"/>
+              </a:ext>
+            </a:extLst>
+          </p:cNvPr>
+          <p:cNvSpPr>
+            <a:spLocks noGrp="1" noRot="1" noChangeAspect="1" noMove="1" noResize="1" noEditPoints="1" noAdjustHandles="1" noChangeArrowheads="1" noChangeShapeType="1" noTextEdit="1"/>
+          </p:cNvSpPr>
+          <p:nvPr>
+            <p:extLst>
+              <p:ext uri="{386F3935-93C4-4BCD-93E2-E3B085C9AB24}">
+                <p16:designElem xmlns:p16="http://schemas.microsoft.com/office/powerpoint/2015/main" val="1"/>
+              </p:ext>
+            </p:extLst>
+          </p:nvPr>
+        </p:nvSpPr>
+        <p:spPr>
+          <a:xfrm>
+            <a:off x="0" y="0"/>
+            <a:ext cx="12192000" cy="6858000"/>
+          </a:xfrm>
+          <a:prstGeom prst="rect">
+            <a:avLst/>
+          </a:prstGeom>
+          <a:ln>
+            <a:noFill/>
+          </a:ln>
+        </p:spPr>
+        <p:style>
+          <a:lnRef idx="2">
+            <a:schemeClr val="accent1">
+              <a:shade val="50000"/>
+            </a:schemeClr>
+          </a:lnRef>
+          <a:fillRef idx="1">
+            <a:schemeClr val="accent1"/>
+          </a:fillRef>
+          <a:effectRef idx="0">
+            <a:schemeClr val="accent1"/>
+          </a:effectRef>
+          <a:fontRef idx="minor">
+            <a:schemeClr val="lt1"/>
+          </a:fontRef>
+        </p:style>
+        <p:txBody>
+          <a:bodyPr rtlCol="0" anchor="ctr"/>
+          <a:lstStyle/>
+          <a:p>
+            <a:pPr algn="ctr"/>
+            <a:endParaRPr lang="en-US"/>
+          </a:p>
+        </p:txBody>
+      </p:sp>
+      <p:pic>
+        <p:nvPicPr>
+          <p:cNvPr id="4" name="Content Placeholder 3">
+            <a:extLst>
+              <a:ext uri="{FF2B5EF4-FFF2-40B4-BE49-F238E27FC236}">
+                <a16:creationId xmlns:a16="http://schemas.microsoft.com/office/drawing/2014/main" id="{55B0D92C-A760-45A4-BE44-F23FDB40180B}"/>
+              </a:ext>
+            </a:extLst>
+          </p:cNvPr>
+          <p:cNvPicPr>
+            <a:picLocks noGrp="1"/>
+          </p:cNvPicPr>
           <p:nvPr>
             <p:ph idx="1"/>
           </p:nvPr>
-        </p:nvSpPr>
-        <p:spPr/>
-        <p:txBody>
-          <a:bodyPr/>
-          <a:lstStyle/>
-          <a:p>
-            <a:pPr marL="457200" indent="-457200">
-              <a:buFont typeface="Arial" panose="020B0604020202020204" pitchFamily="34" charset="0"/>
-              <a:buChar char="•"/>
-            </a:pPr>
-            <a:r>
-              <a:rPr lang="en-US" dirty="0"/>
-              <a:t>Figuring out which data to analyze</a:t>
-            </a:r>
-          </a:p>
-          <a:p>
-            <a:pPr marL="457200" indent="-457200">
-              <a:buFont typeface="Arial" panose="020B0604020202020204" pitchFamily="34" charset="0"/>
-              <a:buChar char="•"/>
-            </a:pPr>
-            <a:r>
-              <a:rPr lang="en-US" dirty="0"/>
-              <a:t>What methods we used to analyze the data</a:t>
-            </a:r>
-          </a:p>
-          <a:p>
-            <a:pPr marL="457200" indent="-457200">
-              <a:buFont typeface="Arial" panose="020B0604020202020204" pitchFamily="34" charset="0"/>
-              <a:buChar char="•"/>
-            </a:pPr>
-            <a:r>
-              <a:rPr lang="en-US" dirty="0"/>
-              <a:t>How will our machine analyze data</a:t>
-            </a:r>
-          </a:p>
-          <a:p>
-            <a:pPr marL="457200" indent="-457200">
-              <a:buFont typeface="Arial" panose="020B0604020202020204" pitchFamily="34" charset="0"/>
-              <a:buChar char="•"/>
-            </a:pPr>
-            <a:r>
-              <a:rPr lang="en-US" dirty="0"/>
-              <a:t>What is the purpose of analyzing the data</a:t>
-            </a:r>
-          </a:p>
-          <a:p>
-            <a:pPr marL="457200" indent="-457200">
-              <a:buFont typeface="Arial" panose="020B0604020202020204" pitchFamily="34" charset="0"/>
-              <a:buChar char="•"/>
-            </a:pPr>
-            <a:r>
-              <a:rPr lang="en-US" dirty="0"/>
-              <a:t>Analyzing results of </a:t>
-            </a:r>
-            <a:r>
-              <a:rPr lang="en-US"/>
-              <a:t>the machine</a:t>
-            </a:r>
-          </a:p>
-        </p:txBody>
-      </p:sp>
+        </p:nvPicPr>
+        <p:blipFill rotWithShape="1">
+          <a:blip r:embed="rId3"/>
+          <a:srcRect l="23847" t="16254" r="24783" b="11267"/>
+          <a:stretch/>
+        </p:blipFill>
+        <p:spPr bwMode="auto">
+          <a:xfrm>
+            <a:off x="2374210" y="0"/>
+            <a:ext cx="7170623" cy="6753152"/>
+          </a:xfrm>
+          <a:prstGeom prst="rect">
+            <a:avLst/>
+          </a:prstGeom>
+          <a:extLst>
+            <a:ext uri="{53640926-AAD7-44D8-BBD7-CCE9431645EC}">
+              <a14:shadowObscured xmlns:a14="http://schemas.microsoft.com/office/drawing/2010/main"/>
+            </a:ext>
+          </a:extLst>
+        </p:spPr>
+      </p:pic>
     </p:spTree>
     <p:extLst>
       <p:ext uri="{BB962C8B-B14F-4D97-AF65-F5344CB8AC3E}">
-        <p14:creationId xmlns:p14="http://schemas.microsoft.com/office/powerpoint/2010/main" val="933643513"/>
+        <p14:creationId xmlns:p14="http://schemas.microsoft.com/office/powerpoint/2010/main" val="3767825425"/>
       </p:ext>
     </p:extLst>
   </p:cSld>
@@ -6799,7 +7030,7 @@
           <p:cNvPr id="2" name="Title 1">
             <a:extLst>
               <a:ext uri="{FF2B5EF4-FFF2-40B4-BE49-F238E27FC236}">
-                <a16:creationId xmlns:a16="http://schemas.microsoft.com/office/drawing/2014/main" id="{7A8E0AB1-DBE1-451C-A032-485F6286E3F3}"/>
+                <a16:creationId xmlns:a16="http://schemas.microsoft.com/office/drawing/2014/main" id="{8DC2469B-491B-449B-BBAF-62C42A10CBD8}"/>
               </a:ext>
             </a:extLst>
           </p:cNvPr>
@@ -6812,14 +7043,12 @@
         </p:nvSpPr>
         <p:spPr/>
         <p:txBody>
-          <a:bodyPr>
-            <a:normAutofit fontScale="90000"/>
-          </a:bodyPr>
+          <a:bodyPr/>
           <a:lstStyle/>
           <a:p>
             <a:r>
               <a:rPr lang="en-US" dirty="0"/>
-              <a:t>Technologies, languages, tools</a:t>
+              <a:t>Analysis phase</a:t>
             </a:r>
           </a:p>
         </p:txBody>
@@ -6829,7 +7058,7 @@
           <p:cNvPr id="3" name="Content Placeholder 2">
             <a:extLst>
               <a:ext uri="{FF2B5EF4-FFF2-40B4-BE49-F238E27FC236}">
-                <a16:creationId xmlns:a16="http://schemas.microsoft.com/office/drawing/2014/main" id="{A612F5A8-3E12-43BD-8784-444B5C059B56}"/>
+                <a16:creationId xmlns:a16="http://schemas.microsoft.com/office/drawing/2014/main" id="{135F1482-E208-49C4-9C5B-CC00A1E8831F}"/>
               </a:ext>
             </a:extLst>
           </p:cNvPr>
@@ -6842,9 +7071,7 @@
         </p:nvSpPr>
         <p:spPr/>
         <p:txBody>
-          <a:bodyPr>
-            <a:normAutofit/>
-          </a:bodyPr>
+          <a:bodyPr/>
           <a:lstStyle/>
           <a:p>
             <a:pPr marL="457200" indent="-457200">
@@ -6852,10 +7079,9 @@
               <a:buChar char="•"/>
             </a:pPr>
             <a:r>
-              <a:rPr lang="en-US" dirty="0" err="1"/>
-              <a:t>sportsipy</a:t>
-            </a:r>
-            <a:endParaRPr lang="en-US" dirty="0"/>
+              <a:rPr lang="en-US" dirty="0"/>
+              <a:t>Figuring out which data to analyze</a:t>
+            </a:r>
           </a:p>
           <a:p>
             <a:pPr marL="457200" indent="-457200">
@@ -6864,7 +7090,7 @@
             </a:pPr>
             <a:r>
               <a:rPr lang="en-US" dirty="0"/>
-              <a:t>Website for web scraping</a:t>
+              <a:t>What methods we used to analyze the data</a:t>
             </a:r>
           </a:p>
           <a:p>
@@ -6874,7 +7100,7 @@
             </a:pPr>
             <a:r>
               <a:rPr lang="en-US" dirty="0"/>
-              <a:t>Web scraping tool</a:t>
+              <a:t>How will our machine analyze data</a:t>
             </a:r>
           </a:p>
           <a:p>
@@ -6884,7 +7110,7 @@
             </a:pPr>
             <a:r>
               <a:rPr lang="en-US" dirty="0"/>
-              <a:t>Websites for NFL data</a:t>
+              <a:t>What is the purpose of analyzing the data</a:t>
             </a:r>
           </a:p>
           <a:p>
@@ -6894,26 +7120,19 @@
             </a:pPr>
             <a:r>
               <a:rPr lang="en-US" dirty="0"/>
-              <a:t>DraftKings</a:t>
-            </a:r>
-          </a:p>
-          <a:p>
-            <a:pPr marL="457200" indent="-457200">
-              <a:buFont typeface="Arial" panose="020B0604020202020204" pitchFamily="34" charset="0"/>
-              <a:buChar char="•"/>
-            </a:pPr>
+              <a:t>Analyzing results of </a:t>
+            </a:r>
             <a:r>
               <a:rPr lang="en-US"/>
-              <a:t>Languages--</a:t>
-            </a:r>
-            <a:endParaRPr lang="en-US" dirty="0"/>
+              <a:t>the machine</a:t>
+            </a:r>
           </a:p>
         </p:txBody>
       </p:sp>
     </p:spTree>
     <p:extLst>
       <p:ext uri="{BB962C8B-B14F-4D97-AF65-F5344CB8AC3E}">
-        <p14:creationId xmlns:p14="http://schemas.microsoft.com/office/powerpoint/2010/main" val="2869901700"/>
+        <p14:creationId xmlns:p14="http://schemas.microsoft.com/office/powerpoint/2010/main" val="933643513"/>
       </p:ext>
     </p:extLst>
   </p:cSld>
@@ -6945,7 +7164,7 @@
           <p:cNvPr id="2" name="Title 1">
             <a:extLst>
               <a:ext uri="{FF2B5EF4-FFF2-40B4-BE49-F238E27FC236}">
-                <a16:creationId xmlns:a16="http://schemas.microsoft.com/office/drawing/2014/main" id="{DC884FA8-97A7-42A3-B4A8-6475A65F7904}"/>
+                <a16:creationId xmlns:a16="http://schemas.microsoft.com/office/drawing/2014/main" id="{7A8E0AB1-DBE1-451C-A032-485F6286E3F3}"/>
               </a:ext>
             </a:extLst>
           </p:cNvPr>
@@ -6958,10 +7177,15 @@
         </p:nvSpPr>
         <p:spPr/>
         <p:txBody>
-          <a:bodyPr/>
-          <a:lstStyle/>
-          <a:p>
-            <a:endParaRPr lang="en-US"/>
+          <a:bodyPr>
+            <a:normAutofit fontScale="90000"/>
+          </a:bodyPr>
+          <a:lstStyle/>
+          <a:p>
+            <a:r>
+              <a:rPr lang="en-US" dirty="0"/>
+              <a:t>Technologies, languages, tools</a:t>
+            </a:r>
           </a:p>
         </p:txBody>
       </p:sp>
@@ -6970,7 +7194,7 @@
           <p:cNvPr id="3" name="Content Placeholder 2">
             <a:extLst>
               <a:ext uri="{FF2B5EF4-FFF2-40B4-BE49-F238E27FC236}">
-                <a16:creationId xmlns:a16="http://schemas.microsoft.com/office/drawing/2014/main" id="{AE0B144A-0F7A-49F4-A7FE-EFD985425F1F}"/>
+                <a16:creationId xmlns:a16="http://schemas.microsoft.com/office/drawing/2014/main" id="{A612F5A8-3E12-43BD-8784-444B5C059B56}"/>
               </a:ext>
             </a:extLst>
           </p:cNvPr>
@@ -6983,17 +7207,78 @@
         </p:nvSpPr>
         <p:spPr/>
         <p:txBody>
-          <a:bodyPr/>
-          <a:lstStyle/>
-          <a:p>
-            <a:endParaRPr lang="en-US"/>
+          <a:bodyPr>
+            <a:normAutofit/>
+          </a:bodyPr>
+          <a:lstStyle/>
+          <a:p>
+            <a:pPr marL="457200" indent="-457200">
+              <a:buFont typeface="Arial" panose="020B0604020202020204" pitchFamily="34" charset="0"/>
+              <a:buChar char="•"/>
+            </a:pPr>
+            <a:r>
+              <a:rPr lang="en-US" dirty="0" err="1"/>
+              <a:t>sportsipy</a:t>
+            </a:r>
+            <a:endParaRPr lang="en-US" dirty="0"/>
+          </a:p>
+          <a:p>
+            <a:pPr marL="457200" indent="-457200">
+              <a:buFont typeface="Arial" panose="020B0604020202020204" pitchFamily="34" charset="0"/>
+              <a:buChar char="•"/>
+            </a:pPr>
+            <a:r>
+              <a:rPr lang="en-US" dirty="0"/>
+              <a:t>Website for web scraping</a:t>
+            </a:r>
+          </a:p>
+          <a:p>
+            <a:pPr marL="457200" indent="-457200">
+              <a:buFont typeface="Arial" panose="020B0604020202020204" pitchFamily="34" charset="0"/>
+              <a:buChar char="•"/>
+            </a:pPr>
+            <a:r>
+              <a:rPr lang="en-US" dirty="0"/>
+              <a:t>Web scraping tool</a:t>
+            </a:r>
+          </a:p>
+          <a:p>
+            <a:pPr marL="457200" indent="-457200">
+              <a:buFont typeface="Arial" panose="020B0604020202020204" pitchFamily="34" charset="0"/>
+              <a:buChar char="•"/>
+            </a:pPr>
+            <a:r>
+              <a:rPr lang="en-US" dirty="0"/>
+              <a:t>Websites for NFL data</a:t>
+            </a:r>
+          </a:p>
+          <a:p>
+            <a:pPr marL="457200" indent="-457200">
+              <a:buFont typeface="Arial" panose="020B0604020202020204" pitchFamily="34" charset="0"/>
+              <a:buChar char="•"/>
+            </a:pPr>
+            <a:r>
+              <a:rPr lang="en-US" dirty="0"/>
+              <a:t>DraftKings</a:t>
+            </a:r>
+          </a:p>
+          <a:p>
+            <a:pPr marL="457200" indent="-457200">
+              <a:buFont typeface="Arial" panose="020B0604020202020204" pitchFamily="34" charset="0"/>
+              <a:buChar char="•"/>
+            </a:pPr>
+            <a:r>
+              <a:rPr lang="en-US"/>
+              <a:t>Languages--</a:t>
+            </a:r>
+            <a:endParaRPr lang="en-US" dirty="0"/>
           </a:p>
         </p:txBody>
       </p:sp>
     </p:spTree>
     <p:extLst>
       <p:ext uri="{BB962C8B-B14F-4D97-AF65-F5344CB8AC3E}">
-        <p14:creationId xmlns:p14="http://schemas.microsoft.com/office/powerpoint/2010/main" val="642101144"/>
+        <p14:creationId xmlns:p14="http://schemas.microsoft.com/office/powerpoint/2010/main" val="2869901700"/>
       </p:ext>
     </p:extLst>
   </p:cSld>
@@ -7025,7 +7310,7 @@
           <p:cNvPr id="2" name="Title 1">
             <a:extLst>
               <a:ext uri="{FF2B5EF4-FFF2-40B4-BE49-F238E27FC236}">
-                <a16:creationId xmlns:a16="http://schemas.microsoft.com/office/drawing/2014/main" id="{00A15753-9A0A-46A0-827A-191A50197E37}"/>
+                <a16:creationId xmlns:a16="http://schemas.microsoft.com/office/drawing/2014/main" id="{DC884FA8-97A7-42A3-B4A8-6475A65F7904}"/>
               </a:ext>
             </a:extLst>
           </p:cNvPr>
@@ -7050,7 +7335,7 @@
           <p:cNvPr id="3" name="Content Placeholder 2">
             <a:extLst>
               <a:ext uri="{FF2B5EF4-FFF2-40B4-BE49-F238E27FC236}">
-                <a16:creationId xmlns:a16="http://schemas.microsoft.com/office/drawing/2014/main" id="{03CA9E21-7364-4DA9-8E97-33FFAA50BF9C}"/>
+                <a16:creationId xmlns:a16="http://schemas.microsoft.com/office/drawing/2014/main" id="{AE0B144A-0F7A-49F4-A7FE-EFD985425F1F}"/>
               </a:ext>
             </a:extLst>
           </p:cNvPr>
@@ -7073,7 +7358,7 @@
     </p:spTree>
     <p:extLst>
       <p:ext uri="{BB962C8B-B14F-4D97-AF65-F5344CB8AC3E}">
-        <p14:creationId xmlns:p14="http://schemas.microsoft.com/office/powerpoint/2010/main" val="1993694396"/>
+        <p14:creationId xmlns:p14="http://schemas.microsoft.com/office/powerpoint/2010/main" val="642101144"/>
       </p:ext>
     </p:extLst>
   </p:cSld>

--- a/Resources/Final.Presentation.pptx
+++ b/Resources/Final.Presentation.pptx
@@ -128,7 +128,7 @@
 <file path=ppt/revisionInfo.xml><?xml version="1.0" encoding="utf-8"?>
 <p1510:revInfo xmlns:a="http://schemas.openxmlformats.org/drawingml/2006/main" xmlns:r="http://schemas.openxmlformats.org/officeDocument/2006/relationships" xmlns:p1510="http://schemas.microsoft.com/office/powerpoint/2015/10/main">
   <p1510:revLst>
-    <p1510:client id="{2D2F4B00-D67B-471E-8EC5-16430E5C6708}" v="13" dt="2021-11-08T04:13:36.447"/>
+    <p1510:client id="{2D2F4B00-D67B-471E-8EC5-16430E5C6708}" v="15" dt="2021-11-08T04:15:49.305"/>
   </p1510:revLst>
 </p1510:revInfo>
 </file>
@@ -138,7 +138,7 @@
   <pc:docChgLst>
     <pc:chgData name="Taryn Syler" userId="d093462dc93fe5e1" providerId="LiveId" clId="{2D2F4B00-D67B-471E-8EC5-16430E5C6708}"/>
     <pc:docChg chg="undo custSel addSld modSld">
-      <pc:chgData name="Taryn Syler" userId="d093462dc93fe5e1" providerId="LiveId" clId="{2D2F4B00-D67B-471E-8EC5-16430E5C6708}" dt="2021-11-08T04:13:44.173" v="3166" actId="20577"/>
+      <pc:chgData name="Taryn Syler" userId="d093462dc93fe5e1" providerId="LiveId" clId="{2D2F4B00-D67B-471E-8EC5-16430E5C6708}" dt="2021-11-08T04:22:16.750" v="3797" actId="20577"/>
       <pc:docMkLst>
         <pc:docMk/>
       </pc:docMkLst>
@@ -277,17 +277,33 @@
         </pc:picChg>
       </pc:sldChg>
       <pc:sldChg chg="addSp delSp modSp new mod setBg modNotesTx">
-        <pc:chgData name="Taryn Syler" userId="d093462dc93fe5e1" providerId="LiveId" clId="{2D2F4B00-D67B-471E-8EC5-16430E5C6708}" dt="2021-10-25T04:22:10.716" v="1955" actId="26606"/>
+        <pc:chgData name="Taryn Syler" userId="d093462dc93fe5e1" providerId="LiveId" clId="{2D2F4B00-D67B-471E-8EC5-16430E5C6708}" dt="2021-11-08T04:15:53.932" v="3183"/>
         <pc:sldMkLst>
           <pc:docMk/>
           <pc:sldMk cId="218487303" sldId="259"/>
         </pc:sldMkLst>
+        <pc:spChg chg="add del mod">
+          <ac:chgData name="Taryn Syler" userId="d093462dc93fe5e1" providerId="LiveId" clId="{2D2F4B00-D67B-471E-8EC5-16430E5C6708}" dt="2021-11-08T04:15:53.932" v="3183"/>
+          <ac:spMkLst>
+            <pc:docMk/>
+            <pc:sldMk cId="218487303" sldId="259"/>
+            <ac:spMk id="2" creationId="{59B6DFC2-FB7D-44F3-A93A-70AC7210EC16}"/>
+          </ac:spMkLst>
+        </pc:spChg>
         <pc:spChg chg="del">
           <ac:chgData name="Taryn Syler" userId="d093462dc93fe5e1" providerId="LiveId" clId="{2D2F4B00-D67B-471E-8EC5-16430E5C6708}" dt="2021-10-25T04:21:39.882" v="1953" actId="26606"/>
           <ac:spMkLst>
             <pc:docMk/>
             <pc:sldMk cId="218487303" sldId="259"/>
             <ac:spMk id="2" creationId="{A5544B47-BB39-449A-AB86-CD14F16C063B}"/>
+          </ac:spMkLst>
+        </pc:spChg>
+        <pc:spChg chg="add mod">
+          <ac:chgData name="Taryn Syler" userId="d093462dc93fe5e1" providerId="LiveId" clId="{2D2F4B00-D67B-471E-8EC5-16430E5C6708}" dt="2021-11-08T04:15:53.013" v="3181" actId="20577"/>
+          <ac:spMkLst>
+            <pc:docMk/>
+            <pc:sldMk cId="218487303" sldId="259"/>
+            <ac:spMk id="3" creationId="{26DB3B77-C1ED-493E-9100-9508FB819340}"/>
           </ac:spMkLst>
         </pc:spChg>
         <pc:spChg chg="del">
@@ -332,7 +348,7 @@
         </pc:picChg>
       </pc:sldChg>
       <pc:sldChg chg="addSp delSp modSp new mod modNotesTx">
-        <pc:chgData name="Taryn Syler" userId="d093462dc93fe5e1" providerId="LiveId" clId="{2D2F4B00-D67B-471E-8EC5-16430E5C6708}" dt="2021-11-08T04:12:45.613" v="3110" actId="21"/>
+        <pc:chgData name="Taryn Syler" userId="d093462dc93fe5e1" providerId="LiveId" clId="{2D2F4B00-D67B-471E-8EC5-16430E5C6708}" dt="2021-11-08T04:22:16.750" v="3797" actId="20577"/>
         <pc:sldMkLst>
           <pc:docMk/>
           <pc:sldMk cId="2730496532" sldId="260"/>
@@ -346,7 +362,7 @@
           </ac:spMkLst>
         </pc:spChg>
         <pc:spChg chg="mod">
-          <ac:chgData name="Taryn Syler" userId="d093462dc93fe5e1" providerId="LiveId" clId="{2D2F4B00-D67B-471E-8EC5-16430E5C6708}" dt="2021-11-08T04:12:42.936" v="3108"/>
+          <ac:chgData name="Taryn Syler" userId="d093462dc93fe5e1" providerId="LiveId" clId="{2D2F4B00-D67B-471E-8EC5-16430E5C6708}" dt="2021-11-08T04:20:34.443" v="3525" actId="20577"/>
           <ac:spMkLst>
             <pc:docMk/>
             <pc:sldMk cId="2730496532" sldId="260"/>
@@ -579,7 +595,7 @@
           <a:p>
             <a:fld id="{917E58E4-3C21-4D5C-B4E1-FAE723A9F180}" type="datetimeFigureOut">
               <a:rPr lang="en-US" smtClean="0"/>
-              <a:t>11/2/2021</a:t>
+              <a:t>11/7/2021</a:t>
             </a:fld>
             <a:endParaRPr lang="en-US"/>
           </a:p>
@@ -1276,7 +1292,23 @@
           <a:p>
             <a:r>
               <a:rPr lang="en-US" dirty="0"/>
-              <a:t>Description of the data exploration phase of the project: </a:t>
+              <a:t>Description of the data exploration phase of the project: (Jabari) Data was divided into week, player, position. Machine learning used to predict player performance, allowing us to construct ideal draft picks. Data obtained from (DraftKings) and (</a:t>
+            </a:r>
+            <a:r>
+              <a:rPr lang="en-US" dirty="0" err="1"/>
+              <a:t>Sportsipy</a:t>
+            </a:r>
+            <a:r>
+              <a:rPr lang="en-US" dirty="0"/>
+              <a:t>). When obtaining data, issues came across with </a:t>
+            </a:r>
+            <a:r>
+              <a:rPr lang="en-US" dirty="0" err="1"/>
+              <a:t>sportsipy</a:t>
+            </a:r>
+            <a:r>
+              <a:rPr lang="en-US" dirty="0"/>
+              <a:t> and web scraping had to be involved to get appropriate info. </a:t>
             </a:r>
           </a:p>
         </p:txBody>
@@ -1975,7 +2007,7 @@
             <a:fld id="{A37D6D71-8B28-4ED6-B932-04B197003D23}" type="datetimeFigureOut">
               <a:rPr lang="en-US" smtClean="0"/>
               <a:pPr algn="r"/>
-              <a:t>11/2/2021</a:t>
+              <a:t>11/7/2021</a:t>
             </a:fld>
             <a:endParaRPr lang="en-US" dirty="0"/>
           </a:p>
@@ -2197,7 +2229,7 @@
             <a:fld id="{A37D6D71-8B28-4ED6-B932-04B197003D23}" type="datetimeFigureOut">
               <a:rPr lang="en-US" smtClean="0"/>
               <a:pPr algn="r"/>
-              <a:t>11/2/2021</a:t>
+              <a:t>11/7/2021</a:t>
             </a:fld>
             <a:endParaRPr lang="en-US" dirty="0"/>
           </a:p>
@@ -2480,7 +2512,7 @@
             <a:fld id="{A37D6D71-8B28-4ED6-B932-04B197003D23}" type="datetimeFigureOut">
               <a:rPr lang="en-US" smtClean="0"/>
               <a:pPr algn="r"/>
-              <a:t>11/2/2021</a:t>
+              <a:t>11/7/2021</a:t>
             </a:fld>
             <a:endParaRPr lang="en-US" dirty="0"/>
           </a:p>
@@ -2694,7 +2726,7 @@
             <a:fld id="{A37D6D71-8B28-4ED6-B932-04B197003D23}" type="datetimeFigureOut">
               <a:rPr lang="en-US" smtClean="0"/>
               <a:pPr algn="r"/>
-              <a:t>11/2/2021</a:t>
+              <a:t>11/7/2021</a:t>
             </a:fld>
             <a:endParaRPr lang="en-US" dirty="0"/>
           </a:p>
@@ -3032,7 +3064,7 @@
             <a:fld id="{A37D6D71-8B28-4ED6-B932-04B197003D23}" type="datetimeFigureOut">
               <a:rPr lang="en-US" smtClean="0"/>
               <a:pPr algn="r"/>
-              <a:t>11/2/2021</a:t>
+              <a:t>11/7/2021</a:t>
             </a:fld>
             <a:endParaRPr lang="en-US" dirty="0"/>
           </a:p>
@@ -3307,7 +3339,7 @@
             <a:fld id="{A37D6D71-8B28-4ED6-B932-04B197003D23}" type="datetimeFigureOut">
               <a:rPr lang="en-US" smtClean="0"/>
               <a:pPr algn="r"/>
-              <a:t>11/2/2021</a:t>
+              <a:t>11/7/2021</a:t>
             </a:fld>
             <a:endParaRPr lang="en-US" dirty="0"/>
           </a:p>
@@ -3696,7 +3728,7 @@
             <a:fld id="{A37D6D71-8B28-4ED6-B932-04B197003D23}" type="datetimeFigureOut">
               <a:rPr lang="en-US" smtClean="0"/>
               <a:pPr algn="r"/>
-              <a:t>11/2/2021</a:t>
+              <a:t>11/7/2021</a:t>
             </a:fld>
             <a:endParaRPr lang="en-US" dirty="0"/>
           </a:p>
@@ -3873,7 +3905,7 @@
             <a:fld id="{A37D6D71-8B28-4ED6-B932-04B197003D23}" type="datetimeFigureOut">
               <a:rPr lang="en-US" smtClean="0"/>
               <a:pPr algn="r"/>
-              <a:t>11/2/2021</a:t>
+              <a:t>11/7/2021</a:t>
             </a:fld>
             <a:endParaRPr lang="en-US" dirty="0"/>
           </a:p>
@@ -3994,7 +4026,7 @@
             <a:fld id="{A37D6D71-8B28-4ED6-B932-04B197003D23}" type="datetimeFigureOut">
               <a:rPr lang="en-US" smtClean="0"/>
               <a:pPr algn="r"/>
-              <a:t>11/2/2021</a:t>
+              <a:t>11/7/2021</a:t>
             </a:fld>
             <a:endParaRPr lang="en-US" dirty="0"/>
           </a:p>
@@ -4279,7 +4311,7 @@
             <a:fld id="{A37D6D71-8B28-4ED6-B932-04B197003D23}" type="datetimeFigureOut">
               <a:rPr lang="en-US" smtClean="0"/>
               <a:pPr algn="r"/>
-              <a:t>11/2/2021</a:t>
+              <a:t>11/7/2021</a:t>
             </a:fld>
             <a:endParaRPr lang="en-US" dirty="0"/>
           </a:p>
@@ -4580,7 +4612,7 @@
             <a:fld id="{A37D6D71-8B28-4ED6-B932-04B197003D23}" type="datetimeFigureOut">
               <a:rPr lang="en-US" smtClean="0"/>
               <a:pPr algn="r"/>
-              <a:t>11/2/2021</a:t>
+              <a:t>11/7/2021</a:t>
             </a:fld>
             <a:endParaRPr lang="en-US" dirty="0"/>
           </a:p>
@@ -4928,7 +4960,7 @@
             <a:fld id="{A37D6D71-8B28-4ED6-B932-04B197003D23}" type="datetimeFigureOut">
               <a:rPr lang="en-US" smtClean="0"/>
               <a:pPr algn="r"/>
-              <a:t>11/2/2021</a:t>
+              <a:t>11/7/2021</a:t>
             </a:fld>
             <a:endParaRPr lang="en-US" spc="50" dirty="0"/>
           </a:p>
@@ -6735,6 +6767,41 @@
           </a:extLst>
         </p:spPr>
       </p:pic>
+      <p:sp>
+        <p:nvSpPr>
+          <p:cNvPr id="3" name="TextBox 2">
+            <a:extLst>
+              <a:ext uri="{FF2B5EF4-FFF2-40B4-BE49-F238E27FC236}">
+                <a16:creationId xmlns:a16="http://schemas.microsoft.com/office/drawing/2014/main" id="{26DB3B77-C1ED-493E-9100-9508FB819340}"/>
+              </a:ext>
+            </a:extLst>
+          </p:cNvPr>
+          <p:cNvSpPr txBox="1"/>
+          <p:nvPr/>
+        </p:nvSpPr>
+        <p:spPr>
+          <a:xfrm>
+            <a:off x="457200" y="427383"/>
+            <a:ext cx="1451113" cy="369332"/>
+          </a:xfrm>
+          <a:prstGeom prst="rect">
+            <a:avLst/>
+          </a:prstGeom>
+          <a:noFill/>
+        </p:spPr>
+        <p:txBody>
+          <a:bodyPr wrap="square" rtlCol="0">
+            <a:spAutoFit/>
+          </a:bodyPr>
+          <a:lstStyle/>
+          <a:p>
+            <a:r>
+              <a:rPr lang="en-US" dirty="0"/>
+              <a:t>Placeholder</a:t>
+            </a:r>
+          </a:p>
+        </p:txBody>
+      </p:sp>
     </p:spTree>
     <p:extLst>
       <p:ext uri="{BB962C8B-B14F-4D97-AF65-F5344CB8AC3E}">
@@ -6811,7 +6878,9 @@
         </p:nvSpPr>
         <p:spPr/>
         <p:txBody>
-          <a:bodyPr/>
+          <a:bodyPr>
+            <a:normAutofit/>
+          </a:bodyPr>
           <a:lstStyle/>
           <a:p>
             <a:pPr marL="457200" indent="-457200">
@@ -6819,8 +6888,8 @@
               <a:buChar char="•"/>
             </a:pPr>
             <a:r>
-              <a:rPr lang="en-US" dirty="0"/>
-              <a:t>Screenshot or example of the data we found through external sources</a:t>
+              <a:rPr lang="en-US" sz="4000" b="1" dirty="0"/>
+              <a:t>Data of Interest: Week, Player, Position (NFL)</a:t>
             </a:r>
           </a:p>
           <a:p>
@@ -6829,18 +6898,8 @@
               <a:buChar char="•"/>
             </a:pPr>
             <a:r>
-              <a:rPr lang="en-US" dirty="0"/>
-              <a:t>Issues that came up</a:t>
-            </a:r>
-          </a:p>
-          <a:p>
-            <a:pPr marL="731520" lvl="1" indent="-457200">
-              <a:buFont typeface="Arial" panose="020B0604020202020204" pitchFamily="34" charset="0"/>
-              <a:buChar char="•"/>
-            </a:pPr>
-            <a:r>
-              <a:rPr lang="en-US" dirty="0"/>
-              <a:t>Potentially put this section later, when talking about doing things differently in the future</a:t>
+              <a:rPr lang="en-US" sz="4000" b="1" dirty="0"/>
+              <a:t>DraftKings</a:t>
             </a:r>
           </a:p>
           <a:p>
@@ -6849,15 +6908,17 @@
               <a:buChar char="•"/>
             </a:pPr>
             <a:r>
-              <a:rPr lang="en-US" dirty="0"/>
-              <a:t>Finding which data to focus on</a:t>
-            </a:r>
-          </a:p>
-          <a:p>
-            <a:pPr lvl="1" indent="0">
-              <a:buNone/>
-            </a:pPr>
-            <a:endParaRPr lang="en-US" dirty="0"/>
+              <a:rPr lang="en-US" sz="4000" b="1" dirty="0"/>
+              <a:t>Issues-Web</a:t>
+            </a:r>
+            <a:r>
+              <a:rPr lang="en-US" sz="4000" dirty="0"/>
+              <a:t> </a:t>
+            </a:r>
+            <a:r>
+              <a:rPr lang="en-US" sz="4000" b="1" dirty="0"/>
+              <a:t>Scraping</a:t>
+            </a:r>
           </a:p>
         </p:txBody>
       </p:sp>

--- a/Resources/Final.Presentation.pptx
+++ b/Resources/Final.Presentation.pptx
@@ -138,7 +138,7 @@
   <pc:docChgLst>
     <pc:chgData name="Taryn Syler" userId="d093462dc93fe5e1" providerId="LiveId" clId="{2D2F4B00-D67B-471E-8EC5-16430E5C6708}"/>
     <pc:docChg chg="undo custSel addSld modSld">
-      <pc:chgData name="Taryn Syler" userId="d093462dc93fe5e1" providerId="LiveId" clId="{2D2F4B00-D67B-471E-8EC5-16430E5C6708}" dt="2021-11-08T04:22:16.750" v="3797" actId="20577"/>
+      <pc:chgData name="Taryn Syler" userId="d093462dc93fe5e1" providerId="LiveId" clId="{2D2F4B00-D67B-471E-8EC5-16430E5C6708}" dt="2021-11-08T04:35:16.145" v="4362" actId="20577"/>
       <pc:docMkLst>
         <pc:docMk/>
       </pc:docMkLst>
@@ -379,7 +379,7 @@
         </pc:picChg>
       </pc:sldChg>
       <pc:sldChg chg="modSp new mod modNotesTx">
-        <pc:chgData name="Taryn Syler" userId="d093462dc93fe5e1" providerId="LiveId" clId="{2D2F4B00-D67B-471E-8EC5-16430E5C6708}" dt="2021-11-01T06:03:01.430" v="2899" actId="20577"/>
+        <pc:chgData name="Taryn Syler" userId="d093462dc93fe5e1" providerId="LiveId" clId="{2D2F4B00-D67B-471E-8EC5-16430E5C6708}" dt="2021-11-08T04:35:16.145" v="4362" actId="20577"/>
         <pc:sldMkLst>
           <pc:docMk/>
           <pc:sldMk cId="933643513" sldId="261"/>
@@ -393,7 +393,7 @@
           </ac:spMkLst>
         </pc:spChg>
         <pc:spChg chg="mod">
-          <ac:chgData name="Taryn Syler" userId="d093462dc93fe5e1" providerId="LiveId" clId="{2D2F4B00-D67B-471E-8EC5-16430E5C6708}" dt="2021-11-01T06:03:01.430" v="2899" actId="20577"/>
+          <ac:chgData name="Taryn Syler" userId="d093462dc93fe5e1" providerId="LiveId" clId="{2D2F4B00-D67B-471E-8EC5-16430E5C6708}" dt="2021-11-08T04:33:58.398" v="3894" actId="20577"/>
           <ac:spMkLst>
             <pc:docMk/>
             <pc:sldMk cId="933643513" sldId="261"/>
@@ -1483,8 +1483,13 @@
           <a:p>
             <a:r>
               <a:rPr lang="en-US" dirty="0"/>
-              <a:t>Description of the analysis phase of the project:</a:t>
-            </a:r>
+              <a:t>Description of the analysis phase of the project: (Sean) Use a multiple linear regression model to analyze data. Ideally, machine will analyze last year’s results to predict this year’s results in order to create ideal draft. However, for the purpose of the project we will test how well the machine makes a lineup </a:t>
+            </a:r>
+            <a:r>
+              <a:rPr lang="en-US"/>
+              <a:t>for last year based on last year’s stats. </a:t>
+            </a:r>
+            <a:endParaRPr lang="en-US" dirty="0"/>
           </a:p>
         </p:txBody>
       </p:sp>
@@ -7141,7 +7146,7 @@
             </a:pPr>
             <a:r>
               <a:rPr lang="en-US" dirty="0"/>
-              <a:t>Figuring out which data to analyze</a:t>
+              <a:t>Multiple Linear Regression Model</a:t>
             </a:r>
           </a:p>
           <a:p>
@@ -7151,7 +7156,7 @@
             </a:pPr>
             <a:r>
               <a:rPr lang="en-US" dirty="0"/>
-              <a:t>What methods we used to analyze the data</a:t>
+              <a:t>Machine-Last Year’s Stats</a:t>
             </a:r>
           </a:p>
           <a:p>
@@ -7161,31 +7166,7 @@
             </a:pPr>
             <a:r>
               <a:rPr lang="en-US" dirty="0"/>
-              <a:t>How will our machine analyze data</a:t>
-            </a:r>
-          </a:p>
-          <a:p>
-            <a:pPr marL="457200" indent="-457200">
-              <a:buFont typeface="Arial" panose="020B0604020202020204" pitchFamily="34" charset="0"/>
-              <a:buChar char="•"/>
-            </a:pPr>
-            <a:r>
-              <a:rPr lang="en-US" dirty="0"/>
-              <a:t>What is the purpose of analyzing the data</a:t>
-            </a:r>
-          </a:p>
-          <a:p>
-            <a:pPr marL="457200" indent="-457200">
-              <a:buFont typeface="Arial" panose="020B0604020202020204" pitchFamily="34" charset="0"/>
-              <a:buChar char="•"/>
-            </a:pPr>
-            <a:r>
-              <a:rPr lang="en-US" dirty="0"/>
-              <a:t>Analyzing results of </a:t>
-            </a:r>
-            <a:r>
-              <a:rPr lang="en-US"/>
-              <a:t>the machine</a:t>
+              <a:t>Test effectiveness</a:t>
             </a:r>
           </a:p>
         </p:txBody>

--- a/Resources/Final.Presentation.pptx
+++ b/Resources/Final.Presentation.pptx
@@ -5,7 +5,7 @@
     <p:sldMasterId id="2147483673" r:id="rId1"/>
   </p:sldMasterIdLst>
   <p:notesMasterIdLst>
-    <p:notesMasterId r:id="rId13"/>
+    <p:notesMasterId r:id="rId14"/>
   </p:notesMasterIdLst>
   <p:sldIdLst>
     <p:sldId id="256" r:id="rId2"/>
@@ -15,10 +15,11 @@
     <p:sldId id="260" r:id="rId6"/>
     <p:sldId id="266" r:id="rId7"/>
     <p:sldId id="261" r:id="rId8"/>
-    <p:sldId id="262" r:id="rId9"/>
-    <p:sldId id="263" r:id="rId10"/>
-    <p:sldId id="264" r:id="rId11"/>
-    <p:sldId id="265" r:id="rId12"/>
+    <p:sldId id="263" r:id="rId9"/>
+    <p:sldId id="262" r:id="rId10"/>
+    <p:sldId id="267" r:id="rId11"/>
+    <p:sldId id="264" r:id="rId12"/>
+    <p:sldId id="265" r:id="rId13"/>
   </p:sldIdLst>
   <p:sldSz cx="12192000" cy="6858000"/>
   <p:notesSz cx="6858000" cy="9144000"/>
@@ -128,7 +129,7 @@
 <file path=ppt/revisionInfo.xml><?xml version="1.0" encoding="utf-8"?>
 <p1510:revInfo xmlns:a="http://schemas.openxmlformats.org/drawingml/2006/main" xmlns:r="http://schemas.openxmlformats.org/officeDocument/2006/relationships" xmlns:p1510="http://schemas.microsoft.com/office/powerpoint/2015/10/main">
   <p1510:revLst>
-    <p1510:client id="{2D2F4B00-D67B-471E-8EC5-16430E5C6708}" v="15" dt="2021-11-08T04:15:49.305"/>
+    <p1510:client id="{2D2F4B00-D67B-471E-8EC5-16430E5C6708}" v="19" dt="2021-11-08T04:41:46.719"/>
   </p1510:revLst>
 </p1510:revInfo>
 </file>
@@ -137,8 +138,8 @@
 <pc:chgInfo xmlns:a="http://schemas.openxmlformats.org/drawingml/2006/main" xmlns:r="http://schemas.openxmlformats.org/officeDocument/2006/relationships" xmlns:ac="http://schemas.microsoft.com/office/drawing/2013/main/command" xmlns:pc="http://schemas.microsoft.com/office/powerpoint/2013/main/command">
   <pc:docChgLst>
     <pc:chgData name="Taryn Syler" userId="d093462dc93fe5e1" providerId="LiveId" clId="{2D2F4B00-D67B-471E-8EC5-16430E5C6708}"/>
-    <pc:docChg chg="undo custSel addSld modSld">
-      <pc:chgData name="Taryn Syler" userId="d093462dc93fe5e1" providerId="LiveId" clId="{2D2F4B00-D67B-471E-8EC5-16430E5C6708}" dt="2021-11-08T04:35:16.145" v="4362" actId="20577"/>
+    <pc:docChg chg="undo custSel addSld modSld sldOrd">
+      <pc:chgData name="Taryn Syler" userId="d093462dc93fe5e1" providerId="LiveId" clId="{2D2F4B00-D67B-471E-8EC5-16430E5C6708}" dt="2021-11-08T04:43:18.867" v="4615" actId="20577"/>
       <pc:docMkLst>
         <pc:docMk/>
       </pc:docMkLst>
@@ -424,26 +425,82 @@
           </ac:spMkLst>
         </pc:spChg>
       </pc:sldChg>
-      <pc:sldChg chg="new modNotesTx">
-        <pc:chgData name="Taryn Syler" userId="d093462dc93fe5e1" providerId="LiveId" clId="{2D2F4B00-D67B-471E-8EC5-16430E5C6708}" dt="2021-11-01T05:37:28.766" v="2203" actId="20577"/>
+      <pc:sldChg chg="addSp delSp modSp new mod ord modNotesTx">
+        <pc:chgData name="Taryn Syler" userId="d093462dc93fe5e1" providerId="LiveId" clId="{2D2F4B00-D67B-471E-8EC5-16430E5C6708}" dt="2021-11-08T04:42:02.959" v="4480" actId="20577"/>
         <pc:sldMkLst>
           <pc:docMk/>
           <pc:sldMk cId="642101144" sldId="263"/>
         </pc:sldMkLst>
+        <pc:spChg chg="mod">
+          <ac:chgData name="Taryn Syler" userId="d093462dc93fe5e1" providerId="LiveId" clId="{2D2F4B00-D67B-471E-8EC5-16430E5C6708}" dt="2021-11-08T04:40:52.940" v="4388" actId="20577"/>
+          <ac:spMkLst>
+            <pc:docMk/>
+            <pc:sldMk cId="642101144" sldId="263"/>
+            <ac:spMk id="2" creationId="{DC884FA8-97A7-42A3-B4A8-6475A65F7904}"/>
+          </ac:spMkLst>
+        </pc:spChg>
+        <pc:spChg chg="add del">
+          <ac:chgData name="Taryn Syler" userId="d093462dc93fe5e1" providerId="LiveId" clId="{2D2F4B00-D67B-471E-8EC5-16430E5C6708}" dt="2021-11-08T04:41:29.388" v="4393"/>
+          <ac:spMkLst>
+            <pc:docMk/>
+            <pc:sldMk cId="642101144" sldId="263"/>
+            <ac:spMk id="3" creationId="{AE0B144A-0F7A-49F4-A7FE-EFD985425F1F}"/>
+          </ac:spMkLst>
+        </pc:spChg>
+        <pc:spChg chg="add mod">
+          <ac:chgData name="Taryn Syler" userId="d093462dc93fe5e1" providerId="LiveId" clId="{2D2F4B00-D67B-471E-8EC5-16430E5C6708}" dt="2021-11-08T04:42:02.959" v="4480" actId="20577"/>
+          <ac:spMkLst>
+            <pc:docMk/>
+            <pc:sldMk cId="642101144" sldId="263"/>
+            <ac:spMk id="6" creationId="{CF8751AB-6761-41D3-9EAF-91B87236966E}"/>
+          </ac:spMkLst>
+        </pc:spChg>
+        <pc:picChg chg="add mod">
+          <ac:chgData name="Taryn Syler" userId="d093462dc93fe5e1" providerId="LiveId" clId="{2D2F4B00-D67B-471E-8EC5-16430E5C6708}" dt="2021-11-08T04:41:16.657" v="4392"/>
+          <ac:picMkLst>
+            <pc:docMk/>
+            <pc:sldMk cId="642101144" sldId="263"/>
+            <ac:picMk id="4" creationId="{61899DE0-6216-40C2-9BCC-6116CBC5F533}"/>
+          </ac:picMkLst>
+        </pc:picChg>
+        <pc:picChg chg="add mod">
+          <ac:chgData name="Taryn Syler" userId="d093462dc93fe5e1" providerId="LiveId" clId="{2D2F4B00-D67B-471E-8EC5-16430E5C6708}" dt="2021-11-08T04:41:36.935" v="4395" actId="14100"/>
+          <ac:picMkLst>
+            <pc:docMk/>
+            <pc:sldMk cId="642101144" sldId="263"/>
+            <ac:picMk id="5" creationId="{671F324A-0A71-4131-B673-CC968A22B253}"/>
+          </ac:picMkLst>
+        </pc:picChg>
       </pc:sldChg>
-      <pc:sldChg chg="new modNotesTx">
-        <pc:chgData name="Taryn Syler" userId="d093462dc93fe5e1" providerId="LiveId" clId="{2D2F4B00-D67B-471E-8EC5-16430E5C6708}" dt="2021-11-01T05:37:41.749" v="2240" actId="20577"/>
+      <pc:sldChg chg="modSp new mod modNotesTx">
+        <pc:chgData name="Taryn Syler" userId="d093462dc93fe5e1" providerId="LiveId" clId="{2D2F4B00-D67B-471E-8EC5-16430E5C6708}" dt="2021-11-08T04:42:42.189" v="4532" actId="20577"/>
         <pc:sldMkLst>
           <pc:docMk/>
           <pc:sldMk cId="1993694396" sldId="264"/>
         </pc:sldMkLst>
+        <pc:spChg chg="mod">
+          <ac:chgData name="Taryn Syler" userId="d093462dc93fe5e1" providerId="LiveId" clId="{2D2F4B00-D67B-471E-8EC5-16430E5C6708}" dt="2021-11-08T04:42:42.189" v="4532" actId="20577"/>
+          <ac:spMkLst>
+            <pc:docMk/>
+            <pc:sldMk cId="1993694396" sldId="264"/>
+            <ac:spMk id="2" creationId="{00A15753-9A0A-46A0-827A-191A50197E37}"/>
+          </ac:spMkLst>
+        </pc:spChg>
       </pc:sldChg>
-      <pc:sldChg chg="new modNotesTx">
-        <pc:chgData name="Taryn Syler" userId="d093462dc93fe5e1" providerId="LiveId" clId="{2D2F4B00-D67B-471E-8EC5-16430E5C6708}" dt="2021-11-01T05:38:04.792" v="2313" actId="20577"/>
+      <pc:sldChg chg="modSp new mod modNotesTx">
+        <pc:chgData name="Taryn Syler" userId="d093462dc93fe5e1" providerId="LiveId" clId="{2D2F4B00-D67B-471E-8EC5-16430E5C6708}" dt="2021-11-08T04:42:48.550" v="4549" actId="20577"/>
         <pc:sldMkLst>
           <pc:docMk/>
           <pc:sldMk cId="1302545605" sldId="265"/>
         </pc:sldMkLst>
+        <pc:spChg chg="mod">
+          <ac:chgData name="Taryn Syler" userId="d093462dc93fe5e1" providerId="LiveId" clId="{2D2F4B00-D67B-471E-8EC5-16430E5C6708}" dt="2021-11-08T04:42:48.550" v="4549" actId="20577"/>
+          <ac:spMkLst>
+            <pc:docMk/>
+            <pc:sldMk cId="1302545605" sldId="265"/>
+            <ac:spMk id="2" creationId="{F7EE706F-D698-4024-BCE4-B57C05976FEF}"/>
+          </ac:spMkLst>
+        </pc:spChg>
       </pc:sldChg>
       <pc:sldChg chg="addSp delSp modSp new mod setBg modNotesTx">
         <pc:chgData name="Taryn Syler" userId="d093462dc93fe5e1" providerId="LiveId" clId="{2D2F4B00-D67B-471E-8EC5-16430E5C6708}" dt="2021-11-08T04:13:44.173" v="3166" actId="20577"/>
@@ -507,6 +564,21 @@
             <ac:picMk id="8" creationId="{CC1E67CF-80B8-4F4E-BE9A-0B886824B383}"/>
           </ac:picMkLst>
         </pc:picChg>
+      </pc:sldChg>
+      <pc:sldChg chg="modSp new mod modNotesTx">
+        <pc:chgData name="Taryn Syler" userId="d093462dc93fe5e1" providerId="LiveId" clId="{2D2F4B00-D67B-471E-8EC5-16430E5C6708}" dt="2021-11-08T04:43:18.867" v="4615" actId="20577"/>
+        <pc:sldMkLst>
+          <pc:docMk/>
+          <pc:sldMk cId="2548203177" sldId="267"/>
+        </pc:sldMkLst>
+        <pc:spChg chg="mod">
+          <ac:chgData name="Taryn Syler" userId="d093462dc93fe5e1" providerId="LiveId" clId="{2D2F4B00-D67B-471E-8EC5-16430E5C6708}" dt="2021-11-08T04:43:12.885" v="4599" actId="20577"/>
+          <ac:spMkLst>
+            <pc:docMk/>
+            <pc:sldMk cId="2548203177" sldId="267"/>
+            <ac:spMk id="2" creationId="{D7247FD5-ED36-42CC-8225-541D1733BF91}"/>
+          </ac:spMkLst>
+        </pc:spChg>
       </pc:sldChg>
     </pc:docChg>
   </pc:docChgLst>
@@ -1008,7 +1080,7 @@
           <a:p>
             <a:r>
               <a:rPr lang="en-US" dirty="0"/>
-              <a:t>Anything the team would have done differently:</a:t>
+              <a:t>Recommendation for future analysis: </a:t>
             </a:r>
           </a:p>
         </p:txBody>
@@ -1031,6 +1103,93 @@
             <a:fld id="{8382AD83-B5DF-4BD6-AC2B-95FF0DEC3221}" type="slidenum">
               <a:rPr lang="en-US" smtClean="0"/>
               <a:t>11</a:t>
+            </a:fld>
+            <a:endParaRPr lang="en-US"/>
+          </a:p>
+        </p:txBody>
+      </p:sp>
+    </p:spTree>
+    <p:extLst>
+      <p:ext uri="{BB962C8B-B14F-4D97-AF65-F5344CB8AC3E}">
+        <p14:creationId xmlns:p14="http://schemas.microsoft.com/office/powerpoint/2010/main" val="1659576050"/>
+      </p:ext>
+    </p:extLst>
+  </p:cSld>
+  <p:clrMapOvr>
+    <a:masterClrMapping/>
+  </p:clrMapOvr>
+</p:notes>
+</file>
+
+<file path=ppt/notesSlides/notesSlide11.xml><?xml version="1.0" encoding="utf-8"?>
+<p:notes xmlns:a="http://schemas.openxmlformats.org/drawingml/2006/main" xmlns:r="http://schemas.openxmlformats.org/officeDocument/2006/relationships" xmlns:p="http://schemas.openxmlformats.org/presentationml/2006/main">
+  <p:cSld>
+    <p:spTree>
+      <p:nvGrpSpPr>
+        <p:cNvPr id="1" name=""/>
+        <p:cNvGrpSpPr/>
+        <p:nvPr/>
+      </p:nvGrpSpPr>
+      <p:grpSpPr>
+        <a:xfrm>
+          <a:off x="0" y="0"/>
+          <a:ext cx="0" cy="0"/>
+          <a:chOff x="0" y="0"/>
+          <a:chExt cx="0" cy="0"/>
+        </a:xfrm>
+      </p:grpSpPr>
+      <p:sp>
+        <p:nvSpPr>
+          <p:cNvPr id="2" name="Slide Image Placeholder 1"/>
+          <p:cNvSpPr>
+            <a:spLocks noGrp="1" noRot="1" noChangeAspect="1"/>
+          </p:cNvSpPr>
+          <p:nvPr>
+            <p:ph type="sldImg"/>
+          </p:nvPr>
+        </p:nvSpPr>
+        <p:spPr/>
+      </p:sp>
+      <p:sp>
+        <p:nvSpPr>
+          <p:cNvPr id="3" name="Notes Placeholder 2"/>
+          <p:cNvSpPr>
+            <a:spLocks noGrp="1"/>
+          </p:cNvSpPr>
+          <p:nvPr>
+            <p:ph type="body" idx="1"/>
+          </p:nvPr>
+        </p:nvSpPr>
+        <p:spPr/>
+        <p:txBody>
+          <a:bodyPr/>
+          <a:lstStyle/>
+          <a:p>
+            <a:r>
+              <a:rPr lang="en-US" dirty="0"/>
+              <a:t>Anything the team would have done differently:</a:t>
+            </a:r>
+          </a:p>
+        </p:txBody>
+      </p:sp>
+      <p:sp>
+        <p:nvSpPr>
+          <p:cNvPr id="4" name="Slide Number Placeholder 3"/>
+          <p:cNvSpPr>
+            <a:spLocks noGrp="1"/>
+          </p:cNvSpPr>
+          <p:nvPr>
+            <p:ph type="sldNum" sz="quarter" idx="5"/>
+          </p:nvPr>
+        </p:nvSpPr>
+        <p:spPr/>
+        <p:txBody>
+          <a:bodyPr/>
+          <a:lstStyle/>
+          <a:p>
+            <a:fld id="{8382AD83-B5DF-4BD6-AC2B-95FF0DEC3221}" type="slidenum">
+              <a:rPr lang="en-US" smtClean="0"/>
+              <a:t>12</a:t>
             </a:fld>
             <a:endParaRPr lang="en-US"/>
           </a:p>
@@ -1575,7 +1734,7 @@
           <a:p>
             <a:r>
               <a:rPr lang="en-US" dirty="0"/>
-              <a:t>Technologies, languages, tools, and algorithms used throughout the project: </a:t>
+              <a:t>Result of analysis:</a:t>
             </a:r>
           </a:p>
         </p:txBody>
@@ -1606,7 +1765,7 @@
     </p:spTree>
     <p:extLst>
       <p:ext uri="{BB962C8B-B14F-4D97-AF65-F5344CB8AC3E}">
-        <p14:creationId xmlns:p14="http://schemas.microsoft.com/office/powerpoint/2010/main" val="4045243988"/>
+        <p14:creationId xmlns:p14="http://schemas.microsoft.com/office/powerpoint/2010/main" val="2296447071"/>
       </p:ext>
     </p:extLst>
   </p:cSld>
@@ -1662,7 +1821,7 @@
           <a:p>
             <a:r>
               <a:rPr lang="en-US" dirty="0"/>
-              <a:t>Result of analysis:</a:t>
+              <a:t>Technologies, languages, tools, and algorithms used throughout the project: </a:t>
             </a:r>
           </a:p>
         </p:txBody>
@@ -1693,7 +1852,7 @@
     </p:spTree>
     <p:extLst>
       <p:ext uri="{BB962C8B-B14F-4D97-AF65-F5344CB8AC3E}">
-        <p14:creationId xmlns:p14="http://schemas.microsoft.com/office/powerpoint/2010/main" val="2296447071"/>
+        <p14:creationId xmlns:p14="http://schemas.microsoft.com/office/powerpoint/2010/main" val="4045243988"/>
       </p:ext>
     </p:extLst>
   </p:cSld>
@@ -1748,9 +1907,10 @@
           <a:lstStyle/>
           <a:p>
             <a:r>
-              <a:rPr lang="en-US" dirty="0"/>
-              <a:t>Recommendation for future analysis: </a:t>
-            </a:r>
+              <a:rPr lang="en-US"/>
+              <a:t>Web app: (Nic)</a:t>
+            </a:r>
+            <a:endParaRPr lang="en-US" dirty="0"/>
           </a:p>
         </p:txBody>
       </p:sp>
@@ -1780,7 +1940,7 @@
     </p:spTree>
     <p:extLst>
       <p:ext uri="{BB962C8B-B14F-4D97-AF65-F5344CB8AC3E}">
-        <p14:creationId xmlns:p14="http://schemas.microsoft.com/office/powerpoint/2010/main" val="1659576050"/>
+        <p14:creationId xmlns:p14="http://schemas.microsoft.com/office/powerpoint/2010/main" val="1946056471"/>
       </p:ext>
     </p:extLst>
   </p:cSld>
@@ -5886,7 +6046,7 @@
           <p:cNvPr id="2" name="Title 1">
             <a:extLst>
               <a:ext uri="{FF2B5EF4-FFF2-40B4-BE49-F238E27FC236}">
-                <a16:creationId xmlns:a16="http://schemas.microsoft.com/office/drawing/2014/main" id="{00A15753-9A0A-46A0-827A-191A50197E37}"/>
+                <a16:creationId xmlns:a16="http://schemas.microsoft.com/office/drawing/2014/main" id="{D7247FD5-ED36-42CC-8225-541D1733BF91}"/>
               </a:ext>
             </a:extLst>
           </p:cNvPr>
@@ -5902,7 +6062,10 @@
           <a:bodyPr/>
           <a:lstStyle/>
           <a:p>
-            <a:endParaRPr lang="en-US"/>
+            <a:r>
+              <a:rPr lang="en-US" dirty="0"/>
+              <a:t>Web app</a:t>
+            </a:r>
           </a:p>
         </p:txBody>
       </p:sp>
@@ -5911,7 +6074,7 @@
           <p:cNvPr id="3" name="Content Placeholder 2">
             <a:extLst>
               <a:ext uri="{FF2B5EF4-FFF2-40B4-BE49-F238E27FC236}">
-                <a16:creationId xmlns:a16="http://schemas.microsoft.com/office/drawing/2014/main" id="{03CA9E21-7364-4DA9-8E97-33FFAA50BF9C}"/>
+                <a16:creationId xmlns:a16="http://schemas.microsoft.com/office/drawing/2014/main" id="{05A2C5AF-ABFF-4089-8534-5C992A6DE1D3}"/>
               </a:ext>
             </a:extLst>
           </p:cNvPr>
@@ -5934,7 +6097,7 @@
     </p:spTree>
     <p:extLst>
       <p:ext uri="{BB962C8B-B14F-4D97-AF65-F5344CB8AC3E}">
-        <p14:creationId xmlns:p14="http://schemas.microsoft.com/office/powerpoint/2010/main" val="1993694396"/>
+        <p14:creationId xmlns:p14="http://schemas.microsoft.com/office/powerpoint/2010/main" val="2548203177"/>
       </p:ext>
     </p:extLst>
   </p:cSld>
@@ -5966,6 +6129,91 @@
           <p:cNvPr id="2" name="Title 1">
             <a:extLst>
               <a:ext uri="{FF2B5EF4-FFF2-40B4-BE49-F238E27FC236}">
+                <a16:creationId xmlns:a16="http://schemas.microsoft.com/office/drawing/2014/main" id="{00A15753-9A0A-46A0-827A-191A50197E37}"/>
+              </a:ext>
+            </a:extLst>
+          </p:cNvPr>
+          <p:cNvSpPr>
+            <a:spLocks noGrp="1"/>
+          </p:cNvSpPr>
+          <p:nvPr>
+            <p:ph type="title"/>
+          </p:nvPr>
+        </p:nvSpPr>
+        <p:spPr/>
+        <p:txBody>
+          <a:bodyPr>
+            <a:normAutofit fontScale="90000"/>
+          </a:bodyPr>
+          <a:lstStyle/>
+          <a:p>
+            <a:r>
+              <a:rPr lang="en-US" dirty="0"/>
+              <a:t>Recommendation for future analysis</a:t>
+            </a:r>
+          </a:p>
+        </p:txBody>
+      </p:sp>
+      <p:sp>
+        <p:nvSpPr>
+          <p:cNvPr id="3" name="Content Placeholder 2">
+            <a:extLst>
+              <a:ext uri="{FF2B5EF4-FFF2-40B4-BE49-F238E27FC236}">
+                <a16:creationId xmlns:a16="http://schemas.microsoft.com/office/drawing/2014/main" id="{03CA9E21-7364-4DA9-8E97-33FFAA50BF9C}"/>
+              </a:ext>
+            </a:extLst>
+          </p:cNvPr>
+          <p:cNvSpPr>
+            <a:spLocks noGrp="1"/>
+          </p:cNvSpPr>
+          <p:nvPr>
+            <p:ph idx="1"/>
+          </p:nvPr>
+        </p:nvSpPr>
+        <p:spPr/>
+        <p:txBody>
+          <a:bodyPr/>
+          <a:lstStyle/>
+          <a:p>
+            <a:endParaRPr lang="en-US"/>
+          </a:p>
+        </p:txBody>
+      </p:sp>
+    </p:spTree>
+    <p:extLst>
+      <p:ext uri="{BB962C8B-B14F-4D97-AF65-F5344CB8AC3E}">
+        <p14:creationId xmlns:p14="http://schemas.microsoft.com/office/powerpoint/2010/main" val="1993694396"/>
+      </p:ext>
+    </p:extLst>
+  </p:cSld>
+  <p:clrMapOvr>
+    <a:masterClrMapping/>
+  </p:clrMapOvr>
+</p:sld>
+</file>
+
+<file path=ppt/slides/slide12.xml><?xml version="1.0" encoding="utf-8"?>
+<p:sld xmlns:a="http://schemas.openxmlformats.org/drawingml/2006/main" xmlns:r="http://schemas.openxmlformats.org/officeDocument/2006/relationships" xmlns:p="http://schemas.openxmlformats.org/presentationml/2006/main">
+  <p:cSld>
+    <p:spTree>
+      <p:nvGrpSpPr>
+        <p:cNvPr id="1" name=""/>
+        <p:cNvGrpSpPr/>
+        <p:nvPr/>
+      </p:nvGrpSpPr>
+      <p:grpSpPr>
+        <a:xfrm>
+          <a:off x="0" y="0"/>
+          <a:ext cx="0" cy="0"/>
+          <a:chOff x="0" y="0"/>
+          <a:chExt cx="0" cy="0"/>
+        </a:xfrm>
+      </p:grpSpPr>
+      <p:sp>
+        <p:nvSpPr>
+          <p:cNvPr id="2" name="Title 1">
+            <a:extLst>
+              <a:ext uri="{FF2B5EF4-FFF2-40B4-BE49-F238E27FC236}">
                 <a16:creationId xmlns:a16="http://schemas.microsoft.com/office/drawing/2014/main" id="{F7EE706F-D698-4024-BCE4-B57C05976FEF}"/>
               </a:ext>
             </a:extLst>
@@ -5982,7 +6230,10 @@
           <a:bodyPr/>
           <a:lstStyle/>
           <a:p>
-            <a:endParaRPr lang="en-US"/>
+            <a:r>
+              <a:rPr lang="en-US" dirty="0"/>
+              <a:t>Done differently</a:t>
+            </a:r>
           </a:p>
         </p:txBody>
       </p:sp>
@@ -7206,7 +7457,7 @@
           <p:cNvPr id="2" name="Title 1">
             <a:extLst>
               <a:ext uri="{FF2B5EF4-FFF2-40B4-BE49-F238E27FC236}">
-                <a16:creationId xmlns:a16="http://schemas.microsoft.com/office/drawing/2014/main" id="{7A8E0AB1-DBE1-451C-A032-485F6286E3F3}"/>
+                <a16:creationId xmlns:a16="http://schemas.microsoft.com/office/drawing/2014/main" id="{DC884FA8-97A7-42A3-B4A8-6475A65F7904}"/>
               </a:ext>
             </a:extLst>
           </p:cNvPr>
@@ -7219,108 +7470,94 @@
         </p:nvSpPr>
         <p:spPr/>
         <p:txBody>
-          <a:bodyPr>
-            <a:normAutofit fontScale="90000"/>
+          <a:bodyPr/>
+          <a:lstStyle/>
+          <a:p>
+            <a:r>
+              <a:rPr lang="en-US" dirty="0"/>
+              <a:t>Placeholder for analysis</a:t>
+            </a:r>
+          </a:p>
+        </p:txBody>
+      </p:sp>
+      <p:pic>
+        <p:nvPicPr>
+          <p:cNvPr id="5" name="Content Placeholder 4">
+            <a:extLst>
+              <a:ext uri="{FF2B5EF4-FFF2-40B4-BE49-F238E27FC236}">
+                <a16:creationId xmlns:a16="http://schemas.microsoft.com/office/drawing/2014/main" id="{671F324A-0A71-4131-B673-CC968A22B253}"/>
+              </a:ext>
+            </a:extLst>
+          </p:cNvPr>
+          <p:cNvPicPr>
+            <a:picLocks noGrp="1"/>
+          </p:cNvPicPr>
+          <p:nvPr>
+            <p:ph idx="1"/>
+          </p:nvPr>
+        </p:nvPicPr>
+        <p:blipFill rotWithShape="1">
+          <a:blip r:embed="rId3"/>
+          <a:srcRect l="16037" t="22755" r="17436" b="21019"/>
+          <a:stretch/>
+        </p:blipFill>
+        <p:spPr bwMode="auto">
+          <a:xfrm>
+            <a:off x="2254685" y="2404996"/>
+            <a:ext cx="7578247" cy="4135189"/>
+          </a:xfrm>
+          <a:prstGeom prst="rect">
+            <a:avLst/>
+          </a:prstGeom>
+          <a:ln>
+            <a:noFill/>
+          </a:ln>
+          <a:extLst>
+            <a:ext uri="{53640926-AAD7-44D8-BBD7-CCE9431645EC}">
+              <a14:shadowObscured xmlns:a14="http://schemas.microsoft.com/office/drawing/2010/main"/>
+            </a:ext>
+          </a:extLst>
+        </p:spPr>
+      </p:pic>
+      <p:sp>
+        <p:nvSpPr>
+          <p:cNvPr id="6" name="TextBox 5">
+            <a:extLst>
+              <a:ext uri="{FF2B5EF4-FFF2-40B4-BE49-F238E27FC236}">
+                <a16:creationId xmlns:a16="http://schemas.microsoft.com/office/drawing/2014/main" id="{CF8751AB-6761-41D3-9EAF-91B87236966E}"/>
+              </a:ext>
+            </a:extLst>
+          </p:cNvPr>
+          <p:cNvSpPr txBox="1"/>
+          <p:nvPr/>
+        </p:nvSpPr>
+        <p:spPr>
+          <a:xfrm>
+            <a:off x="225468" y="2880986"/>
+            <a:ext cx="1728592" cy="1477328"/>
+          </a:xfrm>
+          <a:prstGeom prst="rect">
+            <a:avLst/>
+          </a:prstGeom>
+          <a:noFill/>
+        </p:spPr>
+        <p:txBody>
+          <a:bodyPr wrap="square" rtlCol="0">
+            <a:spAutoFit/>
           </a:bodyPr>
           <a:lstStyle/>
           <a:p>
             <a:r>
               <a:rPr lang="en-US" dirty="0"/>
-              <a:t>Technologies, languages, tools</a:t>
-            </a:r>
-          </a:p>
-        </p:txBody>
-      </p:sp>
-      <p:sp>
-        <p:nvSpPr>
-          <p:cNvPr id="3" name="Content Placeholder 2">
-            <a:extLst>
-              <a:ext uri="{FF2B5EF4-FFF2-40B4-BE49-F238E27FC236}">
-                <a16:creationId xmlns:a16="http://schemas.microsoft.com/office/drawing/2014/main" id="{A612F5A8-3E12-43BD-8784-444B5C059B56}"/>
-              </a:ext>
-            </a:extLst>
-          </p:cNvPr>
-          <p:cNvSpPr>
-            <a:spLocks noGrp="1"/>
-          </p:cNvSpPr>
-          <p:nvPr>
-            <p:ph idx="1"/>
-          </p:nvPr>
-        </p:nvSpPr>
-        <p:spPr/>
-        <p:txBody>
-          <a:bodyPr>
-            <a:normAutofit/>
-          </a:bodyPr>
-          <a:lstStyle/>
-          <a:p>
-            <a:pPr marL="457200" indent="-457200">
-              <a:buFont typeface="Arial" panose="020B0604020202020204" pitchFamily="34" charset="0"/>
-              <a:buChar char="•"/>
-            </a:pPr>
-            <a:r>
-              <a:rPr lang="en-US" dirty="0" err="1"/>
-              <a:t>sportsipy</a:t>
-            </a:r>
-            <a:endParaRPr lang="en-US" dirty="0"/>
-          </a:p>
-          <a:p>
-            <a:pPr marL="457200" indent="-457200">
-              <a:buFont typeface="Arial" panose="020B0604020202020204" pitchFamily="34" charset="0"/>
-              <a:buChar char="•"/>
-            </a:pPr>
-            <a:r>
-              <a:rPr lang="en-US" dirty="0"/>
-              <a:t>Website for web scraping</a:t>
-            </a:r>
-          </a:p>
-          <a:p>
-            <a:pPr marL="457200" indent="-457200">
-              <a:buFont typeface="Arial" panose="020B0604020202020204" pitchFamily="34" charset="0"/>
-              <a:buChar char="•"/>
-            </a:pPr>
-            <a:r>
-              <a:rPr lang="en-US" dirty="0"/>
-              <a:t>Web scraping tool</a:t>
-            </a:r>
-          </a:p>
-          <a:p>
-            <a:pPr marL="457200" indent="-457200">
-              <a:buFont typeface="Arial" panose="020B0604020202020204" pitchFamily="34" charset="0"/>
-              <a:buChar char="•"/>
-            </a:pPr>
-            <a:r>
-              <a:rPr lang="en-US" dirty="0"/>
-              <a:t>Websites for NFL data</a:t>
-            </a:r>
-          </a:p>
-          <a:p>
-            <a:pPr marL="457200" indent="-457200">
-              <a:buFont typeface="Arial" panose="020B0604020202020204" pitchFamily="34" charset="0"/>
-              <a:buChar char="•"/>
-            </a:pPr>
-            <a:r>
-              <a:rPr lang="en-US" dirty="0"/>
-              <a:t>DraftKings</a:t>
-            </a:r>
-          </a:p>
-          <a:p>
-            <a:pPr marL="457200" indent="-457200">
-              <a:buFont typeface="Arial" panose="020B0604020202020204" pitchFamily="34" charset="0"/>
-              <a:buChar char="•"/>
-            </a:pPr>
-            <a:r>
-              <a:rPr lang="en-US"/>
-              <a:t>Languages--</a:t>
-            </a:r>
-            <a:endParaRPr lang="en-US" dirty="0"/>
+              <a:t>*Does this work for analysis? There is more data but it doesn’t fit</a:t>
+            </a:r>
           </a:p>
         </p:txBody>
       </p:sp>
     </p:spTree>
     <p:extLst>
       <p:ext uri="{BB962C8B-B14F-4D97-AF65-F5344CB8AC3E}">
-        <p14:creationId xmlns:p14="http://schemas.microsoft.com/office/powerpoint/2010/main" val="2869901700"/>
+        <p14:creationId xmlns:p14="http://schemas.microsoft.com/office/powerpoint/2010/main" val="642101144"/>
       </p:ext>
     </p:extLst>
   </p:cSld>
@@ -7352,7 +7589,7 @@
           <p:cNvPr id="2" name="Title 1">
             <a:extLst>
               <a:ext uri="{FF2B5EF4-FFF2-40B4-BE49-F238E27FC236}">
-                <a16:creationId xmlns:a16="http://schemas.microsoft.com/office/drawing/2014/main" id="{DC884FA8-97A7-42A3-B4A8-6475A65F7904}"/>
+                <a16:creationId xmlns:a16="http://schemas.microsoft.com/office/drawing/2014/main" id="{7A8E0AB1-DBE1-451C-A032-485F6286E3F3}"/>
               </a:ext>
             </a:extLst>
           </p:cNvPr>
@@ -7365,10 +7602,15 @@
         </p:nvSpPr>
         <p:spPr/>
         <p:txBody>
-          <a:bodyPr/>
-          <a:lstStyle/>
-          <a:p>
-            <a:endParaRPr lang="en-US"/>
+          <a:bodyPr>
+            <a:normAutofit fontScale="90000"/>
+          </a:bodyPr>
+          <a:lstStyle/>
+          <a:p>
+            <a:r>
+              <a:rPr lang="en-US" dirty="0"/>
+              <a:t>Technologies, languages, tools</a:t>
+            </a:r>
           </a:p>
         </p:txBody>
       </p:sp>
@@ -7377,7 +7619,7 @@
           <p:cNvPr id="3" name="Content Placeholder 2">
             <a:extLst>
               <a:ext uri="{FF2B5EF4-FFF2-40B4-BE49-F238E27FC236}">
-                <a16:creationId xmlns:a16="http://schemas.microsoft.com/office/drawing/2014/main" id="{AE0B144A-0F7A-49F4-A7FE-EFD985425F1F}"/>
+                <a16:creationId xmlns:a16="http://schemas.microsoft.com/office/drawing/2014/main" id="{A612F5A8-3E12-43BD-8784-444B5C059B56}"/>
               </a:ext>
             </a:extLst>
           </p:cNvPr>
@@ -7390,17 +7632,78 @@
         </p:nvSpPr>
         <p:spPr/>
         <p:txBody>
-          <a:bodyPr/>
-          <a:lstStyle/>
-          <a:p>
-            <a:endParaRPr lang="en-US"/>
+          <a:bodyPr>
+            <a:normAutofit/>
+          </a:bodyPr>
+          <a:lstStyle/>
+          <a:p>
+            <a:pPr marL="457200" indent="-457200">
+              <a:buFont typeface="Arial" panose="020B0604020202020204" pitchFamily="34" charset="0"/>
+              <a:buChar char="•"/>
+            </a:pPr>
+            <a:r>
+              <a:rPr lang="en-US" dirty="0" err="1"/>
+              <a:t>sportsipy</a:t>
+            </a:r>
+            <a:endParaRPr lang="en-US" dirty="0"/>
+          </a:p>
+          <a:p>
+            <a:pPr marL="457200" indent="-457200">
+              <a:buFont typeface="Arial" panose="020B0604020202020204" pitchFamily="34" charset="0"/>
+              <a:buChar char="•"/>
+            </a:pPr>
+            <a:r>
+              <a:rPr lang="en-US" dirty="0"/>
+              <a:t>Website for web scraping</a:t>
+            </a:r>
+          </a:p>
+          <a:p>
+            <a:pPr marL="457200" indent="-457200">
+              <a:buFont typeface="Arial" panose="020B0604020202020204" pitchFamily="34" charset="0"/>
+              <a:buChar char="•"/>
+            </a:pPr>
+            <a:r>
+              <a:rPr lang="en-US" dirty="0"/>
+              <a:t>Web scraping tool</a:t>
+            </a:r>
+          </a:p>
+          <a:p>
+            <a:pPr marL="457200" indent="-457200">
+              <a:buFont typeface="Arial" panose="020B0604020202020204" pitchFamily="34" charset="0"/>
+              <a:buChar char="•"/>
+            </a:pPr>
+            <a:r>
+              <a:rPr lang="en-US" dirty="0"/>
+              <a:t>Websites for NFL data</a:t>
+            </a:r>
+          </a:p>
+          <a:p>
+            <a:pPr marL="457200" indent="-457200">
+              <a:buFont typeface="Arial" panose="020B0604020202020204" pitchFamily="34" charset="0"/>
+              <a:buChar char="•"/>
+            </a:pPr>
+            <a:r>
+              <a:rPr lang="en-US" dirty="0"/>
+              <a:t>DraftKings</a:t>
+            </a:r>
+          </a:p>
+          <a:p>
+            <a:pPr marL="457200" indent="-457200">
+              <a:buFont typeface="Arial" panose="020B0604020202020204" pitchFamily="34" charset="0"/>
+              <a:buChar char="•"/>
+            </a:pPr>
+            <a:r>
+              <a:rPr lang="en-US"/>
+              <a:t>Languages--</a:t>
+            </a:r>
+            <a:endParaRPr lang="en-US" dirty="0"/>
           </a:p>
         </p:txBody>
       </p:sp>
     </p:spTree>
     <p:extLst>
       <p:ext uri="{BB962C8B-B14F-4D97-AF65-F5344CB8AC3E}">
-        <p14:creationId xmlns:p14="http://schemas.microsoft.com/office/powerpoint/2010/main" val="642101144"/>
+        <p14:creationId xmlns:p14="http://schemas.microsoft.com/office/powerpoint/2010/main" val="2869901700"/>
       </p:ext>
     </p:extLst>
   </p:cSld>

--- a/Resources/Final.Presentation.pptx
+++ b/Resources/Final.Presentation.pptx
@@ -129,7 +129,7 @@
 <file path=ppt/revisionInfo.xml><?xml version="1.0" encoding="utf-8"?>
 <p1510:revInfo xmlns:a="http://schemas.openxmlformats.org/drawingml/2006/main" xmlns:r="http://schemas.openxmlformats.org/officeDocument/2006/relationships" xmlns:p1510="http://schemas.microsoft.com/office/powerpoint/2015/10/main">
   <p1510:revLst>
-    <p1510:client id="{2D2F4B00-D67B-471E-8EC5-16430E5C6708}" v="19" dt="2021-11-08T04:41:46.719"/>
+    <p1510:client id="{2D2F4B00-D67B-471E-8EC5-16430E5C6708}" v="22" dt="2021-11-15T04:19:17.773"/>
   </p1510:revLst>
 </p1510:revInfo>
 </file>
@@ -138,8 +138,8 @@
 <pc:chgInfo xmlns:a="http://schemas.openxmlformats.org/drawingml/2006/main" xmlns:r="http://schemas.openxmlformats.org/officeDocument/2006/relationships" xmlns:ac="http://schemas.microsoft.com/office/drawing/2013/main/command" xmlns:pc="http://schemas.microsoft.com/office/powerpoint/2013/main/command">
   <pc:docChgLst>
     <pc:chgData name="Taryn Syler" userId="d093462dc93fe5e1" providerId="LiveId" clId="{2D2F4B00-D67B-471E-8EC5-16430E5C6708}"/>
-    <pc:docChg chg="undo custSel addSld modSld sldOrd">
-      <pc:chgData name="Taryn Syler" userId="d093462dc93fe5e1" providerId="LiveId" clId="{2D2F4B00-D67B-471E-8EC5-16430E5C6708}" dt="2021-11-08T04:43:18.867" v="4615" actId="20577"/>
+    <pc:docChg chg="undo custSel addSld delSld modSld sldOrd">
+      <pc:chgData name="Taryn Syler" userId="d093462dc93fe5e1" providerId="LiveId" clId="{2D2F4B00-D67B-471E-8EC5-16430E5C6708}" dt="2021-11-15T04:27:38.902" v="4663" actId="403"/>
       <pc:docMkLst>
         <pc:docMk/>
       </pc:docMkLst>
@@ -349,7 +349,7 @@
         </pc:picChg>
       </pc:sldChg>
       <pc:sldChg chg="addSp delSp modSp new mod modNotesTx">
-        <pc:chgData name="Taryn Syler" userId="d093462dc93fe5e1" providerId="LiveId" clId="{2D2F4B00-D67B-471E-8EC5-16430E5C6708}" dt="2021-11-08T04:22:16.750" v="3797" actId="20577"/>
+        <pc:chgData name="Taryn Syler" userId="d093462dc93fe5e1" providerId="LiveId" clId="{2D2F4B00-D67B-471E-8EC5-16430E5C6708}" dt="2021-11-15T04:19:00.772" v="4628" actId="20577"/>
         <pc:sldMkLst>
           <pc:docMk/>
           <pc:sldMk cId="2730496532" sldId="260"/>
@@ -363,7 +363,7 @@
           </ac:spMkLst>
         </pc:spChg>
         <pc:spChg chg="mod">
-          <ac:chgData name="Taryn Syler" userId="d093462dc93fe5e1" providerId="LiveId" clId="{2D2F4B00-D67B-471E-8EC5-16430E5C6708}" dt="2021-11-08T04:20:34.443" v="3525" actId="20577"/>
+          <ac:chgData name="Taryn Syler" userId="d093462dc93fe5e1" providerId="LiveId" clId="{2D2F4B00-D67B-471E-8EC5-16430E5C6708}" dt="2021-11-15T04:19:00.772" v="4628" actId="20577"/>
           <ac:spMkLst>
             <pc:docMk/>
             <pc:sldMk cId="2730496532" sldId="260"/>
@@ -380,7 +380,7 @@
         </pc:picChg>
       </pc:sldChg>
       <pc:sldChg chg="modSp new mod modNotesTx">
-        <pc:chgData name="Taryn Syler" userId="d093462dc93fe5e1" providerId="LiveId" clId="{2D2F4B00-D67B-471E-8EC5-16430E5C6708}" dt="2021-11-08T04:35:16.145" v="4362" actId="20577"/>
+        <pc:chgData name="Taryn Syler" userId="d093462dc93fe5e1" providerId="LiveId" clId="{2D2F4B00-D67B-471E-8EC5-16430E5C6708}" dt="2021-11-15T04:27:38.902" v="4663" actId="403"/>
         <pc:sldMkLst>
           <pc:docMk/>
           <pc:sldMk cId="933643513" sldId="261"/>
@@ -394,7 +394,7 @@
           </ac:spMkLst>
         </pc:spChg>
         <pc:spChg chg="mod">
-          <ac:chgData name="Taryn Syler" userId="d093462dc93fe5e1" providerId="LiveId" clId="{2D2F4B00-D67B-471E-8EC5-16430E5C6708}" dt="2021-11-08T04:33:58.398" v="3894" actId="20577"/>
+          <ac:chgData name="Taryn Syler" userId="d093462dc93fe5e1" providerId="LiveId" clId="{2D2F4B00-D67B-471E-8EC5-16430E5C6708}" dt="2021-11-15T04:27:38.902" v="4663" actId="403"/>
           <ac:spMkLst>
             <pc:docMk/>
             <pc:sldMk cId="933643513" sldId="261"/>
@@ -487,8 +487,8 @@
           </ac:spMkLst>
         </pc:spChg>
       </pc:sldChg>
-      <pc:sldChg chg="modSp new mod modNotesTx">
-        <pc:chgData name="Taryn Syler" userId="d093462dc93fe5e1" providerId="LiveId" clId="{2D2F4B00-D67B-471E-8EC5-16430E5C6708}" dt="2021-11-08T04:42:48.550" v="4549" actId="20577"/>
+      <pc:sldChg chg="addSp delSp modSp new mod modNotesTx">
+        <pc:chgData name="Taryn Syler" userId="d093462dc93fe5e1" providerId="LiveId" clId="{2D2F4B00-D67B-471E-8EC5-16430E5C6708}" dt="2021-11-15T04:19:30.854" v="4658" actId="20577"/>
         <pc:sldMkLst>
           <pc:docMk/>
           <pc:sldMk cId="1302545605" sldId="265"/>
@@ -501,6 +501,22 @@
             <ac:spMk id="2" creationId="{F7EE706F-D698-4024-BCE4-B57C05976FEF}"/>
           </ac:spMkLst>
         </pc:spChg>
+        <pc:spChg chg="add del mod">
+          <ac:chgData name="Taryn Syler" userId="d093462dc93fe5e1" providerId="LiveId" clId="{2D2F4B00-D67B-471E-8EC5-16430E5C6708}" dt="2021-11-15T04:19:30.854" v="4658" actId="20577"/>
+          <ac:spMkLst>
+            <pc:docMk/>
+            <pc:sldMk cId="1302545605" sldId="265"/>
+            <ac:spMk id="3" creationId="{9A15327A-8312-478B-A852-0F2E5BAE44A3}"/>
+          </ac:spMkLst>
+        </pc:spChg>
+        <pc:picChg chg="add mod">
+          <ac:chgData name="Taryn Syler" userId="d093462dc93fe5e1" providerId="LiveId" clId="{2D2F4B00-D67B-471E-8EC5-16430E5C6708}" dt="2021-11-15T04:19:17.773" v="4630"/>
+          <ac:picMkLst>
+            <pc:docMk/>
+            <pc:sldMk cId="1302545605" sldId="265"/>
+            <ac:picMk id="4" creationId="{99E460D4-7FB5-4A51-9064-75E7073DD2AB}"/>
+          </ac:picMkLst>
+        </pc:picChg>
       </pc:sldChg>
       <pc:sldChg chg="addSp delSp modSp new mod setBg modNotesTx">
         <pc:chgData name="Taryn Syler" userId="d093462dc93fe5e1" providerId="LiveId" clId="{2D2F4B00-D67B-471E-8EC5-16430E5C6708}" dt="2021-11-08T04:13:44.173" v="3166" actId="20577"/>
@@ -580,6 +596,53 @@
           </ac:spMkLst>
         </pc:spChg>
       </pc:sldChg>
+      <pc:sldChg chg="addSp delSp modSp new del mod setBg">
+        <pc:chgData name="Taryn Syler" userId="d093462dc93fe5e1" providerId="LiveId" clId="{2D2F4B00-D67B-471E-8EC5-16430E5C6708}" dt="2021-11-15T04:18:06.011" v="4627" actId="2696"/>
+        <pc:sldMkLst>
+          <pc:docMk/>
+          <pc:sldMk cId="2613157729" sldId="268"/>
+        </pc:sldMkLst>
+        <pc:spChg chg="del">
+          <ac:chgData name="Taryn Syler" userId="d093462dc93fe5e1" providerId="LiveId" clId="{2D2F4B00-D67B-471E-8EC5-16430E5C6708}" dt="2021-11-15T04:12:22.559" v="4618" actId="26606"/>
+          <ac:spMkLst>
+            <pc:docMk/>
+            <pc:sldMk cId="2613157729" sldId="268"/>
+            <ac:spMk id="2" creationId="{88BBC1C4-D8FC-4741-9494-299BE59B32A5}"/>
+          </ac:spMkLst>
+        </pc:spChg>
+        <pc:spChg chg="del">
+          <ac:chgData name="Taryn Syler" userId="d093462dc93fe5e1" providerId="LiveId" clId="{2D2F4B00-D67B-471E-8EC5-16430E5C6708}" dt="2021-11-15T04:12:05.285" v="4617"/>
+          <ac:spMkLst>
+            <pc:docMk/>
+            <pc:sldMk cId="2613157729" sldId="268"/>
+            <ac:spMk id="3" creationId="{05B136B1-FC07-473E-B212-91C498C1C8C7}"/>
+          </ac:spMkLst>
+        </pc:spChg>
+        <pc:spChg chg="add">
+          <ac:chgData name="Taryn Syler" userId="d093462dc93fe5e1" providerId="LiveId" clId="{2D2F4B00-D67B-471E-8EC5-16430E5C6708}" dt="2021-11-15T04:12:22.559" v="4618" actId="26606"/>
+          <ac:spMkLst>
+            <pc:docMk/>
+            <pc:sldMk cId="2613157729" sldId="268"/>
+            <ac:spMk id="9" creationId="{6BC377B7-18F1-42AD-A1DD-E1D6A5B27CE9}"/>
+          </ac:spMkLst>
+        </pc:spChg>
+        <pc:spChg chg="add">
+          <ac:chgData name="Taryn Syler" userId="d093462dc93fe5e1" providerId="LiveId" clId="{2D2F4B00-D67B-471E-8EC5-16430E5C6708}" dt="2021-11-15T04:12:22.559" v="4618" actId="26606"/>
+          <ac:spMkLst>
+            <pc:docMk/>
+            <pc:sldMk cId="2613157729" sldId="268"/>
+            <ac:spMk id="11" creationId="{E27CBDD7-6A01-4B3F-B16A-F50305427BC5}"/>
+          </ac:spMkLst>
+        </pc:spChg>
+        <pc:picChg chg="add mod">
+          <ac:chgData name="Taryn Syler" userId="d093462dc93fe5e1" providerId="LiveId" clId="{2D2F4B00-D67B-471E-8EC5-16430E5C6708}" dt="2021-11-15T04:15:53.559" v="4626" actId="1076"/>
+          <ac:picMkLst>
+            <pc:docMk/>
+            <pc:sldMk cId="2613157729" sldId="268"/>
+            <ac:picMk id="4" creationId="{2FA329AC-44DA-4891-802B-CADA79B7F773}"/>
+          </ac:picMkLst>
+        </pc:picChg>
+      </pc:sldChg>
     </pc:docChg>
   </pc:docChgLst>
 </pc:chgInfo>
@@ -667,7 +730,7 @@
           <a:p>
             <a:fld id="{917E58E4-3C21-4D5C-B4E1-FAE723A9F180}" type="datetimeFigureOut">
               <a:rPr lang="en-US" smtClean="0"/>
-              <a:t>11/7/2021</a:t>
+              <a:t>11/14/2021</a:t>
             </a:fld>
             <a:endParaRPr lang="en-US"/>
           </a:p>
@@ -2172,7 +2235,7 @@
             <a:fld id="{A37D6D71-8B28-4ED6-B932-04B197003D23}" type="datetimeFigureOut">
               <a:rPr lang="en-US" smtClean="0"/>
               <a:pPr algn="r"/>
-              <a:t>11/7/2021</a:t>
+              <a:t>11/14/2021</a:t>
             </a:fld>
             <a:endParaRPr lang="en-US" dirty="0"/>
           </a:p>
@@ -2394,7 +2457,7 @@
             <a:fld id="{A37D6D71-8B28-4ED6-B932-04B197003D23}" type="datetimeFigureOut">
               <a:rPr lang="en-US" smtClean="0"/>
               <a:pPr algn="r"/>
-              <a:t>11/7/2021</a:t>
+              <a:t>11/14/2021</a:t>
             </a:fld>
             <a:endParaRPr lang="en-US" dirty="0"/>
           </a:p>
@@ -2677,7 +2740,7 @@
             <a:fld id="{A37D6D71-8B28-4ED6-B932-04B197003D23}" type="datetimeFigureOut">
               <a:rPr lang="en-US" smtClean="0"/>
               <a:pPr algn="r"/>
-              <a:t>11/7/2021</a:t>
+              <a:t>11/14/2021</a:t>
             </a:fld>
             <a:endParaRPr lang="en-US" dirty="0"/>
           </a:p>
@@ -2891,7 +2954,7 @@
             <a:fld id="{A37D6D71-8B28-4ED6-B932-04B197003D23}" type="datetimeFigureOut">
               <a:rPr lang="en-US" smtClean="0"/>
               <a:pPr algn="r"/>
-              <a:t>11/7/2021</a:t>
+              <a:t>11/14/2021</a:t>
             </a:fld>
             <a:endParaRPr lang="en-US" dirty="0"/>
           </a:p>
@@ -3229,7 +3292,7 @@
             <a:fld id="{A37D6D71-8B28-4ED6-B932-04B197003D23}" type="datetimeFigureOut">
               <a:rPr lang="en-US" smtClean="0"/>
               <a:pPr algn="r"/>
-              <a:t>11/7/2021</a:t>
+              <a:t>11/14/2021</a:t>
             </a:fld>
             <a:endParaRPr lang="en-US" dirty="0"/>
           </a:p>
@@ -3504,7 +3567,7 @@
             <a:fld id="{A37D6D71-8B28-4ED6-B932-04B197003D23}" type="datetimeFigureOut">
               <a:rPr lang="en-US" smtClean="0"/>
               <a:pPr algn="r"/>
-              <a:t>11/7/2021</a:t>
+              <a:t>11/14/2021</a:t>
             </a:fld>
             <a:endParaRPr lang="en-US" dirty="0"/>
           </a:p>
@@ -3893,7 +3956,7 @@
             <a:fld id="{A37D6D71-8B28-4ED6-B932-04B197003D23}" type="datetimeFigureOut">
               <a:rPr lang="en-US" smtClean="0"/>
               <a:pPr algn="r"/>
-              <a:t>11/7/2021</a:t>
+              <a:t>11/14/2021</a:t>
             </a:fld>
             <a:endParaRPr lang="en-US" dirty="0"/>
           </a:p>
@@ -4070,7 +4133,7 @@
             <a:fld id="{A37D6D71-8B28-4ED6-B932-04B197003D23}" type="datetimeFigureOut">
               <a:rPr lang="en-US" smtClean="0"/>
               <a:pPr algn="r"/>
-              <a:t>11/7/2021</a:t>
+              <a:t>11/14/2021</a:t>
             </a:fld>
             <a:endParaRPr lang="en-US" dirty="0"/>
           </a:p>
@@ -4191,7 +4254,7 @@
             <a:fld id="{A37D6D71-8B28-4ED6-B932-04B197003D23}" type="datetimeFigureOut">
               <a:rPr lang="en-US" smtClean="0"/>
               <a:pPr algn="r"/>
-              <a:t>11/7/2021</a:t>
+              <a:t>11/14/2021</a:t>
             </a:fld>
             <a:endParaRPr lang="en-US" dirty="0"/>
           </a:p>
@@ -4476,7 +4539,7 @@
             <a:fld id="{A37D6D71-8B28-4ED6-B932-04B197003D23}" type="datetimeFigureOut">
               <a:rPr lang="en-US" smtClean="0"/>
               <a:pPr algn="r"/>
-              <a:t>11/7/2021</a:t>
+              <a:t>11/14/2021</a:t>
             </a:fld>
             <a:endParaRPr lang="en-US" dirty="0"/>
           </a:p>
@@ -4777,7 +4840,7 @@
             <a:fld id="{A37D6D71-8B28-4ED6-B932-04B197003D23}" type="datetimeFigureOut">
               <a:rPr lang="en-US" smtClean="0"/>
               <a:pPr algn="r"/>
-              <a:t>11/7/2021</a:t>
+              <a:t>11/14/2021</a:t>
             </a:fld>
             <a:endParaRPr lang="en-US" dirty="0"/>
           </a:p>
@@ -5125,7 +5188,7 @@
             <a:fld id="{A37D6D71-8B28-4ED6-B932-04B197003D23}" type="datetimeFigureOut">
               <a:rPr lang="en-US" smtClean="0"/>
               <a:pPr algn="r"/>
-              <a:t>11/7/2021</a:t>
+              <a:t>11/14/2021</a:t>
             </a:fld>
             <a:endParaRPr lang="en-US" spc="50" dirty="0"/>
           </a:p>
@@ -6258,7 +6321,13 @@
           <a:bodyPr/>
           <a:lstStyle/>
           <a:p>
-            <a:endParaRPr lang="en-US"/>
+            <a:r>
+              <a:rPr lang="en-US" dirty="0"/>
+              <a:t>Issues-web-scraping</a:t>
+            </a:r>
+          </a:p>
+          <a:p>
+            <a:endParaRPr lang="en-US" dirty="0"/>
           </a:p>
         </p:txBody>
       </p:sp>
@@ -7158,24 +7227,6 @@
               <a:t>DraftKings</a:t>
             </a:r>
           </a:p>
-          <a:p>
-            <a:pPr marL="457200" indent="-457200">
-              <a:buFont typeface="Arial" panose="020B0604020202020204" pitchFamily="34" charset="0"/>
-              <a:buChar char="•"/>
-            </a:pPr>
-            <a:r>
-              <a:rPr lang="en-US" sz="4000" b="1" dirty="0"/>
-              <a:t>Issues-Web</a:t>
-            </a:r>
-            <a:r>
-              <a:rPr lang="en-US" sz="4000" dirty="0"/>
-              <a:t> </a:t>
-            </a:r>
-            <a:r>
-              <a:rPr lang="en-US" sz="4000" b="1" dirty="0"/>
-              <a:t>Scraping</a:t>
-            </a:r>
-          </a:p>
         </p:txBody>
       </p:sp>
     </p:spTree>
@@ -7388,7 +7439,9 @@
         </p:nvSpPr>
         <p:spPr/>
         <p:txBody>
-          <a:bodyPr/>
+          <a:bodyPr>
+            <a:normAutofit/>
+          </a:bodyPr>
           <a:lstStyle/>
           <a:p>
             <a:pPr marL="457200" indent="-457200">
@@ -7396,7 +7449,7 @@
               <a:buChar char="•"/>
             </a:pPr>
             <a:r>
-              <a:rPr lang="en-US" dirty="0"/>
+              <a:rPr lang="en-US" sz="4400" dirty="0"/>
               <a:t>Multiple Linear Regression Model</a:t>
             </a:r>
           </a:p>
@@ -7406,7 +7459,7 @@
               <a:buChar char="•"/>
             </a:pPr>
             <a:r>
-              <a:rPr lang="en-US" dirty="0"/>
+              <a:rPr lang="en-US" sz="4400" dirty="0"/>
               <a:t>Machine-Last Year’s Stats</a:t>
             </a:r>
           </a:p>
@@ -7416,7 +7469,7 @@
               <a:buChar char="•"/>
             </a:pPr>
             <a:r>
-              <a:rPr lang="en-US" dirty="0"/>
+              <a:rPr lang="en-US" sz="4400" dirty="0"/>
               <a:t>Test effectiveness</a:t>
             </a:r>
           </a:p>

--- a/Resources/Final.Presentation.pptx
+++ b/Resources/Final.Presentation.pptx
@@ -15,7 +15,7 @@
     <p:sldId id="260" r:id="rId6"/>
     <p:sldId id="266" r:id="rId7"/>
     <p:sldId id="261" r:id="rId8"/>
-    <p:sldId id="263" r:id="rId9"/>
+    <p:sldId id="268" r:id="rId9"/>
     <p:sldId id="262" r:id="rId10"/>
     <p:sldId id="267" r:id="rId11"/>
     <p:sldId id="264" r:id="rId12"/>
@@ -129,7 +129,7 @@
 <file path=ppt/revisionInfo.xml><?xml version="1.0" encoding="utf-8"?>
 <p1510:revInfo xmlns:a="http://schemas.openxmlformats.org/drawingml/2006/main" xmlns:r="http://schemas.openxmlformats.org/officeDocument/2006/relationships" xmlns:p1510="http://schemas.microsoft.com/office/powerpoint/2015/10/main">
   <p1510:revLst>
-    <p1510:client id="{2D2F4B00-D67B-471E-8EC5-16430E5C6708}" v="22" dt="2021-11-15T04:19:17.773"/>
+    <p1510:client id="{2D2F4B00-D67B-471E-8EC5-16430E5C6708}" v="24" dt="2021-11-15T05:50:46.569"/>
   </p1510:revLst>
 </p1510:revInfo>
 </file>
@@ -139,7 +139,7 @@
   <pc:docChgLst>
     <pc:chgData name="Taryn Syler" userId="d093462dc93fe5e1" providerId="LiveId" clId="{2D2F4B00-D67B-471E-8EC5-16430E5C6708}"/>
     <pc:docChg chg="undo custSel addSld delSld modSld sldOrd">
-      <pc:chgData name="Taryn Syler" userId="d093462dc93fe5e1" providerId="LiveId" clId="{2D2F4B00-D67B-471E-8EC5-16430E5C6708}" dt="2021-11-15T04:27:38.902" v="4663" actId="403"/>
+      <pc:chgData name="Taryn Syler" userId="d093462dc93fe5e1" providerId="LiveId" clId="{2D2F4B00-D67B-471E-8EC5-16430E5C6708}" dt="2021-11-15T05:56:07.375" v="4696" actId="26606"/>
       <pc:docMkLst>
         <pc:docMk/>
       </pc:docMkLst>
@@ -379,28 +379,76 @@
           </ac:picMkLst>
         </pc:picChg>
       </pc:sldChg>
-      <pc:sldChg chg="modSp new mod modNotesTx">
-        <pc:chgData name="Taryn Syler" userId="d093462dc93fe5e1" providerId="LiveId" clId="{2D2F4B00-D67B-471E-8EC5-16430E5C6708}" dt="2021-11-15T04:27:38.902" v="4663" actId="403"/>
+      <pc:sldChg chg="addSp delSp modSp new mod setBg setClrOvrMap modNotesTx">
+        <pc:chgData name="Taryn Syler" userId="d093462dc93fe5e1" providerId="LiveId" clId="{2D2F4B00-D67B-471E-8EC5-16430E5C6708}" dt="2021-11-15T05:56:07.375" v="4696" actId="26606"/>
         <pc:sldMkLst>
           <pc:docMk/>
           <pc:sldMk cId="933643513" sldId="261"/>
         </pc:sldMkLst>
         <pc:spChg chg="mod">
-          <ac:chgData name="Taryn Syler" userId="d093462dc93fe5e1" providerId="LiveId" clId="{2D2F4B00-D67B-471E-8EC5-16430E5C6708}" dt="2021-11-01T06:00:42.604" v="2675" actId="20577"/>
+          <ac:chgData name="Taryn Syler" userId="d093462dc93fe5e1" providerId="LiveId" clId="{2D2F4B00-D67B-471E-8EC5-16430E5C6708}" dt="2021-11-15T05:56:07.375" v="4696" actId="26606"/>
           <ac:spMkLst>
             <pc:docMk/>
             <pc:sldMk cId="933643513" sldId="261"/>
             <ac:spMk id="2" creationId="{8DC2469B-491B-449B-BBAF-62C42A10CBD8}"/>
           </ac:spMkLst>
         </pc:spChg>
-        <pc:spChg chg="mod">
-          <ac:chgData name="Taryn Syler" userId="d093462dc93fe5e1" providerId="LiveId" clId="{2D2F4B00-D67B-471E-8EC5-16430E5C6708}" dt="2021-11-15T04:27:38.902" v="4663" actId="403"/>
+        <pc:spChg chg="add del mod">
+          <ac:chgData name="Taryn Syler" userId="d093462dc93fe5e1" providerId="LiveId" clId="{2D2F4B00-D67B-471E-8EC5-16430E5C6708}" dt="2021-11-15T05:56:07.375" v="4696" actId="26606"/>
           <ac:spMkLst>
             <pc:docMk/>
             <pc:sldMk cId="933643513" sldId="261"/>
             <ac:spMk id="3" creationId="{135F1482-E208-49C4-9C5B-CC00A1E8831F}"/>
           </ac:spMkLst>
         </pc:spChg>
+        <pc:spChg chg="add del">
+          <ac:chgData name="Taryn Syler" userId="d093462dc93fe5e1" providerId="LiveId" clId="{2D2F4B00-D67B-471E-8EC5-16430E5C6708}" dt="2021-11-15T05:56:07.329" v="4695" actId="26606"/>
+          <ac:spMkLst>
+            <pc:docMk/>
+            <pc:sldMk cId="933643513" sldId="261"/>
+            <ac:spMk id="9" creationId="{EB6D1D7F-141C-4D8E-BFBA-D95B68E16385}"/>
+          </ac:spMkLst>
+        </pc:spChg>
+        <pc:spChg chg="add del">
+          <ac:chgData name="Taryn Syler" userId="d093462dc93fe5e1" providerId="LiveId" clId="{2D2F4B00-D67B-471E-8EC5-16430E5C6708}" dt="2021-11-15T05:56:07.329" v="4695" actId="26606"/>
+          <ac:spMkLst>
+            <pc:docMk/>
+            <pc:sldMk cId="933643513" sldId="261"/>
+            <ac:spMk id="11" creationId="{27248369-464E-49D1-91FC-BC34A50A66D2}"/>
+          </ac:spMkLst>
+        </pc:spChg>
+        <pc:spChg chg="add">
+          <ac:chgData name="Taryn Syler" userId="d093462dc93fe5e1" providerId="LiveId" clId="{2D2F4B00-D67B-471E-8EC5-16430E5C6708}" dt="2021-11-15T05:56:07.375" v="4696" actId="26606"/>
+          <ac:spMkLst>
+            <pc:docMk/>
+            <pc:sldMk cId="933643513" sldId="261"/>
+            <ac:spMk id="13" creationId="{EB6D1D7F-141C-4D8E-BFBA-D95B68E16385}"/>
+          </ac:spMkLst>
+        </pc:spChg>
+        <pc:spChg chg="add">
+          <ac:chgData name="Taryn Syler" userId="d093462dc93fe5e1" providerId="LiveId" clId="{2D2F4B00-D67B-471E-8EC5-16430E5C6708}" dt="2021-11-15T05:56:07.375" v="4696" actId="26606"/>
+          <ac:spMkLst>
+            <pc:docMk/>
+            <pc:sldMk cId="933643513" sldId="261"/>
+            <ac:spMk id="14" creationId="{558DA214-7FDA-4C9D-A7CF-9AD725E290E1}"/>
+          </ac:spMkLst>
+        </pc:spChg>
+        <pc:graphicFrameChg chg="add del">
+          <ac:chgData name="Taryn Syler" userId="d093462dc93fe5e1" providerId="LiveId" clId="{2D2F4B00-D67B-471E-8EC5-16430E5C6708}" dt="2021-11-15T05:56:07.329" v="4695" actId="26606"/>
+          <ac:graphicFrameMkLst>
+            <pc:docMk/>
+            <pc:sldMk cId="933643513" sldId="261"/>
+            <ac:graphicFrameMk id="5" creationId="{E42BB99F-84C0-4A64-AC74-C0E7E9E15A95}"/>
+          </ac:graphicFrameMkLst>
+        </pc:graphicFrameChg>
+        <pc:graphicFrameChg chg="add">
+          <ac:chgData name="Taryn Syler" userId="d093462dc93fe5e1" providerId="LiveId" clId="{2D2F4B00-D67B-471E-8EC5-16430E5C6708}" dt="2021-11-15T05:56:07.375" v="4696" actId="26606"/>
+          <ac:graphicFrameMkLst>
+            <pc:docMk/>
+            <pc:sldMk cId="933643513" sldId="261"/>
+            <ac:graphicFrameMk id="15" creationId="{0DB93556-8371-49D5-9D3B-62F6A97869EA}"/>
+          </ac:graphicFrameMkLst>
+        </pc:graphicFrameChg>
       </pc:sldChg>
       <pc:sldChg chg="modSp new mod modNotesTx">
         <pc:chgData name="Taryn Syler" userId="d093462dc93fe5e1" providerId="LiveId" clId="{2D2F4B00-D67B-471E-8EC5-16430E5C6708}" dt="2021-11-01T06:15:15.074" v="3103" actId="20577"/>
@@ -425,14 +473,14 @@
           </ac:spMkLst>
         </pc:spChg>
       </pc:sldChg>
-      <pc:sldChg chg="addSp delSp modSp new mod ord modNotesTx">
-        <pc:chgData name="Taryn Syler" userId="d093462dc93fe5e1" providerId="LiveId" clId="{2D2F4B00-D67B-471E-8EC5-16430E5C6708}" dt="2021-11-08T04:42:02.959" v="4480" actId="20577"/>
+      <pc:sldChg chg="addSp delSp modSp new del mod ord setBg setClrOvrMap modNotesTx">
+        <pc:chgData name="Taryn Syler" userId="d093462dc93fe5e1" providerId="LiveId" clId="{2D2F4B00-D67B-471E-8EC5-16430E5C6708}" dt="2021-11-15T05:55:13.142" v="4693" actId="2696"/>
         <pc:sldMkLst>
           <pc:docMk/>
           <pc:sldMk cId="642101144" sldId="263"/>
         </pc:sldMkLst>
         <pc:spChg chg="mod">
-          <ac:chgData name="Taryn Syler" userId="d093462dc93fe5e1" providerId="LiveId" clId="{2D2F4B00-D67B-471E-8EC5-16430E5C6708}" dt="2021-11-08T04:40:52.940" v="4388" actId="20577"/>
+          <ac:chgData name="Taryn Syler" userId="d093462dc93fe5e1" providerId="LiveId" clId="{2D2F4B00-D67B-471E-8EC5-16430E5C6708}" dt="2021-11-15T05:47:03.830" v="4669" actId="26606"/>
           <ac:spMkLst>
             <pc:docMk/>
             <pc:sldMk cId="642101144" sldId="263"/>
@@ -447,14 +495,70 @@
             <ac:spMk id="3" creationId="{AE0B144A-0F7A-49F4-A7FE-EFD985425F1F}"/>
           </ac:spMkLst>
         </pc:spChg>
-        <pc:spChg chg="add mod">
-          <ac:chgData name="Taryn Syler" userId="d093462dc93fe5e1" providerId="LiveId" clId="{2D2F4B00-D67B-471E-8EC5-16430E5C6708}" dt="2021-11-08T04:42:02.959" v="4480" actId="20577"/>
+        <pc:spChg chg="add del mod">
+          <ac:chgData name="Taryn Syler" userId="d093462dc93fe5e1" providerId="LiveId" clId="{2D2F4B00-D67B-471E-8EC5-16430E5C6708}" dt="2021-11-15T05:46:47.604" v="4666"/>
+          <ac:spMkLst>
+            <pc:docMk/>
+            <pc:sldMk cId="642101144" sldId="263"/>
+            <ac:spMk id="4" creationId="{EE153703-2BC1-4FB4-A94F-669655897600}"/>
+          </ac:spMkLst>
+        </pc:spChg>
+        <pc:spChg chg="add del mod">
+          <ac:chgData name="Taryn Syler" userId="d093462dc93fe5e1" providerId="LiveId" clId="{2D2F4B00-D67B-471E-8EC5-16430E5C6708}" dt="2021-11-15T05:47:07.653" v="4672" actId="47"/>
           <ac:spMkLst>
             <pc:docMk/>
             <pc:sldMk cId="642101144" sldId="263"/>
             <ac:spMk id="6" creationId="{CF8751AB-6761-41D3-9EAF-91B87236966E}"/>
           </ac:spMkLst>
         </pc:spChg>
+        <pc:spChg chg="add mod">
+          <ac:chgData name="Taryn Syler" userId="d093462dc93fe5e1" providerId="LiveId" clId="{2D2F4B00-D67B-471E-8EC5-16430E5C6708}" dt="2021-11-15T05:52:07.348" v="4692" actId="478"/>
+          <ac:spMkLst>
+            <pc:docMk/>
+            <pc:sldMk cId="642101144" sldId="263"/>
+            <ac:spMk id="9" creationId="{20E6E8C0-F36D-4A86-8414-2B8B8C10CFB9}"/>
+          </ac:spMkLst>
+        </pc:spChg>
+        <pc:spChg chg="add del">
+          <ac:chgData name="Taryn Syler" userId="d093462dc93fe5e1" providerId="LiveId" clId="{2D2F4B00-D67B-471E-8EC5-16430E5C6708}" dt="2021-11-15T05:50:04.096" v="4673" actId="26606"/>
+          <ac:spMkLst>
+            <pc:docMk/>
+            <pc:sldMk cId="642101144" sldId="263"/>
+            <ac:spMk id="12" creationId="{EB6D1D7F-141C-4D8E-BFBA-D95B68E16385}"/>
+          </ac:spMkLst>
+        </pc:spChg>
+        <pc:spChg chg="add del">
+          <ac:chgData name="Taryn Syler" userId="d093462dc93fe5e1" providerId="LiveId" clId="{2D2F4B00-D67B-471E-8EC5-16430E5C6708}" dt="2021-11-15T05:50:04.096" v="4673" actId="26606"/>
+          <ac:spMkLst>
+            <pc:docMk/>
+            <pc:sldMk cId="642101144" sldId="263"/>
+            <ac:spMk id="14" creationId="{27248369-464E-49D1-91FC-BC34A50A66D2}"/>
+          </ac:spMkLst>
+        </pc:spChg>
+        <pc:spChg chg="add">
+          <ac:chgData name="Taryn Syler" userId="d093462dc93fe5e1" providerId="LiveId" clId="{2D2F4B00-D67B-471E-8EC5-16430E5C6708}" dt="2021-11-15T05:50:04.096" v="4673" actId="26606"/>
+          <ac:spMkLst>
+            <pc:docMk/>
+            <pc:sldMk cId="642101144" sldId="263"/>
+            <ac:spMk id="19" creationId="{EB6D1D7F-141C-4D8E-BFBA-D95B68E16385}"/>
+          </ac:spMkLst>
+        </pc:spChg>
+        <pc:spChg chg="add">
+          <ac:chgData name="Taryn Syler" userId="d093462dc93fe5e1" providerId="LiveId" clId="{2D2F4B00-D67B-471E-8EC5-16430E5C6708}" dt="2021-11-15T05:50:04.096" v="4673" actId="26606"/>
+          <ac:spMkLst>
+            <pc:docMk/>
+            <pc:sldMk cId="642101144" sldId="263"/>
+            <ac:spMk id="21" creationId="{27248369-464E-49D1-91FC-BC34A50A66D2}"/>
+          </ac:spMkLst>
+        </pc:spChg>
+        <pc:graphicFrameChg chg="add del mod modGraphic">
+          <ac:chgData name="Taryn Syler" userId="d093462dc93fe5e1" providerId="LiveId" clId="{2D2F4B00-D67B-471E-8EC5-16430E5C6708}" dt="2021-11-15T05:52:07.348" v="4692" actId="478"/>
+          <ac:graphicFrameMkLst>
+            <pc:docMk/>
+            <pc:sldMk cId="642101144" sldId="263"/>
+            <ac:graphicFrameMk id="7" creationId="{D3631AA3-1628-49F8-AABE-70CB3683AB3B}"/>
+          </ac:graphicFrameMkLst>
+        </pc:graphicFrameChg>
         <pc:picChg chg="add mod">
           <ac:chgData name="Taryn Syler" userId="d093462dc93fe5e1" providerId="LiveId" clId="{2D2F4B00-D67B-471E-8EC5-16430E5C6708}" dt="2021-11-08T04:41:16.657" v="4392"/>
           <ac:picMkLst>
@@ -463,8 +567,8 @@
             <ac:picMk id="4" creationId="{61899DE0-6216-40C2-9BCC-6116CBC5F533}"/>
           </ac:picMkLst>
         </pc:picChg>
-        <pc:picChg chg="add mod">
-          <ac:chgData name="Taryn Syler" userId="d093462dc93fe5e1" providerId="LiveId" clId="{2D2F4B00-D67B-471E-8EC5-16430E5C6708}" dt="2021-11-08T04:41:36.935" v="4395" actId="14100"/>
+        <pc:picChg chg="add del mod">
+          <ac:chgData name="Taryn Syler" userId="d093462dc93fe5e1" providerId="LiveId" clId="{2D2F4B00-D67B-471E-8EC5-16430E5C6708}" dt="2021-11-15T05:46:41.782" v="4664" actId="478"/>
           <ac:picMkLst>
             <pc:docMk/>
             <pc:sldMk cId="642101144" sldId="263"/>
@@ -596,6 +700,101 @@
           </ac:spMkLst>
         </pc:spChg>
       </pc:sldChg>
+      <pc:sldChg chg="addSp delSp modSp new mod setBg">
+        <pc:chgData name="Taryn Syler" userId="d093462dc93fe5e1" providerId="LiveId" clId="{2D2F4B00-D67B-471E-8EC5-16430E5C6708}" dt="2021-11-15T05:51:59.640" v="4691" actId="14100"/>
+        <pc:sldMkLst>
+          <pc:docMk/>
+          <pc:sldMk cId="2123746658" sldId="268"/>
+        </pc:sldMkLst>
+        <pc:spChg chg="del">
+          <ac:chgData name="Taryn Syler" userId="d093462dc93fe5e1" providerId="LiveId" clId="{2D2F4B00-D67B-471E-8EC5-16430E5C6708}" dt="2021-11-15T05:50:51.464" v="4678" actId="26606"/>
+          <ac:spMkLst>
+            <pc:docMk/>
+            <pc:sldMk cId="2123746658" sldId="268"/>
+            <ac:spMk id="2" creationId="{D836DB41-0809-4B39-804E-8C1290824454}"/>
+          </ac:spMkLst>
+        </pc:spChg>
+        <pc:spChg chg="del">
+          <ac:chgData name="Taryn Syler" userId="d093462dc93fe5e1" providerId="LiveId" clId="{2D2F4B00-D67B-471E-8EC5-16430E5C6708}" dt="2021-11-15T05:50:46.569" v="4677"/>
+          <ac:spMkLst>
+            <pc:docMk/>
+            <pc:sldMk cId="2123746658" sldId="268"/>
+            <ac:spMk id="3" creationId="{72A2D6BA-6FA6-429B-9AE7-56D2D9E393D4}"/>
+          </ac:spMkLst>
+        </pc:spChg>
+        <pc:spChg chg="add del">
+          <ac:chgData name="Taryn Syler" userId="d093462dc93fe5e1" providerId="LiveId" clId="{2D2F4B00-D67B-471E-8EC5-16430E5C6708}" dt="2021-11-15T05:51:27.925" v="4686" actId="26606"/>
+          <ac:spMkLst>
+            <pc:docMk/>
+            <pc:sldMk cId="2123746658" sldId="268"/>
+            <ac:spMk id="9" creationId="{6BC377B7-18F1-42AD-A1DD-E1D6A5B27CE9}"/>
+          </ac:spMkLst>
+        </pc:spChg>
+        <pc:spChg chg="add del">
+          <ac:chgData name="Taryn Syler" userId="d093462dc93fe5e1" providerId="LiveId" clId="{2D2F4B00-D67B-471E-8EC5-16430E5C6708}" dt="2021-11-15T05:51:27.925" v="4686" actId="26606"/>
+          <ac:spMkLst>
+            <pc:docMk/>
+            <pc:sldMk cId="2123746658" sldId="268"/>
+            <ac:spMk id="11" creationId="{B41841A4-7885-47BE-9A2A-B2602CA1A98E}"/>
+          </ac:spMkLst>
+        </pc:spChg>
+        <pc:spChg chg="add del">
+          <ac:chgData name="Taryn Syler" userId="d093462dc93fe5e1" providerId="LiveId" clId="{2D2F4B00-D67B-471E-8EC5-16430E5C6708}" dt="2021-11-15T05:51:27.878" v="4685" actId="26606"/>
+          <ac:spMkLst>
+            <pc:docMk/>
+            <pc:sldMk cId="2123746658" sldId="268"/>
+            <ac:spMk id="16" creationId="{6BC377B7-18F1-42AD-A1DD-E1D6A5B27CE9}"/>
+          </ac:spMkLst>
+        </pc:spChg>
+        <pc:spChg chg="add del">
+          <ac:chgData name="Taryn Syler" userId="d093462dc93fe5e1" providerId="LiveId" clId="{2D2F4B00-D67B-471E-8EC5-16430E5C6708}" dt="2021-11-15T05:51:27.878" v="4685" actId="26606"/>
+          <ac:spMkLst>
+            <pc:docMk/>
+            <pc:sldMk cId="2123746658" sldId="268"/>
+            <ac:spMk id="18" creationId="{B41841A4-7885-47BE-9A2A-B2602CA1A98E}"/>
+          </ac:spMkLst>
+        </pc:spChg>
+        <pc:spChg chg="add del">
+          <ac:chgData name="Taryn Syler" userId="d093462dc93fe5e1" providerId="LiveId" clId="{2D2F4B00-D67B-471E-8EC5-16430E5C6708}" dt="2021-11-15T05:51:48.745" v="4689" actId="26606"/>
+          <ac:spMkLst>
+            <pc:docMk/>
+            <pc:sldMk cId="2123746658" sldId="268"/>
+            <ac:spMk id="20" creationId="{6BC377B7-18F1-42AD-A1DD-E1D6A5B27CE9}"/>
+          </ac:spMkLst>
+        </pc:spChg>
+        <pc:spChg chg="add del">
+          <ac:chgData name="Taryn Syler" userId="d093462dc93fe5e1" providerId="LiveId" clId="{2D2F4B00-D67B-471E-8EC5-16430E5C6708}" dt="2021-11-15T05:51:48.745" v="4689" actId="26606"/>
+          <ac:spMkLst>
+            <pc:docMk/>
+            <pc:sldMk cId="2123746658" sldId="268"/>
+            <ac:spMk id="21" creationId="{B41841A4-7885-47BE-9A2A-B2602CA1A98E}"/>
+          </ac:spMkLst>
+        </pc:spChg>
+        <pc:spChg chg="add">
+          <ac:chgData name="Taryn Syler" userId="d093462dc93fe5e1" providerId="LiveId" clId="{2D2F4B00-D67B-471E-8EC5-16430E5C6708}" dt="2021-11-15T05:51:48.745" v="4689" actId="26606"/>
+          <ac:spMkLst>
+            <pc:docMk/>
+            <pc:sldMk cId="2123746658" sldId="268"/>
+            <ac:spMk id="26" creationId="{EB6D1D7F-141C-4D8E-BFBA-D95B68E16385}"/>
+          </ac:spMkLst>
+        </pc:spChg>
+        <pc:spChg chg="add">
+          <ac:chgData name="Taryn Syler" userId="d093462dc93fe5e1" providerId="LiveId" clId="{2D2F4B00-D67B-471E-8EC5-16430E5C6708}" dt="2021-11-15T05:51:48.745" v="4689" actId="26606"/>
+          <ac:spMkLst>
+            <pc:docMk/>
+            <pc:sldMk cId="2123746658" sldId="268"/>
+            <ac:spMk id="28" creationId="{27248369-464E-49D1-91FC-BC34A50A66D2}"/>
+          </ac:spMkLst>
+        </pc:spChg>
+        <pc:graphicFrameChg chg="add mod modGraphic">
+          <ac:chgData name="Taryn Syler" userId="d093462dc93fe5e1" providerId="LiveId" clId="{2D2F4B00-D67B-471E-8EC5-16430E5C6708}" dt="2021-11-15T05:51:59.640" v="4691" actId="14100"/>
+          <ac:graphicFrameMkLst>
+            <pc:docMk/>
+            <pc:sldMk cId="2123746658" sldId="268"/>
+            <ac:graphicFrameMk id="4" creationId="{AD0E10D8-645F-426E-8460-E7383C7061E0}"/>
+          </ac:graphicFrameMkLst>
+        </pc:graphicFrameChg>
+      </pc:sldChg>
       <pc:sldChg chg="addSp delSp modSp new del mod setBg">
         <pc:chgData name="Taryn Syler" userId="d093462dc93fe5e1" providerId="LiveId" clId="{2D2F4B00-D67B-471E-8EC5-16430E5C6708}" dt="2021-11-15T04:18:06.011" v="4627" actId="2696"/>
         <pc:sldMkLst>
@@ -646,6 +845,2495 @@
     </pc:docChg>
   </pc:docChgLst>
 </pc:chgInfo>
+</file>
+
+<file path=ppt/diagrams/colors1.xml><?xml version="1.0" encoding="utf-8"?>
+<dgm:colorsDef xmlns:dgm="http://schemas.openxmlformats.org/drawingml/2006/diagram" xmlns:a="http://schemas.openxmlformats.org/drawingml/2006/main" uniqueId="urn:microsoft.com/office/officeart/2005/8/colors/colorful2">
+  <dgm:title val=""/>
+  <dgm:desc val=""/>
+  <dgm:catLst>
+    <dgm:cat type="colorful" pri="10200"/>
+  </dgm:catLst>
+  <dgm:styleLbl name="node0">
+    <dgm:fillClrLst meth="repeat">
+      <a:schemeClr val="accent1"/>
+    </dgm:fillClrLst>
+    <dgm:linClrLst meth="repeat">
+      <a:schemeClr val="lt1"/>
+    </dgm:linClrLst>
+    <dgm:effectClrLst/>
+    <dgm:txLinClrLst/>
+    <dgm:txFillClrLst/>
+    <dgm:txEffectClrLst/>
+  </dgm:styleLbl>
+  <dgm:styleLbl name="node1">
+    <dgm:fillClrLst>
+      <a:schemeClr val="accent2"/>
+      <a:schemeClr val="accent3"/>
+    </dgm:fillClrLst>
+    <dgm:linClrLst meth="repeat">
+      <a:schemeClr val="lt1"/>
+    </dgm:linClrLst>
+    <dgm:effectClrLst/>
+    <dgm:txLinClrLst/>
+    <dgm:txFillClrLst/>
+    <dgm:txEffectClrLst/>
+  </dgm:styleLbl>
+  <dgm:styleLbl name="alignNode1">
+    <dgm:fillClrLst>
+      <a:schemeClr val="accent2"/>
+      <a:schemeClr val="accent3"/>
+    </dgm:fillClrLst>
+    <dgm:linClrLst>
+      <a:schemeClr val="accent2"/>
+      <a:schemeClr val="accent3"/>
+    </dgm:linClrLst>
+    <dgm:effectClrLst/>
+    <dgm:txLinClrLst/>
+    <dgm:txFillClrLst/>
+    <dgm:txEffectClrLst/>
+  </dgm:styleLbl>
+  <dgm:styleLbl name="lnNode1">
+    <dgm:fillClrLst>
+      <a:schemeClr val="accent2"/>
+      <a:schemeClr val="accent3"/>
+    </dgm:fillClrLst>
+    <dgm:linClrLst meth="repeat">
+      <a:schemeClr val="lt1"/>
+    </dgm:linClrLst>
+    <dgm:effectClrLst/>
+    <dgm:txLinClrLst/>
+    <dgm:txFillClrLst/>
+    <dgm:txEffectClrLst/>
+  </dgm:styleLbl>
+  <dgm:styleLbl name="vennNode1">
+    <dgm:fillClrLst>
+      <a:schemeClr val="accent2">
+        <a:alpha val="50000"/>
+      </a:schemeClr>
+      <a:schemeClr val="accent3">
+        <a:alpha val="50000"/>
+      </a:schemeClr>
+    </dgm:fillClrLst>
+    <dgm:linClrLst meth="repeat">
+      <a:schemeClr val="lt1"/>
+    </dgm:linClrLst>
+    <dgm:effectClrLst/>
+    <dgm:txLinClrLst/>
+    <dgm:txFillClrLst/>
+    <dgm:txEffectClrLst/>
+  </dgm:styleLbl>
+  <dgm:styleLbl name="node2">
+    <dgm:fillClrLst>
+      <a:schemeClr val="accent3"/>
+    </dgm:fillClrLst>
+    <dgm:linClrLst meth="repeat">
+      <a:schemeClr val="lt1"/>
+    </dgm:linClrLst>
+    <dgm:effectClrLst/>
+    <dgm:txLinClrLst/>
+    <dgm:txFillClrLst/>
+    <dgm:txEffectClrLst/>
+  </dgm:styleLbl>
+  <dgm:styleLbl name="node3">
+    <dgm:fillClrLst>
+      <a:schemeClr val="accent4"/>
+    </dgm:fillClrLst>
+    <dgm:linClrLst meth="repeat">
+      <a:schemeClr val="lt1"/>
+    </dgm:linClrLst>
+    <dgm:effectClrLst/>
+    <dgm:txLinClrLst/>
+    <dgm:txFillClrLst/>
+    <dgm:txEffectClrLst/>
+  </dgm:styleLbl>
+  <dgm:styleLbl name="node4">
+    <dgm:fillClrLst>
+      <a:schemeClr val="accent5"/>
+    </dgm:fillClrLst>
+    <dgm:linClrLst meth="repeat">
+      <a:schemeClr val="lt1"/>
+    </dgm:linClrLst>
+    <dgm:effectClrLst/>
+    <dgm:txLinClrLst/>
+    <dgm:txFillClrLst/>
+    <dgm:txEffectClrLst/>
+  </dgm:styleLbl>
+  <dgm:styleLbl name="fgImgPlace1">
+    <dgm:fillClrLst>
+      <a:schemeClr val="accent2">
+        <a:tint val="50000"/>
+      </a:schemeClr>
+      <a:schemeClr val="accent3">
+        <a:tint val="50000"/>
+      </a:schemeClr>
+    </dgm:fillClrLst>
+    <dgm:linClrLst meth="repeat">
+      <a:schemeClr val="lt1"/>
+    </dgm:linClrLst>
+    <dgm:effectClrLst/>
+    <dgm:txLinClrLst/>
+    <dgm:txFillClrLst meth="repeat">
+      <a:schemeClr val="lt1"/>
+    </dgm:txFillClrLst>
+    <dgm:txEffectClrLst/>
+  </dgm:styleLbl>
+  <dgm:styleLbl name="alignImgPlace1">
+    <dgm:fillClrLst>
+      <a:schemeClr val="accent2">
+        <a:tint val="50000"/>
+      </a:schemeClr>
+      <a:schemeClr val="accent3">
+        <a:tint val="20000"/>
+      </a:schemeClr>
+    </dgm:fillClrLst>
+    <dgm:linClrLst meth="repeat">
+      <a:schemeClr val="lt1"/>
+    </dgm:linClrLst>
+    <dgm:effectClrLst/>
+    <dgm:txLinClrLst/>
+    <dgm:txFillClrLst meth="repeat">
+      <a:schemeClr val="lt1"/>
+    </dgm:txFillClrLst>
+    <dgm:txEffectClrLst/>
+  </dgm:styleLbl>
+  <dgm:styleLbl name="bgImgPlace1">
+    <dgm:fillClrLst>
+      <a:schemeClr val="accent2">
+        <a:tint val="50000"/>
+      </a:schemeClr>
+      <a:schemeClr val="accent3">
+        <a:tint val="20000"/>
+      </a:schemeClr>
+    </dgm:fillClrLst>
+    <dgm:linClrLst meth="repeat">
+      <a:schemeClr val="lt1"/>
+    </dgm:linClrLst>
+    <dgm:effectClrLst/>
+    <dgm:txLinClrLst/>
+    <dgm:txFillClrLst meth="repeat">
+      <a:schemeClr val="lt1"/>
+    </dgm:txFillClrLst>
+    <dgm:txEffectClrLst/>
+  </dgm:styleLbl>
+  <dgm:styleLbl name="sibTrans2D1">
+    <dgm:fillClrLst>
+      <a:schemeClr val="accent2"/>
+      <a:schemeClr val="accent3"/>
+    </dgm:fillClrLst>
+    <dgm:linClrLst meth="repeat">
+      <a:schemeClr val="lt1"/>
+    </dgm:linClrLst>
+    <dgm:effectClrLst/>
+    <dgm:txLinClrLst/>
+    <dgm:txFillClrLst/>
+    <dgm:txEffectClrLst/>
+  </dgm:styleLbl>
+  <dgm:styleLbl name="fgSibTrans2D1">
+    <dgm:fillClrLst>
+      <a:schemeClr val="accent2"/>
+      <a:schemeClr val="accent3"/>
+    </dgm:fillClrLst>
+    <dgm:linClrLst meth="repeat">
+      <a:schemeClr val="lt1"/>
+    </dgm:linClrLst>
+    <dgm:effectClrLst/>
+    <dgm:txLinClrLst/>
+    <dgm:txFillClrLst meth="repeat">
+      <a:schemeClr val="lt1"/>
+    </dgm:txFillClrLst>
+    <dgm:txEffectClrLst/>
+  </dgm:styleLbl>
+  <dgm:styleLbl name="bgSibTrans2D1">
+    <dgm:fillClrLst>
+      <a:schemeClr val="accent2"/>
+      <a:schemeClr val="accent3"/>
+    </dgm:fillClrLst>
+    <dgm:linClrLst meth="repeat">
+      <a:schemeClr val="lt1"/>
+    </dgm:linClrLst>
+    <dgm:effectClrLst/>
+    <dgm:txLinClrLst/>
+    <dgm:txFillClrLst meth="repeat">
+      <a:schemeClr val="lt1"/>
+    </dgm:txFillClrLst>
+    <dgm:txEffectClrLst/>
+  </dgm:styleLbl>
+  <dgm:styleLbl name="sibTrans1D1">
+    <dgm:fillClrLst/>
+    <dgm:linClrLst>
+      <a:schemeClr val="accent2"/>
+      <a:schemeClr val="accent3"/>
+    </dgm:linClrLst>
+    <dgm:effectClrLst/>
+    <dgm:txLinClrLst/>
+    <dgm:txFillClrLst meth="repeat">
+      <a:schemeClr val="tx1"/>
+    </dgm:txFillClrLst>
+    <dgm:txEffectClrLst/>
+  </dgm:styleLbl>
+  <dgm:styleLbl name="callout">
+    <dgm:fillClrLst meth="repeat">
+      <a:schemeClr val="accent2"/>
+    </dgm:fillClrLst>
+    <dgm:linClrLst meth="repeat">
+      <a:schemeClr val="accent2">
+        <a:tint val="50000"/>
+      </a:schemeClr>
+    </dgm:linClrLst>
+    <dgm:effectClrLst/>
+    <dgm:txLinClrLst/>
+    <dgm:txFillClrLst meth="repeat">
+      <a:schemeClr val="tx1"/>
+    </dgm:txFillClrLst>
+    <dgm:txEffectClrLst/>
+  </dgm:styleLbl>
+  <dgm:styleLbl name="asst0">
+    <dgm:fillClrLst meth="repeat">
+      <a:schemeClr val="accent2"/>
+    </dgm:fillClrLst>
+    <dgm:linClrLst meth="repeat">
+      <a:schemeClr val="lt1">
+        <a:shade val="80000"/>
+      </a:schemeClr>
+    </dgm:linClrLst>
+    <dgm:effectClrLst/>
+    <dgm:txLinClrLst/>
+    <dgm:txFillClrLst/>
+    <dgm:txEffectClrLst/>
+  </dgm:styleLbl>
+  <dgm:styleLbl name="asst1">
+    <dgm:fillClrLst meth="repeat">
+      <a:schemeClr val="accent3"/>
+    </dgm:fillClrLst>
+    <dgm:linClrLst meth="repeat">
+      <a:schemeClr val="lt1">
+        <a:shade val="80000"/>
+      </a:schemeClr>
+    </dgm:linClrLst>
+    <dgm:effectClrLst/>
+    <dgm:txLinClrLst/>
+    <dgm:txFillClrLst/>
+    <dgm:txEffectClrLst/>
+  </dgm:styleLbl>
+  <dgm:styleLbl name="asst2">
+    <dgm:fillClrLst>
+      <a:schemeClr val="accent4"/>
+    </dgm:fillClrLst>
+    <dgm:linClrLst meth="repeat">
+      <a:schemeClr val="lt1"/>
+    </dgm:linClrLst>
+    <dgm:effectClrLst/>
+    <dgm:txLinClrLst/>
+    <dgm:txFillClrLst/>
+    <dgm:txEffectClrLst/>
+  </dgm:styleLbl>
+  <dgm:styleLbl name="asst3">
+    <dgm:fillClrLst>
+      <a:schemeClr val="accent5"/>
+    </dgm:fillClrLst>
+    <dgm:linClrLst meth="repeat">
+      <a:schemeClr val="lt1"/>
+    </dgm:linClrLst>
+    <dgm:effectClrLst/>
+    <dgm:txLinClrLst/>
+    <dgm:txFillClrLst/>
+    <dgm:txEffectClrLst/>
+  </dgm:styleLbl>
+  <dgm:styleLbl name="asst4">
+    <dgm:fillClrLst>
+      <a:schemeClr val="accent6"/>
+    </dgm:fillClrLst>
+    <dgm:linClrLst meth="repeat">
+      <a:schemeClr val="lt1"/>
+    </dgm:linClrLst>
+    <dgm:effectClrLst/>
+    <dgm:txLinClrLst/>
+    <dgm:txFillClrLst/>
+    <dgm:txEffectClrLst/>
+  </dgm:styleLbl>
+  <dgm:styleLbl name="parChTrans2D1">
+    <dgm:fillClrLst meth="repeat">
+      <a:schemeClr val="accent2"/>
+    </dgm:fillClrLst>
+    <dgm:linClrLst meth="repeat">
+      <a:schemeClr val="lt1"/>
+    </dgm:linClrLst>
+    <dgm:effectClrLst/>
+    <dgm:txLinClrLst/>
+    <dgm:txFillClrLst meth="repeat">
+      <a:schemeClr val="lt1"/>
+    </dgm:txFillClrLst>
+    <dgm:txEffectClrLst/>
+  </dgm:styleLbl>
+  <dgm:styleLbl name="parChTrans2D2">
+    <dgm:fillClrLst meth="repeat">
+      <a:schemeClr val="accent3"/>
+    </dgm:fillClrLst>
+    <dgm:linClrLst meth="repeat">
+      <a:schemeClr val="lt1"/>
+    </dgm:linClrLst>
+    <dgm:effectClrLst/>
+    <dgm:txLinClrLst/>
+    <dgm:txFillClrLst/>
+    <dgm:txEffectClrLst/>
+  </dgm:styleLbl>
+  <dgm:styleLbl name="parChTrans2D3">
+    <dgm:fillClrLst meth="repeat">
+      <a:schemeClr val="accent4"/>
+    </dgm:fillClrLst>
+    <dgm:linClrLst meth="repeat">
+      <a:schemeClr val="lt1"/>
+    </dgm:linClrLst>
+    <dgm:effectClrLst/>
+    <dgm:txLinClrLst/>
+    <dgm:txFillClrLst/>
+    <dgm:txEffectClrLst/>
+  </dgm:styleLbl>
+  <dgm:styleLbl name="parChTrans2D4">
+    <dgm:fillClrLst meth="repeat">
+      <a:schemeClr val="accent5"/>
+    </dgm:fillClrLst>
+    <dgm:linClrLst meth="repeat">
+      <a:schemeClr val="lt1"/>
+    </dgm:linClrLst>
+    <dgm:effectClrLst/>
+    <dgm:txLinClrLst/>
+    <dgm:txFillClrLst meth="repeat">
+      <a:schemeClr val="lt1"/>
+    </dgm:txFillClrLst>
+    <dgm:txEffectClrLst/>
+  </dgm:styleLbl>
+  <dgm:styleLbl name="parChTrans1D1">
+    <dgm:fillClrLst meth="repeat">
+      <a:schemeClr val="accent2"/>
+    </dgm:fillClrLst>
+    <dgm:linClrLst meth="repeat">
+      <a:schemeClr val="accent2"/>
+    </dgm:linClrLst>
+    <dgm:effectClrLst/>
+    <dgm:txLinClrLst/>
+    <dgm:txFillClrLst meth="repeat">
+      <a:schemeClr val="tx1"/>
+    </dgm:txFillClrLst>
+    <dgm:txEffectClrLst/>
+  </dgm:styleLbl>
+  <dgm:styleLbl name="parChTrans1D2">
+    <dgm:fillClrLst meth="repeat">
+      <a:schemeClr val="accent2">
+        <a:tint val="90000"/>
+      </a:schemeClr>
+    </dgm:fillClrLst>
+    <dgm:linClrLst meth="repeat">
+      <a:schemeClr val="accent3"/>
+    </dgm:linClrLst>
+    <dgm:effectClrLst/>
+    <dgm:txLinClrLst/>
+    <dgm:txFillClrLst meth="repeat">
+      <a:schemeClr val="tx1"/>
+    </dgm:txFillClrLst>
+    <dgm:txEffectClrLst/>
+  </dgm:styleLbl>
+  <dgm:styleLbl name="parChTrans1D3">
+    <dgm:fillClrLst meth="repeat">
+      <a:schemeClr val="accent2">
+        <a:tint val="70000"/>
+      </a:schemeClr>
+    </dgm:fillClrLst>
+    <dgm:linClrLst meth="repeat">
+      <a:schemeClr val="accent4"/>
+    </dgm:linClrLst>
+    <dgm:effectClrLst/>
+    <dgm:txLinClrLst/>
+    <dgm:txFillClrLst meth="repeat">
+      <a:schemeClr val="tx1"/>
+    </dgm:txFillClrLst>
+    <dgm:txEffectClrLst/>
+  </dgm:styleLbl>
+  <dgm:styleLbl name="parChTrans1D4">
+    <dgm:fillClrLst meth="repeat">
+      <a:schemeClr val="accent2">
+        <a:tint val="50000"/>
+      </a:schemeClr>
+    </dgm:fillClrLst>
+    <dgm:linClrLst meth="repeat">
+      <a:schemeClr val="accent5"/>
+    </dgm:linClrLst>
+    <dgm:effectClrLst/>
+    <dgm:txLinClrLst/>
+    <dgm:txFillClrLst meth="repeat">
+      <a:schemeClr val="tx1"/>
+    </dgm:txFillClrLst>
+    <dgm:txEffectClrLst/>
+  </dgm:styleLbl>
+  <dgm:styleLbl name="fgAcc1">
+    <dgm:fillClrLst meth="repeat">
+      <a:schemeClr val="lt1">
+        <a:alpha val="90000"/>
+      </a:schemeClr>
+    </dgm:fillClrLst>
+    <dgm:linClrLst>
+      <a:schemeClr val="accent2"/>
+      <a:schemeClr val="accent3"/>
+    </dgm:linClrLst>
+    <dgm:effectClrLst/>
+    <dgm:txLinClrLst/>
+    <dgm:txFillClrLst meth="repeat">
+      <a:schemeClr val="dk1"/>
+    </dgm:txFillClrLst>
+    <dgm:txEffectClrLst/>
+  </dgm:styleLbl>
+  <dgm:styleLbl name="conFgAcc1">
+    <dgm:fillClrLst meth="repeat">
+      <a:schemeClr val="lt1">
+        <a:alpha val="90000"/>
+      </a:schemeClr>
+    </dgm:fillClrLst>
+    <dgm:linClrLst>
+      <a:schemeClr val="accent2"/>
+      <a:schemeClr val="accent3"/>
+    </dgm:linClrLst>
+    <dgm:effectClrLst/>
+    <dgm:txLinClrLst/>
+    <dgm:txFillClrLst meth="repeat">
+      <a:schemeClr val="dk1"/>
+    </dgm:txFillClrLst>
+    <dgm:txEffectClrLst/>
+  </dgm:styleLbl>
+  <dgm:styleLbl name="alignAcc1">
+    <dgm:fillClrLst meth="repeat">
+      <a:schemeClr val="lt1">
+        <a:alpha val="90000"/>
+      </a:schemeClr>
+    </dgm:fillClrLst>
+    <dgm:linClrLst>
+      <a:schemeClr val="accent2"/>
+      <a:schemeClr val="accent3"/>
+    </dgm:linClrLst>
+    <dgm:effectClrLst/>
+    <dgm:txLinClrLst/>
+    <dgm:txFillClrLst meth="repeat">
+      <a:schemeClr val="dk1"/>
+    </dgm:txFillClrLst>
+    <dgm:txEffectClrLst/>
+  </dgm:styleLbl>
+  <dgm:styleLbl name="trAlignAcc1">
+    <dgm:fillClrLst meth="repeat">
+      <a:schemeClr val="lt1">
+        <a:alpha val="40000"/>
+      </a:schemeClr>
+    </dgm:fillClrLst>
+    <dgm:linClrLst meth="repeat">
+      <a:schemeClr val="accent2"/>
+    </dgm:linClrLst>
+    <dgm:effectClrLst/>
+    <dgm:txLinClrLst/>
+    <dgm:txFillClrLst meth="repeat">
+      <a:schemeClr val="dk1"/>
+    </dgm:txFillClrLst>
+    <dgm:txEffectClrLst/>
+  </dgm:styleLbl>
+  <dgm:styleLbl name="bgAcc1">
+    <dgm:fillClrLst meth="repeat">
+      <a:schemeClr val="lt1">
+        <a:alpha val="90000"/>
+      </a:schemeClr>
+    </dgm:fillClrLst>
+    <dgm:linClrLst>
+      <a:schemeClr val="accent2"/>
+      <a:schemeClr val="accent3"/>
+    </dgm:linClrLst>
+    <dgm:effectClrLst/>
+    <dgm:txLinClrLst/>
+    <dgm:txFillClrLst meth="repeat">
+      <a:schemeClr val="dk1"/>
+    </dgm:txFillClrLst>
+    <dgm:txEffectClrLst/>
+  </dgm:styleLbl>
+  <dgm:styleLbl name="solidFgAcc1">
+    <dgm:fillClrLst meth="repeat">
+      <a:schemeClr val="lt1"/>
+    </dgm:fillClrLst>
+    <dgm:linClrLst>
+      <a:schemeClr val="accent2"/>
+      <a:schemeClr val="accent3"/>
+    </dgm:linClrLst>
+    <dgm:effectClrLst/>
+    <dgm:txLinClrLst/>
+    <dgm:txFillClrLst meth="repeat">
+      <a:schemeClr val="dk1"/>
+    </dgm:txFillClrLst>
+    <dgm:txEffectClrLst/>
+  </dgm:styleLbl>
+  <dgm:styleLbl name="solidAlignAcc1">
+    <dgm:fillClrLst meth="repeat">
+      <a:schemeClr val="lt1"/>
+    </dgm:fillClrLst>
+    <dgm:linClrLst>
+      <a:schemeClr val="accent2"/>
+      <a:schemeClr val="accent3"/>
+    </dgm:linClrLst>
+    <dgm:effectClrLst/>
+    <dgm:txLinClrLst/>
+    <dgm:txFillClrLst meth="repeat">
+      <a:schemeClr val="dk1"/>
+    </dgm:txFillClrLst>
+    <dgm:txEffectClrLst/>
+  </dgm:styleLbl>
+  <dgm:styleLbl name="solidBgAcc1">
+    <dgm:fillClrLst meth="repeat">
+      <a:schemeClr val="lt1"/>
+    </dgm:fillClrLst>
+    <dgm:linClrLst>
+      <a:schemeClr val="accent2"/>
+      <a:schemeClr val="accent3"/>
+    </dgm:linClrLst>
+    <dgm:effectClrLst/>
+    <dgm:txLinClrLst/>
+    <dgm:txFillClrLst meth="repeat">
+      <a:schemeClr val="dk1"/>
+    </dgm:txFillClrLst>
+    <dgm:txEffectClrLst/>
+  </dgm:styleLbl>
+  <dgm:styleLbl name="fgAccFollowNode1">
+    <dgm:fillClrLst>
+      <a:schemeClr val="accent2">
+        <a:tint val="40000"/>
+        <a:alpha val="90000"/>
+      </a:schemeClr>
+      <a:schemeClr val="accent3">
+        <a:tint val="40000"/>
+        <a:alpha val="90000"/>
+      </a:schemeClr>
+    </dgm:fillClrLst>
+    <dgm:linClrLst>
+      <a:schemeClr val="accent2">
+        <a:tint val="40000"/>
+        <a:alpha val="90000"/>
+      </a:schemeClr>
+      <a:schemeClr val="accent3">
+        <a:tint val="40000"/>
+        <a:alpha val="90000"/>
+      </a:schemeClr>
+    </dgm:linClrLst>
+    <dgm:effectClrLst/>
+    <dgm:txLinClrLst/>
+    <dgm:txFillClrLst meth="repeat">
+      <a:schemeClr val="dk1"/>
+    </dgm:txFillClrLst>
+    <dgm:txEffectClrLst/>
+  </dgm:styleLbl>
+  <dgm:styleLbl name="alignAccFollowNode1">
+    <dgm:fillClrLst>
+      <a:schemeClr val="accent2">
+        <a:tint val="40000"/>
+        <a:alpha val="90000"/>
+      </a:schemeClr>
+      <a:schemeClr val="accent3">
+        <a:tint val="40000"/>
+        <a:alpha val="90000"/>
+      </a:schemeClr>
+    </dgm:fillClrLst>
+    <dgm:linClrLst>
+      <a:schemeClr val="accent2">
+        <a:tint val="40000"/>
+        <a:alpha val="90000"/>
+      </a:schemeClr>
+      <a:schemeClr val="accent3">
+        <a:tint val="40000"/>
+        <a:alpha val="90000"/>
+      </a:schemeClr>
+    </dgm:linClrLst>
+    <dgm:effectClrLst/>
+    <dgm:txLinClrLst/>
+    <dgm:txFillClrLst meth="repeat">
+      <a:schemeClr val="dk1"/>
+    </dgm:txFillClrLst>
+    <dgm:txEffectClrLst/>
+  </dgm:styleLbl>
+  <dgm:styleLbl name="bgAccFollowNode1">
+    <dgm:fillClrLst>
+      <a:schemeClr val="accent2">
+        <a:tint val="40000"/>
+        <a:alpha val="90000"/>
+      </a:schemeClr>
+      <a:schemeClr val="accent3">
+        <a:tint val="40000"/>
+        <a:alpha val="90000"/>
+      </a:schemeClr>
+    </dgm:fillClrLst>
+    <dgm:linClrLst>
+      <a:schemeClr val="accent2">
+        <a:tint val="40000"/>
+        <a:alpha val="90000"/>
+      </a:schemeClr>
+      <a:schemeClr val="accent3">
+        <a:tint val="40000"/>
+        <a:alpha val="90000"/>
+      </a:schemeClr>
+    </dgm:linClrLst>
+    <dgm:effectClrLst/>
+    <dgm:txLinClrLst/>
+    <dgm:txFillClrLst meth="repeat">
+      <a:schemeClr val="dk1"/>
+    </dgm:txFillClrLst>
+    <dgm:txEffectClrLst/>
+  </dgm:styleLbl>
+  <dgm:styleLbl name="fgAcc0">
+    <dgm:fillClrLst meth="repeat">
+      <a:schemeClr val="lt1">
+        <a:alpha val="90000"/>
+      </a:schemeClr>
+    </dgm:fillClrLst>
+    <dgm:linClrLst>
+      <a:schemeClr val="accent1"/>
+    </dgm:linClrLst>
+    <dgm:effectClrLst/>
+    <dgm:txLinClrLst/>
+    <dgm:txFillClrLst meth="repeat">
+      <a:schemeClr val="dk1"/>
+    </dgm:txFillClrLst>
+    <dgm:txEffectClrLst/>
+  </dgm:styleLbl>
+  <dgm:styleLbl name="fgAcc2">
+    <dgm:fillClrLst meth="repeat">
+      <a:schemeClr val="lt1">
+        <a:alpha val="90000"/>
+      </a:schemeClr>
+    </dgm:fillClrLst>
+    <dgm:linClrLst>
+      <a:schemeClr val="accent3"/>
+    </dgm:linClrLst>
+    <dgm:effectClrLst/>
+    <dgm:txLinClrLst/>
+    <dgm:txFillClrLst meth="repeat">
+      <a:schemeClr val="dk1"/>
+    </dgm:txFillClrLst>
+    <dgm:txEffectClrLst/>
+  </dgm:styleLbl>
+  <dgm:styleLbl name="fgAcc3">
+    <dgm:fillClrLst meth="repeat">
+      <a:schemeClr val="lt1">
+        <a:alpha val="90000"/>
+      </a:schemeClr>
+    </dgm:fillClrLst>
+    <dgm:linClrLst>
+      <a:schemeClr val="accent4"/>
+    </dgm:linClrLst>
+    <dgm:effectClrLst/>
+    <dgm:txLinClrLst/>
+    <dgm:txFillClrLst meth="repeat">
+      <a:schemeClr val="dk1"/>
+    </dgm:txFillClrLst>
+    <dgm:txEffectClrLst/>
+  </dgm:styleLbl>
+  <dgm:styleLbl name="fgAcc4">
+    <dgm:fillClrLst meth="repeat">
+      <a:schemeClr val="lt1">
+        <a:alpha val="90000"/>
+      </a:schemeClr>
+    </dgm:fillClrLst>
+    <dgm:linClrLst>
+      <a:schemeClr val="accent5"/>
+    </dgm:linClrLst>
+    <dgm:effectClrLst/>
+    <dgm:txLinClrLst/>
+    <dgm:txFillClrLst meth="repeat">
+      <a:schemeClr val="dk1"/>
+    </dgm:txFillClrLst>
+    <dgm:txEffectClrLst/>
+  </dgm:styleLbl>
+  <dgm:styleLbl name="bgShp">
+    <dgm:fillClrLst meth="repeat">
+      <a:schemeClr val="accent2">
+        <a:tint val="40000"/>
+      </a:schemeClr>
+    </dgm:fillClrLst>
+    <dgm:linClrLst meth="repeat">
+      <a:schemeClr val="dk1"/>
+    </dgm:linClrLst>
+    <dgm:effectClrLst/>
+    <dgm:txLinClrLst/>
+    <dgm:txFillClrLst meth="repeat">
+      <a:schemeClr val="dk1"/>
+    </dgm:txFillClrLst>
+    <dgm:txEffectClrLst/>
+  </dgm:styleLbl>
+  <dgm:styleLbl name="dkBgShp">
+    <dgm:fillClrLst meth="repeat">
+      <a:schemeClr val="accent2">
+        <a:shade val="90000"/>
+      </a:schemeClr>
+    </dgm:fillClrLst>
+    <dgm:linClrLst meth="repeat">
+      <a:schemeClr val="dk1"/>
+    </dgm:linClrLst>
+    <dgm:effectClrLst/>
+    <dgm:txLinClrLst/>
+    <dgm:txFillClrLst meth="repeat">
+      <a:schemeClr val="lt1"/>
+    </dgm:txFillClrLst>
+    <dgm:txEffectClrLst/>
+  </dgm:styleLbl>
+  <dgm:styleLbl name="trBgShp">
+    <dgm:fillClrLst meth="repeat">
+      <a:schemeClr val="accent2">
+        <a:tint val="50000"/>
+        <a:alpha val="40000"/>
+      </a:schemeClr>
+    </dgm:fillClrLst>
+    <dgm:linClrLst meth="repeat">
+      <a:schemeClr val="accent2"/>
+    </dgm:linClrLst>
+    <dgm:effectClrLst/>
+    <dgm:txLinClrLst/>
+    <dgm:txFillClrLst meth="repeat">
+      <a:schemeClr val="lt1"/>
+    </dgm:txFillClrLst>
+    <dgm:txEffectClrLst/>
+  </dgm:styleLbl>
+  <dgm:styleLbl name="fgShp">
+    <dgm:fillClrLst meth="repeat">
+      <a:schemeClr val="accent2">
+        <a:tint val="40000"/>
+      </a:schemeClr>
+    </dgm:fillClrLst>
+    <dgm:linClrLst meth="repeat">
+      <a:schemeClr val="lt1"/>
+    </dgm:linClrLst>
+    <dgm:effectClrLst/>
+    <dgm:txLinClrLst/>
+    <dgm:txFillClrLst meth="repeat">
+      <a:schemeClr val="dk1"/>
+    </dgm:txFillClrLst>
+    <dgm:txEffectClrLst/>
+  </dgm:styleLbl>
+  <dgm:styleLbl name="revTx">
+    <dgm:fillClrLst meth="repeat">
+      <a:schemeClr val="lt1">
+        <a:alpha val="0"/>
+      </a:schemeClr>
+    </dgm:fillClrLst>
+    <dgm:linClrLst meth="repeat">
+      <a:schemeClr val="dk1">
+        <a:alpha val="0"/>
+      </a:schemeClr>
+    </dgm:linClrLst>
+    <dgm:effectClrLst/>
+    <dgm:txLinClrLst/>
+    <dgm:txFillClrLst meth="repeat">
+      <a:schemeClr val="tx1"/>
+    </dgm:txFillClrLst>
+    <dgm:txEffectClrLst/>
+  </dgm:styleLbl>
+</dgm:colorsDef>
+</file>
+
+<file path=ppt/diagrams/data1.xml><?xml version="1.0" encoding="utf-8"?>
+<dgm:dataModel xmlns:dgm="http://schemas.openxmlformats.org/drawingml/2006/diagram" xmlns:a="http://schemas.openxmlformats.org/drawingml/2006/main">
+  <dgm:ptLst>
+    <dgm:pt modelId="{212799D9-25F4-4708-9153-6D5B8A618CC6}" type="doc">
+      <dgm:prSet loTypeId="urn:microsoft.com/office/officeart/2005/8/layout/vList2" loCatId="list" qsTypeId="urn:microsoft.com/office/officeart/2005/8/quickstyle/simple4" qsCatId="simple" csTypeId="urn:microsoft.com/office/officeart/2005/8/colors/colorful2" csCatId="colorful"/>
+      <dgm:spPr/>
+      <dgm:t>
+        <a:bodyPr/>
+        <a:lstStyle/>
+        <a:p>
+          <a:endParaRPr lang="en-US"/>
+        </a:p>
+      </dgm:t>
+    </dgm:pt>
+    <dgm:pt modelId="{8B159BCE-D0CE-4C5F-AC1C-752AF38AA22A}">
+      <dgm:prSet/>
+      <dgm:spPr/>
+      <dgm:t>
+        <a:bodyPr/>
+        <a:lstStyle/>
+        <a:p>
+          <a:r>
+            <a:rPr lang="en-US" baseline="0"/>
+            <a:t>Multiple Linear Regression Model</a:t>
+          </a:r>
+          <a:endParaRPr lang="en-US"/>
+        </a:p>
+      </dgm:t>
+    </dgm:pt>
+    <dgm:pt modelId="{8969BF07-0225-4DA1-AFBB-55C104FEB84E}" type="parTrans" cxnId="{451905F6-B455-4C02-9018-5514D7CEC443}">
+      <dgm:prSet/>
+      <dgm:spPr/>
+      <dgm:t>
+        <a:bodyPr/>
+        <a:lstStyle/>
+        <a:p>
+          <a:endParaRPr lang="en-US"/>
+        </a:p>
+      </dgm:t>
+    </dgm:pt>
+    <dgm:pt modelId="{2C0C0F34-31B7-4925-809C-6CC25E7906A1}" type="sibTrans" cxnId="{451905F6-B455-4C02-9018-5514D7CEC443}">
+      <dgm:prSet/>
+      <dgm:spPr/>
+      <dgm:t>
+        <a:bodyPr/>
+        <a:lstStyle/>
+        <a:p>
+          <a:endParaRPr lang="en-US"/>
+        </a:p>
+      </dgm:t>
+    </dgm:pt>
+    <dgm:pt modelId="{7364EA01-57CC-4B13-9458-E18C1B5BE396}">
+      <dgm:prSet/>
+      <dgm:spPr/>
+      <dgm:t>
+        <a:bodyPr/>
+        <a:lstStyle/>
+        <a:p>
+          <a:r>
+            <a:rPr lang="en-US" baseline="0"/>
+            <a:t>Machine-Last Year’s Stats</a:t>
+          </a:r>
+          <a:endParaRPr lang="en-US"/>
+        </a:p>
+      </dgm:t>
+    </dgm:pt>
+    <dgm:pt modelId="{58F8E3ED-9905-4617-A6A2-6A474AB2A33D}" type="parTrans" cxnId="{F3423993-F857-4E3A-B726-F6D2CD7EF617}">
+      <dgm:prSet/>
+      <dgm:spPr/>
+      <dgm:t>
+        <a:bodyPr/>
+        <a:lstStyle/>
+        <a:p>
+          <a:endParaRPr lang="en-US"/>
+        </a:p>
+      </dgm:t>
+    </dgm:pt>
+    <dgm:pt modelId="{A0D4D472-4139-4AE8-84C4-BF581A91E227}" type="sibTrans" cxnId="{F3423993-F857-4E3A-B726-F6D2CD7EF617}">
+      <dgm:prSet/>
+      <dgm:spPr/>
+      <dgm:t>
+        <a:bodyPr/>
+        <a:lstStyle/>
+        <a:p>
+          <a:endParaRPr lang="en-US"/>
+        </a:p>
+      </dgm:t>
+    </dgm:pt>
+    <dgm:pt modelId="{8E5B038A-76EF-4204-84BE-5F6355874B92}">
+      <dgm:prSet/>
+      <dgm:spPr/>
+      <dgm:t>
+        <a:bodyPr/>
+        <a:lstStyle/>
+        <a:p>
+          <a:r>
+            <a:rPr lang="en-US" baseline="0"/>
+            <a:t>Test effectiveness</a:t>
+          </a:r>
+          <a:endParaRPr lang="en-US"/>
+        </a:p>
+      </dgm:t>
+    </dgm:pt>
+    <dgm:pt modelId="{827197F5-EA6A-44C6-B28A-019CC6428352}" type="parTrans" cxnId="{4276AA70-EC96-466C-955F-799FB3D3C241}">
+      <dgm:prSet/>
+      <dgm:spPr/>
+      <dgm:t>
+        <a:bodyPr/>
+        <a:lstStyle/>
+        <a:p>
+          <a:endParaRPr lang="en-US"/>
+        </a:p>
+      </dgm:t>
+    </dgm:pt>
+    <dgm:pt modelId="{E71678C8-8C80-44AD-86AF-EECB7873E95D}" type="sibTrans" cxnId="{4276AA70-EC96-466C-955F-799FB3D3C241}">
+      <dgm:prSet/>
+      <dgm:spPr/>
+      <dgm:t>
+        <a:bodyPr/>
+        <a:lstStyle/>
+        <a:p>
+          <a:endParaRPr lang="en-US"/>
+        </a:p>
+      </dgm:t>
+    </dgm:pt>
+    <dgm:pt modelId="{4E3CAF2C-C230-4C30-91CB-D41D9EF0B85F}" type="pres">
+      <dgm:prSet presAssocID="{212799D9-25F4-4708-9153-6D5B8A618CC6}" presName="linear" presStyleCnt="0">
+        <dgm:presLayoutVars>
+          <dgm:animLvl val="lvl"/>
+          <dgm:resizeHandles val="exact"/>
+        </dgm:presLayoutVars>
+      </dgm:prSet>
+      <dgm:spPr/>
+    </dgm:pt>
+    <dgm:pt modelId="{E0B15708-0B90-475C-9473-F82CC7F0107F}" type="pres">
+      <dgm:prSet presAssocID="{8B159BCE-D0CE-4C5F-AC1C-752AF38AA22A}" presName="parentText" presStyleLbl="node1" presStyleIdx="0" presStyleCnt="3">
+        <dgm:presLayoutVars>
+          <dgm:chMax val="0"/>
+          <dgm:bulletEnabled val="1"/>
+        </dgm:presLayoutVars>
+      </dgm:prSet>
+      <dgm:spPr/>
+    </dgm:pt>
+    <dgm:pt modelId="{42D12ED4-CA49-4FF1-8CD8-F8FA5EA11DA6}" type="pres">
+      <dgm:prSet presAssocID="{2C0C0F34-31B7-4925-809C-6CC25E7906A1}" presName="spacer" presStyleCnt="0"/>
+      <dgm:spPr/>
+    </dgm:pt>
+    <dgm:pt modelId="{22FDC0C7-DB14-42E4-B293-96A20FB50115}" type="pres">
+      <dgm:prSet presAssocID="{7364EA01-57CC-4B13-9458-E18C1B5BE396}" presName="parentText" presStyleLbl="node1" presStyleIdx="1" presStyleCnt="3">
+        <dgm:presLayoutVars>
+          <dgm:chMax val="0"/>
+          <dgm:bulletEnabled val="1"/>
+        </dgm:presLayoutVars>
+      </dgm:prSet>
+      <dgm:spPr/>
+    </dgm:pt>
+    <dgm:pt modelId="{98153EE6-D6A6-481B-9723-40A83D45E0BC}" type="pres">
+      <dgm:prSet presAssocID="{A0D4D472-4139-4AE8-84C4-BF581A91E227}" presName="spacer" presStyleCnt="0"/>
+      <dgm:spPr/>
+    </dgm:pt>
+    <dgm:pt modelId="{62D71683-9613-42B3-A753-A0E01A88926F}" type="pres">
+      <dgm:prSet presAssocID="{8E5B038A-76EF-4204-84BE-5F6355874B92}" presName="parentText" presStyleLbl="node1" presStyleIdx="2" presStyleCnt="3">
+        <dgm:presLayoutVars>
+          <dgm:chMax val="0"/>
+          <dgm:bulletEnabled val="1"/>
+        </dgm:presLayoutVars>
+      </dgm:prSet>
+      <dgm:spPr/>
+    </dgm:pt>
+  </dgm:ptLst>
+  <dgm:cxnLst>
+    <dgm:cxn modelId="{E5596E2F-C5E3-4821-A9EA-D68FD9691703}" type="presOf" srcId="{212799D9-25F4-4708-9153-6D5B8A618CC6}" destId="{4E3CAF2C-C230-4C30-91CB-D41D9EF0B85F}" srcOrd="0" destOrd="0" presId="urn:microsoft.com/office/officeart/2005/8/layout/vList2"/>
+    <dgm:cxn modelId="{8AA77832-3803-4A6F-8134-E53F67751759}" type="presOf" srcId="{7364EA01-57CC-4B13-9458-E18C1B5BE396}" destId="{22FDC0C7-DB14-42E4-B293-96A20FB50115}" srcOrd="0" destOrd="0" presId="urn:microsoft.com/office/officeart/2005/8/layout/vList2"/>
+    <dgm:cxn modelId="{4276AA70-EC96-466C-955F-799FB3D3C241}" srcId="{212799D9-25F4-4708-9153-6D5B8A618CC6}" destId="{8E5B038A-76EF-4204-84BE-5F6355874B92}" srcOrd="2" destOrd="0" parTransId="{827197F5-EA6A-44C6-B28A-019CC6428352}" sibTransId="{E71678C8-8C80-44AD-86AF-EECB7873E95D}"/>
+    <dgm:cxn modelId="{2A0D9977-8EA4-4124-9198-49F31AE8F54A}" type="presOf" srcId="{8E5B038A-76EF-4204-84BE-5F6355874B92}" destId="{62D71683-9613-42B3-A753-A0E01A88926F}" srcOrd="0" destOrd="0" presId="urn:microsoft.com/office/officeart/2005/8/layout/vList2"/>
+    <dgm:cxn modelId="{F3423993-F857-4E3A-B726-F6D2CD7EF617}" srcId="{212799D9-25F4-4708-9153-6D5B8A618CC6}" destId="{7364EA01-57CC-4B13-9458-E18C1B5BE396}" srcOrd="1" destOrd="0" parTransId="{58F8E3ED-9905-4617-A6A2-6A474AB2A33D}" sibTransId="{A0D4D472-4139-4AE8-84C4-BF581A91E227}"/>
+    <dgm:cxn modelId="{F7D835D8-8423-4718-BA39-245993FB0CEF}" type="presOf" srcId="{8B159BCE-D0CE-4C5F-AC1C-752AF38AA22A}" destId="{E0B15708-0B90-475C-9473-F82CC7F0107F}" srcOrd="0" destOrd="0" presId="urn:microsoft.com/office/officeart/2005/8/layout/vList2"/>
+    <dgm:cxn modelId="{451905F6-B455-4C02-9018-5514D7CEC443}" srcId="{212799D9-25F4-4708-9153-6D5B8A618CC6}" destId="{8B159BCE-D0CE-4C5F-AC1C-752AF38AA22A}" srcOrd="0" destOrd="0" parTransId="{8969BF07-0225-4DA1-AFBB-55C104FEB84E}" sibTransId="{2C0C0F34-31B7-4925-809C-6CC25E7906A1}"/>
+    <dgm:cxn modelId="{DF68B0E4-3C64-4BD2-A70E-CC5F3E3EE4FD}" type="presParOf" srcId="{4E3CAF2C-C230-4C30-91CB-D41D9EF0B85F}" destId="{E0B15708-0B90-475C-9473-F82CC7F0107F}" srcOrd="0" destOrd="0" presId="urn:microsoft.com/office/officeart/2005/8/layout/vList2"/>
+    <dgm:cxn modelId="{1D32F8F5-8A05-4B6A-92A3-3151ACFCC7B4}" type="presParOf" srcId="{4E3CAF2C-C230-4C30-91CB-D41D9EF0B85F}" destId="{42D12ED4-CA49-4FF1-8CD8-F8FA5EA11DA6}" srcOrd="1" destOrd="0" presId="urn:microsoft.com/office/officeart/2005/8/layout/vList2"/>
+    <dgm:cxn modelId="{5177F0F6-C414-4517-9256-AD9047F1876D}" type="presParOf" srcId="{4E3CAF2C-C230-4C30-91CB-D41D9EF0B85F}" destId="{22FDC0C7-DB14-42E4-B293-96A20FB50115}" srcOrd="2" destOrd="0" presId="urn:microsoft.com/office/officeart/2005/8/layout/vList2"/>
+    <dgm:cxn modelId="{17CC6AF1-3779-46CD-8F3A-768EFA586402}" type="presParOf" srcId="{4E3CAF2C-C230-4C30-91CB-D41D9EF0B85F}" destId="{98153EE6-D6A6-481B-9723-40A83D45E0BC}" srcOrd="3" destOrd="0" presId="urn:microsoft.com/office/officeart/2005/8/layout/vList2"/>
+    <dgm:cxn modelId="{F926606A-D14C-4618-9E7A-445F9FCB99E9}" type="presParOf" srcId="{4E3CAF2C-C230-4C30-91CB-D41D9EF0B85F}" destId="{62D71683-9613-42B3-A753-A0E01A88926F}" srcOrd="4" destOrd="0" presId="urn:microsoft.com/office/officeart/2005/8/layout/vList2"/>
+  </dgm:cxnLst>
+  <dgm:bg/>
+  <dgm:whole/>
+  <dgm:extLst>
+    <a:ext uri="http://schemas.microsoft.com/office/drawing/2008/diagram">
+      <dsp:dataModelExt xmlns:dsp="http://schemas.microsoft.com/office/drawing/2008/diagram" relId="rId7" minVer="http://schemas.openxmlformats.org/drawingml/2006/diagram"/>
+    </a:ext>
+  </dgm:extLst>
+</dgm:dataModel>
+</file>
+
+<file path=ppt/diagrams/drawing1.xml><?xml version="1.0" encoding="utf-8"?>
+<dsp:drawing xmlns:dgm="http://schemas.openxmlformats.org/drawingml/2006/diagram" xmlns:dsp="http://schemas.microsoft.com/office/drawing/2008/diagram" xmlns:a="http://schemas.openxmlformats.org/drawingml/2006/main">
+  <dsp:spTree>
+    <dsp:nvGrpSpPr>
+      <dsp:cNvPr id="0" name=""/>
+      <dsp:cNvGrpSpPr/>
+    </dsp:nvGrpSpPr>
+    <dsp:grpSpPr/>
+    <dsp:sp modelId="{E0B15708-0B90-475C-9473-F82CC7F0107F}">
+      <dsp:nvSpPr>
+        <dsp:cNvPr id="0" name=""/>
+        <dsp:cNvSpPr/>
+      </dsp:nvSpPr>
+      <dsp:spPr>
+        <a:xfrm>
+          <a:off x="0" y="2186"/>
+          <a:ext cx="5927575" cy="1759680"/>
+        </a:xfrm>
+        <a:prstGeom prst="roundRect">
+          <a:avLst/>
+        </a:prstGeom>
+        <a:gradFill rotWithShape="0">
+          <a:gsLst>
+            <a:gs pos="0">
+              <a:schemeClr val="accent2">
+                <a:hueOff val="0"/>
+                <a:satOff val="0"/>
+                <a:lumOff val="0"/>
+                <a:alphaOff val="0"/>
+                <a:satMod val="103000"/>
+                <a:lumMod val="102000"/>
+                <a:tint val="94000"/>
+              </a:schemeClr>
+            </a:gs>
+            <a:gs pos="50000">
+              <a:schemeClr val="accent2">
+                <a:hueOff val="0"/>
+                <a:satOff val="0"/>
+                <a:lumOff val="0"/>
+                <a:alphaOff val="0"/>
+                <a:satMod val="110000"/>
+                <a:lumMod val="100000"/>
+                <a:shade val="100000"/>
+              </a:schemeClr>
+            </a:gs>
+            <a:gs pos="100000">
+              <a:schemeClr val="accent2">
+                <a:hueOff val="0"/>
+                <a:satOff val="0"/>
+                <a:lumOff val="0"/>
+                <a:alphaOff val="0"/>
+                <a:lumMod val="99000"/>
+                <a:satMod val="120000"/>
+                <a:shade val="78000"/>
+              </a:schemeClr>
+            </a:gs>
+          </a:gsLst>
+          <a:lin ang="5400000" scaled="0"/>
+        </a:gradFill>
+        <a:ln>
+          <a:noFill/>
+        </a:ln>
+        <a:effectLst/>
+      </dsp:spPr>
+      <dsp:style>
+        <a:lnRef idx="0">
+          <a:scrgbClr r="0" g="0" b="0"/>
+        </a:lnRef>
+        <a:fillRef idx="3">
+          <a:scrgbClr r="0" g="0" b="0"/>
+        </a:fillRef>
+        <a:effectRef idx="2">
+          <a:scrgbClr r="0" g="0" b="0"/>
+        </a:effectRef>
+        <a:fontRef idx="minor">
+          <a:schemeClr val="lt1"/>
+        </a:fontRef>
+      </dsp:style>
+      <dsp:txBody>
+        <a:bodyPr spcFirstLastPara="0" vert="horz" wrap="square" lIns="179070" tIns="179070" rIns="179070" bIns="179070" numCol="1" spcCol="1270" anchor="ctr" anchorCtr="0">
+          <a:noAutofit/>
+        </a:bodyPr>
+        <a:lstStyle/>
+        <a:p>
+          <a:pPr marL="0" lvl="0" indent="0" algn="l" defTabSz="2089150">
+            <a:lnSpc>
+              <a:spcPct val="90000"/>
+            </a:lnSpc>
+            <a:spcBef>
+              <a:spcPct val="0"/>
+            </a:spcBef>
+            <a:spcAft>
+              <a:spcPct val="35000"/>
+            </a:spcAft>
+            <a:buNone/>
+          </a:pPr>
+          <a:r>
+            <a:rPr lang="en-US" sz="4700" kern="1200" baseline="0"/>
+            <a:t>Multiple Linear Regression Model</a:t>
+          </a:r>
+          <a:endParaRPr lang="en-US" sz="4700" kern="1200"/>
+        </a:p>
+      </dsp:txBody>
+      <dsp:txXfrm>
+        <a:off x="85900" y="88086"/>
+        <a:ext cx="5755775" cy="1587880"/>
+      </dsp:txXfrm>
+    </dsp:sp>
+    <dsp:sp modelId="{22FDC0C7-DB14-42E4-B293-96A20FB50115}">
+      <dsp:nvSpPr>
+        <dsp:cNvPr id="0" name=""/>
+        <dsp:cNvSpPr/>
+      </dsp:nvSpPr>
+      <dsp:spPr>
+        <a:xfrm>
+          <a:off x="0" y="1897226"/>
+          <a:ext cx="5927575" cy="1759680"/>
+        </a:xfrm>
+        <a:prstGeom prst="roundRect">
+          <a:avLst/>
+        </a:prstGeom>
+        <a:gradFill rotWithShape="0">
+          <a:gsLst>
+            <a:gs pos="0">
+              <a:schemeClr val="accent2">
+                <a:hueOff val="-803350"/>
+                <a:satOff val="-2443"/>
+                <a:lumOff val="1079"/>
+                <a:alphaOff val="0"/>
+                <a:satMod val="103000"/>
+                <a:lumMod val="102000"/>
+                <a:tint val="94000"/>
+              </a:schemeClr>
+            </a:gs>
+            <a:gs pos="50000">
+              <a:schemeClr val="accent2">
+                <a:hueOff val="-803350"/>
+                <a:satOff val="-2443"/>
+                <a:lumOff val="1079"/>
+                <a:alphaOff val="0"/>
+                <a:satMod val="110000"/>
+                <a:lumMod val="100000"/>
+                <a:shade val="100000"/>
+              </a:schemeClr>
+            </a:gs>
+            <a:gs pos="100000">
+              <a:schemeClr val="accent2">
+                <a:hueOff val="-803350"/>
+                <a:satOff val="-2443"/>
+                <a:lumOff val="1079"/>
+                <a:alphaOff val="0"/>
+                <a:lumMod val="99000"/>
+                <a:satMod val="120000"/>
+                <a:shade val="78000"/>
+              </a:schemeClr>
+            </a:gs>
+          </a:gsLst>
+          <a:lin ang="5400000" scaled="0"/>
+        </a:gradFill>
+        <a:ln>
+          <a:noFill/>
+        </a:ln>
+        <a:effectLst/>
+      </dsp:spPr>
+      <dsp:style>
+        <a:lnRef idx="0">
+          <a:scrgbClr r="0" g="0" b="0"/>
+        </a:lnRef>
+        <a:fillRef idx="3">
+          <a:scrgbClr r="0" g="0" b="0"/>
+        </a:fillRef>
+        <a:effectRef idx="2">
+          <a:scrgbClr r="0" g="0" b="0"/>
+        </a:effectRef>
+        <a:fontRef idx="minor">
+          <a:schemeClr val="lt1"/>
+        </a:fontRef>
+      </dsp:style>
+      <dsp:txBody>
+        <a:bodyPr spcFirstLastPara="0" vert="horz" wrap="square" lIns="179070" tIns="179070" rIns="179070" bIns="179070" numCol="1" spcCol="1270" anchor="ctr" anchorCtr="0">
+          <a:noAutofit/>
+        </a:bodyPr>
+        <a:lstStyle/>
+        <a:p>
+          <a:pPr marL="0" lvl="0" indent="0" algn="l" defTabSz="2089150">
+            <a:lnSpc>
+              <a:spcPct val="90000"/>
+            </a:lnSpc>
+            <a:spcBef>
+              <a:spcPct val="0"/>
+            </a:spcBef>
+            <a:spcAft>
+              <a:spcPct val="35000"/>
+            </a:spcAft>
+            <a:buNone/>
+          </a:pPr>
+          <a:r>
+            <a:rPr lang="en-US" sz="4700" kern="1200" baseline="0"/>
+            <a:t>Machine-Last Year’s Stats</a:t>
+          </a:r>
+          <a:endParaRPr lang="en-US" sz="4700" kern="1200"/>
+        </a:p>
+      </dsp:txBody>
+      <dsp:txXfrm>
+        <a:off x="85900" y="1983126"/>
+        <a:ext cx="5755775" cy="1587880"/>
+      </dsp:txXfrm>
+    </dsp:sp>
+    <dsp:sp modelId="{62D71683-9613-42B3-A753-A0E01A88926F}">
+      <dsp:nvSpPr>
+        <dsp:cNvPr id="0" name=""/>
+        <dsp:cNvSpPr/>
+      </dsp:nvSpPr>
+      <dsp:spPr>
+        <a:xfrm>
+          <a:off x="0" y="3792266"/>
+          <a:ext cx="5927575" cy="1759680"/>
+        </a:xfrm>
+        <a:prstGeom prst="roundRect">
+          <a:avLst/>
+        </a:prstGeom>
+        <a:gradFill rotWithShape="0">
+          <a:gsLst>
+            <a:gs pos="0">
+              <a:schemeClr val="accent2">
+                <a:hueOff val="-1606700"/>
+                <a:satOff val="-4886"/>
+                <a:lumOff val="2157"/>
+                <a:alphaOff val="0"/>
+                <a:satMod val="103000"/>
+                <a:lumMod val="102000"/>
+                <a:tint val="94000"/>
+              </a:schemeClr>
+            </a:gs>
+            <a:gs pos="50000">
+              <a:schemeClr val="accent2">
+                <a:hueOff val="-1606700"/>
+                <a:satOff val="-4886"/>
+                <a:lumOff val="2157"/>
+                <a:alphaOff val="0"/>
+                <a:satMod val="110000"/>
+                <a:lumMod val="100000"/>
+                <a:shade val="100000"/>
+              </a:schemeClr>
+            </a:gs>
+            <a:gs pos="100000">
+              <a:schemeClr val="accent2">
+                <a:hueOff val="-1606700"/>
+                <a:satOff val="-4886"/>
+                <a:lumOff val="2157"/>
+                <a:alphaOff val="0"/>
+                <a:lumMod val="99000"/>
+                <a:satMod val="120000"/>
+                <a:shade val="78000"/>
+              </a:schemeClr>
+            </a:gs>
+          </a:gsLst>
+          <a:lin ang="5400000" scaled="0"/>
+        </a:gradFill>
+        <a:ln>
+          <a:noFill/>
+        </a:ln>
+        <a:effectLst/>
+      </dsp:spPr>
+      <dsp:style>
+        <a:lnRef idx="0">
+          <a:scrgbClr r="0" g="0" b="0"/>
+        </a:lnRef>
+        <a:fillRef idx="3">
+          <a:scrgbClr r="0" g="0" b="0"/>
+        </a:fillRef>
+        <a:effectRef idx="2">
+          <a:scrgbClr r="0" g="0" b="0"/>
+        </a:effectRef>
+        <a:fontRef idx="minor">
+          <a:schemeClr val="lt1"/>
+        </a:fontRef>
+      </dsp:style>
+      <dsp:txBody>
+        <a:bodyPr spcFirstLastPara="0" vert="horz" wrap="square" lIns="179070" tIns="179070" rIns="179070" bIns="179070" numCol="1" spcCol="1270" anchor="ctr" anchorCtr="0">
+          <a:noAutofit/>
+        </a:bodyPr>
+        <a:lstStyle/>
+        <a:p>
+          <a:pPr marL="0" lvl="0" indent="0" algn="l" defTabSz="2089150">
+            <a:lnSpc>
+              <a:spcPct val="90000"/>
+            </a:lnSpc>
+            <a:spcBef>
+              <a:spcPct val="0"/>
+            </a:spcBef>
+            <a:spcAft>
+              <a:spcPct val="35000"/>
+            </a:spcAft>
+            <a:buNone/>
+          </a:pPr>
+          <a:r>
+            <a:rPr lang="en-US" sz="4700" kern="1200" baseline="0"/>
+            <a:t>Test effectiveness</a:t>
+          </a:r>
+          <a:endParaRPr lang="en-US" sz="4700" kern="1200"/>
+        </a:p>
+      </dsp:txBody>
+      <dsp:txXfrm>
+        <a:off x="85900" y="3878166"/>
+        <a:ext cx="5755775" cy="1587880"/>
+      </dsp:txXfrm>
+    </dsp:sp>
+  </dsp:spTree>
+</dsp:drawing>
+</file>
+
+<file path=ppt/diagrams/layout1.xml><?xml version="1.0" encoding="utf-8"?>
+<dgm:layoutDef xmlns:dgm="http://schemas.openxmlformats.org/drawingml/2006/diagram" xmlns:a="http://schemas.openxmlformats.org/drawingml/2006/main" uniqueId="urn:microsoft.com/office/officeart/2005/8/layout/vList2">
+  <dgm:title val=""/>
+  <dgm:desc val=""/>
+  <dgm:catLst>
+    <dgm:cat type="list" pri="3000"/>
+    <dgm:cat type="convert" pri="1000"/>
+  </dgm:catLst>
+  <dgm:sampData>
+    <dgm:dataModel>
+      <dgm:ptLst>
+        <dgm:pt modelId="0" type="doc"/>
+        <dgm:pt modelId="1">
+          <dgm:prSet phldr="1"/>
+        </dgm:pt>
+        <dgm:pt modelId="11">
+          <dgm:prSet phldr="1"/>
+        </dgm:pt>
+        <dgm:pt modelId="2">
+          <dgm:prSet phldr="1"/>
+        </dgm:pt>
+        <dgm:pt modelId="21">
+          <dgm:prSet phldr="1"/>
+        </dgm:pt>
+      </dgm:ptLst>
+      <dgm:cxnLst>
+        <dgm:cxn modelId="4" srcId="0" destId="1" srcOrd="0" destOrd="0"/>
+        <dgm:cxn modelId="5" srcId="0" destId="2" srcOrd="1" destOrd="0"/>
+        <dgm:cxn modelId="12" srcId="1" destId="11" srcOrd="0" destOrd="0"/>
+        <dgm:cxn modelId="23" srcId="2" destId="21" srcOrd="0" destOrd="0"/>
+      </dgm:cxnLst>
+      <dgm:bg/>
+      <dgm:whole/>
+    </dgm:dataModel>
+  </dgm:sampData>
+  <dgm:styleData>
+    <dgm:dataModel>
+      <dgm:ptLst>
+        <dgm:pt modelId="0" type="doc"/>
+        <dgm:pt modelId="1"/>
+        <dgm:pt modelId="2"/>
+      </dgm:ptLst>
+      <dgm:cxnLst>
+        <dgm:cxn modelId="3" srcId="0" destId="1" srcOrd="0" destOrd="0"/>
+        <dgm:cxn modelId="4" srcId="0" destId="2" srcOrd="1" destOrd="0"/>
+      </dgm:cxnLst>
+      <dgm:bg/>
+      <dgm:whole/>
+    </dgm:dataModel>
+  </dgm:styleData>
+  <dgm:clrData>
+    <dgm:dataModel>
+      <dgm:ptLst>
+        <dgm:pt modelId="0" type="doc"/>
+        <dgm:pt modelId="1"/>
+        <dgm:pt modelId="2"/>
+        <dgm:pt modelId="3"/>
+        <dgm:pt modelId="4"/>
+      </dgm:ptLst>
+      <dgm:cxnLst>
+        <dgm:cxn modelId="5" srcId="0" destId="1" srcOrd="0" destOrd="0"/>
+        <dgm:cxn modelId="6" srcId="0" destId="2" srcOrd="1" destOrd="0"/>
+        <dgm:cxn modelId="7" srcId="0" destId="3" srcOrd="2" destOrd="0"/>
+        <dgm:cxn modelId="8" srcId="0" destId="4" srcOrd="3" destOrd="0"/>
+      </dgm:cxnLst>
+      <dgm:bg/>
+      <dgm:whole/>
+    </dgm:dataModel>
+  </dgm:clrData>
+  <dgm:layoutNode name="linear">
+    <dgm:varLst>
+      <dgm:animLvl val="lvl"/>
+      <dgm:resizeHandles val="exact"/>
+    </dgm:varLst>
+    <dgm:alg type="lin">
+      <dgm:param type="linDir" val="fromT"/>
+      <dgm:param type="vertAlign" val="mid"/>
+    </dgm:alg>
+    <dgm:shape xmlns:r="http://schemas.openxmlformats.org/officeDocument/2006/relationships" r:blip="">
+      <dgm:adjLst/>
+    </dgm:shape>
+    <dgm:presOf/>
+    <dgm:constrLst>
+      <dgm:constr type="w" for="ch" forName="parentText" refType="w"/>
+      <dgm:constr type="h" for="ch" forName="parentText" refType="primFontSz" refFor="ch" refForName="parentText" fact="0.52"/>
+      <dgm:constr type="w" for="ch" forName="childText" refType="w"/>
+      <dgm:constr type="h" for="ch" forName="childText" refType="primFontSz" refFor="ch" refForName="parentText" fact="0.46"/>
+      <dgm:constr type="h" for="ch" forName="parentText" op="equ"/>
+      <dgm:constr type="primFontSz" for="ch" forName="parentText" op="equ" val="65"/>
+      <dgm:constr type="primFontSz" for="ch" forName="childText" refType="primFontSz" refFor="ch" refForName="parentText" op="equ"/>
+      <dgm:constr type="h" for="ch" forName="spacer" refType="primFontSz" refFor="ch" refForName="parentText" fact="0.08"/>
+    </dgm:constrLst>
+    <dgm:ruleLst>
+      <dgm:rule type="primFontSz" for="ch" forName="parentText" val="5" fact="NaN" max="NaN"/>
+    </dgm:ruleLst>
+    <dgm:forEach name="Name0" axis="ch" ptType="node">
+      <dgm:layoutNode name="parentText" styleLbl="node1">
+        <dgm:varLst>
+          <dgm:chMax val="0"/>
+          <dgm:bulletEnabled val="1"/>
+        </dgm:varLst>
+        <dgm:alg type="tx">
+          <dgm:param type="parTxLTRAlign" val="l"/>
+          <dgm:param type="parTxRTLAlign" val="r"/>
+        </dgm:alg>
+        <dgm:shape xmlns:r="http://schemas.openxmlformats.org/officeDocument/2006/relationships" type="roundRect" r:blip="">
+          <dgm:adjLst/>
+        </dgm:shape>
+        <dgm:presOf axis="self"/>
+        <dgm:constrLst>
+          <dgm:constr type="tMarg" refType="primFontSz" fact="0.3"/>
+          <dgm:constr type="bMarg" refType="primFontSz" fact="0.3"/>
+          <dgm:constr type="lMarg" refType="primFontSz" fact="0.3"/>
+          <dgm:constr type="rMarg" refType="primFontSz" fact="0.3"/>
+        </dgm:constrLst>
+        <dgm:ruleLst>
+          <dgm:rule type="h" val="INF" fact="NaN" max="NaN"/>
+        </dgm:ruleLst>
+      </dgm:layoutNode>
+      <dgm:choose name="Name1">
+        <dgm:if name="Name2" axis="ch" ptType="node" func="cnt" op="gte" val="1">
+          <dgm:layoutNode name="childText" styleLbl="revTx">
+            <dgm:varLst>
+              <dgm:bulletEnabled val="1"/>
+            </dgm:varLst>
+            <dgm:alg type="tx">
+              <dgm:param type="stBulletLvl" val="1"/>
+              <dgm:param type="lnSpAfChP" val="20"/>
+            </dgm:alg>
+            <dgm:shape xmlns:r="http://schemas.openxmlformats.org/officeDocument/2006/relationships" type="rect" r:blip="">
+              <dgm:adjLst/>
+            </dgm:shape>
+            <dgm:presOf axis="des" ptType="node"/>
+            <dgm:constrLst>
+              <dgm:constr type="tMarg" refType="primFontSz" fact="0.1"/>
+              <dgm:constr type="bMarg" refType="primFontSz" fact="0.1"/>
+              <dgm:constr type="lMarg" refType="w" fact="0.09"/>
+            </dgm:constrLst>
+            <dgm:ruleLst>
+              <dgm:rule type="h" val="INF" fact="NaN" max="NaN"/>
+            </dgm:ruleLst>
+          </dgm:layoutNode>
+        </dgm:if>
+        <dgm:else name="Name3">
+          <dgm:choose name="Name4">
+            <dgm:if name="Name5" axis="par ch" ptType="doc node" func="cnt" op="gte" val="2">
+              <dgm:forEach name="Name6" axis="followSib" ptType="sibTrans" cnt="1">
+                <dgm:layoutNode name="spacer">
+                  <dgm:alg type="sp"/>
+                  <dgm:shape xmlns:r="http://schemas.openxmlformats.org/officeDocument/2006/relationships" r:blip="">
+                    <dgm:adjLst/>
+                  </dgm:shape>
+                  <dgm:presOf/>
+                  <dgm:constrLst/>
+                  <dgm:ruleLst/>
+                </dgm:layoutNode>
+              </dgm:forEach>
+            </dgm:if>
+            <dgm:else name="Name7"/>
+          </dgm:choose>
+        </dgm:else>
+      </dgm:choose>
+    </dgm:forEach>
+  </dgm:layoutNode>
+</dgm:layoutDef>
+</file>
+
+<file path=ppt/diagrams/quickStyle1.xml><?xml version="1.0" encoding="utf-8"?>
+<dgm:styleDef xmlns:dgm="http://schemas.openxmlformats.org/drawingml/2006/diagram" xmlns:a="http://schemas.openxmlformats.org/drawingml/2006/main" uniqueId="urn:microsoft.com/office/officeart/2005/8/quickstyle/simple4">
+  <dgm:title val=""/>
+  <dgm:desc val=""/>
+  <dgm:catLst>
+    <dgm:cat type="simple" pri="10400"/>
+  </dgm:catLst>
+  <dgm:scene3d>
+    <a:camera prst="orthographicFront"/>
+    <a:lightRig rig="threePt" dir="t"/>
+  </dgm:scene3d>
+  <dgm:styleLbl name="node0">
+    <dgm:scene3d>
+      <a:camera prst="orthographicFront"/>
+      <a:lightRig rig="threePt" dir="t"/>
+    </dgm:scene3d>
+    <dgm:sp3d/>
+    <dgm:txPr/>
+    <dgm:style>
+      <a:lnRef idx="0">
+        <a:scrgbClr r="0" g="0" b="0"/>
+      </a:lnRef>
+      <a:fillRef idx="3">
+        <a:scrgbClr r="0" g="0" b="0"/>
+      </a:fillRef>
+      <a:effectRef idx="2">
+        <a:scrgbClr r="0" g="0" b="0"/>
+      </a:effectRef>
+      <a:fontRef idx="minor">
+        <a:schemeClr val="lt1"/>
+      </a:fontRef>
+    </dgm:style>
+  </dgm:styleLbl>
+  <dgm:styleLbl name="lnNode1">
+    <dgm:scene3d>
+      <a:camera prst="orthographicFront"/>
+      <a:lightRig rig="threePt" dir="t"/>
+    </dgm:scene3d>
+    <dgm:sp3d/>
+    <dgm:txPr/>
+    <dgm:style>
+      <a:lnRef idx="1">
+        <a:scrgbClr r="0" g="0" b="0"/>
+      </a:lnRef>
+      <a:fillRef idx="3">
+        <a:scrgbClr r="0" g="0" b="0"/>
+      </a:fillRef>
+      <a:effectRef idx="2">
+        <a:scrgbClr r="0" g="0" b="0"/>
+      </a:effectRef>
+      <a:fontRef idx="minor">
+        <a:schemeClr val="lt1"/>
+      </a:fontRef>
+    </dgm:style>
+  </dgm:styleLbl>
+  <dgm:styleLbl name="vennNode1">
+    <dgm:scene3d>
+      <a:camera prst="orthographicFront"/>
+      <a:lightRig rig="threePt" dir="t"/>
+    </dgm:scene3d>
+    <dgm:sp3d/>
+    <dgm:txPr/>
+    <dgm:style>
+      <a:lnRef idx="0">
+        <a:scrgbClr r="0" g="0" b="0"/>
+      </a:lnRef>
+      <a:fillRef idx="3">
+        <a:scrgbClr r="0" g="0" b="0"/>
+      </a:fillRef>
+      <a:effectRef idx="0">
+        <a:scrgbClr r="0" g="0" b="0"/>
+      </a:effectRef>
+      <a:fontRef idx="minor">
+        <a:schemeClr val="tx1"/>
+      </a:fontRef>
+    </dgm:style>
+  </dgm:styleLbl>
+  <dgm:styleLbl name="alignNode1">
+    <dgm:scene3d>
+      <a:camera prst="orthographicFront"/>
+      <a:lightRig rig="threePt" dir="t"/>
+    </dgm:scene3d>
+    <dgm:sp3d/>
+    <dgm:txPr/>
+    <dgm:style>
+      <a:lnRef idx="1">
+        <a:scrgbClr r="0" g="0" b="0"/>
+      </a:lnRef>
+      <a:fillRef idx="3">
+        <a:scrgbClr r="0" g="0" b="0"/>
+      </a:fillRef>
+      <a:effectRef idx="2">
+        <a:scrgbClr r="0" g="0" b="0"/>
+      </a:effectRef>
+      <a:fontRef idx="minor">
+        <a:schemeClr val="lt1"/>
+      </a:fontRef>
+    </dgm:style>
+  </dgm:styleLbl>
+  <dgm:styleLbl name="node1">
+    <dgm:scene3d>
+      <a:camera prst="orthographicFront"/>
+      <a:lightRig rig="threePt" dir="t"/>
+    </dgm:scene3d>
+    <dgm:sp3d/>
+    <dgm:txPr/>
+    <dgm:style>
+      <a:lnRef idx="0">
+        <a:scrgbClr r="0" g="0" b="0"/>
+      </a:lnRef>
+      <a:fillRef idx="3">
+        <a:scrgbClr r="0" g="0" b="0"/>
+      </a:fillRef>
+      <a:effectRef idx="2">
+        <a:scrgbClr r="0" g="0" b="0"/>
+      </a:effectRef>
+      <a:fontRef idx="minor">
+        <a:schemeClr val="lt1"/>
+      </a:fontRef>
+    </dgm:style>
+  </dgm:styleLbl>
+  <dgm:styleLbl name="node2">
+    <dgm:scene3d>
+      <a:camera prst="orthographicFront"/>
+      <a:lightRig rig="threePt" dir="t"/>
+    </dgm:scene3d>
+    <dgm:sp3d/>
+    <dgm:txPr/>
+    <dgm:style>
+      <a:lnRef idx="0">
+        <a:scrgbClr r="0" g="0" b="0"/>
+      </a:lnRef>
+      <a:fillRef idx="3">
+        <a:scrgbClr r="0" g="0" b="0"/>
+      </a:fillRef>
+      <a:effectRef idx="2">
+        <a:scrgbClr r="0" g="0" b="0"/>
+      </a:effectRef>
+      <a:fontRef idx="minor">
+        <a:schemeClr val="lt1"/>
+      </a:fontRef>
+    </dgm:style>
+  </dgm:styleLbl>
+  <dgm:styleLbl name="node3">
+    <dgm:scene3d>
+      <a:camera prst="orthographicFront"/>
+      <a:lightRig rig="threePt" dir="t"/>
+    </dgm:scene3d>
+    <dgm:sp3d/>
+    <dgm:txPr/>
+    <dgm:style>
+      <a:lnRef idx="0">
+        <a:scrgbClr r="0" g="0" b="0"/>
+      </a:lnRef>
+      <a:fillRef idx="3">
+        <a:scrgbClr r="0" g="0" b="0"/>
+      </a:fillRef>
+      <a:effectRef idx="2">
+        <a:scrgbClr r="0" g="0" b="0"/>
+      </a:effectRef>
+      <a:fontRef idx="minor">
+        <a:schemeClr val="lt1"/>
+      </a:fontRef>
+    </dgm:style>
+  </dgm:styleLbl>
+  <dgm:styleLbl name="node4">
+    <dgm:scene3d>
+      <a:camera prst="orthographicFront"/>
+      <a:lightRig rig="threePt" dir="t"/>
+    </dgm:scene3d>
+    <dgm:sp3d/>
+    <dgm:txPr/>
+    <dgm:style>
+      <a:lnRef idx="0">
+        <a:scrgbClr r="0" g="0" b="0"/>
+      </a:lnRef>
+      <a:fillRef idx="3">
+        <a:scrgbClr r="0" g="0" b="0"/>
+      </a:fillRef>
+      <a:effectRef idx="2">
+        <a:scrgbClr r="0" g="0" b="0"/>
+      </a:effectRef>
+      <a:fontRef idx="minor">
+        <a:schemeClr val="lt1"/>
+      </a:fontRef>
+    </dgm:style>
+  </dgm:styleLbl>
+  <dgm:styleLbl name="fgImgPlace1">
+    <dgm:scene3d>
+      <a:camera prst="orthographicFront"/>
+      <a:lightRig rig="threePt" dir="t"/>
+    </dgm:scene3d>
+    <dgm:sp3d/>
+    <dgm:txPr/>
+    <dgm:style>
+      <a:lnRef idx="0">
+        <a:scrgbClr r="0" g="0" b="0"/>
+      </a:lnRef>
+      <a:fillRef idx="1">
+        <a:scrgbClr r="0" g="0" b="0"/>
+      </a:fillRef>
+      <a:effectRef idx="2">
+        <a:scrgbClr r="0" g="0" b="0"/>
+      </a:effectRef>
+      <a:fontRef idx="minor"/>
+    </dgm:style>
+  </dgm:styleLbl>
+  <dgm:styleLbl name="alignImgPlace1">
+    <dgm:scene3d>
+      <a:camera prst="orthographicFront"/>
+      <a:lightRig rig="threePt" dir="t"/>
+    </dgm:scene3d>
+    <dgm:sp3d/>
+    <dgm:txPr/>
+    <dgm:style>
+      <a:lnRef idx="0">
+        <a:scrgbClr r="0" g="0" b="0"/>
+      </a:lnRef>
+      <a:fillRef idx="1">
+        <a:scrgbClr r="0" g="0" b="0"/>
+      </a:fillRef>
+      <a:effectRef idx="2">
+        <a:scrgbClr r="0" g="0" b="0"/>
+      </a:effectRef>
+      <a:fontRef idx="minor"/>
+    </dgm:style>
+  </dgm:styleLbl>
+  <dgm:styleLbl name="bgImgPlace1">
+    <dgm:scene3d>
+      <a:camera prst="orthographicFront"/>
+      <a:lightRig rig="threePt" dir="t"/>
+    </dgm:scene3d>
+    <dgm:sp3d/>
+    <dgm:txPr/>
+    <dgm:style>
+      <a:lnRef idx="0">
+        <a:scrgbClr r="0" g="0" b="0"/>
+      </a:lnRef>
+      <a:fillRef idx="1">
+        <a:scrgbClr r="0" g="0" b="0"/>
+      </a:fillRef>
+      <a:effectRef idx="2">
+        <a:scrgbClr r="0" g="0" b="0"/>
+      </a:effectRef>
+      <a:fontRef idx="minor"/>
+    </dgm:style>
+  </dgm:styleLbl>
+  <dgm:styleLbl name="sibTrans2D1">
+    <dgm:scene3d>
+      <a:camera prst="orthographicFront"/>
+      <a:lightRig rig="threePt" dir="t"/>
+    </dgm:scene3d>
+    <dgm:sp3d/>
+    <dgm:txPr/>
+    <dgm:style>
+      <a:lnRef idx="0">
+        <a:scrgbClr r="0" g="0" b="0"/>
+      </a:lnRef>
+      <a:fillRef idx="3">
+        <a:scrgbClr r="0" g="0" b="0"/>
+      </a:fillRef>
+      <a:effectRef idx="2">
+        <a:scrgbClr r="0" g="0" b="0"/>
+      </a:effectRef>
+      <a:fontRef idx="minor">
+        <a:schemeClr val="lt1"/>
+      </a:fontRef>
+    </dgm:style>
+  </dgm:styleLbl>
+  <dgm:styleLbl name="fgSibTrans2D1">
+    <dgm:scene3d>
+      <a:camera prst="orthographicFront"/>
+      <a:lightRig rig="threePt" dir="t"/>
+    </dgm:scene3d>
+    <dgm:sp3d/>
+    <dgm:txPr/>
+    <dgm:style>
+      <a:lnRef idx="0">
+        <a:scrgbClr r="0" g="0" b="0"/>
+      </a:lnRef>
+      <a:fillRef idx="3">
+        <a:scrgbClr r="0" g="0" b="0"/>
+      </a:fillRef>
+      <a:effectRef idx="2">
+        <a:scrgbClr r="0" g="0" b="0"/>
+      </a:effectRef>
+      <a:fontRef idx="minor">
+        <a:schemeClr val="lt1"/>
+      </a:fontRef>
+    </dgm:style>
+  </dgm:styleLbl>
+  <dgm:styleLbl name="bgSibTrans2D1">
+    <dgm:scene3d>
+      <a:camera prst="orthographicFront"/>
+      <a:lightRig rig="threePt" dir="t"/>
+    </dgm:scene3d>
+    <dgm:sp3d/>
+    <dgm:txPr/>
+    <dgm:style>
+      <a:lnRef idx="0">
+        <a:scrgbClr r="0" g="0" b="0"/>
+      </a:lnRef>
+      <a:fillRef idx="3">
+        <a:scrgbClr r="0" g="0" b="0"/>
+      </a:fillRef>
+      <a:effectRef idx="2">
+        <a:scrgbClr r="0" g="0" b="0"/>
+      </a:effectRef>
+      <a:fontRef idx="minor">
+        <a:schemeClr val="lt1"/>
+      </a:fontRef>
+    </dgm:style>
+  </dgm:styleLbl>
+  <dgm:styleLbl name="sibTrans1D1">
+    <dgm:scene3d>
+      <a:camera prst="orthographicFront"/>
+      <a:lightRig rig="threePt" dir="t"/>
+    </dgm:scene3d>
+    <dgm:sp3d/>
+    <dgm:txPr/>
+    <dgm:style>
+      <a:lnRef idx="1">
+        <a:scrgbClr r="0" g="0" b="0"/>
+      </a:lnRef>
+      <a:fillRef idx="0">
+        <a:scrgbClr r="0" g="0" b="0"/>
+      </a:fillRef>
+      <a:effectRef idx="0">
+        <a:scrgbClr r="0" g="0" b="0"/>
+      </a:effectRef>
+      <a:fontRef idx="minor"/>
+    </dgm:style>
+  </dgm:styleLbl>
+  <dgm:styleLbl name="callout">
+    <dgm:scene3d>
+      <a:camera prst="orthographicFront"/>
+      <a:lightRig rig="threePt" dir="t"/>
+    </dgm:scene3d>
+    <dgm:sp3d/>
+    <dgm:txPr/>
+    <dgm:style>
+      <a:lnRef idx="2">
+        <a:scrgbClr r="0" g="0" b="0"/>
+      </a:lnRef>
+      <a:fillRef idx="1">
+        <a:scrgbClr r="0" g="0" b="0"/>
+      </a:fillRef>
+      <a:effectRef idx="1">
+        <a:scrgbClr r="0" g="0" b="0"/>
+      </a:effectRef>
+      <a:fontRef idx="minor"/>
+    </dgm:style>
+  </dgm:styleLbl>
+  <dgm:styleLbl name="asst0">
+    <dgm:scene3d>
+      <a:camera prst="orthographicFront"/>
+      <a:lightRig rig="threePt" dir="t"/>
+    </dgm:scene3d>
+    <dgm:sp3d/>
+    <dgm:txPr/>
+    <dgm:style>
+      <a:lnRef idx="0">
+        <a:scrgbClr r="0" g="0" b="0"/>
+      </a:lnRef>
+      <a:fillRef idx="3">
+        <a:scrgbClr r="0" g="0" b="0"/>
+      </a:fillRef>
+      <a:effectRef idx="2">
+        <a:scrgbClr r="0" g="0" b="0"/>
+      </a:effectRef>
+      <a:fontRef idx="minor">
+        <a:schemeClr val="lt1"/>
+      </a:fontRef>
+    </dgm:style>
+  </dgm:styleLbl>
+  <dgm:styleLbl name="asst1">
+    <dgm:scene3d>
+      <a:camera prst="orthographicFront"/>
+      <a:lightRig rig="threePt" dir="t"/>
+    </dgm:scene3d>
+    <dgm:sp3d/>
+    <dgm:txPr/>
+    <dgm:style>
+      <a:lnRef idx="0">
+        <a:scrgbClr r="0" g="0" b="0"/>
+      </a:lnRef>
+      <a:fillRef idx="3">
+        <a:scrgbClr r="0" g="0" b="0"/>
+      </a:fillRef>
+      <a:effectRef idx="2">
+        <a:scrgbClr r="0" g="0" b="0"/>
+      </a:effectRef>
+      <a:fontRef idx="minor">
+        <a:schemeClr val="lt1"/>
+      </a:fontRef>
+    </dgm:style>
+  </dgm:styleLbl>
+  <dgm:styleLbl name="asst2">
+    <dgm:scene3d>
+      <a:camera prst="orthographicFront"/>
+      <a:lightRig rig="threePt" dir="t"/>
+    </dgm:scene3d>
+    <dgm:sp3d/>
+    <dgm:txPr/>
+    <dgm:style>
+      <a:lnRef idx="0">
+        <a:scrgbClr r="0" g="0" b="0"/>
+      </a:lnRef>
+      <a:fillRef idx="3">
+        <a:scrgbClr r="0" g="0" b="0"/>
+      </a:fillRef>
+      <a:effectRef idx="2">
+        <a:scrgbClr r="0" g="0" b="0"/>
+      </a:effectRef>
+      <a:fontRef idx="minor">
+        <a:schemeClr val="lt1"/>
+      </a:fontRef>
+    </dgm:style>
+  </dgm:styleLbl>
+  <dgm:styleLbl name="asst3">
+    <dgm:scene3d>
+      <a:camera prst="orthographicFront"/>
+      <a:lightRig rig="threePt" dir="t"/>
+    </dgm:scene3d>
+    <dgm:sp3d/>
+    <dgm:txPr/>
+    <dgm:style>
+      <a:lnRef idx="0">
+        <a:scrgbClr r="0" g="0" b="0"/>
+      </a:lnRef>
+      <a:fillRef idx="3">
+        <a:scrgbClr r="0" g="0" b="0"/>
+      </a:fillRef>
+      <a:effectRef idx="2">
+        <a:scrgbClr r="0" g="0" b="0"/>
+      </a:effectRef>
+      <a:fontRef idx="minor">
+        <a:schemeClr val="lt1"/>
+      </a:fontRef>
+    </dgm:style>
+  </dgm:styleLbl>
+  <dgm:styleLbl name="asst4">
+    <dgm:scene3d>
+      <a:camera prst="orthographicFront"/>
+      <a:lightRig rig="threePt" dir="t"/>
+    </dgm:scene3d>
+    <dgm:sp3d/>
+    <dgm:txPr/>
+    <dgm:style>
+      <a:lnRef idx="0">
+        <a:scrgbClr r="0" g="0" b="0"/>
+      </a:lnRef>
+      <a:fillRef idx="3">
+        <a:scrgbClr r="0" g="0" b="0"/>
+      </a:fillRef>
+      <a:effectRef idx="2">
+        <a:scrgbClr r="0" g="0" b="0"/>
+      </a:effectRef>
+      <a:fontRef idx="minor">
+        <a:schemeClr val="lt1"/>
+      </a:fontRef>
+    </dgm:style>
+  </dgm:styleLbl>
+  <dgm:styleLbl name="parChTrans2D1">
+    <dgm:scene3d>
+      <a:camera prst="orthographicFront"/>
+      <a:lightRig rig="threePt" dir="t"/>
+    </dgm:scene3d>
+    <dgm:sp3d/>
+    <dgm:txPr/>
+    <dgm:style>
+      <a:lnRef idx="0">
+        <a:scrgbClr r="0" g="0" b="0"/>
+      </a:lnRef>
+      <a:fillRef idx="3">
+        <a:scrgbClr r="0" g="0" b="0"/>
+      </a:fillRef>
+      <a:effectRef idx="2">
+        <a:scrgbClr r="0" g="0" b="0"/>
+      </a:effectRef>
+      <a:fontRef idx="minor">
+        <a:schemeClr val="lt1"/>
+      </a:fontRef>
+    </dgm:style>
+  </dgm:styleLbl>
+  <dgm:styleLbl name="parChTrans2D2">
+    <dgm:scene3d>
+      <a:camera prst="orthographicFront"/>
+      <a:lightRig rig="threePt" dir="t"/>
+    </dgm:scene3d>
+    <dgm:sp3d/>
+    <dgm:txPr/>
+    <dgm:style>
+      <a:lnRef idx="0">
+        <a:scrgbClr r="0" g="0" b="0"/>
+      </a:lnRef>
+      <a:fillRef idx="3">
+        <a:scrgbClr r="0" g="0" b="0"/>
+      </a:fillRef>
+      <a:effectRef idx="2">
+        <a:scrgbClr r="0" g="0" b="0"/>
+      </a:effectRef>
+      <a:fontRef idx="minor">
+        <a:schemeClr val="lt1"/>
+      </a:fontRef>
+    </dgm:style>
+  </dgm:styleLbl>
+  <dgm:styleLbl name="parChTrans2D3">
+    <dgm:scene3d>
+      <a:camera prst="orthographicFront"/>
+      <a:lightRig rig="threePt" dir="t"/>
+    </dgm:scene3d>
+    <dgm:sp3d/>
+    <dgm:txPr/>
+    <dgm:style>
+      <a:lnRef idx="1">
+        <a:scrgbClr r="0" g="0" b="0"/>
+      </a:lnRef>
+      <a:fillRef idx="3">
+        <a:scrgbClr r="0" g="0" b="0"/>
+      </a:fillRef>
+      <a:effectRef idx="2">
+        <a:scrgbClr r="0" g="0" b="0"/>
+      </a:effectRef>
+      <a:fontRef idx="minor">
+        <a:schemeClr val="lt1"/>
+      </a:fontRef>
+    </dgm:style>
+  </dgm:styleLbl>
+  <dgm:styleLbl name="parChTrans2D4">
+    <dgm:scene3d>
+      <a:camera prst="orthographicFront"/>
+      <a:lightRig rig="threePt" dir="t"/>
+    </dgm:scene3d>
+    <dgm:sp3d/>
+    <dgm:txPr/>
+    <dgm:style>
+      <a:lnRef idx="1">
+        <a:scrgbClr r="0" g="0" b="0"/>
+      </a:lnRef>
+      <a:fillRef idx="3">
+        <a:scrgbClr r="0" g="0" b="0"/>
+      </a:fillRef>
+      <a:effectRef idx="2">
+        <a:scrgbClr r="0" g="0" b="0"/>
+      </a:effectRef>
+      <a:fontRef idx="minor">
+        <a:schemeClr val="lt1"/>
+      </a:fontRef>
+    </dgm:style>
+  </dgm:styleLbl>
+  <dgm:styleLbl name="parChTrans1D1">
+    <dgm:scene3d>
+      <a:camera prst="orthographicFront"/>
+      <a:lightRig rig="threePt" dir="t"/>
+    </dgm:scene3d>
+    <dgm:sp3d/>
+    <dgm:txPr/>
+    <dgm:style>
+      <a:lnRef idx="1">
+        <a:scrgbClr r="0" g="0" b="0"/>
+      </a:lnRef>
+      <a:fillRef idx="0">
+        <a:scrgbClr r="0" g="0" b="0"/>
+      </a:fillRef>
+      <a:effectRef idx="0">
+        <a:scrgbClr r="0" g="0" b="0"/>
+      </a:effectRef>
+      <a:fontRef idx="minor"/>
+    </dgm:style>
+  </dgm:styleLbl>
+  <dgm:styleLbl name="parChTrans1D2">
+    <dgm:scene3d>
+      <a:camera prst="orthographicFront"/>
+      <a:lightRig rig="threePt" dir="t"/>
+    </dgm:scene3d>
+    <dgm:sp3d/>
+    <dgm:txPr/>
+    <dgm:style>
+      <a:lnRef idx="1">
+        <a:scrgbClr r="0" g="0" b="0"/>
+      </a:lnRef>
+      <a:fillRef idx="0">
+        <a:scrgbClr r="0" g="0" b="0"/>
+      </a:fillRef>
+      <a:effectRef idx="0">
+        <a:scrgbClr r="0" g="0" b="0"/>
+      </a:effectRef>
+      <a:fontRef idx="minor"/>
+    </dgm:style>
+  </dgm:styleLbl>
+  <dgm:styleLbl name="parChTrans1D3">
+    <dgm:scene3d>
+      <a:camera prst="orthographicFront"/>
+      <a:lightRig rig="threePt" dir="t"/>
+    </dgm:scene3d>
+    <dgm:sp3d/>
+    <dgm:txPr/>
+    <dgm:style>
+      <a:lnRef idx="1">
+        <a:scrgbClr r="0" g="0" b="0"/>
+      </a:lnRef>
+      <a:fillRef idx="0">
+        <a:scrgbClr r="0" g="0" b="0"/>
+      </a:fillRef>
+      <a:effectRef idx="0">
+        <a:scrgbClr r="0" g="0" b="0"/>
+      </a:effectRef>
+      <a:fontRef idx="minor"/>
+    </dgm:style>
+  </dgm:styleLbl>
+  <dgm:styleLbl name="parChTrans1D4">
+    <dgm:scene3d>
+      <a:camera prst="orthographicFront"/>
+      <a:lightRig rig="threePt" dir="t"/>
+    </dgm:scene3d>
+    <dgm:sp3d/>
+    <dgm:txPr/>
+    <dgm:style>
+      <a:lnRef idx="1">
+        <a:scrgbClr r="0" g="0" b="0"/>
+      </a:lnRef>
+      <a:fillRef idx="0">
+        <a:scrgbClr r="0" g="0" b="0"/>
+      </a:fillRef>
+      <a:effectRef idx="0">
+        <a:scrgbClr r="0" g="0" b="0"/>
+      </a:effectRef>
+      <a:fontRef idx="minor"/>
+    </dgm:style>
+  </dgm:styleLbl>
+  <dgm:styleLbl name="fgAcc1">
+    <dgm:scene3d>
+      <a:camera prst="orthographicFront"/>
+      <a:lightRig rig="threePt" dir="t"/>
+    </dgm:scene3d>
+    <dgm:sp3d/>
+    <dgm:txPr/>
+    <dgm:style>
+      <a:lnRef idx="1">
+        <a:scrgbClr r="0" g="0" b="0"/>
+      </a:lnRef>
+      <a:fillRef idx="1">
+        <a:scrgbClr r="0" g="0" b="0"/>
+      </a:fillRef>
+      <a:effectRef idx="0">
+        <a:scrgbClr r="0" g="0" b="0"/>
+      </a:effectRef>
+      <a:fontRef idx="minor"/>
+    </dgm:style>
+  </dgm:styleLbl>
+  <dgm:styleLbl name="conFgAcc1">
+    <dgm:scene3d>
+      <a:camera prst="orthographicFront"/>
+      <a:lightRig rig="threePt" dir="t"/>
+    </dgm:scene3d>
+    <dgm:sp3d/>
+    <dgm:txPr/>
+    <dgm:style>
+      <a:lnRef idx="1">
+        <a:scrgbClr r="0" g="0" b="0"/>
+      </a:lnRef>
+      <a:fillRef idx="1">
+        <a:scrgbClr r="0" g="0" b="0"/>
+      </a:fillRef>
+      <a:effectRef idx="0">
+        <a:scrgbClr r="0" g="0" b="0"/>
+      </a:effectRef>
+      <a:fontRef idx="minor"/>
+    </dgm:style>
+  </dgm:styleLbl>
+  <dgm:styleLbl name="alignAcc1">
+    <dgm:scene3d>
+      <a:camera prst="orthographicFront"/>
+      <a:lightRig rig="threePt" dir="t"/>
+    </dgm:scene3d>
+    <dgm:sp3d/>
+    <dgm:txPr/>
+    <dgm:style>
+      <a:lnRef idx="1">
+        <a:scrgbClr r="0" g="0" b="0"/>
+      </a:lnRef>
+      <a:fillRef idx="1">
+        <a:scrgbClr r="0" g="0" b="0"/>
+      </a:fillRef>
+      <a:effectRef idx="0">
+        <a:scrgbClr r="0" g="0" b="0"/>
+      </a:effectRef>
+      <a:fontRef idx="minor"/>
+    </dgm:style>
+  </dgm:styleLbl>
+  <dgm:styleLbl name="trAlignAcc1">
+    <dgm:scene3d>
+      <a:camera prst="orthographicFront"/>
+      <a:lightRig rig="threePt" dir="t"/>
+    </dgm:scene3d>
+    <dgm:sp3d/>
+    <dgm:txPr/>
+    <dgm:style>
+      <a:lnRef idx="1">
+        <a:scrgbClr r="0" g="0" b="0"/>
+      </a:lnRef>
+      <a:fillRef idx="1">
+        <a:scrgbClr r="0" g="0" b="0"/>
+      </a:fillRef>
+      <a:effectRef idx="0">
+        <a:scrgbClr r="0" g="0" b="0"/>
+      </a:effectRef>
+      <a:fontRef idx="minor"/>
+    </dgm:style>
+  </dgm:styleLbl>
+  <dgm:styleLbl name="bgAcc1">
+    <dgm:scene3d>
+      <a:camera prst="orthographicFront"/>
+      <a:lightRig rig="threePt" dir="t"/>
+    </dgm:scene3d>
+    <dgm:sp3d/>
+    <dgm:txPr/>
+    <dgm:style>
+      <a:lnRef idx="1">
+        <a:scrgbClr r="0" g="0" b="0"/>
+      </a:lnRef>
+      <a:fillRef idx="1">
+        <a:scrgbClr r="0" g="0" b="0"/>
+      </a:fillRef>
+      <a:effectRef idx="0">
+        <a:scrgbClr r="0" g="0" b="0"/>
+      </a:effectRef>
+      <a:fontRef idx="minor"/>
+    </dgm:style>
+  </dgm:styleLbl>
+  <dgm:styleLbl name="solidFgAcc1">
+    <dgm:scene3d>
+      <a:camera prst="orthographicFront"/>
+      <a:lightRig rig="threePt" dir="t"/>
+    </dgm:scene3d>
+    <dgm:sp3d/>
+    <dgm:txPr/>
+    <dgm:style>
+      <a:lnRef idx="1">
+        <a:scrgbClr r="0" g="0" b="0"/>
+      </a:lnRef>
+      <a:fillRef idx="1">
+        <a:scrgbClr r="0" g="0" b="0"/>
+      </a:fillRef>
+      <a:effectRef idx="0">
+        <a:scrgbClr r="0" g="0" b="0"/>
+      </a:effectRef>
+      <a:fontRef idx="minor"/>
+    </dgm:style>
+  </dgm:styleLbl>
+  <dgm:styleLbl name="solidAlignAcc1">
+    <dgm:scene3d>
+      <a:camera prst="orthographicFront"/>
+      <a:lightRig rig="threePt" dir="t"/>
+    </dgm:scene3d>
+    <dgm:sp3d/>
+    <dgm:txPr/>
+    <dgm:style>
+      <a:lnRef idx="1">
+        <a:scrgbClr r="0" g="0" b="0"/>
+      </a:lnRef>
+      <a:fillRef idx="1">
+        <a:scrgbClr r="0" g="0" b="0"/>
+      </a:fillRef>
+      <a:effectRef idx="0">
+        <a:scrgbClr r="0" g="0" b="0"/>
+      </a:effectRef>
+      <a:fontRef idx="minor"/>
+    </dgm:style>
+  </dgm:styleLbl>
+  <dgm:styleLbl name="solidBgAcc1">
+    <dgm:scene3d>
+      <a:camera prst="orthographicFront"/>
+      <a:lightRig rig="threePt" dir="t"/>
+    </dgm:scene3d>
+    <dgm:sp3d/>
+    <dgm:txPr/>
+    <dgm:style>
+      <a:lnRef idx="1">
+        <a:scrgbClr r="0" g="0" b="0"/>
+      </a:lnRef>
+      <a:fillRef idx="1">
+        <a:scrgbClr r="0" g="0" b="0"/>
+      </a:fillRef>
+      <a:effectRef idx="0">
+        <a:scrgbClr r="0" g="0" b="0"/>
+      </a:effectRef>
+      <a:fontRef idx="minor"/>
+    </dgm:style>
+  </dgm:styleLbl>
+  <dgm:styleLbl name="fgAccFollowNode1">
+    <dgm:scene3d>
+      <a:camera prst="orthographicFront"/>
+      <a:lightRig rig="threePt" dir="t"/>
+    </dgm:scene3d>
+    <dgm:sp3d/>
+    <dgm:txPr/>
+    <dgm:style>
+      <a:lnRef idx="1">
+        <a:scrgbClr r="0" g="0" b="0"/>
+      </a:lnRef>
+      <a:fillRef idx="1">
+        <a:scrgbClr r="0" g="0" b="0"/>
+      </a:fillRef>
+      <a:effectRef idx="0">
+        <a:scrgbClr r="0" g="0" b="0"/>
+      </a:effectRef>
+      <a:fontRef idx="minor"/>
+    </dgm:style>
+  </dgm:styleLbl>
+  <dgm:styleLbl name="alignAccFollowNode1">
+    <dgm:scene3d>
+      <a:camera prst="orthographicFront"/>
+      <a:lightRig rig="threePt" dir="t"/>
+    </dgm:scene3d>
+    <dgm:sp3d/>
+    <dgm:txPr/>
+    <dgm:style>
+      <a:lnRef idx="1">
+        <a:scrgbClr r="0" g="0" b="0"/>
+      </a:lnRef>
+      <a:fillRef idx="1">
+        <a:scrgbClr r="0" g="0" b="0"/>
+      </a:fillRef>
+      <a:effectRef idx="0">
+        <a:scrgbClr r="0" g="0" b="0"/>
+      </a:effectRef>
+      <a:fontRef idx="minor"/>
+    </dgm:style>
+  </dgm:styleLbl>
+  <dgm:styleLbl name="bgAccFollowNode1">
+    <dgm:scene3d>
+      <a:camera prst="orthographicFront"/>
+      <a:lightRig rig="threePt" dir="t"/>
+    </dgm:scene3d>
+    <dgm:sp3d/>
+    <dgm:txPr/>
+    <dgm:style>
+      <a:lnRef idx="1">
+        <a:scrgbClr r="0" g="0" b="0"/>
+      </a:lnRef>
+      <a:fillRef idx="1">
+        <a:scrgbClr r="0" g="0" b="0"/>
+      </a:fillRef>
+      <a:effectRef idx="0">
+        <a:scrgbClr r="0" g="0" b="0"/>
+      </a:effectRef>
+      <a:fontRef idx="minor"/>
+    </dgm:style>
+  </dgm:styleLbl>
+  <dgm:styleLbl name="fgAcc0">
+    <dgm:scene3d>
+      <a:camera prst="orthographicFront"/>
+      <a:lightRig rig="threePt" dir="t"/>
+    </dgm:scene3d>
+    <dgm:sp3d/>
+    <dgm:txPr/>
+    <dgm:style>
+      <a:lnRef idx="1">
+        <a:scrgbClr r="0" g="0" b="0"/>
+      </a:lnRef>
+      <a:fillRef idx="1">
+        <a:scrgbClr r="0" g="0" b="0"/>
+      </a:fillRef>
+      <a:effectRef idx="0">
+        <a:scrgbClr r="0" g="0" b="0"/>
+      </a:effectRef>
+      <a:fontRef idx="minor"/>
+    </dgm:style>
+  </dgm:styleLbl>
+  <dgm:styleLbl name="fgAcc2">
+    <dgm:scene3d>
+      <a:camera prst="orthographicFront"/>
+      <a:lightRig rig="threePt" dir="t"/>
+    </dgm:scene3d>
+    <dgm:sp3d/>
+    <dgm:txPr/>
+    <dgm:style>
+      <a:lnRef idx="1">
+        <a:scrgbClr r="0" g="0" b="0"/>
+      </a:lnRef>
+      <a:fillRef idx="1">
+        <a:scrgbClr r="0" g="0" b="0"/>
+      </a:fillRef>
+      <a:effectRef idx="0">
+        <a:scrgbClr r="0" g="0" b="0"/>
+      </a:effectRef>
+      <a:fontRef idx="minor"/>
+    </dgm:style>
+  </dgm:styleLbl>
+  <dgm:styleLbl name="fgAcc3">
+    <dgm:scene3d>
+      <a:camera prst="orthographicFront"/>
+      <a:lightRig rig="threePt" dir="t"/>
+    </dgm:scene3d>
+    <dgm:sp3d/>
+    <dgm:txPr/>
+    <dgm:style>
+      <a:lnRef idx="1">
+        <a:scrgbClr r="0" g="0" b="0"/>
+      </a:lnRef>
+      <a:fillRef idx="1">
+        <a:scrgbClr r="0" g="0" b="0"/>
+      </a:fillRef>
+      <a:effectRef idx="0">
+        <a:scrgbClr r="0" g="0" b="0"/>
+      </a:effectRef>
+      <a:fontRef idx="minor"/>
+    </dgm:style>
+  </dgm:styleLbl>
+  <dgm:styleLbl name="fgAcc4">
+    <dgm:scene3d>
+      <a:camera prst="orthographicFront"/>
+      <a:lightRig rig="threePt" dir="t"/>
+    </dgm:scene3d>
+    <dgm:sp3d/>
+    <dgm:txPr/>
+    <dgm:style>
+      <a:lnRef idx="1">
+        <a:scrgbClr r="0" g="0" b="0"/>
+      </a:lnRef>
+      <a:fillRef idx="1">
+        <a:scrgbClr r="0" g="0" b="0"/>
+      </a:fillRef>
+      <a:effectRef idx="0">
+        <a:scrgbClr r="0" g="0" b="0"/>
+      </a:effectRef>
+      <a:fontRef idx="minor"/>
+    </dgm:style>
+  </dgm:styleLbl>
+  <dgm:styleLbl name="bgShp">
+    <dgm:scene3d>
+      <a:camera prst="orthographicFront"/>
+      <a:lightRig rig="threePt" dir="t"/>
+    </dgm:scene3d>
+    <dgm:sp3d/>
+    <dgm:txPr/>
+    <dgm:style>
+      <a:lnRef idx="0">
+        <a:scrgbClr r="0" g="0" b="0"/>
+      </a:lnRef>
+      <a:fillRef idx="1">
+        <a:scrgbClr r="0" g="0" b="0"/>
+      </a:fillRef>
+      <a:effectRef idx="2">
+        <a:scrgbClr r="0" g="0" b="0"/>
+      </a:effectRef>
+      <a:fontRef idx="minor"/>
+    </dgm:style>
+  </dgm:styleLbl>
+  <dgm:styleLbl name="dkBgShp">
+    <dgm:scene3d>
+      <a:camera prst="orthographicFront"/>
+      <a:lightRig rig="threePt" dir="t"/>
+    </dgm:scene3d>
+    <dgm:sp3d/>
+    <dgm:txPr/>
+    <dgm:style>
+      <a:lnRef idx="0">
+        <a:scrgbClr r="0" g="0" b="0"/>
+      </a:lnRef>
+      <a:fillRef idx="1">
+        <a:scrgbClr r="0" g="0" b="0"/>
+      </a:fillRef>
+      <a:effectRef idx="2">
+        <a:scrgbClr r="0" g="0" b="0"/>
+      </a:effectRef>
+      <a:fontRef idx="minor"/>
+    </dgm:style>
+  </dgm:styleLbl>
+  <dgm:styleLbl name="trBgShp">
+    <dgm:scene3d>
+      <a:camera prst="orthographicFront"/>
+      <a:lightRig rig="threePt" dir="t"/>
+    </dgm:scene3d>
+    <dgm:sp3d/>
+    <dgm:txPr/>
+    <dgm:style>
+      <a:lnRef idx="0">
+        <a:scrgbClr r="0" g="0" b="0"/>
+      </a:lnRef>
+      <a:fillRef idx="1">
+        <a:scrgbClr r="0" g="0" b="0"/>
+      </a:fillRef>
+      <a:effectRef idx="0">
+        <a:scrgbClr r="0" g="0" b="0"/>
+      </a:effectRef>
+      <a:fontRef idx="minor"/>
+    </dgm:style>
+  </dgm:styleLbl>
+  <dgm:styleLbl name="fgShp">
+    <dgm:scene3d>
+      <a:camera prst="orthographicFront"/>
+      <a:lightRig rig="threePt" dir="t"/>
+    </dgm:scene3d>
+    <dgm:sp3d/>
+    <dgm:txPr/>
+    <dgm:style>
+      <a:lnRef idx="0">
+        <a:scrgbClr r="0" g="0" b="0"/>
+      </a:lnRef>
+      <a:fillRef idx="3">
+        <a:scrgbClr r="0" g="0" b="0"/>
+      </a:fillRef>
+      <a:effectRef idx="2">
+        <a:scrgbClr r="0" g="0" b="0"/>
+      </a:effectRef>
+      <a:fontRef idx="minor"/>
+    </dgm:style>
+  </dgm:styleLbl>
+  <dgm:styleLbl name="revTx">
+    <dgm:scene3d>
+      <a:camera prst="orthographicFront"/>
+      <a:lightRig rig="threePt" dir="t"/>
+    </dgm:scene3d>
+    <dgm:sp3d/>
+    <dgm:txPr/>
+    <dgm:style>
+      <a:lnRef idx="0">
+        <a:scrgbClr r="0" g="0" b="0"/>
+      </a:lnRef>
+      <a:fillRef idx="0">
+        <a:scrgbClr r="0" g="0" b="0"/>
+      </a:fillRef>
+      <a:effectRef idx="0">
+        <a:scrgbClr r="0" g="0" b="0"/>
+      </a:effectRef>
+      <a:fontRef idx="minor"/>
+    </dgm:style>
+  </dgm:styleLbl>
+</dgm:styleDef>
 </file>
 
 <file path=ppt/notesMasters/notesMaster1.xml><?xml version="1.0" encoding="utf-8"?>
@@ -1143,93 +3831,6 @@
           <a:p>
             <a:r>
               <a:rPr lang="en-US" dirty="0"/>
-              <a:t>Recommendation for future analysis: </a:t>
-            </a:r>
-          </a:p>
-        </p:txBody>
-      </p:sp>
-      <p:sp>
-        <p:nvSpPr>
-          <p:cNvPr id="4" name="Slide Number Placeholder 3"/>
-          <p:cNvSpPr>
-            <a:spLocks noGrp="1"/>
-          </p:cNvSpPr>
-          <p:nvPr>
-            <p:ph type="sldNum" sz="quarter" idx="5"/>
-          </p:nvPr>
-        </p:nvSpPr>
-        <p:spPr/>
-        <p:txBody>
-          <a:bodyPr/>
-          <a:lstStyle/>
-          <a:p>
-            <a:fld id="{8382AD83-B5DF-4BD6-AC2B-95FF0DEC3221}" type="slidenum">
-              <a:rPr lang="en-US" smtClean="0"/>
-              <a:t>11</a:t>
-            </a:fld>
-            <a:endParaRPr lang="en-US"/>
-          </a:p>
-        </p:txBody>
-      </p:sp>
-    </p:spTree>
-    <p:extLst>
-      <p:ext uri="{BB962C8B-B14F-4D97-AF65-F5344CB8AC3E}">
-        <p14:creationId xmlns:p14="http://schemas.microsoft.com/office/powerpoint/2010/main" val="1659576050"/>
-      </p:ext>
-    </p:extLst>
-  </p:cSld>
-  <p:clrMapOvr>
-    <a:masterClrMapping/>
-  </p:clrMapOvr>
-</p:notes>
-</file>
-
-<file path=ppt/notesSlides/notesSlide11.xml><?xml version="1.0" encoding="utf-8"?>
-<p:notes xmlns:a="http://schemas.openxmlformats.org/drawingml/2006/main" xmlns:r="http://schemas.openxmlformats.org/officeDocument/2006/relationships" xmlns:p="http://schemas.openxmlformats.org/presentationml/2006/main">
-  <p:cSld>
-    <p:spTree>
-      <p:nvGrpSpPr>
-        <p:cNvPr id="1" name=""/>
-        <p:cNvGrpSpPr/>
-        <p:nvPr/>
-      </p:nvGrpSpPr>
-      <p:grpSpPr>
-        <a:xfrm>
-          <a:off x="0" y="0"/>
-          <a:ext cx="0" cy="0"/>
-          <a:chOff x="0" y="0"/>
-          <a:chExt cx="0" cy="0"/>
-        </a:xfrm>
-      </p:grpSpPr>
-      <p:sp>
-        <p:nvSpPr>
-          <p:cNvPr id="2" name="Slide Image Placeholder 1"/>
-          <p:cNvSpPr>
-            <a:spLocks noGrp="1" noRot="1" noChangeAspect="1"/>
-          </p:cNvSpPr>
-          <p:nvPr>
-            <p:ph type="sldImg"/>
-          </p:nvPr>
-        </p:nvSpPr>
-        <p:spPr/>
-      </p:sp>
-      <p:sp>
-        <p:nvSpPr>
-          <p:cNvPr id="3" name="Notes Placeholder 2"/>
-          <p:cNvSpPr>
-            <a:spLocks noGrp="1"/>
-          </p:cNvSpPr>
-          <p:nvPr>
-            <p:ph type="body" idx="1"/>
-          </p:nvPr>
-        </p:nvSpPr>
-        <p:spPr/>
-        <p:txBody>
-          <a:bodyPr/>
-          <a:lstStyle/>
-          <a:p>
-            <a:r>
-              <a:rPr lang="en-US" dirty="0"/>
               <a:t>Anything the team would have done differently:</a:t>
             </a:r>
           </a:p>
@@ -1797,7 +4398,7 @@
           <a:p>
             <a:r>
               <a:rPr lang="en-US" dirty="0"/>
-              <a:t>Result of analysis:</a:t>
+              <a:t>Technologies, languages, tools, and algorithms used throughout the project: </a:t>
             </a:r>
           </a:p>
         </p:txBody>
@@ -1819,7 +4420,7 @@
           <a:p>
             <a:fld id="{8382AD83-B5DF-4BD6-AC2B-95FF0DEC3221}" type="slidenum">
               <a:rPr lang="en-US" smtClean="0"/>
-              <a:t>8</a:t>
+              <a:t>9</a:t>
             </a:fld>
             <a:endParaRPr lang="en-US"/>
           </a:p>
@@ -1828,7 +4429,7 @@
     </p:spTree>
     <p:extLst>
       <p:ext uri="{BB962C8B-B14F-4D97-AF65-F5344CB8AC3E}">
-        <p14:creationId xmlns:p14="http://schemas.microsoft.com/office/powerpoint/2010/main" val="2296447071"/>
+        <p14:creationId xmlns:p14="http://schemas.microsoft.com/office/powerpoint/2010/main" val="4045243988"/>
       </p:ext>
     </p:extLst>
   </p:cSld>
@@ -1883,9 +4484,10 @@
           <a:lstStyle/>
           <a:p>
             <a:r>
-              <a:rPr lang="en-US" dirty="0"/>
-              <a:t>Technologies, languages, tools, and algorithms used throughout the project: </a:t>
+              <a:rPr lang="en-US"/>
+              <a:t>Web app: (Nic)</a:t>
             </a:r>
+            <a:endParaRPr lang="en-US" dirty="0"/>
           </a:p>
         </p:txBody>
       </p:sp>
@@ -1906,7 +4508,7 @@
           <a:p>
             <a:fld id="{8382AD83-B5DF-4BD6-AC2B-95FF0DEC3221}" type="slidenum">
               <a:rPr lang="en-US" smtClean="0"/>
-              <a:t>9</a:t>
+              <a:t>10</a:t>
             </a:fld>
             <a:endParaRPr lang="en-US"/>
           </a:p>
@@ -1915,7 +4517,7 @@
     </p:spTree>
     <p:extLst>
       <p:ext uri="{BB962C8B-B14F-4D97-AF65-F5344CB8AC3E}">
-        <p14:creationId xmlns:p14="http://schemas.microsoft.com/office/powerpoint/2010/main" val="4045243988"/>
+        <p14:creationId xmlns:p14="http://schemas.microsoft.com/office/powerpoint/2010/main" val="1946056471"/>
       </p:ext>
     </p:extLst>
   </p:cSld>
@@ -1970,10 +4572,9 @@
           <a:lstStyle/>
           <a:p>
             <a:r>
-              <a:rPr lang="en-US"/>
-              <a:t>Web app: (Nic)</a:t>
+              <a:rPr lang="en-US" dirty="0"/>
+              <a:t>Recommendation for future analysis: </a:t>
             </a:r>
-            <a:endParaRPr lang="en-US" dirty="0"/>
           </a:p>
         </p:txBody>
       </p:sp>
@@ -1994,7 +4595,7 @@
           <a:p>
             <a:fld id="{8382AD83-B5DF-4BD6-AC2B-95FF0DEC3221}" type="slidenum">
               <a:rPr lang="en-US" smtClean="0"/>
-              <a:t>10</a:t>
+              <a:t>11</a:t>
             </a:fld>
             <a:endParaRPr lang="en-US"/>
           </a:p>
@@ -2003,7 +4604,7 @@
     </p:spTree>
     <p:extLst>
       <p:ext uri="{BB962C8B-B14F-4D97-AF65-F5344CB8AC3E}">
-        <p14:creationId xmlns:p14="http://schemas.microsoft.com/office/powerpoint/2010/main" val="1946056471"/>
+        <p14:creationId xmlns:p14="http://schemas.microsoft.com/office/powerpoint/2010/main" val="1659576050"/>
       </p:ext>
     </p:extLst>
   </p:cSld>
@@ -7379,6 +9980,241 @@
 <file path=ppt/slides/slide7.xml><?xml version="1.0" encoding="utf-8"?>
 <p:sld xmlns:a="http://schemas.openxmlformats.org/drawingml/2006/main" xmlns:r="http://schemas.openxmlformats.org/officeDocument/2006/relationships" xmlns:p="http://schemas.openxmlformats.org/presentationml/2006/main">
   <p:cSld>
+    <p:bg>
+      <p:bgPr>
+        <a:solidFill>
+          <a:schemeClr val="bg1"/>
+        </a:solidFill>
+        <a:effectLst/>
+      </p:bgPr>
+    </p:bg>
+    <p:spTree>
+      <p:nvGrpSpPr>
+        <p:cNvPr id="1" name=""/>
+        <p:cNvGrpSpPr/>
+        <p:nvPr/>
+      </p:nvGrpSpPr>
+      <p:grpSpPr>
+        <a:xfrm>
+          <a:off x="0" y="0"/>
+          <a:ext cx="0" cy="0"/>
+          <a:chOff x="0" y="0"/>
+          <a:chExt cx="0" cy="0"/>
+        </a:xfrm>
+      </p:grpSpPr>
+      <p:sp useBgFill="1">
+        <p:nvSpPr>
+          <p:cNvPr id="13" name="Rectangle 8">
+            <a:extLst>
+              <a:ext uri="{FF2B5EF4-FFF2-40B4-BE49-F238E27FC236}">
+                <a16:creationId xmlns:a16="http://schemas.microsoft.com/office/drawing/2014/main" id="{EB6D1D7F-141C-4D8E-BFBA-D95B68E16385}"/>
+              </a:ext>
+              <a:ext uri="{C183D7F6-B498-43B3-948B-1728B52AA6E4}">
+                <adec:decorative xmlns:adec="http://schemas.microsoft.com/office/drawing/2017/decorative" val="1"/>
+              </a:ext>
+            </a:extLst>
+          </p:cNvPr>
+          <p:cNvSpPr>
+            <a:spLocks noGrp="1" noRot="1" noChangeAspect="1" noMove="1" noResize="1" noEditPoints="1" noAdjustHandles="1" noChangeArrowheads="1" noChangeShapeType="1" noTextEdit="1"/>
+          </p:cNvSpPr>
+          <p:nvPr>
+            <p:extLst>
+              <p:ext uri="{386F3935-93C4-4BCD-93E2-E3B085C9AB24}">
+                <p16:designElem xmlns:p16="http://schemas.microsoft.com/office/powerpoint/2015/main" val="1"/>
+              </p:ext>
+            </p:extLst>
+          </p:nvPr>
+        </p:nvSpPr>
+        <p:spPr>
+          <a:xfrm>
+            <a:off x="1524" y="0"/>
+            <a:ext cx="12188952" cy="6858000"/>
+          </a:xfrm>
+          <a:prstGeom prst="rect">
+            <a:avLst/>
+          </a:prstGeom>
+          <a:ln>
+            <a:noFill/>
+          </a:ln>
+        </p:spPr>
+        <p:style>
+          <a:lnRef idx="2">
+            <a:schemeClr val="accent1">
+              <a:shade val="50000"/>
+            </a:schemeClr>
+          </a:lnRef>
+          <a:fillRef idx="1">
+            <a:schemeClr val="accent1"/>
+          </a:fillRef>
+          <a:effectRef idx="0">
+            <a:schemeClr val="accent1"/>
+          </a:effectRef>
+          <a:fontRef idx="minor">
+            <a:schemeClr val="lt1"/>
+          </a:fontRef>
+        </p:style>
+        <p:txBody>
+          <a:bodyPr rtlCol="0" anchor="ctr"/>
+          <a:lstStyle/>
+          <a:p>
+            <a:pPr algn="ctr"/>
+            <a:endParaRPr lang="en-US"/>
+          </a:p>
+        </p:txBody>
+      </p:sp>
+      <p:sp>
+        <p:nvSpPr>
+          <p:cNvPr id="14" name="Rectangle 10">
+            <a:extLst>
+              <a:ext uri="{FF2B5EF4-FFF2-40B4-BE49-F238E27FC236}">
+                <a16:creationId xmlns:a16="http://schemas.microsoft.com/office/drawing/2014/main" id="{558DA214-7FDA-4C9D-A7CF-9AD725E290E1}"/>
+              </a:ext>
+              <a:ext uri="{C183D7F6-B498-43B3-948B-1728B52AA6E4}">
+                <adec:decorative xmlns:adec="http://schemas.microsoft.com/office/drawing/2017/decorative" val="1"/>
+              </a:ext>
+            </a:extLst>
+          </p:cNvPr>
+          <p:cNvSpPr>
+            <a:spLocks noGrp="1" noRot="1" noChangeAspect="1" noMove="1" noResize="1" noEditPoints="1" noAdjustHandles="1" noChangeArrowheads="1" noChangeShapeType="1" noTextEdit="1"/>
+          </p:cNvSpPr>
+          <p:nvPr>
+            <p:extLst>
+              <p:ext uri="{386F3935-93C4-4BCD-93E2-E3B085C9AB24}">
+                <p16:designElem xmlns:p16="http://schemas.microsoft.com/office/powerpoint/2015/main" val="1"/>
+              </p:ext>
+            </p:extLst>
+          </p:nvPr>
+        </p:nvSpPr>
+        <p:spPr>
+          <a:xfrm>
+            <a:off x="0" y="0"/>
+            <a:ext cx="4657345" cy="6858000"/>
+          </a:xfrm>
+          <a:prstGeom prst="rect">
+            <a:avLst/>
+          </a:prstGeom>
+          <a:solidFill>
+            <a:schemeClr val="tx1"/>
+          </a:solidFill>
+          <a:ln>
+            <a:noFill/>
+          </a:ln>
+        </p:spPr>
+        <p:style>
+          <a:lnRef idx="2">
+            <a:schemeClr val="accent1">
+              <a:shade val="50000"/>
+            </a:schemeClr>
+          </a:lnRef>
+          <a:fillRef idx="1">
+            <a:schemeClr val="accent1"/>
+          </a:fillRef>
+          <a:effectRef idx="0">
+            <a:schemeClr val="accent1"/>
+          </a:effectRef>
+          <a:fontRef idx="minor">
+            <a:schemeClr val="lt1"/>
+          </a:fontRef>
+        </p:style>
+        <p:txBody>
+          <a:bodyPr rtlCol="0" anchor="ctr"/>
+          <a:lstStyle/>
+          <a:p>
+            <a:pPr algn="ctr"/>
+            <a:endParaRPr lang="en-US"/>
+          </a:p>
+        </p:txBody>
+      </p:sp>
+      <p:sp>
+        <p:nvSpPr>
+          <p:cNvPr id="2" name="Title 1">
+            <a:extLst>
+              <a:ext uri="{FF2B5EF4-FFF2-40B4-BE49-F238E27FC236}">
+                <a16:creationId xmlns:a16="http://schemas.microsoft.com/office/drawing/2014/main" id="{8DC2469B-491B-449B-BBAF-62C42A10CBD8}"/>
+              </a:ext>
+            </a:extLst>
+          </p:cNvPr>
+          <p:cNvSpPr>
+            <a:spLocks noGrp="1"/>
+          </p:cNvSpPr>
+          <p:nvPr>
+            <p:ph type="title"/>
+          </p:nvPr>
+        </p:nvSpPr>
+        <p:spPr>
+          <a:xfrm>
+            <a:off x="960120" y="643467"/>
+            <a:ext cx="3212593" cy="5571066"/>
+          </a:xfrm>
+        </p:spPr>
+        <p:txBody>
+          <a:bodyPr>
+            <a:normAutofit/>
+          </a:bodyPr>
+          <a:lstStyle/>
+          <a:p>
+            <a:r>
+              <a:rPr lang="en-US" sz="6100"/>
+              <a:t>Analysis phase</a:t>
+            </a:r>
+          </a:p>
+        </p:txBody>
+      </p:sp>
+      <p:graphicFrame>
+        <p:nvGraphicFramePr>
+          <p:cNvPr id="15" name="Content Placeholder 2">
+            <a:extLst>
+              <a:ext uri="{FF2B5EF4-FFF2-40B4-BE49-F238E27FC236}">
+                <a16:creationId xmlns:a16="http://schemas.microsoft.com/office/drawing/2014/main" id="{0DB93556-8371-49D5-9D3B-62F6A97869EA}"/>
+              </a:ext>
+            </a:extLst>
+          </p:cNvPr>
+          <p:cNvGraphicFramePr>
+            <a:graphicFrameLocks noGrp="1"/>
+          </p:cNvGraphicFramePr>
+          <p:nvPr>
+            <p:ph idx="1"/>
+            <p:extLst>
+              <p:ext uri="{D42A27DB-BD31-4B8C-83A1-F6EECF244321}">
+                <p14:modId xmlns:p14="http://schemas.microsoft.com/office/powerpoint/2010/main" val="1341696376"/>
+              </p:ext>
+            </p:extLst>
+          </p:nvPr>
+        </p:nvGraphicFramePr>
+        <p:xfrm>
+          <a:off x="5300812" y="643466"/>
+          <a:ext cx="5927575" cy="5554133"/>
+        </p:xfrm>
+        <a:graphic>
+          <a:graphicData uri="http://schemas.openxmlformats.org/drawingml/2006/diagram">
+            <dgm:relIds xmlns:dgm="http://schemas.openxmlformats.org/drawingml/2006/diagram" xmlns:r="http://schemas.openxmlformats.org/officeDocument/2006/relationships" r:dm="rId3" r:lo="rId4" r:qs="rId5" r:cs="rId6"/>
+          </a:graphicData>
+        </a:graphic>
+      </p:graphicFrame>
+    </p:spTree>
+    <p:extLst>
+      <p:ext uri="{BB962C8B-B14F-4D97-AF65-F5344CB8AC3E}">
+        <p14:creationId xmlns:p14="http://schemas.microsoft.com/office/powerpoint/2010/main" val="933643513"/>
+      </p:ext>
+    </p:extLst>
+  </p:cSld>
+  <p:clrMapOvr>
+    <a:overrideClrMapping bg1="dk1" tx1="lt1" bg2="dk2" tx2="lt2" accent1="accent1" accent2="accent2" accent3="accent3" accent4="accent4" accent5="accent5" accent6="accent6" hlink="hlink" folHlink="folHlink"/>
+  </p:clrMapOvr>
+</p:sld>
+</file>
+
+<file path=ppt/slides/slide8.xml><?xml version="1.0" encoding="utf-8"?>
+<p:sld xmlns:a="http://schemas.openxmlformats.org/drawingml/2006/main" xmlns:r="http://schemas.openxmlformats.org/officeDocument/2006/relationships" xmlns:p="http://schemas.openxmlformats.org/presentationml/2006/main">
+  <p:cSld>
+    <p:bg>
+      <p:bgPr>
+        <a:solidFill>
+          <a:schemeClr val="bg1"/>
+        </a:solidFill>
+        <a:effectLst/>
+      </p:bgPr>
+    </p:bg>
     <p:spTree>
       <p:nvGrpSpPr>
         <p:cNvPr id="1" name=""/>
@@ -7395,222 +10231,5783 @@
       </p:grpSpPr>
       <p:sp>
         <p:nvSpPr>
-          <p:cNvPr id="2" name="Title 1">
+          <p:cNvPr id="26" name="Rectangle 25">
             <a:extLst>
               <a:ext uri="{FF2B5EF4-FFF2-40B4-BE49-F238E27FC236}">
-                <a16:creationId xmlns:a16="http://schemas.microsoft.com/office/drawing/2014/main" id="{8DC2469B-491B-449B-BBAF-62C42A10CBD8}"/>
+                <a16:creationId xmlns:a16="http://schemas.microsoft.com/office/drawing/2014/main" id="{EB6D1D7F-141C-4D8E-BFBA-D95B68E16385}"/>
+              </a:ext>
+              <a:ext uri="{C183D7F6-B498-43B3-948B-1728B52AA6E4}">
+                <adec:decorative xmlns:adec="http://schemas.microsoft.com/office/drawing/2017/decorative" val="1"/>
               </a:ext>
             </a:extLst>
           </p:cNvPr>
           <p:cNvSpPr>
-            <a:spLocks noGrp="1"/>
+            <a:spLocks noGrp="1" noRot="1" noChangeAspect="1" noMove="1" noResize="1" noEditPoints="1" noAdjustHandles="1" noChangeArrowheads="1" noChangeShapeType="1" noTextEdit="1"/>
           </p:cNvSpPr>
           <p:nvPr>
-            <p:ph type="title"/>
+            <p:extLst>
+              <p:ext uri="{386F3935-93C4-4BCD-93E2-E3B085C9AB24}">
+                <p16:designElem xmlns:p16="http://schemas.microsoft.com/office/powerpoint/2015/main" val="1"/>
+              </p:ext>
+            </p:extLst>
           </p:nvPr>
         </p:nvSpPr>
-        <p:spPr/>
+        <p:spPr>
+          <a:xfrm>
+            <a:off x="1524" y="0"/>
+            <a:ext cx="12188952" cy="6858000"/>
+          </a:xfrm>
+          <a:prstGeom prst="rect">
+            <a:avLst/>
+          </a:prstGeom>
+          <a:solidFill>
+            <a:schemeClr val="tx1"/>
+          </a:solidFill>
+          <a:ln>
+            <a:noFill/>
+          </a:ln>
+        </p:spPr>
+        <p:style>
+          <a:lnRef idx="2">
+            <a:schemeClr val="accent1">
+              <a:shade val="50000"/>
+            </a:schemeClr>
+          </a:lnRef>
+          <a:fillRef idx="1">
+            <a:schemeClr val="accent1"/>
+          </a:fillRef>
+          <a:effectRef idx="0">
+            <a:schemeClr val="accent1"/>
+          </a:effectRef>
+          <a:fontRef idx="minor">
+            <a:schemeClr val="lt1"/>
+          </a:fontRef>
+        </p:style>
         <p:txBody>
-          <a:bodyPr/>
+          <a:bodyPr rtlCol="0" anchor="ctr"/>
           <a:lstStyle/>
           <a:p>
-            <a:r>
-              <a:rPr lang="en-US" dirty="0"/>
-              <a:t>Analysis phase</a:t>
-            </a:r>
+            <a:pPr algn="ctr"/>
+            <a:endParaRPr lang="en-US"/>
           </a:p>
         </p:txBody>
       </p:sp>
       <p:sp>
         <p:nvSpPr>
-          <p:cNvPr id="3" name="Content Placeholder 2">
+          <p:cNvPr id="28" name="Rectangle 27">
             <a:extLst>
               <a:ext uri="{FF2B5EF4-FFF2-40B4-BE49-F238E27FC236}">
-                <a16:creationId xmlns:a16="http://schemas.microsoft.com/office/drawing/2014/main" id="{135F1482-E208-49C4-9C5B-CC00A1E8831F}"/>
+                <a16:creationId xmlns:a16="http://schemas.microsoft.com/office/drawing/2014/main" id="{27248369-464E-49D1-91FC-BC34A50A66D2}"/>
+              </a:ext>
+              <a:ext uri="{C183D7F6-B498-43B3-948B-1728B52AA6E4}">
+                <adec:decorative xmlns:adec="http://schemas.microsoft.com/office/drawing/2017/decorative" val="1"/>
               </a:ext>
             </a:extLst>
           </p:cNvPr>
           <p:cNvSpPr>
-            <a:spLocks noGrp="1"/>
+            <a:spLocks noGrp="1" noRot="1" noChangeAspect="1" noMove="1" noResize="1" noEditPoints="1" noAdjustHandles="1" noChangeArrowheads="1" noChangeShapeType="1" noTextEdit="1"/>
           </p:cNvSpPr>
           <p:nvPr>
-            <p:ph idx="1"/>
+            <p:extLst>
+              <p:ext uri="{386F3935-93C4-4BCD-93E2-E3B085C9AB24}">
+                <p16:designElem xmlns:p16="http://schemas.microsoft.com/office/powerpoint/2015/main" val="1"/>
+              </p:ext>
+            </p:extLst>
           </p:nvPr>
         </p:nvSpPr>
-        <p:spPr/>
-        <p:txBody>
-          <a:bodyPr>
-            <a:normAutofit/>
-          </a:bodyPr>
-          <a:lstStyle/>
-          <a:p>
-            <a:pPr marL="457200" indent="-457200">
-              <a:buFont typeface="Arial" panose="020B0604020202020204" pitchFamily="34" charset="0"/>
-              <a:buChar char="•"/>
-            </a:pPr>
-            <a:r>
-              <a:rPr lang="en-US" sz="4400" dirty="0"/>
-              <a:t>Multiple Linear Regression Model</a:t>
-            </a:r>
-          </a:p>
-          <a:p>
-            <a:pPr marL="457200" indent="-457200">
-              <a:buFont typeface="Arial" panose="020B0604020202020204" pitchFamily="34" charset="0"/>
-              <a:buChar char="•"/>
-            </a:pPr>
-            <a:r>
-              <a:rPr lang="en-US" sz="4400" dirty="0"/>
-              <a:t>Machine-Last Year’s Stats</a:t>
-            </a:r>
-          </a:p>
-          <a:p>
-            <a:pPr marL="457200" indent="-457200">
-              <a:buFont typeface="Arial" panose="020B0604020202020204" pitchFamily="34" charset="0"/>
-              <a:buChar char="•"/>
-            </a:pPr>
-            <a:r>
-              <a:rPr lang="en-US" sz="4400" dirty="0"/>
-              <a:t>Test effectiveness</a:t>
-            </a:r>
-          </a:p>
-        </p:txBody>
-      </p:sp>
-    </p:spTree>
-    <p:extLst>
-      <p:ext uri="{BB962C8B-B14F-4D97-AF65-F5344CB8AC3E}">
-        <p14:creationId xmlns:p14="http://schemas.microsoft.com/office/powerpoint/2010/main" val="933643513"/>
-      </p:ext>
-    </p:extLst>
-  </p:cSld>
-  <p:clrMapOvr>
-    <a:masterClrMapping/>
-  </p:clrMapOvr>
-</p:sld>
-</file>
-
-<file path=ppt/slides/slide8.xml><?xml version="1.0" encoding="utf-8"?>
-<p:sld xmlns:a="http://schemas.openxmlformats.org/drawingml/2006/main" xmlns:r="http://schemas.openxmlformats.org/officeDocument/2006/relationships" xmlns:p="http://schemas.openxmlformats.org/presentationml/2006/main">
-  <p:cSld>
-    <p:spTree>
-      <p:nvGrpSpPr>
-        <p:cNvPr id="1" name=""/>
-        <p:cNvGrpSpPr/>
-        <p:nvPr/>
-      </p:nvGrpSpPr>
-      <p:grpSpPr>
-        <a:xfrm>
-          <a:off x="0" y="0"/>
-          <a:ext cx="0" cy="0"/>
-          <a:chOff x="0" y="0"/>
-          <a:chExt cx="0" cy="0"/>
-        </a:xfrm>
-      </p:grpSpPr>
-      <p:sp>
-        <p:nvSpPr>
-          <p:cNvPr id="2" name="Title 1">
-            <a:extLst>
-              <a:ext uri="{FF2B5EF4-FFF2-40B4-BE49-F238E27FC236}">
-                <a16:creationId xmlns:a16="http://schemas.microsoft.com/office/drawing/2014/main" id="{DC884FA8-97A7-42A3-B4A8-6475A65F7904}"/>
-              </a:ext>
-            </a:extLst>
-          </p:cNvPr>
-          <p:cNvSpPr>
-            <a:spLocks noGrp="1"/>
-          </p:cNvSpPr>
-          <p:nvPr>
-            <p:ph type="title"/>
-          </p:nvPr>
-        </p:nvSpPr>
-        <p:spPr/>
-        <p:txBody>
-          <a:bodyPr/>
-          <a:lstStyle/>
-          <a:p>
-            <a:r>
-              <a:rPr lang="en-US" dirty="0"/>
-              <a:t>Placeholder for analysis</a:t>
-            </a:r>
-          </a:p>
-        </p:txBody>
-      </p:sp>
-      <p:pic>
-        <p:nvPicPr>
-          <p:cNvPr id="5" name="Content Placeholder 4">
-            <a:extLst>
-              <a:ext uri="{FF2B5EF4-FFF2-40B4-BE49-F238E27FC236}">
-                <a16:creationId xmlns:a16="http://schemas.microsoft.com/office/drawing/2014/main" id="{671F324A-0A71-4131-B673-CC968A22B253}"/>
-              </a:ext>
-            </a:extLst>
-          </p:cNvPr>
-          <p:cNvPicPr>
-            <a:picLocks noGrp="1"/>
-          </p:cNvPicPr>
-          <p:nvPr>
-            <p:ph idx="1"/>
-          </p:nvPr>
-        </p:nvPicPr>
-        <p:blipFill rotWithShape="1">
-          <a:blip r:embed="rId3"/>
-          <a:srcRect l="16037" t="22755" r="17436" b="21019"/>
-          <a:stretch/>
-        </p:blipFill>
-        <p:spPr bwMode="auto">
+        <p:spPr>
           <a:xfrm>
-            <a:off x="2254685" y="2404996"/>
-            <a:ext cx="7578247" cy="4135189"/>
+            <a:off x="1524" y="2264989"/>
+            <a:ext cx="12188952" cy="3952189"/>
           </a:xfrm>
           <a:prstGeom prst="rect">
             <a:avLst/>
           </a:prstGeom>
+          <a:solidFill>
+            <a:schemeClr val="bg1"/>
+          </a:solidFill>
           <a:ln>
             <a:noFill/>
           </a:ln>
-          <a:extLst>
-            <a:ext uri="{53640926-AAD7-44D8-BBD7-CCE9431645EC}">
-              <a14:shadowObscured xmlns:a14="http://schemas.microsoft.com/office/drawing/2010/main"/>
-            </a:ext>
-          </a:extLst>
         </p:spPr>
-      </p:pic>
-      <p:sp>
-        <p:nvSpPr>
-          <p:cNvPr id="6" name="TextBox 5">
+        <p:style>
+          <a:lnRef idx="2">
+            <a:schemeClr val="accent1">
+              <a:shade val="50000"/>
+            </a:schemeClr>
+          </a:lnRef>
+          <a:fillRef idx="1">
+            <a:schemeClr val="accent1"/>
+          </a:fillRef>
+          <a:effectRef idx="0">
+            <a:schemeClr val="accent1"/>
+          </a:effectRef>
+          <a:fontRef idx="minor">
+            <a:schemeClr val="lt1"/>
+          </a:fontRef>
+        </p:style>
+        <p:txBody>
+          <a:bodyPr rtlCol="0" anchor="ctr"/>
+          <a:lstStyle/>
+          <a:p>
+            <a:pPr algn="ctr"/>
+            <a:endParaRPr lang="en-US" dirty="0"/>
+          </a:p>
+        </p:txBody>
+      </p:sp>
+      <p:graphicFrame>
+        <p:nvGraphicFramePr>
+          <p:cNvPr id="4" name="Content Placeholder 3">
             <a:extLst>
               <a:ext uri="{FF2B5EF4-FFF2-40B4-BE49-F238E27FC236}">
-                <a16:creationId xmlns:a16="http://schemas.microsoft.com/office/drawing/2014/main" id="{CF8751AB-6761-41D3-9EAF-91B87236966E}"/>
+                <a16:creationId xmlns:a16="http://schemas.microsoft.com/office/drawing/2014/main" id="{AD0E10D8-645F-426E-8460-E7383C7061E0}"/>
               </a:ext>
             </a:extLst>
           </p:cNvPr>
-          <p:cNvSpPr txBox="1"/>
-          <p:nvPr/>
-        </p:nvSpPr>
-        <p:spPr>
-          <a:xfrm>
-            <a:off x="225468" y="2880986"/>
-            <a:ext cx="1728592" cy="1477328"/>
-          </a:xfrm>
-          <a:prstGeom prst="rect">
-            <a:avLst/>
-          </a:prstGeom>
-          <a:noFill/>
-        </p:spPr>
-        <p:txBody>
-          <a:bodyPr wrap="square" rtlCol="0">
-            <a:spAutoFit/>
-          </a:bodyPr>
-          <a:lstStyle/>
-          <a:p>
-            <a:r>
-              <a:rPr lang="en-US" dirty="0"/>
-              <a:t>*Does this work for analysis? There is more data but it doesn’t fit</a:t>
-            </a:r>
-          </a:p>
-        </p:txBody>
-      </p:sp>
+          <p:cNvGraphicFramePr>
+            <a:graphicFrameLocks noGrp="1"/>
+          </p:cNvGraphicFramePr>
+          <p:nvPr>
+            <p:ph idx="1"/>
+            <p:extLst>
+              <p:ext uri="{D42A27DB-BD31-4B8C-83A1-F6EECF244321}">
+                <p14:modId xmlns:p14="http://schemas.microsoft.com/office/powerpoint/2010/main" val="2952228061"/>
+              </p:ext>
+            </p:extLst>
+          </p:nvPr>
+        </p:nvGraphicFramePr>
+        <p:xfrm>
+          <a:off x="0" y="2404997"/>
+          <a:ext cx="12191999" cy="3256768"/>
+        </p:xfrm>
+        <a:graphic>
+          <a:graphicData uri="http://schemas.openxmlformats.org/drawingml/2006/table">
+            <a:tbl>
+              <a:tblPr firstRow="1" bandRow="1"/>
+              <a:tblGrid>
+                <a:gridCol w="999280">
+                  <a:extLst>
+                    <a:ext uri="{9D8B030D-6E8A-4147-A177-3AD203B41FA5}">
+                      <a16:colId xmlns:a16="http://schemas.microsoft.com/office/drawing/2014/main" val="463873009"/>
+                    </a:ext>
+                  </a:extLst>
+                </a:gridCol>
+                <a:gridCol w="1239058">
+                  <a:extLst>
+                    <a:ext uri="{9D8B030D-6E8A-4147-A177-3AD203B41FA5}">
+                      <a16:colId xmlns:a16="http://schemas.microsoft.com/office/drawing/2014/main" val="3864703592"/>
+                    </a:ext>
+                  </a:extLst>
+                </a:gridCol>
+                <a:gridCol w="978076">
+                  <a:extLst>
+                    <a:ext uri="{9D8B030D-6E8A-4147-A177-3AD203B41FA5}">
+                      <a16:colId xmlns:a16="http://schemas.microsoft.com/office/drawing/2014/main" val="2857804938"/>
+                    </a:ext>
+                  </a:extLst>
+                </a:gridCol>
+                <a:gridCol w="1454367">
+                  <a:extLst>
+                    <a:ext uri="{9D8B030D-6E8A-4147-A177-3AD203B41FA5}">
+                      <a16:colId xmlns:a16="http://schemas.microsoft.com/office/drawing/2014/main" val="225885190"/>
+                    </a:ext>
+                  </a:extLst>
+                </a:gridCol>
+                <a:gridCol w="924249">
+                  <a:extLst>
+                    <a:ext uri="{9D8B030D-6E8A-4147-A177-3AD203B41FA5}">
+                      <a16:colId xmlns:a16="http://schemas.microsoft.com/office/drawing/2014/main" val="1967302722"/>
+                    </a:ext>
+                  </a:extLst>
+                </a:gridCol>
+                <a:gridCol w="814963">
+                  <a:extLst>
+                    <a:ext uri="{9D8B030D-6E8A-4147-A177-3AD203B41FA5}">
+                      <a16:colId xmlns:a16="http://schemas.microsoft.com/office/drawing/2014/main" val="2717232251"/>
+                    </a:ext>
+                  </a:extLst>
+                </a:gridCol>
+                <a:gridCol w="958502">
+                  <a:extLst>
+                    <a:ext uri="{9D8B030D-6E8A-4147-A177-3AD203B41FA5}">
+                      <a16:colId xmlns:a16="http://schemas.microsoft.com/office/drawing/2014/main" val="176385546"/>
+                    </a:ext>
+                  </a:extLst>
+                </a:gridCol>
+                <a:gridCol w="793757">
+                  <a:extLst>
+                    <a:ext uri="{9D8B030D-6E8A-4147-A177-3AD203B41FA5}">
+                      <a16:colId xmlns:a16="http://schemas.microsoft.com/office/drawing/2014/main" val="3137735196"/>
+                    </a:ext>
+                  </a:extLst>
+                </a:gridCol>
+                <a:gridCol w="1108568">
+                  <a:extLst>
+                    <a:ext uri="{9D8B030D-6E8A-4147-A177-3AD203B41FA5}">
+                      <a16:colId xmlns:a16="http://schemas.microsoft.com/office/drawing/2014/main" val="986599571"/>
+                    </a:ext>
+                  </a:extLst>
+                </a:gridCol>
+                <a:gridCol w="1274942">
+                  <a:extLst>
+                    <a:ext uri="{9D8B030D-6E8A-4147-A177-3AD203B41FA5}">
+                      <a16:colId xmlns:a16="http://schemas.microsoft.com/office/drawing/2014/main" val="2057146995"/>
+                    </a:ext>
+                  </a:extLst>
+                </a:gridCol>
+                <a:gridCol w="622489">
+                  <a:extLst>
+                    <a:ext uri="{9D8B030D-6E8A-4147-A177-3AD203B41FA5}">
+                      <a16:colId xmlns:a16="http://schemas.microsoft.com/office/drawing/2014/main" val="1915051978"/>
+                    </a:ext>
+                  </a:extLst>
+                </a:gridCol>
+                <a:gridCol w="1023748">
+                  <a:extLst>
+                    <a:ext uri="{9D8B030D-6E8A-4147-A177-3AD203B41FA5}">
+                      <a16:colId xmlns:a16="http://schemas.microsoft.com/office/drawing/2014/main" val="1703463697"/>
+                    </a:ext>
+                  </a:extLst>
+                </a:gridCol>
+              </a:tblGrid>
+              <a:tr h="302232">
+                <a:tc>
+                  <a:txBody>
+                    <a:bodyPr/>
+                    <a:lstStyle/>
+                    <a:p>
+                      <a:pPr algn="l" fontAlgn="ctr">
+                        <a:spcBef>
+                          <a:spcPts val="0"/>
+                        </a:spcBef>
+                        <a:spcAft>
+                          <a:spcPts val="0"/>
+                        </a:spcAft>
+                      </a:pPr>
+                      <a:r>
+                        <a:rPr lang="en-US" sz="900" b="1" i="0" u="none" strike="noStrike">
+                          <a:solidFill>
+                            <a:srgbClr val="24292F"/>
+                          </a:solidFill>
+                          <a:effectLst/>
+                          <a:latin typeface="Segoe UI" panose="020B0502040204020203" pitchFamily="34" charset="0"/>
+                        </a:rPr>
+                        <a:t>Name</a:t>
+                      </a:r>
+                      <a:endParaRPr lang="en-US" sz="2000" b="0" i="0" u="none" strike="noStrike">
+                        <a:effectLst/>
+                        <a:latin typeface="Arial" panose="020B0604020202020204" pitchFamily="34" charset="0"/>
+                      </a:endParaRPr>
+                    </a:p>
+                  </a:txBody>
+                  <a:tcPr marL="6476" marR="6476" marT="6476" marB="0" anchor="ctr">
+                    <a:lnL>
+                      <a:noFill/>
+                    </a:lnL>
+                    <a:lnR>
+                      <a:noFill/>
+                    </a:lnR>
+                    <a:lnT>
+                      <a:noFill/>
+                    </a:lnT>
+                    <a:lnB>
+                      <a:noFill/>
+                    </a:lnB>
+                    <a:solidFill>
+                      <a:srgbClr val="C6E0B4"/>
+                    </a:solidFill>
+                  </a:tcPr>
+                </a:tc>
+                <a:tc>
+                  <a:txBody>
+                    <a:bodyPr/>
+                    <a:lstStyle/>
+                    <a:p>
+                      <a:pPr algn="l" fontAlgn="ctr">
+                        <a:spcBef>
+                          <a:spcPts val="0"/>
+                        </a:spcBef>
+                        <a:spcAft>
+                          <a:spcPts val="0"/>
+                        </a:spcAft>
+                      </a:pPr>
+                      <a:r>
+                        <a:rPr lang="en-US" sz="900" b="1" i="0" u="none" strike="noStrike">
+                          <a:solidFill>
+                            <a:srgbClr val="24292F"/>
+                          </a:solidFill>
+                          <a:effectLst/>
+                          <a:latin typeface="Segoe UI" panose="020B0502040204020203" pitchFamily="34" charset="0"/>
+                        </a:rPr>
+                        <a:t>Completed_Passes</a:t>
+                      </a:r>
+                      <a:endParaRPr lang="en-US" sz="2000" b="0" i="0" u="none" strike="noStrike">
+                        <a:effectLst/>
+                        <a:latin typeface="Arial" panose="020B0604020202020204" pitchFamily="34" charset="0"/>
+                      </a:endParaRPr>
+                    </a:p>
+                  </a:txBody>
+                  <a:tcPr marL="6476" marR="6476" marT="6476" marB="0" anchor="ctr">
+                    <a:lnL>
+                      <a:noFill/>
+                    </a:lnL>
+                    <a:lnR>
+                      <a:noFill/>
+                    </a:lnR>
+                    <a:lnT>
+                      <a:noFill/>
+                    </a:lnT>
+                    <a:lnB>
+                      <a:noFill/>
+                    </a:lnB>
+                    <a:solidFill>
+                      <a:srgbClr val="C6E0B4"/>
+                    </a:solidFill>
+                  </a:tcPr>
+                </a:tc>
+                <a:tc>
+                  <a:txBody>
+                    <a:bodyPr/>
+                    <a:lstStyle/>
+                    <a:p>
+                      <a:pPr algn="l" fontAlgn="ctr">
+                        <a:spcBef>
+                          <a:spcPts val="0"/>
+                        </a:spcBef>
+                        <a:spcAft>
+                          <a:spcPts val="0"/>
+                        </a:spcAft>
+                      </a:pPr>
+                      <a:r>
+                        <a:rPr lang="en-US" sz="900" b="1" i="0" u="none" strike="noStrike">
+                          <a:solidFill>
+                            <a:srgbClr val="24292F"/>
+                          </a:solidFill>
+                          <a:effectLst/>
+                          <a:latin typeface="Segoe UI" panose="020B0502040204020203" pitchFamily="34" charset="0"/>
+                        </a:rPr>
+                        <a:t>Passing_Yards</a:t>
+                      </a:r>
+                      <a:endParaRPr lang="en-US" sz="2000" b="0" i="0" u="none" strike="noStrike">
+                        <a:effectLst/>
+                        <a:latin typeface="Arial" panose="020B0604020202020204" pitchFamily="34" charset="0"/>
+                      </a:endParaRPr>
+                    </a:p>
+                  </a:txBody>
+                  <a:tcPr marL="6476" marR="6476" marT="6476" marB="0" anchor="ctr">
+                    <a:lnL>
+                      <a:noFill/>
+                    </a:lnL>
+                    <a:lnR>
+                      <a:noFill/>
+                    </a:lnR>
+                    <a:lnT>
+                      <a:noFill/>
+                    </a:lnT>
+                    <a:lnB>
+                      <a:noFill/>
+                    </a:lnB>
+                    <a:solidFill>
+                      <a:srgbClr val="C6E0B4"/>
+                    </a:solidFill>
+                  </a:tcPr>
+                </a:tc>
+                <a:tc>
+                  <a:txBody>
+                    <a:bodyPr/>
+                    <a:lstStyle/>
+                    <a:p>
+                      <a:pPr algn="l" fontAlgn="ctr">
+                        <a:spcBef>
+                          <a:spcPts val="0"/>
+                        </a:spcBef>
+                        <a:spcAft>
+                          <a:spcPts val="0"/>
+                        </a:spcAft>
+                      </a:pPr>
+                      <a:r>
+                        <a:rPr lang="en-US" sz="900" b="1" i="0" u="none" strike="noStrike">
+                          <a:solidFill>
+                            <a:srgbClr val="24292F"/>
+                          </a:solidFill>
+                          <a:effectLst/>
+                          <a:latin typeface="Segoe UI" panose="020B0502040204020203" pitchFamily="34" charset="0"/>
+                        </a:rPr>
+                        <a:t>Interceptions_Thrown</a:t>
+                      </a:r>
+                      <a:endParaRPr lang="en-US" sz="2000" b="0" i="0" u="none" strike="noStrike">
+                        <a:effectLst/>
+                        <a:latin typeface="Arial" panose="020B0604020202020204" pitchFamily="34" charset="0"/>
+                      </a:endParaRPr>
+                    </a:p>
+                  </a:txBody>
+                  <a:tcPr marL="6476" marR="6476" marT="6476" marB="0" anchor="ctr">
+                    <a:lnL>
+                      <a:noFill/>
+                    </a:lnL>
+                    <a:lnR>
+                      <a:noFill/>
+                    </a:lnR>
+                    <a:lnT>
+                      <a:noFill/>
+                    </a:lnT>
+                    <a:lnB>
+                      <a:noFill/>
+                    </a:lnB>
+                    <a:solidFill>
+                      <a:srgbClr val="C6E0B4"/>
+                    </a:solidFill>
+                  </a:tcPr>
+                </a:tc>
+                <a:tc>
+                  <a:txBody>
+                    <a:bodyPr/>
+                    <a:lstStyle/>
+                    <a:p>
+                      <a:pPr algn="l" fontAlgn="ctr">
+                        <a:spcBef>
+                          <a:spcPts val="0"/>
+                        </a:spcBef>
+                        <a:spcAft>
+                          <a:spcPts val="0"/>
+                        </a:spcAft>
+                      </a:pPr>
+                      <a:r>
+                        <a:rPr lang="en-US" sz="900" b="1" i="0" u="none" strike="noStrike">
+                          <a:solidFill>
+                            <a:srgbClr val="24292F"/>
+                          </a:solidFill>
+                          <a:effectLst/>
+                          <a:latin typeface="Segoe UI" panose="020B0502040204020203" pitchFamily="34" charset="0"/>
+                        </a:rPr>
+                        <a:t>Longest_Pass</a:t>
+                      </a:r>
+                      <a:endParaRPr lang="en-US" sz="2000" b="0" i="0" u="none" strike="noStrike">
+                        <a:effectLst/>
+                        <a:latin typeface="Arial" panose="020B0604020202020204" pitchFamily="34" charset="0"/>
+                      </a:endParaRPr>
+                    </a:p>
+                  </a:txBody>
+                  <a:tcPr marL="6476" marR="6476" marT="6476" marB="0" anchor="ctr">
+                    <a:lnL>
+                      <a:noFill/>
+                    </a:lnL>
+                    <a:lnR>
+                      <a:noFill/>
+                    </a:lnR>
+                    <a:lnT>
+                      <a:noFill/>
+                    </a:lnT>
+                    <a:lnB>
+                      <a:noFill/>
+                    </a:lnB>
+                    <a:solidFill>
+                      <a:srgbClr val="C6E0B4"/>
+                    </a:solidFill>
+                  </a:tcPr>
+                </a:tc>
+                <a:tc>
+                  <a:txBody>
+                    <a:bodyPr/>
+                    <a:lstStyle/>
+                    <a:p>
+                      <a:pPr algn="l" fontAlgn="ctr">
+                        <a:spcBef>
+                          <a:spcPts val="0"/>
+                        </a:spcBef>
+                        <a:spcAft>
+                          <a:spcPts val="0"/>
+                        </a:spcAft>
+                      </a:pPr>
+                      <a:r>
+                        <a:rPr lang="en-US" sz="900" b="1" i="0" u="none" strike="noStrike">
+                          <a:solidFill>
+                            <a:srgbClr val="24292F"/>
+                          </a:solidFill>
+                          <a:effectLst/>
+                          <a:latin typeface="Segoe UI" panose="020B0502040204020203" pitchFamily="34" charset="0"/>
+                        </a:rPr>
+                        <a:t>Rush_Yards</a:t>
+                      </a:r>
+                      <a:endParaRPr lang="en-US" sz="2000" b="0" i="0" u="none" strike="noStrike">
+                        <a:effectLst/>
+                        <a:latin typeface="Arial" panose="020B0604020202020204" pitchFamily="34" charset="0"/>
+                      </a:endParaRPr>
+                    </a:p>
+                  </a:txBody>
+                  <a:tcPr marL="6476" marR="6476" marT="6476" marB="0" anchor="ctr">
+                    <a:lnL>
+                      <a:noFill/>
+                    </a:lnL>
+                    <a:lnR>
+                      <a:noFill/>
+                    </a:lnR>
+                    <a:lnT>
+                      <a:noFill/>
+                    </a:lnT>
+                    <a:lnB>
+                      <a:noFill/>
+                    </a:lnB>
+                    <a:solidFill>
+                      <a:srgbClr val="C6E0B4"/>
+                    </a:solidFill>
+                  </a:tcPr>
+                </a:tc>
+                <a:tc>
+                  <a:txBody>
+                    <a:bodyPr/>
+                    <a:lstStyle/>
+                    <a:p>
+                      <a:pPr algn="l" fontAlgn="ctr">
+                        <a:spcBef>
+                          <a:spcPts val="0"/>
+                        </a:spcBef>
+                        <a:spcAft>
+                          <a:spcPts val="0"/>
+                        </a:spcAft>
+                      </a:pPr>
+                      <a:r>
+                        <a:rPr lang="en-US" sz="900" b="1" i="0" u="none" strike="noStrike">
+                          <a:solidFill>
+                            <a:srgbClr val="24292F"/>
+                          </a:solidFill>
+                          <a:effectLst/>
+                          <a:latin typeface="Segoe UI" panose="020B0502040204020203" pitchFamily="34" charset="0"/>
+                        </a:rPr>
+                        <a:t>Longest_Rush</a:t>
+                      </a:r>
+                      <a:endParaRPr lang="en-US" sz="2000" b="0" i="0" u="none" strike="noStrike">
+                        <a:effectLst/>
+                        <a:latin typeface="Arial" panose="020B0604020202020204" pitchFamily="34" charset="0"/>
+                      </a:endParaRPr>
+                    </a:p>
+                  </a:txBody>
+                  <a:tcPr marL="6476" marR="6476" marT="6476" marB="0" anchor="ctr">
+                    <a:lnL>
+                      <a:noFill/>
+                    </a:lnL>
+                    <a:lnR>
+                      <a:noFill/>
+                    </a:lnR>
+                    <a:lnT>
+                      <a:noFill/>
+                    </a:lnT>
+                    <a:lnB>
+                      <a:noFill/>
+                    </a:lnB>
+                    <a:solidFill>
+                      <a:srgbClr val="C6E0B4"/>
+                    </a:solidFill>
+                  </a:tcPr>
+                </a:tc>
+                <a:tc>
+                  <a:txBody>
+                    <a:bodyPr/>
+                    <a:lstStyle/>
+                    <a:p>
+                      <a:pPr algn="l" fontAlgn="ctr">
+                        <a:spcBef>
+                          <a:spcPts val="0"/>
+                        </a:spcBef>
+                        <a:spcAft>
+                          <a:spcPts val="0"/>
+                        </a:spcAft>
+                      </a:pPr>
+                      <a:r>
+                        <a:rPr lang="en-US" sz="900" b="1" i="0" u="none" strike="noStrike">
+                          <a:solidFill>
+                            <a:srgbClr val="24292F"/>
+                          </a:solidFill>
+                          <a:effectLst/>
+                          <a:latin typeface="Segoe UI" panose="020B0502040204020203" pitchFamily="34" charset="0"/>
+                        </a:rPr>
+                        <a:t>Receptions</a:t>
+                      </a:r>
+                      <a:endParaRPr lang="en-US" sz="2000" b="0" i="0" u="none" strike="noStrike">
+                        <a:effectLst/>
+                        <a:latin typeface="Arial" panose="020B0604020202020204" pitchFamily="34" charset="0"/>
+                      </a:endParaRPr>
+                    </a:p>
+                  </a:txBody>
+                  <a:tcPr marL="6476" marR="6476" marT="6476" marB="0" anchor="ctr">
+                    <a:lnL>
+                      <a:noFill/>
+                    </a:lnL>
+                    <a:lnR>
+                      <a:noFill/>
+                    </a:lnR>
+                    <a:lnT>
+                      <a:noFill/>
+                    </a:lnT>
+                    <a:lnB>
+                      <a:noFill/>
+                    </a:lnB>
+                    <a:solidFill>
+                      <a:srgbClr val="C6E0B4"/>
+                    </a:solidFill>
+                  </a:tcPr>
+                </a:tc>
+                <a:tc>
+                  <a:txBody>
+                    <a:bodyPr/>
+                    <a:lstStyle/>
+                    <a:p>
+                      <a:pPr algn="l" fontAlgn="ctr">
+                        <a:spcBef>
+                          <a:spcPts val="0"/>
+                        </a:spcBef>
+                        <a:spcAft>
+                          <a:spcPts val="0"/>
+                        </a:spcAft>
+                      </a:pPr>
+                      <a:r>
+                        <a:rPr lang="en-US" sz="900" b="1" i="0" u="none" strike="noStrike">
+                          <a:solidFill>
+                            <a:srgbClr val="24292F"/>
+                          </a:solidFill>
+                          <a:effectLst/>
+                          <a:latin typeface="Segoe UI" panose="020B0502040204020203" pitchFamily="34" charset="0"/>
+                        </a:rPr>
+                        <a:t>Receiving_Yards</a:t>
+                      </a:r>
+                      <a:endParaRPr lang="en-US" sz="2000" b="0" i="0" u="none" strike="noStrike">
+                        <a:effectLst/>
+                        <a:latin typeface="Arial" panose="020B0604020202020204" pitchFamily="34" charset="0"/>
+                      </a:endParaRPr>
+                    </a:p>
+                  </a:txBody>
+                  <a:tcPr marL="6476" marR="6476" marT="6476" marB="0" anchor="ctr">
+                    <a:lnL>
+                      <a:noFill/>
+                    </a:lnL>
+                    <a:lnR>
+                      <a:noFill/>
+                    </a:lnR>
+                    <a:lnT>
+                      <a:noFill/>
+                    </a:lnT>
+                    <a:lnB>
+                      <a:noFill/>
+                    </a:lnB>
+                    <a:solidFill>
+                      <a:srgbClr val="C6E0B4"/>
+                    </a:solidFill>
+                  </a:tcPr>
+                </a:tc>
+                <a:tc>
+                  <a:txBody>
+                    <a:bodyPr/>
+                    <a:lstStyle/>
+                    <a:p>
+                      <a:pPr algn="l" fontAlgn="ctr">
+                        <a:spcBef>
+                          <a:spcPts val="0"/>
+                        </a:spcBef>
+                        <a:spcAft>
+                          <a:spcPts val="0"/>
+                        </a:spcAft>
+                      </a:pPr>
+                      <a:r>
+                        <a:rPr lang="en-US" sz="900" b="1" i="0" u="none" strike="noStrike">
+                          <a:solidFill>
+                            <a:srgbClr val="24292F"/>
+                          </a:solidFill>
+                          <a:effectLst/>
+                          <a:latin typeface="Segoe UI" panose="020B0502040204020203" pitchFamily="34" charset="0"/>
+                        </a:rPr>
+                        <a:t>Longest_Reception</a:t>
+                      </a:r>
+                      <a:endParaRPr lang="en-US" sz="2000" b="0" i="0" u="none" strike="noStrike">
+                        <a:effectLst/>
+                        <a:latin typeface="Arial" panose="020B0604020202020204" pitchFamily="34" charset="0"/>
+                      </a:endParaRPr>
+                    </a:p>
+                  </a:txBody>
+                  <a:tcPr marL="6476" marR="6476" marT="6476" marB="0" anchor="ctr">
+                    <a:lnL>
+                      <a:noFill/>
+                    </a:lnL>
+                    <a:lnR>
+                      <a:noFill/>
+                    </a:lnR>
+                    <a:lnT>
+                      <a:noFill/>
+                    </a:lnT>
+                    <a:lnB>
+                      <a:noFill/>
+                    </a:lnB>
+                    <a:solidFill>
+                      <a:srgbClr val="C6E0B4"/>
+                    </a:solidFill>
+                  </a:tcPr>
+                </a:tc>
+                <a:tc>
+                  <a:txBody>
+                    <a:bodyPr/>
+                    <a:lstStyle/>
+                    <a:p>
+                      <a:pPr algn="l" fontAlgn="ctr">
+                        <a:spcBef>
+                          <a:spcPts val="0"/>
+                        </a:spcBef>
+                        <a:spcAft>
+                          <a:spcPts val="0"/>
+                        </a:spcAft>
+                      </a:pPr>
+                      <a:r>
+                        <a:rPr lang="en-US" sz="900" b="1" i="0" u="none" strike="noStrike">
+                          <a:solidFill>
+                            <a:srgbClr val="24292F"/>
+                          </a:solidFill>
+                          <a:effectLst/>
+                          <a:latin typeface="Segoe UI" panose="020B0502040204020203" pitchFamily="34" charset="0"/>
+                        </a:rPr>
+                        <a:t>Position</a:t>
+                      </a:r>
+                      <a:endParaRPr lang="en-US" sz="2000" b="0" i="0" u="none" strike="noStrike">
+                        <a:effectLst/>
+                        <a:latin typeface="Arial" panose="020B0604020202020204" pitchFamily="34" charset="0"/>
+                      </a:endParaRPr>
+                    </a:p>
+                  </a:txBody>
+                  <a:tcPr marL="6476" marR="6476" marT="6476" marB="0" anchor="ctr">
+                    <a:lnL>
+                      <a:noFill/>
+                    </a:lnL>
+                    <a:lnR>
+                      <a:noFill/>
+                    </a:lnR>
+                    <a:lnT>
+                      <a:noFill/>
+                    </a:lnT>
+                    <a:lnB>
+                      <a:noFill/>
+                    </a:lnB>
+                    <a:solidFill>
+                      <a:srgbClr val="C6E0B4"/>
+                    </a:solidFill>
+                  </a:tcPr>
+                </a:tc>
+                <a:tc>
+                  <a:txBody>
+                    <a:bodyPr/>
+                    <a:lstStyle/>
+                    <a:p>
+                      <a:pPr algn="l" fontAlgn="ctr">
+                        <a:spcBef>
+                          <a:spcPts val="0"/>
+                        </a:spcBef>
+                        <a:spcAft>
+                          <a:spcPts val="0"/>
+                        </a:spcAft>
+                      </a:pPr>
+                      <a:r>
+                        <a:rPr lang="en-US" sz="900" b="1" i="0" u="none" strike="noStrike">
+                          <a:solidFill>
+                            <a:srgbClr val="24292F"/>
+                          </a:solidFill>
+                          <a:effectLst/>
+                          <a:latin typeface="Segoe UI" panose="020B0502040204020203" pitchFamily="34" charset="0"/>
+                        </a:rPr>
+                        <a:t>Fantasy_Points</a:t>
+                      </a:r>
+                      <a:endParaRPr lang="en-US" sz="2000" b="0" i="0" u="none" strike="noStrike">
+                        <a:effectLst/>
+                        <a:latin typeface="Arial" panose="020B0604020202020204" pitchFamily="34" charset="0"/>
+                      </a:endParaRPr>
+                    </a:p>
+                  </a:txBody>
+                  <a:tcPr marL="6476" marR="6476" marT="6476" marB="0" anchor="ctr">
+                    <a:lnL>
+                      <a:noFill/>
+                    </a:lnL>
+                    <a:lnR>
+                      <a:noFill/>
+                    </a:lnR>
+                    <a:lnT>
+                      <a:noFill/>
+                    </a:lnT>
+                    <a:lnB>
+                      <a:noFill/>
+                    </a:lnB>
+                    <a:solidFill>
+                      <a:srgbClr val="C6E0B4"/>
+                    </a:solidFill>
+                  </a:tcPr>
+                </a:tc>
+                <a:extLst>
+                  <a:ext uri="{0D108BD9-81ED-4DB2-BD59-A6C34878D82A}">
+                    <a16:rowId xmlns:a16="http://schemas.microsoft.com/office/drawing/2014/main" val="1635384513"/>
+                  </a:ext>
+                </a:extLst>
+              </a:tr>
+              <a:tr h="302232">
+                <a:tc>
+                  <a:txBody>
+                    <a:bodyPr/>
+                    <a:lstStyle/>
+                    <a:p>
+                      <a:pPr algn="l" fontAlgn="ctr">
+                        <a:spcBef>
+                          <a:spcPts val="0"/>
+                        </a:spcBef>
+                        <a:spcAft>
+                          <a:spcPts val="0"/>
+                        </a:spcAft>
+                      </a:pPr>
+                      <a:r>
+                        <a:rPr lang="en-US" sz="900" b="0" i="0" u="none" strike="noStrike">
+                          <a:solidFill>
+                            <a:srgbClr val="24292F"/>
+                          </a:solidFill>
+                          <a:effectLst/>
+                          <a:latin typeface="Segoe UI" panose="020B0502040204020203" pitchFamily="34" charset="0"/>
+                        </a:rPr>
+                        <a:t>Kirk Cousins</a:t>
+                      </a:r>
+                      <a:endParaRPr lang="en-US" sz="2000" b="0" i="0" u="none" strike="noStrike">
+                        <a:effectLst/>
+                        <a:latin typeface="Arial" panose="020B0604020202020204" pitchFamily="34" charset="0"/>
+                      </a:endParaRPr>
+                    </a:p>
+                  </a:txBody>
+                  <a:tcPr marL="6476" marR="6476" marT="6476" marB="0" anchor="ctr">
+                    <a:lnL>
+                      <a:noFill/>
+                    </a:lnL>
+                    <a:lnR>
+                      <a:noFill/>
+                    </a:lnR>
+                    <a:lnT>
+                      <a:noFill/>
+                    </a:lnT>
+                    <a:lnB>
+                      <a:noFill/>
+                    </a:lnB>
+                  </a:tcPr>
+                </a:tc>
+                <a:tc>
+                  <a:txBody>
+                    <a:bodyPr/>
+                    <a:lstStyle/>
+                    <a:p>
+                      <a:pPr algn="l" fontAlgn="ctr">
+                        <a:spcBef>
+                          <a:spcPts val="0"/>
+                        </a:spcBef>
+                        <a:spcAft>
+                          <a:spcPts val="0"/>
+                        </a:spcAft>
+                      </a:pPr>
+                      <a:r>
+                        <a:rPr lang="en-US" sz="900" b="0" i="0" u="none" strike="noStrike">
+                          <a:solidFill>
+                            <a:srgbClr val="24292F"/>
+                          </a:solidFill>
+                          <a:effectLst/>
+                          <a:latin typeface="Segoe UI" panose="020B0502040204020203" pitchFamily="34" charset="0"/>
+                        </a:rPr>
+                        <a:t>19</a:t>
+                      </a:r>
+                      <a:endParaRPr lang="en-US" sz="2000" b="0" i="0" u="none" strike="noStrike">
+                        <a:effectLst/>
+                        <a:latin typeface="Arial" panose="020B0604020202020204" pitchFamily="34" charset="0"/>
+                      </a:endParaRPr>
+                    </a:p>
+                  </a:txBody>
+                  <a:tcPr marL="6476" marR="6476" marT="6476" marB="0" anchor="ctr">
+                    <a:lnL>
+                      <a:noFill/>
+                    </a:lnL>
+                    <a:lnR>
+                      <a:noFill/>
+                    </a:lnR>
+                    <a:lnT>
+                      <a:noFill/>
+                    </a:lnT>
+                    <a:lnB>
+                      <a:noFill/>
+                    </a:lnB>
+                  </a:tcPr>
+                </a:tc>
+                <a:tc>
+                  <a:txBody>
+                    <a:bodyPr/>
+                    <a:lstStyle/>
+                    <a:p>
+                      <a:pPr algn="l" fontAlgn="ctr">
+                        <a:spcBef>
+                          <a:spcPts val="0"/>
+                        </a:spcBef>
+                        <a:spcAft>
+                          <a:spcPts val="0"/>
+                        </a:spcAft>
+                      </a:pPr>
+                      <a:r>
+                        <a:rPr lang="en-US" sz="900" b="0" i="0" u="none" strike="noStrike">
+                          <a:solidFill>
+                            <a:srgbClr val="24292F"/>
+                          </a:solidFill>
+                          <a:effectLst/>
+                          <a:latin typeface="Segoe UI" panose="020B0502040204020203" pitchFamily="34" charset="0"/>
+                        </a:rPr>
+                        <a:t>259</a:t>
+                      </a:r>
+                      <a:endParaRPr lang="en-US" sz="2000" b="0" i="0" u="none" strike="noStrike">
+                        <a:effectLst/>
+                        <a:latin typeface="Arial" panose="020B0604020202020204" pitchFamily="34" charset="0"/>
+                      </a:endParaRPr>
+                    </a:p>
+                  </a:txBody>
+                  <a:tcPr marL="6476" marR="6476" marT="6476" marB="0" anchor="ctr">
+                    <a:lnL>
+                      <a:noFill/>
+                    </a:lnL>
+                    <a:lnR>
+                      <a:noFill/>
+                    </a:lnR>
+                    <a:lnT>
+                      <a:noFill/>
+                    </a:lnT>
+                    <a:lnB>
+                      <a:noFill/>
+                    </a:lnB>
+                  </a:tcPr>
+                </a:tc>
+                <a:tc>
+                  <a:txBody>
+                    <a:bodyPr/>
+                    <a:lstStyle/>
+                    <a:p>
+                      <a:pPr algn="l" fontAlgn="ctr">
+                        <a:spcBef>
+                          <a:spcPts val="0"/>
+                        </a:spcBef>
+                        <a:spcAft>
+                          <a:spcPts val="0"/>
+                        </a:spcAft>
+                      </a:pPr>
+                      <a:r>
+                        <a:rPr lang="en-US" sz="900" b="0" i="0" u="none" strike="noStrike">
+                          <a:solidFill>
+                            <a:srgbClr val="24292F"/>
+                          </a:solidFill>
+                          <a:effectLst/>
+                          <a:latin typeface="Segoe UI" panose="020B0502040204020203" pitchFamily="34" charset="0"/>
+                        </a:rPr>
+                        <a:t>1</a:t>
+                      </a:r>
+                      <a:endParaRPr lang="en-US" sz="2000" b="0" i="0" u="none" strike="noStrike">
+                        <a:effectLst/>
+                        <a:latin typeface="Arial" panose="020B0604020202020204" pitchFamily="34" charset="0"/>
+                      </a:endParaRPr>
+                    </a:p>
+                  </a:txBody>
+                  <a:tcPr marL="6476" marR="6476" marT="6476" marB="0" anchor="ctr">
+                    <a:lnL>
+                      <a:noFill/>
+                    </a:lnL>
+                    <a:lnR>
+                      <a:noFill/>
+                    </a:lnR>
+                    <a:lnT>
+                      <a:noFill/>
+                    </a:lnT>
+                    <a:lnB>
+                      <a:noFill/>
+                    </a:lnB>
+                  </a:tcPr>
+                </a:tc>
+                <a:tc>
+                  <a:txBody>
+                    <a:bodyPr/>
+                    <a:lstStyle/>
+                    <a:p>
+                      <a:pPr algn="l" fontAlgn="ctr">
+                        <a:spcBef>
+                          <a:spcPts val="0"/>
+                        </a:spcBef>
+                        <a:spcAft>
+                          <a:spcPts val="0"/>
+                        </a:spcAft>
+                      </a:pPr>
+                      <a:r>
+                        <a:rPr lang="en-US" sz="900" b="0" i="0" u="none" strike="noStrike">
+                          <a:solidFill>
+                            <a:srgbClr val="24292F"/>
+                          </a:solidFill>
+                          <a:effectLst/>
+                          <a:latin typeface="Segoe UI" panose="020B0502040204020203" pitchFamily="34" charset="0"/>
+                        </a:rPr>
+                        <a:t>37</a:t>
+                      </a:r>
+                      <a:endParaRPr lang="en-US" sz="2000" b="0" i="0" u="none" strike="noStrike">
+                        <a:effectLst/>
+                        <a:latin typeface="Arial" panose="020B0604020202020204" pitchFamily="34" charset="0"/>
+                      </a:endParaRPr>
+                    </a:p>
+                  </a:txBody>
+                  <a:tcPr marL="6476" marR="6476" marT="6476" marB="0" anchor="ctr">
+                    <a:lnL>
+                      <a:noFill/>
+                    </a:lnL>
+                    <a:lnR>
+                      <a:noFill/>
+                    </a:lnR>
+                    <a:lnT>
+                      <a:noFill/>
+                    </a:lnT>
+                    <a:lnB>
+                      <a:noFill/>
+                    </a:lnB>
+                  </a:tcPr>
+                </a:tc>
+                <a:tc>
+                  <a:txBody>
+                    <a:bodyPr/>
+                    <a:lstStyle/>
+                    <a:p>
+                      <a:pPr algn="l" fontAlgn="ctr">
+                        <a:spcBef>
+                          <a:spcPts val="0"/>
+                        </a:spcBef>
+                        <a:spcAft>
+                          <a:spcPts val="0"/>
+                        </a:spcAft>
+                      </a:pPr>
+                      <a:r>
+                        <a:rPr lang="en-US" sz="900" b="0" i="0" u="none" strike="noStrike">
+                          <a:solidFill>
+                            <a:srgbClr val="24292F"/>
+                          </a:solidFill>
+                          <a:effectLst/>
+                          <a:latin typeface="Segoe UI" panose="020B0502040204020203" pitchFamily="34" charset="0"/>
+                        </a:rPr>
+                        <a:t>34</a:t>
+                      </a:r>
+                      <a:endParaRPr lang="en-US" sz="2000" b="0" i="0" u="none" strike="noStrike">
+                        <a:effectLst/>
+                        <a:latin typeface="Arial" panose="020B0604020202020204" pitchFamily="34" charset="0"/>
+                      </a:endParaRPr>
+                    </a:p>
+                  </a:txBody>
+                  <a:tcPr marL="6476" marR="6476" marT="6476" marB="0" anchor="ctr">
+                    <a:lnL>
+                      <a:noFill/>
+                    </a:lnL>
+                    <a:lnR>
+                      <a:noFill/>
+                    </a:lnR>
+                    <a:lnT>
+                      <a:noFill/>
+                    </a:lnT>
+                    <a:lnB>
+                      <a:noFill/>
+                    </a:lnB>
+                  </a:tcPr>
+                </a:tc>
+                <a:tc>
+                  <a:txBody>
+                    <a:bodyPr/>
+                    <a:lstStyle/>
+                    <a:p>
+                      <a:pPr algn="l" fontAlgn="ctr">
+                        <a:spcBef>
+                          <a:spcPts val="0"/>
+                        </a:spcBef>
+                        <a:spcAft>
+                          <a:spcPts val="0"/>
+                        </a:spcAft>
+                      </a:pPr>
+                      <a:r>
+                        <a:rPr lang="en-US" sz="900" b="0" i="0" u="none" strike="noStrike">
+                          <a:solidFill>
+                            <a:srgbClr val="24292F"/>
+                          </a:solidFill>
+                          <a:effectLst/>
+                          <a:latin typeface="Segoe UI" panose="020B0502040204020203" pitchFamily="34" charset="0"/>
+                        </a:rPr>
+                        <a:t>16</a:t>
+                      </a:r>
+                      <a:endParaRPr lang="en-US" sz="2000" b="0" i="0" u="none" strike="noStrike">
+                        <a:effectLst/>
+                        <a:latin typeface="Arial" panose="020B0604020202020204" pitchFamily="34" charset="0"/>
+                      </a:endParaRPr>
+                    </a:p>
+                  </a:txBody>
+                  <a:tcPr marL="6476" marR="6476" marT="6476" marB="0" anchor="ctr">
+                    <a:lnL>
+                      <a:noFill/>
+                    </a:lnL>
+                    <a:lnR>
+                      <a:noFill/>
+                    </a:lnR>
+                    <a:lnT>
+                      <a:noFill/>
+                    </a:lnT>
+                    <a:lnB>
+                      <a:noFill/>
+                    </a:lnB>
+                  </a:tcPr>
+                </a:tc>
+                <a:tc>
+                  <a:txBody>
+                    <a:bodyPr/>
+                    <a:lstStyle/>
+                    <a:p>
+                      <a:pPr algn="l" fontAlgn="ctr">
+                        <a:spcBef>
+                          <a:spcPts val="0"/>
+                        </a:spcBef>
+                        <a:spcAft>
+                          <a:spcPts val="0"/>
+                        </a:spcAft>
+                      </a:pPr>
+                      <a:r>
+                        <a:rPr lang="en-US" sz="900" b="0" i="0" u="none" strike="noStrike">
+                          <a:solidFill>
+                            <a:srgbClr val="24292F"/>
+                          </a:solidFill>
+                          <a:effectLst/>
+                          <a:latin typeface="Segoe UI" panose="020B0502040204020203" pitchFamily="34" charset="0"/>
+                        </a:rPr>
+                        <a:t>0</a:t>
+                      </a:r>
+                      <a:endParaRPr lang="en-US" sz="2000" b="0" i="0" u="none" strike="noStrike">
+                        <a:effectLst/>
+                        <a:latin typeface="Arial" panose="020B0604020202020204" pitchFamily="34" charset="0"/>
+                      </a:endParaRPr>
+                    </a:p>
+                  </a:txBody>
+                  <a:tcPr marL="6476" marR="6476" marT="6476" marB="0" anchor="ctr">
+                    <a:lnL>
+                      <a:noFill/>
+                    </a:lnL>
+                    <a:lnR>
+                      <a:noFill/>
+                    </a:lnR>
+                    <a:lnT>
+                      <a:noFill/>
+                    </a:lnT>
+                    <a:lnB>
+                      <a:noFill/>
+                    </a:lnB>
+                  </a:tcPr>
+                </a:tc>
+                <a:tc>
+                  <a:txBody>
+                    <a:bodyPr/>
+                    <a:lstStyle/>
+                    <a:p>
+                      <a:pPr algn="l" fontAlgn="ctr">
+                        <a:spcBef>
+                          <a:spcPts val="0"/>
+                        </a:spcBef>
+                        <a:spcAft>
+                          <a:spcPts val="0"/>
+                        </a:spcAft>
+                      </a:pPr>
+                      <a:r>
+                        <a:rPr lang="en-US" sz="900" b="0" i="0" u="none" strike="noStrike">
+                          <a:solidFill>
+                            <a:srgbClr val="24292F"/>
+                          </a:solidFill>
+                          <a:effectLst/>
+                          <a:latin typeface="Segoe UI" panose="020B0502040204020203" pitchFamily="34" charset="0"/>
+                        </a:rPr>
+                        <a:t>0</a:t>
+                      </a:r>
+                      <a:endParaRPr lang="en-US" sz="2000" b="0" i="0" u="none" strike="noStrike">
+                        <a:effectLst/>
+                        <a:latin typeface="Arial" panose="020B0604020202020204" pitchFamily="34" charset="0"/>
+                      </a:endParaRPr>
+                    </a:p>
+                  </a:txBody>
+                  <a:tcPr marL="6476" marR="6476" marT="6476" marB="0" anchor="ctr">
+                    <a:lnL>
+                      <a:noFill/>
+                    </a:lnL>
+                    <a:lnR>
+                      <a:noFill/>
+                    </a:lnR>
+                    <a:lnT>
+                      <a:noFill/>
+                    </a:lnT>
+                    <a:lnB>
+                      <a:noFill/>
+                    </a:lnB>
+                  </a:tcPr>
+                </a:tc>
+                <a:tc>
+                  <a:txBody>
+                    <a:bodyPr/>
+                    <a:lstStyle/>
+                    <a:p>
+                      <a:pPr algn="l" fontAlgn="ctr">
+                        <a:spcBef>
+                          <a:spcPts val="0"/>
+                        </a:spcBef>
+                        <a:spcAft>
+                          <a:spcPts val="0"/>
+                        </a:spcAft>
+                      </a:pPr>
+                      <a:r>
+                        <a:rPr lang="en-US" sz="900" b="0" i="0" u="none" strike="noStrike">
+                          <a:solidFill>
+                            <a:srgbClr val="24292F"/>
+                          </a:solidFill>
+                          <a:effectLst/>
+                          <a:latin typeface="Segoe UI" panose="020B0502040204020203" pitchFamily="34" charset="0"/>
+                        </a:rPr>
+                        <a:t>0</a:t>
+                      </a:r>
+                      <a:endParaRPr lang="en-US" sz="2000" b="0" i="0" u="none" strike="noStrike">
+                        <a:effectLst/>
+                        <a:latin typeface="Arial" panose="020B0604020202020204" pitchFamily="34" charset="0"/>
+                      </a:endParaRPr>
+                    </a:p>
+                  </a:txBody>
+                  <a:tcPr marL="6476" marR="6476" marT="6476" marB="0" anchor="ctr">
+                    <a:lnL>
+                      <a:noFill/>
+                    </a:lnL>
+                    <a:lnR>
+                      <a:noFill/>
+                    </a:lnR>
+                    <a:lnT>
+                      <a:noFill/>
+                    </a:lnT>
+                    <a:lnB>
+                      <a:noFill/>
+                    </a:lnB>
+                  </a:tcPr>
+                </a:tc>
+                <a:tc>
+                  <a:txBody>
+                    <a:bodyPr/>
+                    <a:lstStyle/>
+                    <a:p>
+                      <a:pPr algn="l" fontAlgn="ctr">
+                        <a:spcBef>
+                          <a:spcPts val="0"/>
+                        </a:spcBef>
+                        <a:spcAft>
+                          <a:spcPts val="0"/>
+                        </a:spcAft>
+                      </a:pPr>
+                      <a:r>
+                        <a:rPr lang="en-US" sz="900" b="0" i="0" u="none" strike="noStrike">
+                          <a:solidFill>
+                            <a:srgbClr val="24292F"/>
+                          </a:solidFill>
+                          <a:effectLst/>
+                          <a:latin typeface="Segoe UI" panose="020B0502040204020203" pitchFamily="34" charset="0"/>
+                        </a:rPr>
+                        <a:t>QB</a:t>
+                      </a:r>
+                      <a:endParaRPr lang="en-US" sz="2000" b="0" i="0" u="none" strike="noStrike">
+                        <a:effectLst/>
+                        <a:latin typeface="Arial" panose="020B0604020202020204" pitchFamily="34" charset="0"/>
+                      </a:endParaRPr>
+                    </a:p>
+                  </a:txBody>
+                  <a:tcPr marL="6476" marR="6476" marT="6476" marB="0" anchor="ctr">
+                    <a:lnL>
+                      <a:noFill/>
+                    </a:lnL>
+                    <a:lnR>
+                      <a:noFill/>
+                    </a:lnR>
+                    <a:lnT>
+                      <a:noFill/>
+                    </a:lnT>
+                    <a:lnB>
+                      <a:noFill/>
+                    </a:lnB>
+                  </a:tcPr>
+                </a:tc>
+                <a:tc>
+                  <a:txBody>
+                    <a:bodyPr/>
+                    <a:lstStyle/>
+                    <a:p>
+                      <a:pPr algn="l" fontAlgn="ctr">
+                        <a:spcBef>
+                          <a:spcPts val="0"/>
+                        </a:spcBef>
+                        <a:spcAft>
+                          <a:spcPts val="0"/>
+                        </a:spcAft>
+                      </a:pPr>
+                      <a:r>
+                        <a:rPr lang="en-US" sz="900" b="0" i="0" u="none" strike="noStrike">
+                          <a:solidFill>
+                            <a:srgbClr val="24292F"/>
+                          </a:solidFill>
+                          <a:effectLst/>
+                          <a:latin typeface="Segoe UI" panose="020B0502040204020203" pitchFamily="34" charset="0"/>
+                        </a:rPr>
+                        <a:t>20.76</a:t>
+                      </a:r>
+                      <a:endParaRPr lang="en-US" sz="2000" b="0" i="0" u="none" strike="noStrike">
+                        <a:effectLst/>
+                        <a:latin typeface="Arial" panose="020B0604020202020204" pitchFamily="34" charset="0"/>
+                      </a:endParaRPr>
+                    </a:p>
+                  </a:txBody>
+                  <a:tcPr marL="6476" marR="6476" marT="6476" marB="0" anchor="ctr">
+                    <a:lnL>
+                      <a:noFill/>
+                    </a:lnL>
+                    <a:lnR>
+                      <a:noFill/>
+                    </a:lnR>
+                    <a:lnT>
+                      <a:noFill/>
+                    </a:lnT>
+                    <a:lnB>
+                      <a:noFill/>
+                    </a:lnB>
+                  </a:tcPr>
+                </a:tc>
+                <a:extLst>
+                  <a:ext uri="{0D108BD9-81ED-4DB2-BD59-A6C34878D82A}">
+                    <a16:rowId xmlns:a16="http://schemas.microsoft.com/office/drawing/2014/main" val="2976182968"/>
+                  </a:ext>
+                </a:extLst>
+              </a:tr>
+              <a:tr h="536680">
+                <a:tc>
+                  <a:txBody>
+                    <a:bodyPr/>
+                    <a:lstStyle/>
+                    <a:p>
+                      <a:pPr algn="l" fontAlgn="ctr">
+                        <a:spcBef>
+                          <a:spcPts val="0"/>
+                        </a:spcBef>
+                        <a:spcAft>
+                          <a:spcPts val="0"/>
+                        </a:spcAft>
+                      </a:pPr>
+                      <a:r>
+                        <a:rPr lang="en-US" sz="900" b="0" i="0" u="none" strike="noStrike">
+                          <a:solidFill>
+                            <a:srgbClr val="24292F"/>
+                          </a:solidFill>
+                          <a:effectLst/>
+                          <a:latin typeface="Segoe UI" panose="020B0502040204020203" pitchFamily="34" charset="0"/>
+                        </a:rPr>
+                        <a:t>Alexander Mattison</a:t>
+                      </a:r>
+                      <a:endParaRPr lang="en-US" sz="2000" b="0" i="0" u="none" strike="noStrike">
+                        <a:effectLst/>
+                        <a:latin typeface="Arial" panose="020B0604020202020204" pitchFamily="34" charset="0"/>
+                      </a:endParaRPr>
+                    </a:p>
+                  </a:txBody>
+                  <a:tcPr marL="6476" marR="6476" marT="6476" marB="0" anchor="ctr">
+                    <a:lnL>
+                      <a:noFill/>
+                    </a:lnL>
+                    <a:lnR>
+                      <a:noFill/>
+                    </a:lnR>
+                    <a:lnT>
+                      <a:noFill/>
+                    </a:lnT>
+                    <a:lnB>
+                      <a:noFill/>
+                    </a:lnB>
+                    <a:solidFill>
+                      <a:srgbClr val="C6E0B4"/>
+                    </a:solidFill>
+                  </a:tcPr>
+                </a:tc>
+                <a:tc>
+                  <a:txBody>
+                    <a:bodyPr/>
+                    <a:lstStyle/>
+                    <a:p>
+                      <a:pPr algn="l" fontAlgn="ctr">
+                        <a:spcBef>
+                          <a:spcPts val="0"/>
+                        </a:spcBef>
+                        <a:spcAft>
+                          <a:spcPts val="0"/>
+                        </a:spcAft>
+                      </a:pPr>
+                      <a:r>
+                        <a:rPr lang="en-US" sz="900" b="0" i="0" u="none" strike="noStrike">
+                          <a:solidFill>
+                            <a:srgbClr val="24292F"/>
+                          </a:solidFill>
+                          <a:effectLst/>
+                          <a:latin typeface="Segoe UI" panose="020B0502040204020203" pitchFamily="34" charset="0"/>
+                        </a:rPr>
+                        <a:t>0</a:t>
+                      </a:r>
+                      <a:endParaRPr lang="en-US" sz="2000" b="0" i="0" u="none" strike="noStrike">
+                        <a:effectLst/>
+                        <a:latin typeface="Arial" panose="020B0604020202020204" pitchFamily="34" charset="0"/>
+                      </a:endParaRPr>
+                    </a:p>
+                  </a:txBody>
+                  <a:tcPr marL="6476" marR="6476" marT="6476" marB="0" anchor="ctr">
+                    <a:lnL>
+                      <a:noFill/>
+                    </a:lnL>
+                    <a:lnR>
+                      <a:noFill/>
+                    </a:lnR>
+                    <a:lnT>
+                      <a:noFill/>
+                    </a:lnT>
+                    <a:lnB>
+                      <a:noFill/>
+                    </a:lnB>
+                    <a:solidFill>
+                      <a:srgbClr val="C6E0B4"/>
+                    </a:solidFill>
+                  </a:tcPr>
+                </a:tc>
+                <a:tc>
+                  <a:txBody>
+                    <a:bodyPr/>
+                    <a:lstStyle/>
+                    <a:p>
+                      <a:pPr algn="l" fontAlgn="ctr">
+                        <a:spcBef>
+                          <a:spcPts val="0"/>
+                        </a:spcBef>
+                        <a:spcAft>
+                          <a:spcPts val="0"/>
+                        </a:spcAft>
+                      </a:pPr>
+                      <a:r>
+                        <a:rPr lang="en-US" sz="900" b="0" i="0" u="none" strike="noStrike">
+                          <a:solidFill>
+                            <a:srgbClr val="24292F"/>
+                          </a:solidFill>
+                          <a:effectLst/>
+                          <a:latin typeface="Segoe UI" panose="020B0502040204020203" pitchFamily="34" charset="0"/>
+                        </a:rPr>
+                        <a:t>0</a:t>
+                      </a:r>
+                      <a:endParaRPr lang="en-US" sz="2000" b="0" i="0" u="none" strike="noStrike">
+                        <a:effectLst/>
+                        <a:latin typeface="Arial" panose="020B0604020202020204" pitchFamily="34" charset="0"/>
+                      </a:endParaRPr>
+                    </a:p>
+                  </a:txBody>
+                  <a:tcPr marL="6476" marR="6476" marT="6476" marB="0" anchor="ctr">
+                    <a:lnL>
+                      <a:noFill/>
+                    </a:lnL>
+                    <a:lnR>
+                      <a:noFill/>
+                    </a:lnR>
+                    <a:lnT>
+                      <a:noFill/>
+                    </a:lnT>
+                    <a:lnB>
+                      <a:noFill/>
+                    </a:lnB>
+                    <a:solidFill>
+                      <a:srgbClr val="C6E0B4"/>
+                    </a:solidFill>
+                  </a:tcPr>
+                </a:tc>
+                <a:tc>
+                  <a:txBody>
+                    <a:bodyPr/>
+                    <a:lstStyle/>
+                    <a:p>
+                      <a:pPr algn="l" fontAlgn="ctr">
+                        <a:spcBef>
+                          <a:spcPts val="0"/>
+                        </a:spcBef>
+                        <a:spcAft>
+                          <a:spcPts val="0"/>
+                        </a:spcAft>
+                      </a:pPr>
+                      <a:r>
+                        <a:rPr lang="en-US" sz="900" b="0" i="0" u="none" strike="noStrike">
+                          <a:solidFill>
+                            <a:srgbClr val="24292F"/>
+                          </a:solidFill>
+                          <a:effectLst/>
+                          <a:latin typeface="Segoe UI" panose="020B0502040204020203" pitchFamily="34" charset="0"/>
+                        </a:rPr>
+                        <a:t>0</a:t>
+                      </a:r>
+                      <a:endParaRPr lang="en-US" sz="2000" b="0" i="0" u="none" strike="noStrike">
+                        <a:effectLst/>
+                        <a:latin typeface="Arial" panose="020B0604020202020204" pitchFamily="34" charset="0"/>
+                      </a:endParaRPr>
+                    </a:p>
+                  </a:txBody>
+                  <a:tcPr marL="6476" marR="6476" marT="6476" marB="0" anchor="ctr">
+                    <a:lnL>
+                      <a:noFill/>
+                    </a:lnL>
+                    <a:lnR>
+                      <a:noFill/>
+                    </a:lnR>
+                    <a:lnT>
+                      <a:noFill/>
+                    </a:lnT>
+                    <a:lnB>
+                      <a:noFill/>
+                    </a:lnB>
+                    <a:solidFill>
+                      <a:srgbClr val="C6E0B4"/>
+                    </a:solidFill>
+                  </a:tcPr>
+                </a:tc>
+                <a:tc>
+                  <a:txBody>
+                    <a:bodyPr/>
+                    <a:lstStyle/>
+                    <a:p>
+                      <a:pPr algn="l" fontAlgn="ctr">
+                        <a:spcBef>
+                          <a:spcPts val="0"/>
+                        </a:spcBef>
+                        <a:spcAft>
+                          <a:spcPts val="0"/>
+                        </a:spcAft>
+                      </a:pPr>
+                      <a:r>
+                        <a:rPr lang="en-US" sz="900" b="0" i="0" u="none" strike="noStrike">
+                          <a:solidFill>
+                            <a:srgbClr val="24292F"/>
+                          </a:solidFill>
+                          <a:effectLst/>
+                          <a:latin typeface="Segoe UI" panose="020B0502040204020203" pitchFamily="34" charset="0"/>
+                        </a:rPr>
+                        <a:t>0</a:t>
+                      </a:r>
+                      <a:endParaRPr lang="en-US" sz="2000" b="0" i="0" u="none" strike="noStrike">
+                        <a:effectLst/>
+                        <a:latin typeface="Arial" panose="020B0604020202020204" pitchFamily="34" charset="0"/>
+                      </a:endParaRPr>
+                    </a:p>
+                  </a:txBody>
+                  <a:tcPr marL="6476" marR="6476" marT="6476" marB="0" anchor="ctr">
+                    <a:lnL>
+                      <a:noFill/>
+                    </a:lnL>
+                    <a:lnR>
+                      <a:noFill/>
+                    </a:lnR>
+                    <a:lnT>
+                      <a:noFill/>
+                    </a:lnT>
+                    <a:lnB>
+                      <a:noFill/>
+                    </a:lnB>
+                    <a:solidFill>
+                      <a:srgbClr val="C6E0B4"/>
+                    </a:solidFill>
+                  </a:tcPr>
+                </a:tc>
+                <a:tc>
+                  <a:txBody>
+                    <a:bodyPr/>
+                    <a:lstStyle/>
+                    <a:p>
+                      <a:pPr algn="l" fontAlgn="ctr">
+                        <a:spcBef>
+                          <a:spcPts val="0"/>
+                        </a:spcBef>
+                        <a:spcAft>
+                          <a:spcPts val="0"/>
+                        </a:spcAft>
+                      </a:pPr>
+                      <a:r>
+                        <a:rPr lang="en-US" sz="900" b="0" i="0" u="none" strike="noStrike">
+                          <a:solidFill>
+                            <a:srgbClr val="24292F"/>
+                          </a:solidFill>
+                          <a:effectLst/>
+                          <a:latin typeface="Segoe UI" panose="020B0502040204020203" pitchFamily="34" charset="0"/>
+                        </a:rPr>
+                        <a:t>50</a:t>
+                      </a:r>
+                      <a:endParaRPr lang="en-US" sz="2000" b="0" i="0" u="none" strike="noStrike">
+                        <a:effectLst/>
+                        <a:latin typeface="Arial" panose="020B0604020202020204" pitchFamily="34" charset="0"/>
+                      </a:endParaRPr>
+                    </a:p>
+                  </a:txBody>
+                  <a:tcPr marL="6476" marR="6476" marT="6476" marB="0" anchor="ctr">
+                    <a:lnL>
+                      <a:noFill/>
+                    </a:lnL>
+                    <a:lnR>
+                      <a:noFill/>
+                    </a:lnR>
+                    <a:lnT>
+                      <a:noFill/>
+                    </a:lnT>
+                    <a:lnB>
+                      <a:noFill/>
+                    </a:lnB>
+                    <a:solidFill>
+                      <a:srgbClr val="C6E0B4"/>
+                    </a:solidFill>
+                  </a:tcPr>
+                </a:tc>
+                <a:tc>
+                  <a:txBody>
+                    <a:bodyPr/>
+                    <a:lstStyle/>
+                    <a:p>
+                      <a:pPr algn="l" fontAlgn="ctr">
+                        <a:spcBef>
+                          <a:spcPts val="0"/>
+                        </a:spcBef>
+                        <a:spcAft>
+                          <a:spcPts val="0"/>
+                        </a:spcAft>
+                      </a:pPr>
+                      <a:r>
+                        <a:rPr lang="en-US" sz="900" b="0" i="0" u="none" strike="noStrike">
+                          <a:solidFill>
+                            <a:srgbClr val="24292F"/>
+                          </a:solidFill>
+                          <a:effectLst/>
+                          <a:latin typeface="Segoe UI" panose="020B0502040204020203" pitchFamily="34" charset="0"/>
+                        </a:rPr>
+                        <a:t>21</a:t>
+                      </a:r>
+                      <a:endParaRPr lang="en-US" sz="2000" b="0" i="0" u="none" strike="noStrike">
+                        <a:effectLst/>
+                        <a:latin typeface="Arial" panose="020B0604020202020204" pitchFamily="34" charset="0"/>
+                      </a:endParaRPr>
+                    </a:p>
+                  </a:txBody>
+                  <a:tcPr marL="6476" marR="6476" marT="6476" marB="0" anchor="ctr">
+                    <a:lnL>
+                      <a:noFill/>
+                    </a:lnL>
+                    <a:lnR>
+                      <a:noFill/>
+                    </a:lnR>
+                    <a:lnT>
+                      <a:noFill/>
+                    </a:lnT>
+                    <a:lnB>
+                      <a:noFill/>
+                    </a:lnB>
+                    <a:solidFill>
+                      <a:srgbClr val="C6E0B4"/>
+                    </a:solidFill>
+                  </a:tcPr>
+                </a:tc>
+                <a:tc>
+                  <a:txBody>
+                    <a:bodyPr/>
+                    <a:lstStyle/>
+                    <a:p>
+                      <a:pPr algn="l" fontAlgn="ctr">
+                        <a:spcBef>
+                          <a:spcPts val="0"/>
+                        </a:spcBef>
+                        <a:spcAft>
+                          <a:spcPts val="0"/>
+                        </a:spcAft>
+                      </a:pPr>
+                      <a:r>
+                        <a:rPr lang="en-US" sz="900" b="0" i="0" u="none" strike="noStrike">
+                          <a:solidFill>
+                            <a:srgbClr val="24292F"/>
+                          </a:solidFill>
+                          <a:effectLst/>
+                          <a:latin typeface="Segoe UI" panose="020B0502040204020203" pitchFamily="34" charset="0"/>
+                        </a:rPr>
+                        <a:t>4</a:t>
+                      </a:r>
+                      <a:endParaRPr lang="en-US" sz="2000" b="0" i="0" u="none" strike="noStrike">
+                        <a:effectLst/>
+                        <a:latin typeface="Arial" panose="020B0604020202020204" pitchFamily="34" charset="0"/>
+                      </a:endParaRPr>
+                    </a:p>
+                  </a:txBody>
+                  <a:tcPr marL="6476" marR="6476" marT="6476" marB="0" anchor="ctr">
+                    <a:lnL>
+                      <a:noFill/>
+                    </a:lnL>
+                    <a:lnR>
+                      <a:noFill/>
+                    </a:lnR>
+                    <a:lnT>
+                      <a:noFill/>
+                    </a:lnT>
+                    <a:lnB>
+                      <a:noFill/>
+                    </a:lnB>
+                    <a:solidFill>
+                      <a:srgbClr val="C6E0B4"/>
+                    </a:solidFill>
+                  </a:tcPr>
+                </a:tc>
+                <a:tc>
+                  <a:txBody>
+                    <a:bodyPr/>
+                    <a:lstStyle/>
+                    <a:p>
+                      <a:pPr algn="l" fontAlgn="ctr">
+                        <a:spcBef>
+                          <a:spcPts val="0"/>
+                        </a:spcBef>
+                        <a:spcAft>
+                          <a:spcPts val="0"/>
+                        </a:spcAft>
+                      </a:pPr>
+                      <a:r>
+                        <a:rPr lang="en-US" sz="900" b="0" i="0" u="none" strike="noStrike">
+                          <a:solidFill>
+                            <a:srgbClr val="24292F"/>
+                          </a:solidFill>
+                          <a:effectLst/>
+                          <a:latin typeface="Segoe UI" panose="020B0502040204020203" pitchFamily="34" charset="0"/>
+                        </a:rPr>
+                        <a:t>30</a:t>
+                      </a:r>
+                      <a:endParaRPr lang="en-US" sz="2000" b="0" i="0" u="none" strike="noStrike">
+                        <a:effectLst/>
+                        <a:latin typeface="Arial" panose="020B0604020202020204" pitchFamily="34" charset="0"/>
+                      </a:endParaRPr>
+                    </a:p>
+                  </a:txBody>
+                  <a:tcPr marL="6476" marR="6476" marT="6476" marB="0" anchor="ctr">
+                    <a:lnL>
+                      <a:noFill/>
+                    </a:lnL>
+                    <a:lnR>
+                      <a:noFill/>
+                    </a:lnR>
+                    <a:lnT>
+                      <a:noFill/>
+                    </a:lnT>
+                    <a:lnB>
+                      <a:noFill/>
+                    </a:lnB>
+                    <a:solidFill>
+                      <a:srgbClr val="C6E0B4"/>
+                    </a:solidFill>
+                  </a:tcPr>
+                </a:tc>
+                <a:tc>
+                  <a:txBody>
+                    <a:bodyPr/>
+                    <a:lstStyle/>
+                    <a:p>
+                      <a:pPr algn="l" fontAlgn="ctr">
+                        <a:spcBef>
+                          <a:spcPts val="0"/>
+                        </a:spcBef>
+                        <a:spcAft>
+                          <a:spcPts val="0"/>
+                        </a:spcAft>
+                      </a:pPr>
+                      <a:r>
+                        <a:rPr lang="en-US" sz="900" b="0" i="0" u="none" strike="noStrike">
+                          <a:solidFill>
+                            <a:srgbClr val="24292F"/>
+                          </a:solidFill>
+                          <a:effectLst/>
+                          <a:latin typeface="Segoe UI" panose="020B0502040204020203" pitchFamily="34" charset="0"/>
+                        </a:rPr>
+                        <a:t>9</a:t>
+                      </a:r>
+                      <a:endParaRPr lang="en-US" sz="2000" b="0" i="0" u="none" strike="noStrike">
+                        <a:effectLst/>
+                        <a:latin typeface="Arial" panose="020B0604020202020204" pitchFamily="34" charset="0"/>
+                      </a:endParaRPr>
+                    </a:p>
+                  </a:txBody>
+                  <a:tcPr marL="6476" marR="6476" marT="6476" marB="0" anchor="ctr">
+                    <a:lnL>
+                      <a:noFill/>
+                    </a:lnL>
+                    <a:lnR>
+                      <a:noFill/>
+                    </a:lnR>
+                    <a:lnT>
+                      <a:noFill/>
+                    </a:lnT>
+                    <a:lnB>
+                      <a:noFill/>
+                    </a:lnB>
+                    <a:solidFill>
+                      <a:srgbClr val="C6E0B4"/>
+                    </a:solidFill>
+                  </a:tcPr>
+                </a:tc>
+                <a:tc>
+                  <a:txBody>
+                    <a:bodyPr/>
+                    <a:lstStyle/>
+                    <a:p>
+                      <a:pPr algn="l" fontAlgn="ctr">
+                        <a:spcBef>
+                          <a:spcPts val="0"/>
+                        </a:spcBef>
+                        <a:spcAft>
+                          <a:spcPts val="0"/>
+                        </a:spcAft>
+                      </a:pPr>
+                      <a:r>
+                        <a:rPr lang="en-US" sz="900" b="0" i="0" u="none" strike="noStrike">
+                          <a:solidFill>
+                            <a:srgbClr val="24292F"/>
+                          </a:solidFill>
+                          <a:effectLst/>
+                          <a:latin typeface="Segoe UI" panose="020B0502040204020203" pitchFamily="34" charset="0"/>
+                        </a:rPr>
+                        <a:t>RB</a:t>
+                      </a:r>
+                      <a:endParaRPr lang="en-US" sz="2000" b="0" i="0" u="none" strike="noStrike">
+                        <a:effectLst/>
+                        <a:latin typeface="Arial" panose="020B0604020202020204" pitchFamily="34" charset="0"/>
+                      </a:endParaRPr>
+                    </a:p>
+                  </a:txBody>
+                  <a:tcPr marL="6476" marR="6476" marT="6476" marB="0" anchor="ctr">
+                    <a:lnL>
+                      <a:noFill/>
+                    </a:lnL>
+                    <a:lnR>
+                      <a:noFill/>
+                    </a:lnR>
+                    <a:lnT>
+                      <a:noFill/>
+                    </a:lnT>
+                    <a:lnB>
+                      <a:noFill/>
+                    </a:lnB>
+                    <a:solidFill>
+                      <a:srgbClr val="C6E0B4"/>
+                    </a:solidFill>
+                  </a:tcPr>
+                </a:tc>
+                <a:tc>
+                  <a:txBody>
+                    <a:bodyPr/>
+                    <a:lstStyle/>
+                    <a:p>
+                      <a:pPr algn="l" fontAlgn="ctr">
+                        <a:spcBef>
+                          <a:spcPts val="0"/>
+                        </a:spcBef>
+                        <a:spcAft>
+                          <a:spcPts val="0"/>
+                        </a:spcAft>
+                      </a:pPr>
+                      <a:r>
+                        <a:rPr lang="en-US" sz="900" b="0" i="0" u="none" strike="noStrike">
+                          <a:solidFill>
+                            <a:srgbClr val="24292F"/>
+                          </a:solidFill>
+                          <a:effectLst/>
+                          <a:latin typeface="Segoe UI" panose="020B0502040204020203" pitchFamily="34" charset="0"/>
+                        </a:rPr>
+                        <a:t>12</a:t>
+                      </a:r>
+                      <a:endParaRPr lang="en-US" sz="2000" b="0" i="0" u="none" strike="noStrike">
+                        <a:effectLst/>
+                        <a:latin typeface="Arial" panose="020B0604020202020204" pitchFamily="34" charset="0"/>
+                      </a:endParaRPr>
+                    </a:p>
+                  </a:txBody>
+                  <a:tcPr marL="6476" marR="6476" marT="6476" marB="0" anchor="ctr">
+                    <a:lnL>
+                      <a:noFill/>
+                    </a:lnL>
+                    <a:lnR>
+                      <a:noFill/>
+                    </a:lnR>
+                    <a:lnT>
+                      <a:noFill/>
+                    </a:lnT>
+                    <a:lnB>
+                      <a:noFill/>
+                    </a:lnB>
+                    <a:solidFill>
+                      <a:srgbClr val="C6E0B4"/>
+                    </a:solidFill>
+                  </a:tcPr>
+                </a:tc>
+                <a:extLst>
+                  <a:ext uri="{0D108BD9-81ED-4DB2-BD59-A6C34878D82A}">
+                    <a16:rowId xmlns:a16="http://schemas.microsoft.com/office/drawing/2014/main" val="3292631923"/>
+                  </a:ext>
+                </a:extLst>
+              </a:tr>
+              <a:tr h="302232">
+                <a:tc>
+                  <a:txBody>
+                    <a:bodyPr/>
+                    <a:lstStyle/>
+                    <a:p>
+                      <a:pPr algn="l" fontAlgn="ctr">
+                        <a:spcBef>
+                          <a:spcPts val="0"/>
+                        </a:spcBef>
+                        <a:spcAft>
+                          <a:spcPts val="0"/>
+                        </a:spcAft>
+                      </a:pPr>
+                      <a:r>
+                        <a:rPr lang="en-US" sz="900" b="0" i="0" u="none" strike="noStrike">
+                          <a:solidFill>
+                            <a:srgbClr val="24292F"/>
+                          </a:solidFill>
+                          <a:effectLst/>
+                          <a:latin typeface="Segoe UI" panose="020B0502040204020203" pitchFamily="34" charset="0"/>
+                        </a:rPr>
+                        <a:t>Dalvin Cook</a:t>
+                      </a:r>
+                      <a:endParaRPr lang="en-US" sz="2000" b="0" i="0" u="none" strike="noStrike">
+                        <a:effectLst/>
+                        <a:latin typeface="Arial" panose="020B0604020202020204" pitchFamily="34" charset="0"/>
+                      </a:endParaRPr>
+                    </a:p>
+                  </a:txBody>
+                  <a:tcPr marL="6476" marR="6476" marT="6476" marB="0" anchor="ctr">
+                    <a:lnL>
+                      <a:noFill/>
+                    </a:lnL>
+                    <a:lnR>
+                      <a:noFill/>
+                    </a:lnR>
+                    <a:lnT>
+                      <a:noFill/>
+                    </a:lnT>
+                    <a:lnB>
+                      <a:noFill/>
+                    </a:lnB>
+                  </a:tcPr>
+                </a:tc>
+                <a:tc>
+                  <a:txBody>
+                    <a:bodyPr/>
+                    <a:lstStyle/>
+                    <a:p>
+                      <a:pPr algn="l" fontAlgn="ctr">
+                        <a:spcBef>
+                          <a:spcPts val="0"/>
+                        </a:spcBef>
+                        <a:spcAft>
+                          <a:spcPts val="0"/>
+                        </a:spcAft>
+                      </a:pPr>
+                      <a:r>
+                        <a:rPr lang="en-US" sz="900" b="0" i="0" u="none" strike="noStrike">
+                          <a:solidFill>
+                            <a:srgbClr val="24292F"/>
+                          </a:solidFill>
+                          <a:effectLst/>
+                          <a:latin typeface="Segoe UI" panose="020B0502040204020203" pitchFamily="34" charset="0"/>
+                        </a:rPr>
+                        <a:t>0</a:t>
+                      </a:r>
+                      <a:endParaRPr lang="en-US" sz="2000" b="0" i="0" u="none" strike="noStrike">
+                        <a:effectLst/>
+                        <a:latin typeface="Arial" panose="020B0604020202020204" pitchFamily="34" charset="0"/>
+                      </a:endParaRPr>
+                    </a:p>
+                  </a:txBody>
+                  <a:tcPr marL="6476" marR="6476" marT="6476" marB="0" anchor="ctr">
+                    <a:lnL>
+                      <a:noFill/>
+                    </a:lnL>
+                    <a:lnR>
+                      <a:noFill/>
+                    </a:lnR>
+                    <a:lnT>
+                      <a:noFill/>
+                    </a:lnT>
+                    <a:lnB>
+                      <a:noFill/>
+                    </a:lnB>
+                  </a:tcPr>
+                </a:tc>
+                <a:tc>
+                  <a:txBody>
+                    <a:bodyPr/>
+                    <a:lstStyle/>
+                    <a:p>
+                      <a:pPr algn="l" fontAlgn="ctr">
+                        <a:spcBef>
+                          <a:spcPts val="0"/>
+                        </a:spcBef>
+                        <a:spcAft>
+                          <a:spcPts val="0"/>
+                        </a:spcAft>
+                      </a:pPr>
+                      <a:r>
+                        <a:rPr lang="en-US" sz="900" b="0" i="0" u="none" strike="noStrike">
+                          <a:solidFill>
+                            <a:srgbClr val="24292F"/>
+                          </a:solidFill>
+                          <a:effectLst/>
+                          <a:latin typeface="Segoe UI" panose="020B0502040204020203" pitchFamily="34" charset="0"/>
+                        </a:rPr>
+                        <a:t>0</a:t>
+                      </a:r>
+                      <a:endParaRPr lang="en-US" sz="2000" b="0" i="0" u="none" strike="noStrike">
+                        <a:effectLst/>
+                        <a:latin typeface="Arial" panose="020B0604020202020204" pitchFamily="34" charset="0"/>
+                      </a:endParaRPr>
+                    </a:p>
+                  </a:txBody>
+                  <a:tcPr marL="6476" marR="6476" marT="6476" marB="0" anchor="ctr">
+                    <a:lnL>
+                      <a:noFill/>
+                    </a:lnL>
+                    <a:lnR>
+                      <a:noFill/>
+                    </a:lnR>
+                    <a:lnT>
+                      <a:noFill/>
+                    </a:lnT>
+                    <a:lnB>
+                      <a:noFill/>
+                    </a:lnB>
+                  </a:tcPr>
+                </a:tc>
+                <a:tc>
+                  <a:txBody>
+                    <a:bodyPr/>
+                    <a:lstStyle/>
+                    <a:p>
+                      <a:pPr algn="l" fontAlgn="ctr">
+                        <a:spcBef>
+                          <a:spcPts val="0"/>
+                        </a:spcBef>
+                        <a:spcAft>
+                          <a:spcPts val="0"/>
+                        </a:spcAft>
+                      </a:pPr>
+                      <a:r>
+                        <a:rPr lang="en-US" sz="900" b="0" i="0" u="none" strike="noStrike">
+                          <a:solidFill>
+                            <a:srgbClr val="24292F"/>
+                          </a:solidFill>
+                          <a:effectLst/>
+                          <a:latin typeface="Segoe UI" panose="020B0502040204020203" pitchFamily="34" charset="0"/>
+                        </a:rPr>
+                        <a:t>0</a:t>
+                      </a:r>
+                      <a:endParaRPr lang="en-US" sz="2000" b="0" i="0" u="none" strike="noStrike">
+                        <a:effectLst/>
+                        <a:latin typeface="Arial" panose="020B0604020202020204" pitchFamily="34" charset="0"/>
+                      </a:endParaRPr>
+                    </a:p>
+                  </a:txBody>
+                  <a:tcPr marL="6476" marR="6476" marT="6476" marB="0" anchor="ctr">
+                    <a:lnL>
+                      <a:noFill/>
+                    </a:lnL>
+                    <a:lnR>
+                      <a:noFill/>
+                    </a:lnR>
+                    <a:lnT>
+                      <a:noFill/>
+                    </a:lnT>
+                    <a:lnB>
+                      <a:noFill/>
+                    </a:lnB>
+                  </a:tcPr>
+                </a:tc>
+                <a:tc>
+                  <a:txBody>
+                    <a:bodyPr/>
+                    <a:lstStyle/>
+                    <a:p>
+                      <a:pPr algn="l" fontAlgn="ctr">
+                        <a:spcBef>
+                          <a:spcPts val="0"/>
+                        </a:spcBef>
+                        <a:spcAft>
+                          <a:spcPts val="0"/>
+                        </a:spcAft>
+                      </a:pPr>
+                      <a:r>
+                        <a:rPr lang="en-US" sz="900" b="0" i="0" u="none" strike="noStrike">
+                          <a:solidFill>
+                            <a:srgbClr val="24292F"/>
+                          </a:solidFill>
+                          <a:effectLst/>
+                          <a:latin typeface="Segoe UI" panose="020B0502040204020203" pitchFamily="34" charset="0"/>
+                        </a:rPr>
+                        <a:t>0</a:t>
+                      </a:r>
+                      <a:endParaRPr lang="en-US" sz="2000" b="0" i="0" u="none" strike="noStrike">
+                        <a:effectLst/>
+                        <a:latin typeface="Arial" panose="020B0604020202020204" pitchFamily="34" charset="0"/>
+                      </a:endParaRPr>
+                    </a:p>
+                  </a:txBody>
+                  <a:tcPr marL="6476" marR="6476" marT="6476" marB="0" anchor="ctr">
+                    <a:lnL>
+                      <a:noFill/>
+                    </a:lnL>
+                    <a:lnR>
+                      <a:noFill/>
+                    </a:lnR>
+                    <a:lnT>
+                      <a:noFill/>
+                    </a:lnT>
+                    <a:lnB>
+                      <a:noFill/>
+                    </a:lnB>
+                  </a:tcPr>
+                </a:tc>
+                <a:tc>
+                  <a:txBody>
+                    <a:bodyPr/>
+                    <a:lstStyle/>
+                    <a:p>
+                      <a:pPr algn="l" fontAlgn="ctr">
+                        <a:spcBef>
+                          <a:spcPts val="0"/>
+                        </a:spcBef>
+                        <a:spcAft>
+                          <a:spcPts val="0"/>
+                        </a:spcAft>
+                      </a:pPr>
+                      <a:r>
+                        <a:rPr lang="en-US" sz="900" b="0" i="0" u="none" strike="noStrike">
+                          <a:solidFill>
+                            <a:srgbClr val="24292F"/>
+                          </a:solidFill>
+                          <a:effectLst/>
+                          <a:latin typeface="Segoe UI" panose="020B0502040204020203" pitchFamily="34" charset="0"/>
+                        </a:rPr>
+                        <a:t>50</a:t>
+                      </a:r>
+                      <a:endParaRPr lang="en-US" sz="2000" b="0" i="0" u="none" strike="noStrike">
+                        <a:effectLst/>
+                        <a:latin typeface="Arial" panose="020B0604020202020204" pitchFamily="34" charset="0"/>
+                      </a:endParaRPr>
+                    </a:p>
+                  </a:txBody>
+                  <a:tcPr marL="6476" marR="6476" marT="6476" marB="0" anchor="ctr">
+                    <a:lnL>
+                      <a:noFill/>
+                    </a:lnL>
+                    <a:lnR>
+                      <a:noFill/>
+                    </a:lnR>
+                    <a:lnT>
+                      <a:noFill/>
+                    </a:lnT>
+                    <a:lnB>
+                      <a:noFill/>
+                    </a:lnB>
+                  </a:tcPr>
+                </a:tc>
+                <a:tc>
+                  <a:txBody>
+                    <a:bodyPr/>
+                    <a:lstStyle/>
+                    <a:p>
+                      <a:pPr algn="l" fontAlgn="ctr">
+                        <a:spcBef>
+                          <a:spcPts val="0"/>
+                        </a:spcBef>
+                        <a:spcAft>
+                          <a:spcPts val="0"/>
+                        </a:spcAft>
+                      </a:pPr>
+                      <a:r>
+                        <a:rPr lang="en-US" sz="900" b="0" i="0" u="none" strike="noStrike">
+                          <a:solidFill>
+                            <a:srgbClr val="24292F"/>
+                          </a:solidFill>
+                          <a:effectLst/>
+                          <a:latin typeface="Segoe UI" panose="020B0502040204020203" pitchFamily="34" charset="0"/>
+                        </a:rPr>
+                        <a:t>12</a:t>
+                      </a:r>
+                      <a:endParaRPr lang="en-US" sz="2000" b="0" i="0" u="none" strike="noStrike">
+                        <a:effectLst/>
+                        <a:latin typeface="Arial" panose="020B0604020202020204" pitchFamily="34" charset="0"/>
+                      </a:endParaRPr>
+                    </a:p>
+                  </a:txBody>
+                  <a:tcPr marL="6476" marR="6476" marT="6476" marB="0" anchor="ctr">
+                    <a:lnL>
+                      <a:noFill/>
+                    </a:lnL>
+                    <a:lnR>
+                      <a:noFill/>
+                    </a:lnR>
+                    <a:lnT>
+                      <a:noFill/>
+                    </a:lnT>
+                    <a:lnB>
+                      <a:noFill/>
+                    </a:lnB>
+                  </a:tcPr>
+                </a:tc>
+                <a:tc>
+                  <a:txBody>
+                    <a:bodyPr/>
+                    <a:lstStyle/>
+                    <a:p>
+                      <a:pPr algn="l" fontAlgn="ctr">
+                        <a:spcBef>
+                          <a:spcPts val="0"/>
+                        </a:spcBef>
+                        <a:spcAft>
+                          <a:spcPts val="0"/>
+                        </a:spcAft>
+                      </a:pPr>
+                      <a:r>
+                        <a:rPr lang="en-US" sz="900" b="0" i="0" u="none" strike="noStrike">
+                          <a:solidFill>
+                            <a:srgbClr val="24292F"/>
+                          </a:solidFill>
+                          <a:effectLst/>
+                          <a:latin typeface="Segoe UI" panose="020B0502040204020203" pitchFamily="34" charset="0"/>
+                        </a:rPr>
+                        <a:t>1</a:t>
+                      </a:r>
+                      <a:endParaRPr lang="en-US" sz="2000" b="0" i="0" u="none" strike="noStrike">
+                        <a:effectLst/>
+                        <a:latin typeface="Arial" panose="020B0604020202020204" pitchFamily="34" charset="0"/>
+                      </a:endParaRPr>
+                    </a:p>
+                  </a:txBody>
+                  <a:tcPr marL="6476" marR="6476" marT="6476" marB="0" anchor="ctr">
+                    <a:lnL>
+                      <a:noFill/>
+                    </a:lnL>
+                    <a:lnR>
+                      <a:noFill/>
+                    </a:lnR>
+                    <a:lnT>
+                      <a:noFill/>
+                    </a:lnT>
+                    <a:lnB>
+                      <a:noFill/>
+                    </a:lnB>
+                  </a:tcPr>
+                </a:tc>
+                <a:tc>
+                  <a:txBody>
+                    <a:bodyPr/>
+                    <a:lstStyle/>
+                    <a:p>
+                      <a:pPr algn="l" fontAlgn="ctr">
+                        <a:spcBef>
+                          <a:spcPts val="0"/>
+                        </a:spcBef>
+                        <a:spcAft>
+                          <a:spcPts val="0"/>
+                        </a:spcAft>
+                      </a:pPr>
+                      <a:r>
+                        <a:rPr lang="en-US" sz="900" b="0" i="0" u="none" strike="noStrike">
+                          <a:solidFill>
+                            <a:srgbClr val="24292F"/>
+                          </a:solidFill>
+                          <a:effectLst/>
+                          <a:latin typeface="Segoe UI" panose="020B0502040204020203" pitchFamily="34" charset="0"/>
+                        </a:rPr>
+                        <a:t>-2</a:t>
+                      </a:r>
+                      <a:endParaRPr lang="en-US" sz="2000" b="0" i="0" u="none" strike="noStrike">
+                        <a:effectLst/>
+                        <a:latin typeface="Arial" panose="020B0604020202020204" pitchFamily="34" charset="0"/>
+                      </a:endParaRPr>
+                    </a:p>
+                  </a:txBody>
+                  <a:tcPr marL="6476" marR="6476" marT="6476" marB="0" anchor="ctr">
+                    <a:lnL>
+                      <a:noFill/>
+                    </a:lnL>
+                    <a:lnR>
+                      <a:noFill/>
+                    </a:lnR>
+                    <a:lnT>
+                      <a:noFill/>
+                    </a:lnT>
+                    <a:lnB>
+                      <a:noFill/>
+                    </a:lnB>
+                  </a:tcPr>
+                </a:tc>
+                <a:tc>
+                  <a:txBody>
+                    <a:bodyPr/>
+                    <a:lstStyle/>
+                    <a:p>
+                      <a:pPr algn="l" fontAlgn="ctr">
+                        <a:spcBef>
+                          <a:spcPts val="0"/>
+                        </a:spcBef>
+                        <a:spcAft>
+                          <a:spcPts val="0"/>
+                        </a:spcAft>
+                      </a:pPr>
+                      <a:r>
+                        <a:rPr lang="en-US" sz="900" b="0" i="0" u="none" strike="noStrike">
+                          <a:solidFill>
+                            <a:srgbClr val="24292F"/>
+                          </a:solidFill>
+                          <a:effectLst/>
+                          <a:latin typeface="Segoe UI" panose="020B0502040204020203" pitchFamily="34" charset="0"/>
+                        </a:rPr>
+                        <a:t>-2</a:t>
+                      </a:r>
+                      <a:endParaRPr lang="en-US" sz="2000" b="0" i="0" u="none" strike="noStrike">
+                        <a:effectLst/>
+                        <a:latin typeface="Arial" panose="020B0604020202020204" pitchFamily="34" charset="0"/>
+                      </a:endParaRPr>
+                    </a:p>
+                  </a:txBody>
+                  <a:tcPr marL="6476" marR="6476" marT="6476" marB="0" anchor="ctr">
+                    <a:lnL>
+                      <a:noFill/>
+                    </a:lnL>
+                    <a:lnR>
+                      <a:noFill/>
+                    </a:lnR>
+                    <a:lnT>
+                      <a:noFill/>
+                    </a:lnT>
+                    <a:lnB>
+                      <a:noFill/>
+                    </a:lnB>
+                  </a:tcPr>
+                </a:tc>
+                <a:tc>
+                  <a:txBody>
+                    <a:bodyPr/>
+                    <a:lstStyle/>
+                    <a:p>
+                      <a:pPr algn="l" fontAlgn="ctr">
+                        <a:spcBef>
+                          <a:spcPts val="0"/>
+                        </a:spcBef>
+                        <a:spcAft>
+                          <a:spcPts val="0"/>
+                        </a:spcAft>
+                      </a:pPr>
+                      <a:r>
+                        <a:rPr lang="en-US" sz="900" b="0" i="0" u="none" strike="noStrike">
+                          <a:solidFill>
+                            <a:srgbClr val="24292F"/>
+                          </a:solidFill>
+                          <a:effectLst/>
+                          <a:latin typeface="Segoe UI" panose="020B0502040204020203" pitchFamily="34" charset="0"/>
+                        </a:rPr>
+                        <a:t>RB</a:t>
+                      </a:r>
+                      <a:endParaRPr lang="en-US" sz="2000" b="0" i="0" u="none" strike="noStrike">
+                        <a:effectLst/>
+                        <a:latin typeface="Arial" panose="020B0604020202020204" pitchFamily="34" charset="0"/>
+                      </a:endParaRPr>
+                    </a:p>
+                  </a:txBody>
+                  <a:tcPr marL="6476" marR="6476" marT="6476" marB="0" anchor="ctr">
+                    <a:lnL>
+                      <a:noFill/>
+                    </a:lnL>
+                    <a:lnR>
+                      <a:noFill/>
+                    </a:lnR>
+                    <a:lnT>
+                      <a:noFill/>
+                    </a:lnT>
+                    <a:lnB>
+                      <a:noFill/>
+                    </a:lnB>
+                  </a:tcPr>
+                </a:tc>
+                <a:tc>
+                  <a:txBody>
+                    <a:bodyPr/>
+                    <a:lstStyle/>
+                    <a:p>
+                      <a:pPr algn="l" fontAlgn="ctr">
+                        <a:spcBef>
+                          <a:spcPts val="0"/>
+                        </a:spcBef>
+                        <a:spcAft>
+                          <a:spcPts val="0"/>
+                        </a:spcAft>
+                      </a:pPr>
+                      <a:r>
+                        <a:rPr lang="en-US" sz="900" b="0" i="0" u="none" strike="noStrike">
+                          <a:solidFill>
+                            <a:srgbClr val="24292F"/>
+                          </a:solidFill>
+                          <a:effectLst/>
+                          <a:latin typeface="Segoe UI" panose="020B0502040204020203" pitchFamily="34" charset="0"/>
+                        </a:rPr>
+                        <a:t>17.8</a:t>
+                      </a:r>
+                      <a:endParaRPr lang="en-US" sz="2000" b="0" i="0" u="none" strike="noStrike">
+                        <a:effectLst/>
+                        <a:latin typeface="Arial" panose="020B0604020202020204" pitchFamily="34" charset="0"/>
+                      </a:endParaRPr>
+                    </a:p>
+                  </a:txBody>
+                  <a:tcPr marL="6476" marR="6476" marT="6476" marB="0" anchor="ctr">
+                    <a:lnL>
+                      <a:noFill/>
+                    </a:lnL>
+                    <a:lnR>
+                      <a:noFill/>
+                    </a:lnR>
+                    <a:lnT>
+                      <a:noFill/>
+                    </a:lnT>
+                    <a:lnB>
+                      <a:noFill/>
+                    </a:lnB>
+                  </a:tcPr>
+                </a:tc>
+                <a:extLst>
+                  <a:ext uri="{0D108BD9-81ED-4DB2-BD59-A6C34878D82A}">
+                    <a16:rowId xmlns:a16="http://schemas.microsoft.com/office/drawing/2014/main" val="2306326056"/>
+                  </a:ext>
+                </a:extLst>
+              </a:tr>
+              <a:tr h="302232">
+                <a:tc>
+                  <a:txBody>
+                    <a:bodyPr/>
+                    <a:lstStyle/>
+                    <a:p>
+                      <a:pPr algn="l" fontAlgn="ctr">
+                        <a:spcBef>
+                          <a:spcPts val="0"/>
+                        </a:spcBef>
+                        <a:spcAft>
+                          <a:spcPts val="0"/>
+                        </a:spcAft>
+                      </a:pPr>
+                      <a:r>
+                        <a:rPr lang="en-US" sz="900" b="0" i="0" u="none" strike="noStrike">
+                          <a:solidFill>
+                            <a:srgbClr val="24292F"/>
+                          </a:solidFill>
+                          <a:effectLst/>
+                          <a:latin typeface="Segoe UI" panose="020B0502040204020203" pitchFamily="34" charset="0"/>
+                        </a:rPr>
+                        <a:t>Adam Thielen</a:t>
+                      </a:r>
+                      <a:endParaRPr lang="en-US" sz="2000" b="0" i="0" u="none" strike="noStrike">
+                        <a:effectLst/>
+                        <a:latin typeface="Arial" panose="020B0604020202020204" pitchFamily="34" charset="0"/>
+                      </a:endParaRPr>
+                    </a:p>
+                  </a:txBody>
+                  <a:tcPr marL="6476" marR="6476" marT="6476" marB="0" anchor="ctr">
+                    <a:lnL>
+                      <a:noFill/>
+                    </a:lnL>
+                    <a:lnR>
+                      <a:noFill/>
+                    </a:lnR>
+                    <a:lnT>
+                      <a:noFill/>
+                    </a:lnT>
+                    <a:lnB>
+                      <a:noFill/>
+                    </a:lnB>
+                    <a:solidFill>
+                      <a:srgbClr val="C6E0B4"/>
+                    </a:solidFill>
+                  </a:tcPr>
+                </a:tc>
+                <a:tc>
+                  <a:txBody>
+                    <a:bodyPr/>
+                    <a:lstStyle/>
+                    <a:p>
+                      <a:pPr algn="l" fontAlgn="ctr">
+                        <a:spcBef>
+                          <a:spcPts val="0"/>
+                        </a:spcBef>
+                        <a:spcAft>
+                          <a:spcPts val="0"/>
+                        </a:spcAft>
+                      </a:pPr>
+                      <a:r>
+                        <a:rPr lang="en-US" sz="900" b="0" i="0" u="none" strike="noStrike">
+                          <a:solidFill>
+                            <a:srgbClr val="24292F"/>
+                          </a:solidFill>
+                          <a:effectLst/>
+                          <a:latin typeface="Segoe UI" panose="020B0502040204020203" pitchFamily="34" charset="0"/>
+                        </a:rPr>
+                        <a:t>0</a:t>
+                      </a:r>
+                      <a:endParaRPr lang="en-US" sz="2000" b="0" i="0" u="none" strike="noStrike">
+                        <a:effectLst/>
+                        <a:latin typeface="Arial" panose="020B0604020202020204" pitchFamily="34" charset="0"/>
+                      </a:endParaRPr>
+                    </a:p>
+                  </a:txBody>
+                  <a:tcPr marL="6476" marR="6476" marT="6476" marB="0" anchor="ctr">
+                    <a:lnL>
+                      <a:noFill/>
+                    </a:lnL>
+                    <a:lnR>
+                      <a:noFill/>
+                    </a:lnR>
+                    <a:lnT>
+                      <a:noFill/>
+                    </a:lnT>
+                    <a:lnB>
+                      <a:noFill/>
+                    </a:lnB>
+                    <a:solidFill>
+                      <a:srgbClr val="C6E0B4"/>
+                    </a:solidFill>
+                  </a:tcPr>
+                </a:tc>
+                <a:tc>
+                  <a:txBody>
+                    <a:bodyPr/>
+                    <a:lstStyle/>
+                    <a:p>
+                      <a:pPr algn="l" fontAlgn="ctr">
+                        <a:spcBef>
+                          <a:spcPts val="0"/>
+                        </a:spcBef>
+                        <a:spcAft>
+                          <a:spcPts val="0"/>
+                        </a:spcAft>
+                      </a:pPr>
+                      <a:r>
+                        <a:rPr lang="en-US" sz="900" b="0" i="0" u="none" strike="noStrike">
+                          <a:solidFill>
+                            <a:srgbClr val="24292F"/>
+                          </a:solidFill>
+                          <a:effectLst/>
+                          <a:latin typeface="Segoe UI" panose="020B0502040204020203" pitchFamily="34" charset="0"/>
+                        </a:rPr>
+                        <a:t>0</a:t>
+                      </a:r>
+                      <a:endParaRPr lang="en-US" sz="2000" b="0" i="0" u="none" strike="noStrike">
+                        <a:effectLst/>
+                        <a:latin typeface="Arial" panose="020B0604020202020204" pitchFamily="34" charset="0"/>
+                      </a:endParaRPr>
+                    </a:p>
+                  </a:txBody>
+                  <a:tcPr marL="6476" marR="6476" marT="6476" marB="0" anchor="ctr">
+                    <a:lnL>
+                      <a:noFill/>
+                    </a:lnL>
+                    <a:lnR>
+                      <a:noFill/>
+                    </a:lnR>
+                    <a:lnT>
+                      <a:noFill/>
+                    </a:lnT>
+                    <a:lnB>
+                      <a:noFill/>
+                    </a:lnB>
+                    <a:solidFill>
+                      <a:srgbClr val="C6E0B4"/>
+                    </a:solidFill>
+                  </a:tcPr>
+                </a:tc>
+                <a:tc>
+                  <a:txBody>
+                    <a:bodyPr/>
+                    <a:lstStyle/>
+                    <a:p>
+                      <a:pPr algn="l" fontAlgn="ctr">
+                        <a:spcBef>
+                          <a:spcPts val="0"/>
+                        </a:spcBef>
+                        <a:spcAft>
+                          <a:spcPts val="0"/>
+                        </a:spcAft>
+                      </a:pPr>
+                      <a:r>
+                        <a:rPr lang="en-US" sz="900" b="0" i="0" u="none" strike="noStrike">
+                          <a:solidFill>
+                            <a:srgbClr val="24292F"/>
+                          </a:solidFill>
+                          <a:effectLst/>
+                          <a:latin typeface="Segoe UI" panose="020B0502040204020203" pitchFamily="34" charset="0"/>
+                        </a:rPr>
+                        <a:t>0</a:t>
+                      </a:r>
+                      <a:endParaRPr lang="en-US" sz="2000" b="0" i="0" u="none" strike="noStrike">
+                        <a:effectLst/>
+                        <a:latin typeface="Arial" panose="020B0604020202020204" pitchFamily="34" charset="0"/>
+                      </a:endParaRPr>
+                    </a:p>
+                  </a:txBody>
+                  <a:tcPr marL="6476" marR="6476" marT="6476" marB="0" anchor="ctr">
+                    <a:lnL>
+                      <a:noFill/>
+                    </a:lnL>
+                    <a:lnR>
+                      <a:noFill/>
+                    </a:lnR>
+                    <a:lnT>
+                      <a:noFill/>
+                    </a:lnT>
+                    <a:lnB>
+                      <a:noFill/>
+                    </a:lnB>
+                    <a:solidFill>
+                      <a:srgbClr val="C6E0B4"/>
+                    </a:solidFill>
+                  </a:tcPr>
+                </a:tc>
+                <a:tc>
+                  <a:txBody>
+                    <a:bodyPr/>
+                    <a:lstStyle/>
+                    <a:p>
+                      <a:pPr algn="l" fontAlgn="ctr">
+                        <a:spcBef>
+                          <a:spcPts val="0"/>
+                        </a:spcBef>
+                        <a:spcAft>
+                          <a:spcPts val="0"/>
+                        </a:spcAft>
+                      </a:pPr>
+                      <a:r>
+                        <a:rPr lang="en-US" sz="900" b="0" i="0" u="none" strike="noStrike">
+                          <a:solidFill>
+                            <a:srgbClr val="24292F"/>
+                          </a:solidFill>
+                          <a:effectLst/>
+                          <a:latin typeface="Segoe UI" panose="020B0502040204020203" pitchFamily="34" charset="0"/>
+                        </a:rPr>
+                        <a:t>0</a:t>
+                      </a:r>
+                      <a:endParaRPr lang="en-US" sz="2000" b="0" i="0" u="none" strike="noStrike">
+                        <a:effectLst/>
+                        <a:latin typeface="Arial" panose="020B0604020202020204" pitchFamily="34" charset="0"/>
+                      </a:endParaRPr>
+                    </a:p>
+                  </a:txBody>
+                  <a:tcPr marL="6476" marR="6476" marT="6476" marB="0" anchor="ctr">
+                    <a:lnL>
+                      <a:noFill/>
+                    </a:lnL>
+                    <a:lnR>
+                      <a:noFill/>
+                    </a:lnR>
+                    <a:lnT>
+                      <a:noFill/>
+                    </a:lnT>
+                    <a:lnB>
+                      <a:noFill/>
+                    </a:lnB>
+                    <a:solidFill>
+                      <a:srgbClr val="C6E0B4"/>
+                    </a:solidFill>
+                  </a:tcPr>
+                </a:tc>
+                <a:tc>
+                  <a:txBody>
+                    <a:bodyPr/>
+                    <a:lstStyle/>
+                    <a:p>
+                      <a:pPr algn="l" fontAlgn="ctr">
+                        <a:spcBef>
+                          <a:spcPts val="0"/>
+                        </a:spcBef>
+                        <a:spcAft>
+                          <a:spcPts val="0"/>
+                        </a:spcAft>
+                      </a:pPr>
+                      <a:r>
+                        <a:rPr lang="en-US" sz="900" b="0" i="0" u="none" strike="noStrike">
+                          <a:solidFill>
+                            <a:srgbClr val="24292F"/>
+                          </a:solidFill>
+                          <a:effectLst/>
+                          <a:latin typeface="Segoe UI" panose="020B0502040204020203" pitchFamily="34" charset="0"/>
+                        </a:rPr>
+                        <a:t>0</a:t>
+                      </a:r>
+                      <a:endParaRPr lang="en-US" sz="2000" b="0" i="0" u="none" strike="noStrike">
+                        <a:effectLst/>
+                        <a:latin typeface="Arial" panose="020B0604020202020204" pitchFamily="34" charset="0"/>
+                      </a:endParaRPr>
+                    </a:p>
+                  </a:txBody>
+                  <a:tcPr marL="6476" marR="6476" marT="6476" marB="0" anchor="ctr">
+                    <a:lnL>
+                      <a:noFill/>
+                    </a:lnL>
+                    <a:lnR>
+                      <a:noFill/>
+                    </a:lnR>
+                    <a:lnT>
+                      <a:noFill/>
+                    </a:lnT>
+                    <a:lnB>
+                      <a:noFill/>
+                    </a:lnB>
+                    <a:solidFill>
+                      <a:srgbClr val="C6E0B4"/>
+                    </a:solidFill>
+                  </a:tcPr>
+                </a:tc>
+                <a:tc>
+                  <a:txBody>
+                    <a:bodyPr/>
+                    <a:lstStyle/>
+                    <a:p>
+                      <a:pPr algn="l" fontAlgn="ctr">
+                        <a:spcBef>
+                          <a:spcPts val="0"/>
+                        </a:spcBef>
+                        <a:spcAft>
+                          <a:spcPts val="0"/>
+                        </a:spcAft>
+                      </a:pPr>
+                      <a:r>
+                        <a:rPr lang="en-US" sz="900" b="0" i="0" u="none" strike="noStrike">
+                          <a:solidFill>
+                            <a:srgbClr val="24292F"/>
+                          </a:solidFill>
+                          <a:effectLst/>
+                          <a:latin typeface="Segoe UI" panose="020B0502040204020203" pitchFamily="34" charset="0"/>
+                        </a:rPr>
+                        <a:t>0</a:t>
+                      </a:r>
+                      <a:endParaRPr lang="en-US" sz="2000" b="0" i="0" u="none" strike="noStrike">
+                        <a:effectLst/>
+                        <a:latin typeface="Arial" panose="020B0604020202020204" pitchFamily="34" charset="0"/>
+                      </a:endParaRPr>
+                    </a:p>
+                  </a:txBody>
+                  <a:tcPr marL="6476" marR="6476" marT="6476" marB="0" anchor="ctr">
+                    <a:lnL>
+                      <a:noFill/>
+                    </a:lnL>
+                    <a:lnR>
+                      <a:noFill/>
+                    </a:lnR>
+                    <a:lnT>
+                      <a:noFill/>
+                    </a:lnT>
+                    <a:lnB>
+                      <a:noFill/>
+                    </a:lnB>
+                    <a:solidFill>
+                      <a:srgbClr val="C6E0B4"/>
+                    </a:solidFill>
+                  </a:tcPr>
+                </a:tc>
+                <a:tc>
+                  <a:txBody>
+                    <a:bodyPr/>
+                    <a:lstStyle/>
+                    <a:p>
+                      <a:pPr algn="l" fontAlgn="ctr">
+                        <a:spcBef>
+                          <a:spcPts val="0"/>
+                        </a:spcBef>
+                        <a:spcAft>
+                          <a:spcPts val="0"/>
+                        </a:spcAft>
+                      </a:pPr>
+                      <a:r>
+                        <a:rPr lang="en-US" sz="900" b="0" i="0" u="none" strike="noStrike">
+                          <a:solidFill>
+                            <a:srgbClr val="24292F"/>
+                          </a:solidFill>
+                          <a:effectLst/>
+                          <a:latin typeface="Segoe UI" panose="020B0502040204020203" pitchFamily="34" charset="0"/>
+                        </a:rPr>
+                        <a:t>6</a:t>
+                      </a:r>
+                      <a:endParaRPr lang="en-US" sz="2000" b="0" i="0" u="none" strike="noStrike">
+                        <a:effectLst/>
+                        <a:latin typeface="Arial" panose="020B0604020202020204" pitchFamily="34" charset="0"/>
+                      </a:endParaRPr>
+                    </a:p>
+                  </a:txBody>
+                  <a:tcPr marL="6476" marR="6476" marT="6476" marB="0" anchor="ctr">
+                    <a:lnL>
+                      <a:noFill/>
+                    </a:lnL>
+                    <a:lnR>
+                      <a:noFill/>
+                    </a:lnR>
+                    <a:lnT>
+                      <a:noFill/>
+                    </a:lnT>
+                    <a:lnB>
+                      <a:noFill/>
+                    </a:lnB>
+                    <a:solidFill>
+                      <a:srgbClr val="C6E0B4"/>
+                    </a:solidFill>
+                  </a:tcPr>
+                </a:tc>
+                <a:tc>
+                  <a:txBody>
+                    <a:bodyPr/>
+                    <a:lstStyle/>
+                    <a:p>
+                      <a:pPr algn="l" fontAlgn="ctr">
+                        <a:spcBef>
+                          <a:spcPts val="0"/>
+                        </a:spcBef>
+                        <a:spcAft>
+                          <a:spcPts val="0"/>
+                        </a:spcAft>
+                      </a:pPr>
+                      <a:r>
+                        <a:rPr lang="en-US" sz="900" b="0" i="0" u="none" strike="noStrike">
+                          <a:solidFill>
+                            <a:srgbClr val="24292F"/>
+                          </a:solidFill>
+                          <a:effectLst/>
+                          <a:latin typeface="Segoe UI" panose="020B0502040204020203" pitchFamily="34" charset="0"/>
+                        </a:rPr>
+                        <a:t>110</a:t>
+                      </a:r>
+                      <a:endParaRPr lang="en-US" sz="2000" b="0" i="0" u="none" strike="noStrike">
+                        <a:effectLst/>
+                        <a:latin typeface="Arial" panose="020B0604020202020204" pitchFamily="34" charset="0"/>
+                      </a:endParaRPr>
+                    </a:p>
+                  </a:txBody>
+                  <a:tcPr marL="6476" marR="6476" marT="6476" marB="0" anchor="ctr">
+                    <a:lnL>
+                      <a:noFill/>
+                    </a:lnL>
+                    <a:lnR>
+                      <a:noFill/>
+                    </a:lnR>
+                    <a:lnT>
+                      <a:noFill/>
+                    </a:lnT>
+                    <a:lnB>
+                      <a:noFill/>
+                    </a:lnB>
+                    <a:solidFill>
+                      <a:srgbClr val="C6E0B4"/>
+                    </a:solidFill>
+                  </a:tcPr>
+                </a:tc>
+                <a:tc>
+                  <a:txBody>
+                    <a:bodyPr/>
+                    <a:lstStyle/>
+                    <a:p>
+                      <a:pPr algn="l" fontAlgn="ctr">
+                        <a:spcBef>
+                          <a:spcPts val="0"/>
+                        </a:spcBef>
+                        <a:spcAft>
+                          <a:spcPts val="0"/>
+                        </a:spcAft>
+                      </a:pPr>
+                      <a:r>
+                        <a:rPr lang="en-US" sz="900" b="0" i="0" u="none" strike="noStrike">
+                          <a:solidFill>
+                            <a:srgbClr val="24292F"/>
+                          </a:solidFill>
+                          <a:effectLst/>
+                          <a:latin typeface="Segoe UI" panose="020B0502040204020203" pitchFamily="34" charset="0"/>
+                        </a:rPr>
+                        <a:t>37</a:t>
+                      </a:r>
+                      <a:endParaRPr lang="en-US" sz="2000" b="0" i="0" u="none" strike="noStrike">
+                        <a:effectLst/>
+                        <a:latin typeface="Arial" panose="020B0604020202020204" pitchFamily="34" charset="0"/>
+                      </a:endParaRPr>
+                    </a:p>
+                  </a:txBody>
+                  <a:tcPr marL="6476" marR="6476" marT="6476" marB="0" anchor="ctr">
+                    <a:lnL>
+                      <a:noFill/>
+                    </a:lnL>
+                    <a:lnR>
+                      <a:noFill/>
+                    </a:lnR>
+                    <a:lnT>
+                      <a:noFill/>
+                    </a:lnT>
+                    <a:lnB>
+                      <a:noFill/>
+                    </a:lnB>
+                    <a:solidFill>
+                      <a:srgbClr val="C6E0B4"/>
+                    </a:solidFill>
+                  </a:tcPr>
+                </a:tc>
+                <a:tc>
+                  <a:txBody>
+                    <a:bodyPr/>
+                    <a:lstStyle/>
+                    <a:p>
+                      <a:pPr algn="l" fontAlgn="ctr">
+                        <a:spcBef>
+                          <a:spcPts val="0"/>
+                        </a:spcBef>
+                        <a:spcAft>
+                          <a:spcPts val="0"/>
+                        </a:spcAft>
+                      </a:pPr>
+                      <a:r>
+                        <a:rPr lang="en-US" sz="900" b="0" i="0" u="none" strike="noStrike">
+                          <a:solidFill>
+                            <a:srgbClr val="24292F"/>
+                          </a:solidFill>
+                          <a:effectLst/>
+                          <a:latin typeface="Segoe UI" panose="020B0502040204020203" pitchFamily="34" charset="0"/>
+                        </a:rPr>
+                        <a:t>WR</a:t>
+                      </a:r>
+                      <a:endParaRPr lang="en-US" sz="2000" b="0" i="0" u="none" strike="noStrike">
+                        <a:effectLst/>
+                        <a:latin typeface="Arial" panose="020B0604020202020204" pitchFamily="34" charset="0"/>
+                      </a:endParaRPr>
+                    </a:p>
+                  </a:txBody>
+                  <a:tcPr marL="6476" marR="6476" marT="6476" marB="0" anchor="ctr">
+                    <a:lnL>
+                      <a:noFill/>
+                    </a:lnL>
+                    <a:lnR>
+                      <a:noFill/>
+                    </a:lnR>
+                    <a:lnT>
+                      <a:noFill/>
+                    </a:lnT>
+                    <a:lnB>
+                      <a:noFill/>
+                    </a:lnB>
+                    <a:solidFill>
+                      <a:srgbClr val="C6E0B4"/>
+                    </a:solidFill>
+                  </a:tcPr>
+                </a:tc>
+                <a:tc>
+                  <a:txBody>
+                    <a:bodyPr/>
+                    <a:lstStyle/>
+                    <a:p>
+                      <a:pPr algn="l" fontAlgn="ctr">
+                        <a:spcBef>
+                          <a:spcPts val="0"/>
+                        </a:spcBef>
+                        <a:spcAft>
+                          <a:spcPts val="0"/>
+                        </a:spcAft>
+                      </a:pPr>
+                      <a:r>
+                        <a:rPr lang="en-US" sz="900" b="0" i="0" u="none" strike="noStrike">
+                          <a:solidFill>
+                            <a:srgbClr val="24292F"/>
+                          </a:solidFill>
+                          <a:effectLst/>
+                          <a:latin typeface="Segoe UI" panose="020B0502040204020203" pitchFamily="34" charset="0"/>
+                        </a:rPr>
+                        <a:t>32</a:t>
+                      </a:r>
+                      <a:endParaRPr lang="en-US" sz="2000" b="0" i="0" u="none" strike="noStrike">
+                        <a:effectLst/>
+                        <a:latin typeface="Arial" panose="020B0604020202020204" pitchFamily="34" charset="0"/>
+                      </a:endParaRPr>
+                    </a:p>
+                  </a:txBody>
+                  <a:tcPr marL="6476" marR="6476" marT="6476" marB="0" anchor="ctr">
+                    <a:lnL>
+                      <a:noFill/>
+                    </a:lnL>
+                    <a:lnR>
+                      <a:noFill/>
+                    </a:lnR>
+                    <a:lnT>
+                      <a:noFill/>
+                    </a:lnT>
+                    <a:lnB>
+                      <a:noFill/>
+                    </a:lnB>
+                    <a:solidFill>
+                      <a:srgbClr val="C6E0B4"/>
+                    </a:solidFill>
+                  </a:tcPr>
+                </a:tc>
+                <a:extLst>
+                  <a:ext uri="{0D108BD9-81ED-4DB2-BD59-A6C34878D82A}">
+                    <a16:rowId xmlns:a16="http://schemas.microsoft.com/office/drawing/2014/main" val="1069704430"/>
+                  </a:ext>
+                </a:extLst>
+              </a:tr>
+              <a:tr h="302232">
+                <a:tc>
+                  <a:txBody>
+                    <a:bodyPr/>
+                    <a:lstStyle/>
+                    <a:p>
+                      <a:pPr algn="l" fontAlgn="ctr">
+                        <a:spcBef>
+                          <a:spcPts val="0"/>
+                        </a:spcBef>
+                        <a:spcAft>
+                          <a:spcPts val="0"/>
+                        </a:spcAft>
+                      </a:pPr>
+                      <a:r>
+                        <a:rPr lang="en-US" sz="900" b="0" i="0" u="none" strike="noStrike">
+                          <a:solidFill>
+                            <a:srgbClr val="24292F"/>
+                          </a:solidFill>
+                          <a:effectLst/>
+                          <a:latin typeface="Segoe UI" panose="020B0502040204020203" pitchFamily="34" charset="0"/>
+                        </a:rPr>
+                        <a:t>Olabisi Johnson</a:t>
+                      </a:r>
+                      <a:endParaRPr lang="en-US" sz="2000" b="0" i="0" u="none" strike="noStrike">
+                        <a:effectLst/>
+                        <a:latin typeface="Arial" panose="020B0604020202020204" pitchFamily="34" charset="0"/>
+                      </a:endParaRPr>
+                    </a:p>
+                  </a:txBody>
+                  <a:tcPr marL="6476" marR="6476" marT="6476" marB="0" anchor="ctr">
+                    <a:lnL>
+                      <a:noFill/>
+                    </a:lnL>
+                    <a:lnR>
+                      <a:noFill/>
+                    </a:lnR>
+                    <a:lnT>
+                      <a:noFill/>
+                    </a:lnT>
+                    <a:lnB>
+                      <a:noFill/>
+                    </a:lnB>
+                  </a:tcPr>
+                </a:tc>
+                <a:tc>
+                  <a:txBody>
+                    <a:bodyPr/>
+                    <a:lstStyle/>
+                    <a:p>
+                      <a:pPr algn="l" fontAlgn="ctr">
+                        <a:spcBef>
+                          <a:spcPts val="0"/>
+                        </a:spcBef>
+                        <a:spcAft>
+                          <a:spcPts val="0"/>
+                        </a:spcAft>
+                      </a:pPr>
+                      <a:r>
+                        <a:rPr lang="en-US" sz="900" b="0" i="0" u="none" strike="noStrike">
+                          <a:solidFill>
+                            <a:srgbClr val="24292F"/>
+                          </a:solidFill>
+                          <a:effectLst/>
+                          <a:latin typeface="Segoe UI" panose="020B0502040204020203" pitchFamily="34" charset="0"/>
+                        </a:rPr>
+                        <a:t>0</a:t>
+                      </a:r>
+                      <a:endParaRPr lang="en-US" sz="2000" b="0" i="0" u="none" strike="noStrike">
+                        <a:effectLst/>
+                        <a:latin typeface="Arial" panose="020B0604020202020204" pitchFamily="34" charset="0"/>
+                      </a:endParaRPr>
+                    </a:p>
+                  </a:txBody>
+                  <a:tcPr marL="6476" marR="6476" marT="6476" marB="0" anchor="ctr">
+                    <a:lnL>
+                      <a:noFill/>
+                    </a:lnL>
+                    <a:lnR>
+                      <a:noFill/>
+                    </a:lnR>
+                    <a:lnT>
+                      <a:noFill/>
+                    </a:lnT>
+                    <a:lnB>
+                      <a:noFill/>
+                    </a:lnB>
+                  </a:tcPr>
+                </a:tc>
+                <a:tc>
+                  <a:txBody>
+                    <a:bodyPr/>
+                    <a:lstStyle/>
+                    <a:p>
+                      <a:pPr algn="l" fontAlgn="ctr">
+                        <a:spcBef>
+                          <a:spcPts val="0"/>
+                        </a:spcBef>
+                        <a:spcAft>
+                          <a:spcPts val="0"/>
+                        </a:spcAft>
+                      </a:pPr>
+                      <a:r>
+                        <a:rPr lang="en-US" sz="900" b="0" i="0" u="none" strike="noStrike">
+                          <a:solidFill>
+                            <a:srgbClr val="24292F"/>
+                          </a:solidFill>
+                          <a:effectLst/>
+                          <a:latin typeface="Segoe UI" panose="020B0502040204020203" pitchFamily="34" charset="0"/>
+                        </a:rPr>
+                        <a:t>0</a:t>
+                      </a:r>
+                      <a:endParaRPr lang="en-US" sz="2000" b="0" i="0" u="none" strike="noStrike">
+                        <a:effectLst/>
+                        <a:latin typeface="Arial" panose="020B0604020202020204" pitchFamily="34" charset="0"/>
+                      </a:endParaRPr>
+                    </a:p>
+                  </a:txBody>
+                  <a:tcPr marL="6476" marR="6476" marT="6476" marB="0" anchor="ctr">
+                    <a:lnL>
+                      <a:noFill/>
+                    </a:lnL>
+                    <a:lnR>
+                      <a:noFill/>
+                    </a:lnR>
+                    <a:lnT>
+                      <a:noFill/>
+                    </a:lnT>
+                    <a:lnB>
+                      <a:noFill/>
+                    </a:lnB>
+                  </a:tcPr>
+                </a:tc>
+                <a:tc>
+                  <a:txBody>
+                    <a:bodyPr/>
+                    <a:lstStyle/>
+                    <a:p>
+                      <a:pPr algn="l" fontAlgn="ctr">
+                        <a:spcBef>
+                          <a:spcPts val="0"/>
+                        </a:spcBef>
+                        <a:spcAft>
+                          <a:spcPts val="0"/>
+                        </a:spcAft>
+                      </a:pPr>
+                      <a:r>
+                        <a:rPr lang="en-US" sz="900" b="0" i="0" u="none" strike="noStrike">
+                          <a:solidFill>
+                            <a:srgbClr val="24292F"/>
+                          </a:solidFill>
+                          <a:effectLst/>
+                          <a:latin typeface="Segoe UI" panose="020B0502040204020203" pitchFamily="34" charset="0"/>
+                        </a:rPr>
+                        <a:t>0</a:t>
+                      </a:r>
+                      <a:endParaRPr lang="en-US" sz="2000" b="0" i="0" u="none" strike="noStrike">
+                        <a:effectLst/>
+                        <a:latin typeface="Arial" panose="020B0604020202020204" pitchFamily="34" charset="0"/>
+                      </a:endParaRPr>
+                    </a:p>
+                  </a:txBody>
+                  <a:tcPr marL="6476" marR="6476" marT="6476" marB="0" anchor="ctr">
+                    <a:lnL>
+                      <a:noFill/>
+                    </a:lnL>
+                    <a:lnR>
+                      <a:noFill/>
+                    </a:lnR>
+                    <a:lnT>
+                      <a:noFill/>
+                    </a:lnT>
+                    <a:lnB>
+                      <a:noFill/>
+                    </a:lnB>
+                  </a:tcPr>
+                </a:tc>
+                <a:tc>
+                  <a:txBody>
+                    <a:bodyPr/>
+                    <a:lstStyle/>
+                    <a:p>
+                      <a:pPr algn="l" fontAlgn="ctr">
+                        <a:spcBef>
+                          <a:spcPts val="0"/>
+                        </a:spcBef>
+                        <a:spcAft>
+                          <a:spcPts val="0"/>
+                        </a:spcAft>
+                      </a:pPr>
+                      <a:r>
+                        <a:rPr lang="en-US" sz="900" b="0" i="0" u="none" strike="noStrike">
+                          <a:solidFill>
+                            <a:srgbClr val="24292F"/>
+                          </a:solidFill>
+                          <a:effectLst/>
+                          <a:latin typeface="Segoe UI" panose="020B0502040204020203" pitchFamily="34" charset="0"/>
+                        </a:rPr>
+                        <a:t>0</a:t>
+                      </a:r>
+                      <a:endParaRPr lang="en-US" sz="2000" b="0" i="0" u="none" strike="noStrike">
+                        <a:effectLst/>
+                        <a:latin typeface="Arial" panose="020B0604020202020204" pitchFamily="34" charset="0"/>
+                      </a:endParaRPr>
+                    </a:p>
+                  </a:txBody>
+                  <a:tcPr marL="6476" marR="6476" marT="6476" marB="0" anchor="ctr">
+                    <a:lnL>
+                      <a:noFill/>
+                    </a:lnL>
+                    <a:lnR>
+                      <a:noFill/>
+                    </a:lnR>
+                    <a:lnT>
+                      <a:noFill/>
+                    </a:lnT>
+                    <a:lnB>
+                      <a:noFill/>
+                    </a:lnB>
+                  </a:tcPr>
+                </a:tc>
+                <a:tc>
+                  <a:txBody>
+                    <a:bodyPr/>
+                    <a:lstStyle/>
+                    <a:p>
+                      <a:pPr algn="l" fontAlgn="ctr">
+                        <a:spcBef>
+                          <a:spcPts val="0"/>
+                        </a:spcBef>
+                        <a:spcAft>
+                          <a:spcPts val="0"/>
+                        </a:spcAft>
+                      </a:pPr>
+                      <a:r>
+                        <a:rPr lang="en-US" sz="900" b="0" i="0" u="none" strike="noStrike">
+                          <a:solidFill>
+                            <a:srgbClr val="24292F"/>
+                          </a:solidFill>
+                          <a:effectLst/>
+                          <a:latin typeface="Segoe UI" panose="020B0502040204020203" pitchFamily="34" charset="0"/>
+                        </a:rPr>
+                        <a:t>0</a:t>
+                      </a:r>
+                      <a:endParaRPr lang="en-US" sz="2000" b="0" i="0" u="none" strike="noStrike">
+                        <a:effectLst/>
+                        <a:latin typeface="Arial" panose="020B0604020202020204" pitchFamily="34" charset="0"/>
+                      </a:endParaRPr>
+                    </a:p>
+                  </a:txBody>
+                  <a:tcPr marL="6476" marR="6476" marT="6476" marB="0" anchor="ctr">
+                    <a:lnL>
+                      <a:noFill/>
+                    </a:lnL>
+                    <a:lnR>
+                      <a:noFill/>
+                    </a:lnR>
+                    <a:lnT>
+                      <a:noFill/>
+                    </a:lnT>
+                    <a:lnB>
+                      <a:noFill/>
+                    </a:lnB>
+                  </a:tcPr>
+                </a:tc>
+                <a:tc>
+                  <a:txBody>
+                    <a:bodyPr/>
+                    <a:lstStyle/>
+                    <a:p>
+                      <a:pPr algn="l" fontAlgn="ctr">
+                        <a:spcBef>
+                          <a:spcPts val="0"/>
+                        </a:spcBef>
+                        <a:spcAft>
+                          <a:spcPts val="0"/>
+                        </a:spcAft>
+                      </a:pPr>
+                      <a:r>
+                        <a:rPr lang="en-US" sz="900" b="0" i="0" u="none" strike="noStrike">
+                          <a:solidFill>
+                            <a:srgbClr val="24292F"/>
+                          </a:solidFill>
+                          <a:effectLst/>
+                          <a:latin typeface="Segoe UI" panose="020B0502040204020203" pitchFamily="34" charset="0"/>
+                        </a:rPr>
+                        <a:t>0</a:t>
+                      </a:r>
+                      <a:endParaRPr lang="en-US" sz="2000" b="0" i="0" u="none" strike="noStrike">
+                        <a:effectLst/>
+                        <a:latin typeface="Arial" panose="020B0604020202020204" pitchFamily="34" charset="0"/>
+                      </a:endParaRPr>
+                    </a:p>
+                  </a:txBody>
+                  <a:tcPr marL="6476" marR="6476" marT="6476" marB="0" anchor="ctr">
+                    <a:lnL>
+                      <a:noFill/>
+                    </a:lnL>
+                    <a:lnR>
+                      <a:noFill/>
+                    </a:lnR>
+                    <a:lnT>
+                      <a:noFill/>
+                    </a:lnT>
+                    <a:lnB>
+                      <a:noFill/>
+                    </a:lnB>
+                  </a:tcPr>
+                </a:tc>
+                <a:tc>
+                  <a:txBody>
+                    <a:bodyPr/>
+                    <a:lstStyle/>
+                    <a:p>
+                      <a:pPr algn="l" fontAlgn="ctr">
+                        <a:spcBef>
+                          <a:spcPts val="0"/>
+                        </a:spcBef>
+                        <a:spcAft>
+                          <a:spcPts val="0"/>
+                        </a:spcAft>
+                      </a:pPr>
+                      <a:r>
+                        <a:rPr lang="en-US" sz="900" b="0" i="0" u="none" strike="noStrike">
+                          <a:solidFill>
+                            <a:srgbClr val="24292F"/>
+                          </a:solidFill>
+                          <a:effectLst/>
+                          <a:latin typeface="Segoe UI" panose="020B0502040204020203" pitchFamily="34" charset="0"/>
+                        </a:rPr>
+                        <a:t>3</a:t>
+                      </a:r>
+                      <a:endParaRPr lang="en-US" sz="2000" b="0" i="0" u="none" strike="noStrike">
+                        <a:effectLst/>
+                        <a:latin typeface="Arial" panose="020B0604020202020204" pitchFamily="34" charset="0"/>
+                      </a:endParaRPr>
+                    </a:p>
+                  </a:txBody>
+                  <a:tcPr marL="6476" marR="6476" marT="6476" marB="0" anchor="ctr">
+                    <a:lnL>
+                      <a:noFill/>
+                    </a:lnL>
+                    <a:lnR>
+                      <a:noFill/>
+                    </a:lnR>
+                    <a:lnT>
+                      <a:noFill/>
+                    </a:lnT>
+                    <a:lnB>
+                      <a:noFill/>
+                    </a:lnB>
+                  </a:tcPr>
+                </a:tc>
+                <a:tc>
+                  <a:txBody>
+                    <a:bodyPr/>
+                    <a:lstStyle/>
+                    <a:p>
+                      <a:pPr algn="l" fontAlgn="ctr">
+                        <a:spcBef>
+                          <a:spcPts val="0"/>
+                        </a:spcBef>
+                        <a:spcAft>
+                          <a:spcPts val="0"/>
+                        </a:spcAft>
+                      </a:pPr>
+                      <a:r>
+                        <a:rPr lang="en-US" sz="900" b="0" i="0" u="none" strike="noStrike">
+                          <a:solidFill>
+                            <a:srgbClr val="24292F"/>
+                          </a:solidFill>
+                          <a:effectLst/>
+                          <a:latin typeface="Segoe UI" panose="020B0502040204020203" pitchFamily="34" charset="0"/>
+                        </a:rPr>
+                        <a:t>56</a:t>
+                      </a:r>
+                      <a:endParaRPr lang="en-US" sz="2000" b="0" i="0" u="none" strike="noStrike">
+                        <a:effectLst/>
+                        <a:latin typeface="Arial" panose="020B0604020202020204" pitchFamily="34" charset="0"/>
+                      </a:endParaRPr>
+                    </a:p>
+                  </a:txBody>
+                  <a:tcPr marL="6476" marR="6476" marT="6476" marB="0" anchor="ctr">
+                    <a:lnL>
+                      <a:noFill/>
+                    </a:lnL>
+                    <a:lnR>
+                      <a:noFill/>
+                    </a:lnR>
+                    <a:lnT>
+                      <a:noFill/>
+                    </a:lnT>
+                    <a:lnB>
+                      <a:noFill/>
+                    </a:lnB>
+                  </a:tcPr>
+                </a:tc>
+                <a:tc>
+                  <a:txBody>
+                    <a:bodyPr/>
+                    <a:lstStyle/>
+                    <a:p>
+                      <a:pPr algn="l" fontAlgn="ctr">
+                        <a:spcBef>
+                          <a:spcPts val="0"/>
+                        </a:spcBef>
+                        <a:spcAft>
+                          <a:spcPts val="0"/>
+                        </a:spcAft>
+                      </a:pPr>
+                      <a:r>
+                        <a:rPr lang="en-US" sz="900" b="0" i="0" u="none" strike="noStrike">
+                          <a:solidFill>
+                            <a:srgbClr val="24292F"/>
+                          </a:solidFill>
+                          <a:effectLst/>
+                          <a:latin typeface="Segoe UI" panose="020B0502040204020203" pitchFamily="34" charset="0"/>
+                        </a:rPr>
+                        <a:t>29</a:t>
+                      </a:r>
+                      <a:endParaRPr lang="en-US" sz="2000" b="0" i="0" u="none" strike="noStrike">
+                        <a:effectLst/>
+                        <a:latin typeface="Arial" panose="020B0604020202020204" pitchFamily="34" charset="0"/>
+                      </a:endParaRPr>
+                    </a:p>
+                  </a:txBody>
+                  <a:tcPr marL="6476" marR="6476" marT="6476" marB="0" anchor="ctr">
+                    <a:lnL>
+                      <a:noFill/>
+                    </a:lnL>
+                    <a:lnR>
+                      <a:noFill/>
+                    </a:lnR>
+                    <a:lnT>
+                      <a:noFill/>
+                    </a:lnT>
+                    <a:lnB>
+                      <a:noFill/>
+                    </a:lnB>
+                  </a:tcPr>
+                </a:tc>
+                <a:tc>
+                  <a:txBody>
+                    <a:bodyPr/>
+                    <a:lstStyle/>
+                    <a:p>
+                      <a:pPr algn="l" fontAlgn="ctr">
+                        <a:spcBef>
+                          <a:spcPts val="0"/>
+                        </a:spcBef>
+                        <a:spcAft>
+                          <a:spcPts val="0"/>
+                        </a:spcAft>
+                      </a:pPr>
+                      <a:r>
+                        <a:rPr lang="en-US" sz="900" b="0" i="0" u="none" strike="noStrike">
+                          <a:solidFill>
+                            <a:srgbClr val="24292F"/>
+                          </a:solidFill>
+                          <a:effectLst/>
+                          <a:latin typeface="Segoe UI" panose="020B0502040204020203" pitchFamily="34" charset="0"/>
+                        </a:rPr>
+                        <a:t>WR</a:t>
+                      </a:r>
+                      <a:endParaRPr lang="en-US" sz="2000" b="0" i="0" u="none" strike="noStrike">
+                        <a:effectLst/>
+                        <a:latin typeface="Arial" panose="020B0604020202020204" pitchFamily="34" charset="0"/>
+                      </a:endParaRPr>
+                    </a:p>
+                  </a:txBody>
+                  <a:tcPr marL="6476" marR="6476" marT="6476" marB="0" anchor="ctr">
+                    <a:lnL>
+                      <a:noFill/>
+                    </a:lnL>
+                    <a:lnR>
+                      <a:noFill/>
+                    </a:lnR>
+                    <a:lnT>
+                      <a:noFill/>
+                    </a:lnT>
+                    <a:lnB>
+                      <a:noFill/>
+                    </a:lnB>
+                  </a:tcPr>
+                </a:tc>
+                <a:tc>
+                  <a:txBody>
+                    <a:bodyPr/>
+                    <a:lstStyle/>
+                    <a:p>
+                      <a:pPr algn="l" fontAlgn="ctr">
+                        <a:spcBef>
+                          <a:spcPts val="0"/>
+                        </a:spcBef>
+                        <a:spcAft>
+                          <a:spcPts val="0"/>
+                        </a:spcAft>
+                      </a:pPr>
+                      <a:r>
+                        <a:rPr lang="en-US" sz="900" b="0" i="0" u="none" strike="noStrike">
+                          <a:solidFill>
+                            <a:srgbClr val="24292F"/>
+                          </a:solidFill>
+                          <a:effectLst/>
+                          <a:latin typeface="Segoe UI" panose="020B0502040204020203" pitchFamily="34" charset="0"/>
+                        </a:rPr>
+                        <a:t>8.6</a:t>
+                      </a:r>
+                      <a:endParaRPr lang="en-US" sz="2000" b="0" i="0" u="none" strike="noStrike">
+                        <a:effectLst/>
+                        <a:latin typeface="Arial" panose="020B0604020202020204" pitchFamily="34" charset="0"/>
+                      </a:endParaRPr>
+                    </a:p>
+                  </a:txBody>
+                  <a:tcPr marL="6476" marR="6476" marT="6476" marB="0" anchor="ctr">
+                    <a:lnL>
+                      <a:noFill/>
+                    </a:lnL>
+                    <a:lnR>
+                      <a:noFill/>
+                    </a:lnR>
+                    <a:lnT>
+                      <a:noFill/>
+                    </a:lnT>
+                    <a:lnB>
+                      <a:noFill/>
+                    </a:lnB>
+                  </a:tcPr>
+                </a:tc>
+                <a:extLst>
+                  <a:ext uri="{0D108BD9-81ED-4DB2-BD59-A6C34878D82A}">
+                    <a16:rowId xmlns:a16="http://schemas.microsoft.com/office/drawing/2014/main" val="4104176689"/>
+                  </a:ext>
+                </a:extLst>
+              </a:tr>
+              <a:tr h="302232">
+                <a:tc>
+                  <a:txBody>
+                    <a:bodyPr/>
+                    <a:lstStyle/>
+                    <a:p>
+                      <a:pPr algn="l" fontAlgn="ctr">
+                        <a:spcBef>
+                          <a:spcPts val="0"/>
+                        </a:spcBef>
+                        <a:spcAft>
+                          <a:spcPts val="0"/>
+                        </a:spcAft>
+                      </a:pPr>
+                      <a:r>
+                        <a:rPr lang="en-US" sz="900" b="0" i="0" u="none" strike="noStrike">
+                          <a:solidFill>
+                            <a:srgbClr val="24292F"/>
+                          </a:solidFill>
+                          <a:effectLst/>
+                          <a:latin typeface="Segoe UI" panose="020B0502040204020203" pitchFamily="34" charset="0"/>
+                        </a:rPr>
+                        <a:t>Kyle Rudolph</a:t>
+                      </a:r>
+                      <a:endParaRPr lang="en-US" sz="2000" b="0" i="0" u="none" strike="noStrike">
+                        <a:effectLst/>
+                        <a:latin typeface="Arial" panose="020B0604020202020204" pitchFamily="34" charset="0"/>
+                      </a:endParaRPr>
+                    </a:p>
+                  </a:txBody>
+                  <a:tcPr marL="6476" marR="6476" marT="6476" marB="0" anchor="ctr">
+                    <a:lnL>
+                      <a:noFill/>
+                    </a:lnL>
+                    <a:lnR>
+                      <a:noFill/>
+                    </a:lnR>
+                    <a:lnT>
+                      <a:noFill/>
+                    </a:lnT>
+                    <a:lnB>
+                      <a:noFill/>
+                    </a:lnB>
+                    <a:solidFill>
+                      <a:srgbClr val="C6E0B4"/>
+                    </a:solidFill>
+                  </a:tcPr>
+                </a:tc>
+                <a:tc>
+                  <a:txBody>
+                    <a:bodyPr/>
+                    <a:lstStyle/>
+                    <a:p>
+                      <a:pPr algn="l" fontAlgn="ctr">
+                        <a:spcBef>
+                          <a:spcPts val="0"/>
+                        </a:spcBef>
+                        <a:spcAft>
+                          <a:spcPts val="0"/>
+                        </a:spcAft>
+                      </a:pPr>
+                      <a:r>
+                        <a:rPr lang="en-US" sz="900" b="0" i="0" u="none" strike="noStrike">
+                          <a:solidFill>
+                            <a:srgbClr val="24292F"/>
+                          </a:solidFill>
+                          <a:effectLst/>
+                          <a:latin typeface="Segoe UI" panose="020B0502040204020203" pitchFamily="34" charset="0"/>
+                        </a:rPr>
+                        <a:t>0</a:t>
+                      </a:r>
+                      <a:endParaRPr lang="en-US" sz="2000" b="0" i="0" u="none" strike="noStrike">
+                        <a:effectLst/>
+                        <a:latin typeface="Arial" panose="020B0604020202020204" pitchFamily="34" charset="0"/>
+                      </a:endParaRPr>
+                    </a:p>
+                  </a:txBody>
+                  <a:tcPr marL="6476" marR="6476" marT="6476" marB="0" anchor="ctr">
+                    <a:lnL>
+                      <a:noFill/>
+                    </a:lnL>
+                    <a:lnR>
+                      <a:noFill/>
+                    </a:lnR>
+                    <a:lnT>
+                      <a:noFill/>
+                    </a:lnT>
+                    <a:lnB>
+                      <a:noFill/>
+                    </a:lnB>
+                    <a:solidFill>
+                      <a:srgbClr val="C6E0B4"/>
+                    </a:solidFill>
+                  </a:tcPr>
+                </a:tc>
+                <a:tc>
+                  <a:txBody>
+                    <a:bodyPr/>
+                    <a:lstStyle/>
+                    <a:p>
+                      <a:pPr algn="l" fontAlgn="ctr">
+                        <a:spcBef>
+                          <a:spcPts val="0"/>
+                        </a:spcBef>
+                        <a:spcAft>
+                          <a:spcPts val="0"/>
+                        </a:spcAft>
+                      </a:pPr>
+                      <a:r>
+                        <a:rPr lang="en-US" sz="900" b="0" i="0" u="none" strike="noStrike">
+                          <a:solidFill>
+                            <a:srgbClr val="24292F"/>
+                          </a:solidFill>
+                          <a:effectLst/>
+                          <a:latin typeface="Segoe UI" panose="020B0502040204020203" pitchFamily="34" charset="0"/>
+                        </a:rPr>
+                        <a:t>0</a:t>
+                      </a:r>
+                      <a:endParaRPr lang="en-US" sz="2000" b="0" i="0" u="none" strike="noStrike">
+                        <a:effectLst/>
+                        <a:latin typeface="Arial" panose="020B0604020202020204" pitchFamily="34" charset="0"/>
+                      </a:endParaRPr>
+                    </a:p>
+                  </a:txBody>
+                  <a:tcPr marL="6476" marR="6476" marT="6476" marB="0" anchor="ctr">
+                    <a:lnL>
+                      <a:noFill/>
+                    </a:lnL>
+                    <a:lnR>
+                      <a:noFill/>
+                    </a:lnR>
+                    <a:lnT>
+                      <a:noFill/>
+                    </a:lnT>
+                    <a:lnB>
+                      <a:noFill/>
+                    </a:lnB>
+                    <a:solidFill>
+                      <a:srgbClr val="C6E0B4"/>
+                    </a:solidFill>
+                  </a:tcPr>
+                </a:tc>
+                <a:tc>
+                  <a:txBody>
+                    <a:bodyPr/>
+                    <a:lstStyle/>
+                    <a:p>
+                      <a:pPr algn="l" fontAlgn="ctr">
+                        <a:spcBef>
+                          <a:spcPts val="0"/>
+                        </a:spcBef>
+                        <a:spcAft>
+                          <a:spcPts val="0"/>
+                        </a:spcAft>
+                      </a:pPr>
+                      <a:r>
+                        <a:rPr lang="en-US" sz="900" b="0" i="0" u="none" strike="noStrike">
+                          <a:solidFill>
+                            <a:srgbClr val="24292F"/>
+                          </a:solidFill>
+                          <a:effectLst/>
+                          <a:latin typeface="Segoe UI" panose="020B0502040204020203" pitchFamily="34" charset="0"/>
+                        </a:rPr>
+                        <a:t>0</a:t>
+                      </a:r>
+                      <a:endParaRPr lang="en-US" sz="2000" b="0" i="0" u="none" strike="noStrike">
+                        <a:effectLst/>
+                        <a:latin typeface="Arial" panose="020B0604020202020204" pitchFamily="34" charset="0"/>
+                      </a:endParaRPr>
+                    </a:p>
+                  </a:txBody>
+                  <a:tcPr marL="6476" marR="6476" marT="6476" marB="0" anchor="ctr">
+                    <a:lnL>
+                      <a:noFill/>
+                    </a:lnL>
+                    <a:lnR>
+                      <a:noFill/>
+                    </a:lnR>
+                    <a:lnT>
+                      <a:noFill/>
+                    </a:lnT>
+                    <a:lnB>
+                      <a:noFill/>
+                    </a:lnB>
+                    <a:solidFill>
+                      <a:srgbClr val="C6E0B4"/>
+                    </a:solidFill>
+                  </a:tcPr>
+                </a:tc>
+                <a:tc>
+                  <a:txBody>
+                    <a:bodyPr/>
+                    <a:lstStyle/>
+                    <a:p>
+                      <a:pPr algn="l" fontAlgn="ctr">
+                        <a:spcBef>
+                          <a:spcPts val="0"/>
+                        </a:spcBef>
+                        <a:spcAft>
+                          <a:spcPts val="0"/>
+                        </a:spcAft>
+                      </a:pPr>
+                      <a:r>
+                        <a:rPr lang="en-US" sz="900" b="0" i="0" u="none" strike="noStrike">
+                          <a:solidFill>
+                            <a:srgbClr val="24292F"/>
+                          </a:solidFill>
+                          <a:effectLst/>
+                          <a:latin typeface="Segoe UI" panose="020B0502040204020203" pitchFamily="34" charset="0"/>
+                        </a:rPr>
+                        <a:t>0</a:t>
+                      </a:r>
+                      <a:endParaRPr lang="en-US" sz="2000" b="0" i="0" u="none" strike="noStrike">
+                        <a:effectLst/>
+                        <a:latin typeface="Arial" panose="020B0604020202020204" pitchFamily="34" charset="0"/>
+                      </a:endParaRPr>
+                    </a:p>
+                  </a:txBody>
+                  <a:tcPr marL="6476" marR="6476" marT="6476" marB="0" anchor="ctr">
+                    <a:lnL>
+                      <a:noFill/>
+                    </a:lnL>
+                    <a:lnR>
+                      <a:noFill/>
+                    </a:lnR>
+                    <a:lnT>
+                      <a:noFill/>
+                    </a:lnT>
+                    <a:lnB>
+                      <a:noFill/>
+                    </a:lnB>
+                    <a:solidFill>
+                      <a:srgbClr val="C6E0B4"/>
+                    </a:solidFill>
+                  </a:tcPr>
+                </a:tc>
+                <a:tc>
+                  <a:txBody>
+                    <a:bodyPr/>
+                    <a:lstStyle/>
+                    <a:p>
+                      <a:pPr algn="l" fontAlgn="ctr">
+                        <a:spcBef>
+                          <a:spcPts val="0"/>
+                        </a:spcBef>
+                        <a:spcAft>
+                          <a:spcPts val="0"/>
+                        </a:spcAft>
+                      </a:pPr>
+                      <a:r>
+                        <a:rPr lang="en-US" sz="900" b="0" i="0" u="none" strike="noStrike">
+                          <a:solidFill>
+                            <a:srgbClr val="24292F"/>
+                          </a:solidFill>
+                          <a:effectLst/>
+                          <a:latin typeface="Segoe UI" panose="020B0502040204020203" pitchFamily="34" charset="0"/>
+                        </a:rPr>
+                        <a:t>0</a:t>
+                      </a:r>
+                      <a:endParaRPr lang="en-US" sz="2000" b="0" i="0" u="none" strike="noStrike">
+                        <a:effectLst/>
+                        <a:latin typeface="Arial" panose="020B0604020202020204" pitchFamily="34" charset="0"/>
+                      </a:endParaRPr>
+                    </a:p>
+                  </a:txBody>
+                  <a:tcPr marL="6476" marR="6476" marT="6476" marB="0" anchor="ctr">
+                    <a:lnL>
+                      <a:noFill/>
+                    </a:lnL>
+                    <a:lnR>
+                      <a:noFill/>
+                    </a:lnR>
+                    <a:lnT>
+                      <a:noFill/>
+                    </a:lnT>
+                    <a:lnB>
+                      <a:noFill/>
+                    </a:lnB>
+                    <a:solidFill>
+                      <a:srgbClr val="C6E0B4"/>
+                    </a:solidFill>
+                  </a:tcPr>
+                </a:tc>
+                <a:tc>
+                  <a:txBody>
+                    <a:bodyPr/>
+                    <a:lstStyle/>
+                    <a:p>
+                      <a:pPr algn="l" fontAlgn="ctr">
+                        <a:spcBef>
+                          <a:spcPts val="0"/>
+                        </a:spcBef>
+                        <a:spcAft>
+                          <a:spcPts val="0"/>
+                        </a:spcAft>
+                      </a:pPr>
+                      <a:r>
+                        <a:rPr lang="en-US" sz="900" b="0" i="0" u="none" strike="noStrike">
+                          <a:solidFill>
+                            <a:srgbClr val="24292F"/>
+                          </a:solidFill>
+                          <a:effectLst/>
+                          <a:latin typeface="Segoe UI" panose="020B0502040204020203" pitchFamily="34" charset="0"/>
+                        </a:rPr>
+                        <a:t>0</a:t>
+                      </a:r>
+                      <a:endParaRPr lang="en-US" sz="2000" b="0" i="0" u="none" strike="noStrike">
+                        <a:effectLst/>
+                        <a:latin typeface="Arial" panose="020B0604020202020204" pitchFamily="34" charset="0"/>
+                      </a:endParaRPr>
+                    </a:p>
+                  </a:txBody>
+                  <a:tcPr marL="6476" marR="6476" marT="6476" marB="0" anchor="ctr">
+                    <a:lnL>
+                      <a:noFill/>
+                    </a:lnL>
+                    <a:lnR>
+                      <a:noFill/>
+                    </a:lnR>
+                    <a:lnT>
+                      <a:noFill/>
+                    </a:lnT>
+                    <a:lnB>
+                      <a:noFill/>
+                    </a:lnB>
+                    <a:solidFill>
+                      <a:srgbClr val="C6E0B4"/>
+                    </a:solidFill>
+                  </a:tcPr>
+                </a:tc>
+                <a:tc>
+                  <a:txBody>
+                    <a:bodyPr/>
+                    <a:lstStyle/>
+                    <a:p>
+                      <a:pPr algn="l" fontAlgn="ctr">
+                        <a:spcBef>
+                          <a:spcPts val="0"/>
+                        </a:spcBef>
+                        <a:spcAft>
+                          <a:spcPts val="0"/>
+                        </a:spcAft>
+                      </a:pPr>
+                      <a:r>
+                        <a:rPr lang="en-US" sz="900" b="0" i="0" u="none" strike="noStrike">
+                          <a:solidFill>
+                            <a:srgbClr val="24292F"/>
+                          </a:solidFill>
+                          <a:effectLst/>
+                          <a:latin typeface="Segoe UI" panose="020B0502040204020203" pitchFamily="34" charset="0"/>
+                        </a:rPr>
+                        <a:t>2</a:t>
+                      </a:r>
+                      <a:endParaRPr lang="en-US" sz="2000" b="0" i="0" u="none" strike="noStrike">
+                        <a:effectLst/>
+                        <a:latin typeface="Arial" panose="020B0604020202020204" pitchFamily="34" charset="0"/>
+                      </a:endParaRPr>
+                    </a:p>
+                  </a:txBody>
+                  <a:tcPr marL="6476" marR="6476" marT="6476" marB="0" anchor="ctr">
+                    <a:lnL>
+                      <a:noFill/>
+                    </a:lnL>
+                    <a:lnR>
+                      <a:noFill/>
+                    </a:lnR>
+                    <a:lnT>
+                      <a:noFill/>
+                    </a:lnT>
+                    <a:lnB>
+                      <a:noFill/>
+                    </a:lnB>
+                    <a:solidFill>
+                      <a:srgbClr val="C6E0B4"/>
+                    </a:solidFill>
+                  </a:tcPr>
+                </a:tc>
+                <a:tc>
+                  <a:txBody>
+                    <a:bodyPr/>
+                    <a:lstStyle/>
+                    <a:p>
+                      <a:pPr algn="l" fontAlgn="ctr">
+                        <a:spcBef>
+                          <a:spcPts val="0"/>
+                        </a:spcBef>
+                        <a:spcAft>
+                          <a:spcPts val="0"/>
+                        </a:spcAft>
+                      </a:pPr>
+                      <a:r>
+                        <a:rPr lang="en-US" sz="900" b="0" i="0" u="none" strike="noStrike">
+                          <a:solidFill>
+                            <a:srgbClr val="24292F"/>
+                          </a:solidFill>
+                          <a:effectLst/>
+                          <a:latin typeface="Segoe UI" panose="020B0502040204020203" pitchFamily="34" charset="0"/>
+                        </a:rPr>
+                        <a:t>28</a:t>
+                      </a:r>
+                      <a:endParaRPr lang="en-US" sz="2000" b="0" i="0" u="none" strike="noStrike">
+                        <a:effectLst/>
+                        <a:latin typeface="Arial" panose="020B0604020202020204" pitchFamily="34" charset="0"/>
+                      </a:endParaRPr>
+                    </a:p>
+                  </a:txBody>
+                  <a:tcPr marL="6476" marR="6476" marT="6476" marB="0" anchor="ctr">
+                    <a:lnL>
+                      <a:noFill/>
+                    </a:lnL>
+                    <a:lnR>
+                      <a:noFill/>
+                    </a:lnR>
+                    <a:lnT>
+                      <a:noFill/>
+                    </a:lnT>
+                    <a:lnB>
+                      <a:noFill/>
+                    </a:lnB>
+                    <a:solidFill>
+                      <a:srgbClr val="C6E0B4"/>
+                    </a:solidFill>
+                  </a:tcPr>
+                </a:tc>
+                <a:tc>
+                  <a:txBody>
+                    <a:bodyPr/>
+                    <a:lstStyle/>
+                    <a:p>
+                      <a:pPr algn="l" fontAlgn="ctr">
+                        <a:spcBef>
+                          <a:spcPts val="0"/>
+                        </a:spcBef>
+                        <a:spcAft>
+                          <a:spcPts val="0"/>
+                        </a:spcAft>
+                      </a:pPr>
+                      <a:r>
+                        <a:rPr lang="en-US" sz="900" b="0" i="0" u="none" strike="noStrike">
+                          <a:solidFill>
+                            <a:srgbClr val="24292F"/>
+                          </a:solidFill>
+                          <a:effectLst/>
+                          <a:latin typeface="Segoe UI" panose="020B0502040204020203" pitchFamily="34" charset="0"/>
+                        </a:rPr>
+                        <a:t>22</a:t>
+                      </a:r>
+                      <a:endParaRPr lang="en-US" sz="2000" b="0" i="0" u="none" strike="noStrike">
+                        <a:effectLst/>
+                        <a:latin typeface="Arial" panose="020B0604020202020204" pitchFamily="34" charset="0"/>
+                      </a:endParaRPr>
+                    </a:p>
+                  </a:txBody>
+                  <a:tcPr marL="6476" marR="6476" marT="6476" marB="0" anchor="ctr">
+                    <a:lnL>
+                      <a:noFill/>
+                    </a:lnL>
+                    <a:lnR>
+                      <a:noFill/>
+                    </a:lnR>
+                    <a:lnT>
+                      <a:noFill/>
+                    </a:lnT>
+                    <a:lnB>
+                      <a:noFill/>
+                    </a:lnB>
+                    <a:solidFill>
+                      <a:srgbClr val="C6E0B4"/>
+                    </a:solidFill>
+                  </a:tcPr>
+                </a:tc>
+                <a:tc>
+                  <a:txBody>
+                    <a:bodyPr/>
+                    <a:lstStyle/>
+                    <a:p>
+                      <a:pPr algn="l" fontAlgn="ctr">
+                        <a:spcBef>
+                          <a:spcPts val="0"/>
+                        </a:spcBef>
+                        <a:spcAft>
+                          <a:spcPts val="0"/>
+                        </a:spcAft>
+                      </a:pPr>
+                      <a:r>
+                        <a:rPr lang="en-US" sz="900" b="0" i="0" u="none" strike="noStrike">
+                          <a:solidFill>
+                            <a:srgbClr val="24292F"/>
+                          </a:solidFill>
+                          <a:effectLst/>
+                          <a:latin typeface="Segoe UI" panose="020B0502040204020203" pitchFamily="34" charset="0"/>
+                        </a:rPr>
+                        <a:t>TE</a:t>
+                      </a:r>
+                      <a:endParaRPr lang="en-US" sz="2000" b="0" i="0" u="none" strike="noStrike">
+                        <a:effectLst/>
+                        <a:latin typeface="Arial" panose="020B0604020202020204" pitchFamily="34" charset="0"/>
+                      </a:endParaRPr>
+                    </a:p>
+                  </a:txBody>
+                  <a:tcPr marL="6476" marR="6476" marT="6476" marB="0" anchor="ctr">
+                    <a:lnL>
+                      <a:noFill/>
+                    </a:lnL>
+                    <a:lnR>
+                      <a:noFill/>
+                    </a:lnR>
+                    <a:lnT>
+                      <a:noFill/>
+                    </a:lnT>
+                    <a:lnB>
+                      <a:noFill/>
+                    </a:lnB>
+                    <a:solidFill>
+                      <a:srgbClr val="C6E0B4"/>
+                    </a:solidFill>
+                  </a:tcPr>
+                </a:tc>
+                <a:tc>
+                  <a:txBody>
+                    <a:bodyPr/>
+                    <a:lstStyle/>
+                    <a:p>
+                      <a:pPr algn="l" fontAlgn="ctr">
+                        <a:spcBef>
+                          <a:spcPts val="0"/>
+                        </a:spcBef>
+                        <a:spcAft>
+                          <a:spcPts val="0"/>
+                        </a:spcAft>
+                      </a:pPr>
+                      <a:r>
+                        <a:rPr lang="en-US" sz="900" b="0" i="0" u="none" strike="noStrike">
+                          <a:solidFill>
+                            <a:srgbClr val="24292F"/>
+                          </a:solidFill>
+                          <a:effectLst/>
+                          <a:latin typeface="Segoe UI" panose="020B0502040204020203" pitchFamily="34" charset="0"/>
+                        </a:rPr>
+                        <a:t>4.8</a:t>
+                      </a:r>
+                      <a:endParaRPr lang="en-US" sz="2000" b="0" i="0" u="none" strike="noStrike">
+                        <a:effectLst/>
+                        <a:latin typeface="Arial" panose="020B0604020202020204" pitchFamily="34" charset="0"/>
+                      </a:endParaRPr>
+                    </a:p>
+                  </a:txBody>
+                  <a:tcPr marL="6476" marR="6476" marT="6476" marB="0" anchor="ctr">
+                    <a:lnL>
+                      <a:noFill/>
+                    </a:lnL>
+                    <a:lnR>
+                      <a:noFill/>
+                    </a:lnR>
+                    <a:lnT>
+                      <a:noFill/>
+                    </a:lnT>
+                    <a:lnB>
+                      <a:noFill/>
+                    </a:lnB>
+                    <a:solidFill>
+                      <a:srgbClr val="C6E0B4"/>
+                    </a:solidFill>
+                  </a:tcPr>
+                </a:tc>
+                <a:extLst>
+                  <a:ext uri="{0D108BD9-81ED-4DB2-BD59-A6C34878D82A}">
+                    <a16:rowId xmlns:a16="http://schemas.microsoft.com/office/drawing/2014/main" val="2027995424"/>
+                  </a:ext>
+                </a:extLst>
+              </a:tr>
+              <a:tr h="302232">
+                <a:tc>
+                  <a:txBody>
+                    <a:bodyPr/>
+                    <a:lstStyle/>
+                    <a:p>
+                      <a:pPr algn="l" fontAlgn="ctr">
+                        <a:spcBef>
+                          <a:spcPts val="0"/>
+                        </a:spcBef>
+                        <a:spcAft>
+                          <a:spcPts val="0"/>
+                        </a:spcAft>
+                      </a:pPr>
+                      <a:r>
+                        <a:rPr lang="en-US" sz="900" b="0" i="0" u="none" strike="noStrike">
+                          <a:solidFill>
+                            <a:srgbClr val="24292F"/>
+                          </a:solidFill>
+                          <a:effectLst/>
+                          <a:latin typeface="Segoe UI" panose="020B0502040204020203" pitchFamily="34" charset="0"/>
+                        </a:rPr>
+                        <a:t>Justin Jefferson</a:t>
+                      </a:r>
+                      <a:endParaRPr lang="en-US" sz="2000" b="0" i="0" u="none" strike="noStrike">
+                        <a:effectLst/>
+                        <a:latin typeface="Arial" panose="020B0604020202020204" pitchFamily="34" charset="0"/>
+                      </a:endParaRPr>
+                    </a:p>
+                  </a:txBody>
+                  <a:tcPr marL="6476" marR="6476" marT="6476" marB="0" anchor="ctr">
+                    <a:lnL>
+                      <a:noFill/>
+                    </a:lnL>
+                    <a:lnR>
+                      <a:noFill/>
+                    </a:lnR>
+                    <a:lnT>
+                      <a:noFill/>
+                    </a:lnT>
+                    <a:lnB>
+                      <a:noFill/>
+                    </a:lnB>
+                  </a:tcPr>
+                </a:tc>
+                <a:tc>
+                  <a:txBody>
+                    <a:bodyPr/>
+                    <a:lstStyle/>
+                    <a:p>
+                      <a:pPr algn="l" fontAlgn="ctr">
+                        <a:spcBef>
+                          <a:spcPts val="0"/>
+                        </a:spcBef>
+                        <a:spcAft>
+                          <a:spcPts val="0"/>
+                        </a:spcAft>
+                      </a:pPr>
+                      <a:r>
+                        <a:rPr lang="en-US" sz="900" b="0" i="0" u="none" strike="noStrike">
+                          <a:solidFill>
+                            <a:srgbClr val="24292F"/>
+                          </a:solidFill>
+                          <a:effectLst/>
+                          <a:latin typeface="Segoe UI" panose="020B0502040204020203" pitchFamily="34" charset="0"/>
+                        </a:rPr>
+                        <a:t>0</a:t>
+                      </a:r>
+                      <a:endParaRPr lang="en-US" sz="2000" b="0" i="0" u="none" strike="noStrike">
+                        <a:effectLst/>
+                        <a:latin typeface="Arial" panose="020B0604020202020204" pitchFamily="34" charset="0"/>
+                      </a:endParaRPr>
+                    </a:p>
+                  </a:txBody>
+                  <a:tcPr marL="6476" marR="6476" marT="6476" marB="0" anchor="ctr">
+                    <a:lnL>
+                      <a:noFill/>
+                    </a:lnL>
+                    <a:lnR>
+                      <a:noFill/>
+                    </a:lnR>
+                    <a:lnT>
+                      <a:noFill/>
+                    </a:lnT>
+                    <a:lnB>
+                      <a:noFill/>
+                    </a:lnB>
+                  </a:tcPr>
+                </a:tc>
+                <a:tc>
+                  <a:txBody>
+                    <a:bodyPr/>
+                    <a:lstStyle/>
+                    <a:p>
+                      <a:pPr algn="l" fontAlgn="ctr">
+                        <a:spcBef>
+                          <a:spcPts val="0"/>
+                        </a:spcBef>
+                        <a:spcAft>
+                          <a:spcPts val="0"/>
+                        </a:spcAft>
+                      </a:pPr>
+                      <a:r>
+                        <a:rPr lang="en-US" sz="900" b="0" i="0" u="none" strike="noStrike">
+                          <a:solidFill>
+                            <a:srgbClr val="24292F"/>
+                          </a:solidFill>
+                          <a:effectLst/>
+                          <a:latin typeface="Segoe UI" panose="020B0502040204020203" pitchFamily="34" charset="0"/>
+                        </a:rPr>
+                        <a:t>0</a:t>
+                      </a:r>
+                      <a:endParaRPr lang="en-US" sz="2000" b="0" i="0" u="none" strike="noStrike">
+                        <a:effectLst/>
+                        <a:latin typeface="Arial" panose="020B0604020202020204" pitchFamily="34" charset="0"/>
+                      </a:endParaRPr>
+                    </a:p>
+                  </a:txBody>
+                  <a:tcPr marL="6476" marR="6476" marT="6476" marB="0" anchor="ctr">
+                    <a:lnL>
+                      <a:noFill/>
+                    </a:lnL>
+                    <a:lnR>
+                      <a:noFill/>
+                    </a:lnR>
+                    <a:lnT>
+                      <a:noFill/>
+                    </a:lnT>
+                    <a:lnB>
+                      <a:noFill/>
+                    </a:lnB>
+                  </a:tcPr>
+                </a:tc>
+                <a:tc>
+                  <a:txBody>
+                    <a:bodyPr/>
+                    <a:lstStyle/>
+                    <a:p>
+                      <a:pPr algn="l" fontAlgn="ctr">
+                        <a:spcBef>
+                          <a:spcPts val="0"/>
+                        </a:spcBef>
+                        <a:spcAft>
+                          <a:spcPts val="0"/>
+                        </a:spcAft>
+                      </a:pPr>
+                      <a:r>
+                        <a:rPr lang="en-US" sz="900" b="0" i="0" u="none" strike="noStrike">
+                          <a:solidFill>
+                            <a:srgbClr val="24292F"/>
+                          </a:solidFill>
+                          <a:effectLst/>
+                          <a:latin typeface="Segoe UI" panose="020B0502040204020203" pitchFamily="34" charset="0"/>
+                        </a:rPr>
+                        <a:t>0</a:t>
+                      </a:r>
+                      <a:endParaRPr lang="en-US" sz="2000" b="0" i="0" u="none" strike="noStrike">
+                        <a:effectLst/>
+                        <a:latin typeface="Arial" panose="020B0604020202020204" pitchFamily="34" charset="0"/>
+                      </a:endParaRPr>
+                    </a:p>
+                  </a:txBody>
+                  <a:tcPr marL="6476" marR="6476" marT="6476" marB="0" anchor="ctr">
+                    <a:lnL>
+                      <a:noFill/>
+                    </a:lnL>
+                    <a:lnR>
+                      <a:noFill/>
+                    </a:lnR>
+                    <a:lnT>
+                      <a:noFill/>
+                    </a:lnT>
+                    <a:lnB>
+                      <a:noFill/>
+                    </a:lnB>
+                  </a:tcPr>
+                </a:tc>
+                <a:tc>
+                  <a:txBody>
+                    <a:bodyPr/>
+                    <a:lstStyle/>
+                    <a:p>
+                      <a:pPr algn="l" fontAlgn="ctr">
+                        <a:spcBef>
+                          <a:spcPts val="0"/>
+                        </a:spcBef>
+                        <a:spcAft>
+                          <a:spcPts val="0"/>
+                        </a:spcAft>
+                      </a:pPr>
+                      <a:r>
+                        <a:rPr lang="en-US" sz="900" b="0" i="0" u="none" strike="noStrike">
+                          <a:solidFill>
+                            <a:srgbClr val="24292F"/>
+                          </a:solidFill>
+                          <a:effectLst/>
+                          <a:latin typeface="Segoe UI" panose="020B0502040204020203" pitchFamily="34" charset="0"/>
+                        </a:rPr>
+                        <a:t>0</a:t>
+                      </a:r>
+                      <a:endParaRPr lang="en-US" sz="2000" b="0" i="0" u="none" strike="noStrike">
+                        <a:effectLst/>
+                        <a:latin typeface="Arial" panose="020B0604020202020204" pitchFamily="34" charset="0"/>
+                      </a:endParaRPr>
+                    </a:p>
+                  </a:txBody>
+                  <a:tcPr marL="6476" marR="6476" marT="6476" marB="0" anchor="ctr">
+                    <a:lnL>
+                      <a:noFill/>
+                    </a:lnL>
+                    <a:lnR>
+                      <a:noFill/>
+                    </a:lnR>
+                    <a:lnT>
+                      <a:noFill/>
+                    </a:lnT>
+                    <a:lnB>
+                      <a:noFill/>
+                    </a:lnB>
+                  </a:tcPr>
+                </a:tc>
+                <a:tc>
+                  <a:txBody>
+                    <a:bodyPr/>
+                    <a:lstStyle/>
+                    <a:p>
+                      <a:pPr algn="l" fontAlgn="ctr">
+                        <a:spcBef>
+                          <a:spcPts val="0"/>
+                        </a:spcBef>
+                        <a:spcAft>
+                          <a:spcPts val="0"/>
+                        </a:spcAft>
+                      </a:pPr>
+                      <a:r>
+                        <a:rPr lang="en-US" sz="900" b="0" i="0" u="none" strike="noStrike">
+                          <a:solidFill>
+                            <a:srgbClr val="24292F"/>
+                          </a:solidFill>
+                          <a:effectLst/>
+                          <a:latin typeface="Segoe UI" panose="020B0502040204020203" pitchFamily="34" charset="0"/>
+                        </a:rPr>
+                        <a:t>0</a:t>
+                      </a:r>
+                      <a:endParaRPr lang="en-US" sz="2000" b="0" i="0" u="none" strike="noStrike">
+                        <a:effectLst/>
+                        <a:latin typeface="Arial" panose="020B0604020202020204" pitchFamily="34" charset="0"/>
+                      </a:endParaRPr>
+                    </a:p>
+                  </a:txBody>
+                  <a:tcPr marL="6476" marR="6476" marT="6476" marB="0" anchor="ctr">
+                    <a:lnL>
+                      <a:noFill/>
+                    </a:lnL>
+                    <a:lnR>
+                      <a:noFill/>
+                    </a:lnR>
+                    <a:lnT>
+                      <a:noFill/>
+                    </a:lnT>
+                    <a:lnB>
+                      <a:noFill/>
+                    </a:lnB>
+                  </a:tcPr>
+                </a:tc>
+                <a:tc>
+                  <a:txBody>
+                    <a:bodyPr/>
+                    <a:lstStyle/>
+                    <a:p>
+                      <a:pPr algn="l" fontAlgn="ctr">
+                        <a:spcBef>
+                          <a:spcPts val="0"/>
+                        </a:spcBef>
+                        <a:spcAft>
+                          <a:spcPts val="0"/>
+                        </a:spcAft>
+                      </a:pPr>
+                      <a:r>
+                        <a:rPr lang="en-US" sz="900" b="0" i="0" u="none" strike="noStrike">
+                          <a:solidFill>
+                            <a:srgbClr val="24292F"/>
+                          </a:solidFill>
+                          <a:effectLst/>
+                          <a:latin typeface="Segoe UI" panose="020B0502040204020203" pitchFamily="34" charset="0"/>
+                        </a:rPr>
+                        <a:t>0</a:t>
+                      </a:r>
+                      <a:endParaRPr lang="en-US" sz="2000" b="0" i="0" u="none" strike="noStrike">
+                        <a:effectLst/>
+                        <a:latin typeface="Arial" panose="020B0604020202020204" pitchFamily="34" charset="0"/>
+                      </a:endParaRPr>
+                    </a:p>
+                  </a:txBody>
+                  <a:tcPr marL="6476" marR="6476" marT="6476" marB="0" anchor="ctr">
+                    <a:lnL>
+                      <a:noFill/>
+                    </a:lnL>
+                    <a:lnR>
+                      <a:noFill/>
+                    </a:lnR>
+                    <a:lnT>
+                      <a:noFill/>
+                    </a:lnT>
+                    <a:lnB>
+                      <a:noFill/>
+                    </a:lnB>
+                  </a:tcPr>
+                </a:tc>
+                <a:tc>
+                  <a:txBody>
+                    <a:bodyPr/>
+                    <a:lstStyle/>
+                    <a:p>
+                      <a:pPr algn="l" fontAlgn="ctr">
+                        <a:spcBef>
+                          <a:spcPts val="0"/>
+                        </a:spcBef>
+                        <a:spcAft>
+                          <a:spcPts val="0"/>
+                        </a:spcAft>
+                      </a:pPr>
+                      <a:r>
+                        <a:rPr lang="en-US" sz="900" b="0" i="0" u="none" strike="noStrike">
+                          <a:solidFill>
+                            <a:srgbClr val="24292F"/>
+                          </a:solidFill>
+                          <a:effectLst/>
+                          <a:latin typeface="Segoe UI" panose="020B0502040204020203" pitchFamily="34" charset="0"/>
+                        </a:rPr>
+                        <a:t>2</a:t>
+                      </a:r>
+                      <a:endParaRPr lang="en-US" sz="2000" b="0" i="0" u="none" strike="noStrike">
+                        <a:effectLst/>
+                        <a:latin typeface="Arial" panose="020B0604020202020204" pitchFamily="34" charset="0"/>
+                      </a:endParaRPr>
+                    </a:p>
+                  </a:txBody>
+                  <a:tcPr marL="6476" marR="6476" marT="6476" marB="0" anchor="ctr">
+                    <a:lnL>
+                      <a:noFill/>
+                    </a:lnL>
+                    <a:lnR>
+                      <a:noFill/>
+                    </a:lnR>
+                    <a:lnT>
+                      <a:noFill/>
+                    </a:lnT>
+                    <a:lnB>
+                      <a:noFill/>
+                    </a:lnB>
+                  </a:tcPr>
+                </a:tc>
+                <a:tc>
+                  <a:txBody>
+                    <a:bodyPr/>
+                    <a:lstStyle/>
+                    <a:p>
+                      <a:pPr algn="l" fontAlgn="ctr">
+                        <a:spcBef>
+                          <a:spcPts val="0"/>
+                        </a:spcBef>
+                        <a:spcAft>
+                          <a:spcPts val="0"/>
+                        </a:spcAft>
+                      </a:pPr>
+                      <a:r>
+                        <a:rPr lang="en-US" sz="900" b="0" i="0" u="none" strike="noStrike">
+                          <a:solidFill>
+                            <a:srgbClr val="24292F"/>
+                          </a:solidFill>
+                          <a:effectLst/>
+                          <a:latin typeface="Segoe UI" panose="020B0502040204020203" pitchFamily="34" charset="0"/>
+                        </a:rPr>
+                        <a:t>26</a:t>
+                      </a:r>
+                      <a:endParaRPr lang="en-US" sz="2000" b="0" i="0" u="none" strike="noStrike">
+                        <a:effectLst/>
+                        <a:latin typeface="Arial" panose="020B0604020202020204" pitchFamily="34" charset="0"/>
+                      </a:endParaRPr>
+                    </a:p>
+                  </a:txBody>
+                  <a:tcPr marL="6476" marR="6476" marT="6476" marB="0" anchor="ctr">
+                    <a:lnL>
+                      <a:noFill/>
+                    </a:lnL>
+                    <a:lnR>
+                      <a:noFill/>
+                    </a:lnR>
+                    <a:lnT>
+                      <a:noFill/>
+                    </a:lnT>
+                    <a:lnB>
+                      <a:noFill/>
+                    </a:lnB>
+                  </a:tcPr>
+                </a:tc>
+                <a:tc>
+                  <a:txBody>
+                    <a:bodyPr/>
+                    <a:lstStyle/>
+                    <a:p>
+                      <a:pPr algn="l" fontAlgn="ctr">
+                        <a:spcBef>
+                          <a:spcPts val="0"/>
+                        </a:spcBef>
+                        <a:spcAft>
+                          <a:spcPts val="0"/>
+                        </a:spcAft>
+                      </a:pPr>
+                      <a:r>
+                        <a:rPr lang="en-US" sz="900" b="0" i="0" u="none" strike="noStrike">
+                          <a:solidFill>
+                            <a:srgbClr val="24292F"/>
+                          </a:solidFill>
+                          <a:effectLst/>
+                          <a:latin typeface="Segoe UI" panose="020B0502040204020203" pitchFamily="34" charset="0"/>
+                        </a:rPr>
+                        <a:t>17</a:t>
+                      </a:r>
+                      <a:endParaRPr lang="en-US" sz="2000" b="0" i="0" u="none" strike="noStrike">
+                        <a:effectLst/>
+                        <a:latin typeface="Arial" panose="020B0604020202020204" pitchFamily="34" charset="0"/>
+                      </a:endParaRPr>
+                    </a:p>
+                  </a:txBody>
+                  <a:tcPr marL="6476" marR="6476" marT="6476" marB="0" anchor="ctr">
+                    <a:lnL>
+                      <a:noFill/>
+                    </a:lnL>
+                    <a:lnR>
+                      <a:noFill/>
+                    </a:lnR>
+                    <a:lnT>
+                      <a:noFill/>
+                    </a:lnT>
+                    <a:lnB>
+                      <a:noFill/>
+                    </a:lnB>
+                  </a:tcPr>
+                </a:tc>
+                <a:tc>
+                  <a:txBody>
+                    <a:bodyPr/>
+                    <a:lstStyle/>
+                    <a:p>
+                      <a:pPr algn="l" fontAlgn="ctr">
+                        <a:spcBef>
+                          <a:spcPts val="0"/>
+                        </a:spcBef>
+                        <a:spcAft>
+                          <a:spcPts val="0"/>
+                        </a:spcAft>
+                      </a:pPr>
+                      <a:r>
+                        <a:rPr lang="en-US" sz="900" b="0" i="0" u="none" strike="noStrike">
+                          <a:solidFill>
+                            <a:srgbClr val="24292F"/>
+                          </a:solidFill>
+                          <a:effectLst/>
+                          <a:latin typeface="Segoe UI" panose="020B0502040204020203" pitchFamily="34" charset="0"/>
+                        </a:rPr>
+                        <a:t>WR</a:t>
+                      </a:r>
+                      <a:endParaRPr lang="en-US" sz="2000" b="0" i="0" u="none" strike="noStrike">
+                        <a:effectLst/>
+                        <a:latin typeface="Arial" panose="020B0604020202020204" pitchFamily="34" charset="0"/>
+                      </a:endParaRPr>
+                    </a:p>
+                  </a:txBody>
+                  <a:tcPr marL="6476" marR="6476" marT="6476" marB="0" anchor="ctr">
+                    <a:lnL>
+                      <a:noFill/>
+                    </a:lnL>
+                    <a:lnR>
+                      <a:noFill/>
+                    </a:lnR>
+                    <a:lnT>
+                      <a:noFill/>
+                    </a:lnT>
+                    <a:lnB>
+                      <a:noFill/>
+                    </a:lnB>
+                  </a:tcPr>
+                </a:tc>
+                <a:tc>
+                  <a:txBody>
+                    <a:bodyPr/>
+                    <a:lstStyle/>
+                    <a:p>
+                      <a:pPr algn="l" fontAlgn="ctr">
+                        <a:spcBef>
+                          <a:spcPts val="0"/>
+                        </a:spcBef>
+                        <a:spcAft>
+                          <a:spcPts val="0"/>
+                        </a:spcAft>
+                      </a:pPr>
+                      <a:r>
+                        <a:rPr lang="en-US" sz="900" b="0" i="0" u="none" strike="noStrike">
+                          <a:solidFill>
+                            <a:srgbClr val="24292F"/>
+                          </a:solidFill>
+                          <a:effectLst/>
+                          <a:latin typeface="Segoe UI" panose="020B0502040204020203" pitchFamily="34" charset="0"/>
+                        </a:rPr>
+                        <a:t>4.6</a:t>
+                      </a:r>
+                      <a:endParaRPr lang="en-US" sz="2000" b="0" i="0" u="none" strike="noStrike">
+                        <a:effectLst/>
+                        <a:latin typeface="Arial" panose="020B0604020202020204" pitchFamily="34" charset="0"/>
+                      </a:endParaRPr>
+                    </a:p>
+                  </a:txBody>
+                  <a:tcPr marL="6476" marR="6476" marT="6476" marB="0" anchor="ctr">
+                    <a:lnL>
+                      <a:noFill/>
+                    </a:lnL>
+                    <a:lnR>
+                      <a:noFill/>
+                    </a:lnR>
+                    <a:lnT>
+                      <a:noFill/>
+                    </a:lnT>
+                    <a:lnB>
+                      <a:noFill/>
+                    </a:lnB>
+                  </a:tcPr>
+                </a:tc>
+                <a:extLst>
+                  <a:ext uri="{0D108BD9-81ED-4DB2-BD59-A6C34878D82A}">
+                    <a16:rowId xmlns:a16="http://schemas.microsoft.com/office/drawing/2014/main" val="3926403356"/>
+                  </a:ext>
+                </a:extLst>
+              </a:tr>
+              <a:tr h="302232">
+                <a:tc>
+                  <a:txBody>
+                    <a:bodyPr/>
+                    <a:lstStyle/>
+                    <a:p>
+                      <a:pPr algn="l" fontAlgn="ctr">
+                        <a:spcBef>
+                          <a:spcPts val="0"/>
+                        </a:spcBef>
+                        <a:spcAft>
+                          <a:spcPts val="0"/>
+                        </a:spcAft>
+                      </a:pPr>
+                      <a:r>
+                        <a:rPr lang="en-US" sz="900" b="0" i="0" u="none" strike="noStrike">
+                          <a:solidFill>
+                            <a:srgbClr val="24292F"/>
+                          </a:solidFill>
+                          <a:effectLst/>
+                          <a:latin typeface="Segoe UI" panose="020B0502040204020203" pitchFamily="34" charset="0"/>
+                        </a:rPr>
+                        <a:t>Irv Smith Jr.</a:t>
+                      </a:r>
+                      <a:endParaRPr lang="en-US" sz="2000" b="0" i="0" u="none" strike="noStrike">
+                        <a:effectLst/>
+                        <a:latin typeface="Arial" panose="020B0604020202020204" pitchFamily="34" charset="0"/>
+                      </a:endParaRPr>
+                    </a:p>
+                  </a:txBody>
+                  <a:tcPr marL="6476" marR="6476" marT="6476" marB="0" anchor="ctr">
+                    <a:lnL>
+                      <a:noFill/>
+                    </a:lnL>
+                    <a:lnR>
+                      <a:noFill/>
+                    </a:lnR>
+                    <a:lnT>
+                      <a:noFill/>
+                    </a:lnT>
+                    <a:lnB>
+                      <a:noFill/>
+                    </a:lnB>
+                    <a:solidFill>
+                      <a:srgbClr val="C6E0B4"/>
+                    </a:solidFill>
+                  </a:tcPr>
+                </a:tc>
+                <a:tc>
+                  <a:txBody>
+                    <a:bodyPr/>
+                    <a:lstStyle/>
+                    <a:p>
+                      <a:pPr algn="l" fontAlgn="ctr">
+                        <a:spcBef>
+                          <a:spcPts val="0"/>
+                        </a:spcBef>
+                        <a:spcAft>
+                          <a:spcPts val="0"/>
+                        </a:spcAft>
+                      </a:pPr>
+                      <a:r>
+                        <a:rPr lang="en-US" sz="900" b="0" i="0" u="none" strike="noStrike">
+                          <a:solidFill>
+                            <a:srgbClr val="24292F"/>
+                          </a:solidFill>
+                          <a:effectLst/>
+                          <a:latin typeface="Segoe UI" panose="020B0502040204020203" pitchFamily="34" charset="0"/>
+                        </a:rPr>
+                        <a:t>0</a:t>
+                      </a:r>
+                      <a:endParaRPr lang="en-US" sz="2000" b="0" i="0" u="none" strike="noStrike">
+                        <a:effectLst/>
+                        <a:latin typeface="Arial" panose="020B0604020202020204" pitchFamily="34" charset="0"/>
+                      </a:endParaRPr>
+                    </a:p>
+                  </a:txBody>
+                  <a:tcPr marL="6476" marR="6476" marT="6476" marB="0" anchor="ctr">
+                    <a:lnL>
+                      <a:noFill/>
+                    </a:lnL>
+                    <a:lnR>
+                      <a:noFill/>
+                    </a:lnR>
+                    <a:lnT>
+                      <a:noFill/>
+                    </a:lnT>
+                    <a:lnB>
+                      <a:noFill/>
+                    </a:lnB>
+                    <a:solidFill>
+                      <a:srgbClr val="C6E0B4"/>
+                    </a:solidFill>
+                  </a:tcPr>
+                </a:tc>
+                <a:tc>
+                  <a:txBody>
+                    <a:bodyPr/>
+                    <a:lstStyle/>
+                    <a:p>
+                      <a:pPr algn="l" fontAlgn="ctr">
+                        <a:spcBef>
+                          <a:spcPts val="0"/>
+                        </a:spcBef>
+                        <a:spcAft>
+                          <a:spcPts val="0"/>
+                        </a:spcAft>
+                      </a:pPr>
+                      <a:r>
+                        <a:rPr lang="en-US" sz="900" b="0" i="0" u="none" strike="noStrike">
+                          <a:solidFill>
+                            <a:srgbClr val="24292F"/>
+                          </a:solidFill>
+                          <a:effectLst/>
+                          <a:latin typeface="Segoe UI" panose="020B0502040204020203" pitchFamily="34" charset="0"/>
+                        </a:rPr>
+                        <a:t>0</a:t>
+                      </a:r>
+                      <a:endParaRPr lang="en-US" sz="2000" b="0" i="0" u="none" strike="noStrike">
+                        <a:effectLst/>
+                        <a:latin typeface="Arial" panose="020B0604020202020204" pitchFamily="34" charset="0"/>
+                      </a:endParaRPr>
+                    </a:p>
+                  </a:txBody>
+                  <a:tcPr marL="6476" marR="6476" marT="6476" marB="0" anchor="ctr">
+                    <a:lnL>
+                      <a:noFill/>
+                    </a:lnL>
+                    <a:lnR>
+                      <a:noFill/>
+                    </a:lnR>
+                    <a:lnT>
+                      <a:noFill/>
+                    </a:lnT>
+                    <a:lnB>
+                      <a:noFill/>
+                    </a:lnB>
+                    <a:solidFill>
+                      <a:srgbClr val="C6E0B4"/>
+                    </a:solidFill>
+                  </a:tcPr>
+                </a:tc>
+                <a:tc>
+                  <a:txBody>
+                    <a:bodyPr/>
+                    <a:lstStyle/>
+                    <a:p>
+                      <a:pPr algn="l" fontAlgn="ctr">
+                        <a:spcBef>
+                          <a:spcPts val="0"/>
+                        </a:spcBef>
+                        <a:spcAft>
+                          <a:spcPts val="0"/>
+                        </a:spcAft>
+                      </a:pPr>
+                      <a:r>
+                        <a:rPr lang="en-US" sz="900" b="0" i="0" u="none" strike="noStrike">
+                          <a:solidFill>
+                            <a:srgbClr val="24292F"/>
+                          </a:solidFill>
+                          <a:effectLst/>
+                          <a:latin typeface="Segoe UI" panose="020B0502040204020203" pitchFamily="34" charset="0"/>
+                        </a:rPr>
+                        <a:t>0</a:t>
+                      </a:r>
+                      <a:endParaRPr lang="en-US" sz="2000" b="0" i="0" u="none" strike="noStrike">
+                        <a:effectLst/>
+                        <a:latin typeface="Arial" panose="020B0604020202020204" pitchFamily="34" charset="0"/>
+                      </a:endParaRPr>
+                    </a:p>
+                  </a:txBody>
+                  <a:tcPr marL="6476" marR="6476" marT="6476" marB="0" anchor="ctr">
+                    <a:lnL>
+                      <a:noFill/>
+                    </a:lnL>
+                    <a:lnR>
+                      <a:noFill/>
+                    </a:lnR>
+                    <a:lnT>
+                      <a:noFill/>
+                    </a:lnT>
+                    <a:lnB>
+                      <a:noFill/>
+                    </a:lnB>
+                    <a:solidFill>
+                      <a:srgbClr val="C6E0B4"/>
+                    </a:solidFill>
+                  </a:tcPr>
+                </a:tc>
+                <a:tc>
+                  <a:txBody>
+                    <a:bodyPr/>
+                    <a:lstStyle/>
+                    <a:p>
+                      <a:pPr algn="l" fontAlgn="ctr">
+                        <a:spcBef>
+                          <a:spcPts val="0"/>
+                        </a:spcBef>
+                        <a:spcAft>
+                          <a:spcPts val="0"/>
+                        </a:spcAft>
+                      </a:pPr>
+                      <a:r>
+                        <a:rPr lang="en-US" sz="900" b="0" i="0" u="none" strike="noStrike">
+                          <a:solidFill>
+                            <a:srgbClr val="24292F"/>
+                          </a:solidFill>
+                          <a:effectLst/>
+                          <a:latin typeface="Segoe UI" panose="020B0502040204020203" pitchFamily="34" charset="0"/>
+                        </a:rPr>
+                        <a:t>0</a:t>
+                      </a:r>
+                      <a:endParaRPr lang="en-US" sz="2000" b="0" i="0" u="none" strike="noStrike">
+                        <a:effectLst/>
+                        <a:latin typeface="Arial" panose="020B0604020202020204" pitchFamily="34" charset="0"/>
+                      </a:endParaRPr>
+                    </a:p>
+                  </a:txBody>
+                  <a:tcPr marL="6476" marR="6476" marT="6476" marB="0" anchor="ctr">
+                    <a:lnL>
+                      <a:noFill/>
+                    </a:lnL>
+                    <a:lnR>
+                      <a:noFill/>
+                    </a:lnR>
+                    <a:lnT>
+                      <a:noFill/>
+                    </a:lnT>
+                    <a:lnB>
+                      <a:noFill/>
+                    </a:lnB>
+                    <a:solidFill>
+                      <a:srgbClr val="C6E0B4"/>
+                    </a:solidFill>
+                  </a:tcPr>
+                </a:tc>
+                <a:tc>
+                  <a:txBody>
+                    <a:bodyPr/>
+                    <a:lstStyle/>
+                    <a:p>
+                      <a:pPr algn="l" fontAlgn="ctr">
+                        <a:spcBef>
+                          <a:spcPts val="0"/>
+                        </a:spcBef>
+                        <a:spcAft>
+                          <a:spcPts val="0"/>
+                        </a:spcAft>
+                      </a:pPr>
+                      <a:r>
+                        <a:rPr lang="en-US" sz="900" b="0" i="0" u="none" strike="noStrike">
+                          <a:solidFill>
+                            <a:srgbClr val="24292F"/>
+                          </a:solidFill>
+                          <a:effectLst/>
+                          <a:latin typeface="Segoe UI" panose="020B0502040204020203" pitchFamily="34" charset="0"/>
+                        </a:rPr>
+                        <a:t>0</a:t>
+                      </a:r>
+                      <a:endParaRPr lang="en-US" sz="2000" b="0" i="0" u="none" strike="noStrike">
+                        <a:effectLst/>
+                        <a:latin typeface="Arial" panose="020B0604020202020204" pitchFamily="34" charset="0"/>
+                      </a:endParaRPr>
+                    </a:p>
+                  </a:txBody>
+                  <a:tcPr marL="6476" marR="6476" marT="6476" marB="0" anchor="ctr">
+                    <a:lnL>
+                      <a:noFill/>
+                    </a:lnL>
+                    <a:lnR>
+                      <a:noFill/>
+                    </a:lnR>
+                    <a:lnT>
+                      <a:noFill/>
+                    </a:lnT>
+                    <a:lnB>
+                      <a:noFill/>
+                    </a:lnB>
+                    <a:solidFill>
+                      <a:srgbClr val="C6E0B4"/>
+                    </a:solidFill>
+                  </a:tcPr>
+                </a:tc>
+                <a:tc>
+                  <a:txBody>
+                    <a:bodyPr/>
+                    <a:lstStyle/>
+                    <a:p>
+                      <a:pPr algn="l" fontAlgn="ctr">
+                        <a:spcBef>
+                          <a:spcPts val="0"/>
+                        </a:spcBef>
+                        <a:spcAft>
+                          <a:spcPts val="0"/>
+                        </a:spcAft>
+                      </a:pPr>
+                      <a:r>
+                        <a:rPr lang="en-US" sz="900" b="0" i="0" u="none" strike="noStrike">
+                          <a:solidFill>
+                            <a:srgbClr val="24292F"/>
+                          </a:solidFill>
+                          <a:effectLst/>
+                          <a:latin typeface="Segoe UI" panose="020B0502040204020203" pitchFamily="34" charset="0"/>
+                        </a:rPr>
+                        <a:t>0</a:t>
+                      </a:r>
+                      <a:endParaRPr lang="en-US" sz="2000" b="0" i="0" u="none" strike="noStrike">
+                        <a:effectLst/>
+                        <a:latin typeface="Arial" panose="020B0604020202020204" pitchFamily="34" charset="0"/>
+                      </a:endParaRPr>
+                    </a:p>
+                  </a:txBody>
+                  <a:tcPr marL="6476" marR="6476" marT="6476" marB="0" anchor="ctr">
+                    <a:lnL>
+                      <a:noFill/>
+                    </a:lnL>
+                    <a:lnR>
+                      <a:noFill/>
+                    </a:lnR>
+                    <a:lnT>
+                      <a:noFill/>
+                    </a:lnT>
+                    <a:lnB>
+                      <a:noFill/>
+                    </a:lnB>
+                    <a:solidFill>
+                      <a:srgbClr val="C6E0B4"/>
+                    </a:solidFill>
+                  </a:tcPr>
+                </a:tc>
+                <a:tc>
+                  <a:txBody>
+                    <a:bodyPr/>
+                    <a:lstStyle/>
+                    <a:p>
+                      <a:pPr algn="l" fontAlgn="ctr">
+                        <a:spcBef>
+                          <a:spcPts val="0"/>
+                        </a:spcBef>
+                        <a:spcAft>
+                          <a:spcPts val="0"/>
+                        </a:spcAft>
+                      </a:pPr>
+                      <a:r>
+                        <a:rPr lang="en-US" sz="900" b="0" i="0" u="none" strike="noStrike">
+                          <a:solidFill>
+                            <a:srgbClr val="24292F"/>
+                          </a:solidFill>
+                          <a:effectLst/>
+                          <a:latin typeface="Segoe UI" panose="020B0502040204020203" pitchFamily="34" charset="0"/>
+                        </a:rPr>
+                        <a:t>1</a:t>
+                      </a:r>
+                      <a:endParaRPr lang="en-US" sz="2000" b="0" i="0" u="none" strike="noStrike">
+                        <a:effectLst/>
+                        <a:latin typeface="Arial" panose="020B0604020202020204" pitchFamily="34" charset="0"/>
+                      </a:endParaRPr>
+                    </a:p>
+                  </a:txBody>
+                  <a:tcPr marL="6476" marR="6476" marT="6476" marB="0" anchor="ctr">
+                    <a:lnL>
+                      <a:noFill/>
+                    </a:lnL>
+                    <a:lnR>
+                      <a:noFill/>
+                    </a:lnR>
+                    <a:lnT>
+                      <a:noFill/>
+                    </a:lnT>
+                    <a:lnB>
+                      <a:noFill/>
+                    </a:lnB>
+                    <a:solidFill>
+                      <a:srgbClr val="C6E0B4"/>
+                    </a:solidFill>
+                  </a:tcPr>
+                </a:tc>
+                <a:tc>
+                  <a:txBody>
+                    <a:bodyPr/>
+                    <a:lstStyle/>
+                    <a:p>
+                      <a:pPr algn="l" fontAlgn="ctr">
+                        <a:spcBef>
+                          <a:spcPts val="0"/>
+                        </a:spcBef>
+                        <a:spcAft>
+                          <a:spcPts val="0"/>
+                        </a:spcAft>
+                      </a:pPr>
+                      <a:r>
+                        <a:rPr lang="en-US" sz="900" b="0" i="0" u="none" strike="noStrike">
+                          <a:solidFill>
+                            <a:srgbClr val="24292F"/>
+                          </a:solidFill>
+                          <a:effectLst/>
+                          <a:latin typeface="Segoe UI" panose="020B0502040204020203" pitchFamily="34" charset="0"/>
+                        </a:rPr>
+                        <a:t>11</a:t>
+                      </a:r>
+                      <a:endParaRPr lang="en-US" sz="2000" b="0" i="0" u="none" strike="noStrike">
+                        <a:effectLst/>
+                        <a:latin typeface="Arial" panose="020B0604020202020204" pitchFamily="34" charset="0"/>
+                      </a:endParaRPr>
+                    </a:p>
+                  </a:txBody>
+                  <a:tcPr marL="6476" marR="6476" marT="6476" marB="0" anchor="ctr">
+                    <a:lnL>
+                      <a:noFill/>
+                    </a:lnL>
+                    <a:lnR>
+                      <a:noFill/>
+                    </a:lnR>
+                    <a:lnT>
+                      <a:noFill/>
+                    </a:lnT>
+                    <a:lnB>
+                      <a:noFill/>
+                    </a:lnB>
+                    <a:solidFill>
+                      <a:srgbClr val="C6E0B4"/>
+                    </a:solidFill>
+                  </a:tcPr>
+                </a:tc>
+                <a:tc>
+                  <a:txBody>
+                    <a:bodyPr/>
+                    <a:lstStyle/>
+                    <a:p>
+                      <a:pPr algn="l" fontAlgn="ctr">
+                        <a:spcBef>
+                          <a:spcPts val="0"/>
+                        </a:spcBef>
+                        <a:spcAft>
+                          <a:spcPts val="0"/>
+                        </a:spcAft>
+                      </a:pPr>
+                      <a:r>
+                        <a:rPr lang="en-US" sz="900" b="0" i="0" u="none" strike="noStrike">
+                          <a:solidFill>
+                            <a:srgbClr val="24292F"/>
+                          </a:solidFill>
+                          <a:effectLst/>
+                          <a:latin typeface="Segoe UI" panose="020B0502040204020203" pitchFamily="34" charset="0"/>
+                        </a:rPr>
+                        <a:t>11</a:t>
+                      </a:r>
+                      <a:endParaRPr lang="en-US" sz="2000" b="0" i="0" u="none" strike="noStrike">
+                        <a:effectLst/>
+                        <a:latin typeface="Arial" panose="020B0604020202020204" pitchFamily="34" charset="0"/>
+                      </a:endParaRPr>
+                    </a:p>
+                  </a:txBody>
+                  <a:tcPr marL="6476" marR="6476" marT="6476" marB="0" anchor="ctr">
+                    <a:lnL>
+                      <a:noFill/>
+                    </a:lnL>
+                    <a:lnR>
+                      <a:noFill/>
+                    </a:lnR>
+                    <a:lnT>
+                      <a:noFill/>
+                    </a:lnT>
+                    <a:lnB>
+                      <a:noFill/>
+                    </a:lnB>
+                    <a:solidFill>
+                      <a:srgbClr val="C6E0B4"/>
+                    </a:solidFill>
+                  </a:tcPr>
+                </a:tc>
+                <a:tc>
+                  <a:txBody>
+                    <a:bodyPr/>
+                    <a:lstStyle/>
+                    <a:p>
+                      <a:pPr algn="l" fontAlgn="ctr">
+                        <a:spcBef>
+                          <a:spcPts val="0"/>
+                        </a:spcBef>
+                        <a:spcAft>
+                          <a:spcPts val="0"/>
+                        </a:spcAft>
+                      </a:pPr>
+                      <a:r>
+                        <a:rPr lang="en-US" sz="900" b="0" i="0" u="none" strike="noStrike">
+                          <a:solidFill>
+                            <a:srgbClr val="24292F"/>
+                          </a:solidFill>
+                          <a:effectLst/>
+                          <a:latin typeface="Segoe UI" panose="020B0502040204020203" pitchFamily="34" charset="0"/>
+                        </a:rPr>
+                        <a:t>TE</a:t>
+                      </a:r>
+                      <a:endParaRPr lang="en-US" sz="2000" b="0" i="0" u="none" strike="noStrike">
+                        <a:effectLst/>
+                        <a:latin typeface="Arial" panose="020B0604020202020204" pitchFamily="34" charset="0"/>
+                      </a:endParaRPr>
+                    </a:p>
+                  </a:txBody>
+                  <a:tcPr marL="6476" marR="6476" marT="6476" marB="0" anchor="ctr">
+                    <a:lnL>
+                      <a:noFill/>
+                    </a:lnL>
+                    <a:lnR>
+                      <a:noFill/>
+                    </a:lnR>
+                    <a:lnT>
+                      <a:noFill/>
+                    </a:lnT>
+                    <a:lnB>
+                      <a:noFill/>
+                    </a:lnB>
+                    <a:solidFill>
+                      <a:srgbClr val="C6E0B4"/>
+                    </a:solidFill>
+                  </a:tcPr>
+                </a:tc>
+                <a:tc>
+                  <a:txBody>
+                    <a:bodyPr/>
+                    <a:lstStyle/>
+                    <a:p>
+                      <a:pPr algn="l" fontAlgn="ctr">
+                        <a:spcBef>
+                          <a:spcPts val="0"/>
+                        </a:spcBef>
+                        <a:spcAft>
+                          <a:spcPts val="0"/>
+                        </a:spcAft>
+                      </a:pPr>
+                      <a:r>
+                        <a:rPr lang="en-US" sz="900" b="0" i="0" u="none" strike="noStrike">
+                          <a:solidFill>
+                            <a:srgbClr val="24292F"/>
+                          </a:solidFill>
+                          <a:effectLst/>
+                          <a:latin typeface="Segoe UI" panose="020B0502040204020203" pitchFamily="34" charset="0"/>
+                        </a:rPr>
+                        <a:t>2.1</a:t>
+                      </a:r>
+                      <a:endParaRPr lang="en-US" sz="2000" b="0" i="0" u="none" strike="noStrike">
+                        <a:effectLst/>
+                        <a:latin typeface="Arial" panose="020B0604020202020204" pitchFamily="34" charset="0"/>
+                      </a:endParaRPr>
+                    </a:p>
+                  </a:txBody>
+                  <a:tcPr marL="6476" marR="6476" marT="6476" marB="0" anchor="ctr">
+                    <a:lnL>
+                      <a:noFill/>
+                    </a:lnL>
+                    <a:lnR>
+                      <a:noFill/>
+                    </a:lnR>
+                    <a:lnT>
+                      <a:noFill/>
+                    </a:lnT>
+                    <a:lnB>
+                      <a:noFill/>
+                    </a:lnB>
+                    <a:solidFill>
+                      <a:srgbClr val="C6E0B4"/>
+                    </a:solidFill>
+                  </a:tcPr>
+                </a:tc>
+                <a:extLst>
+                  <a:ext uri="{0D108BD9-81ED-4DB2-BD59-A6C34878D82A}">
+                    <a16:rowId xmlns:a16="http://schemas.microsoft.com/office/drawing/2014/main" val="3845107030"/>
+                  </a:ext>
+                </a:extLst>
+              </a:tr>
+              <a:tr h="302232">
+                <a:tc>
+                  <a:txBody>
+                    <a:bodyPr/>
+                    <a:lstStyle/>
+                    <a:p>
+                      <a:pPr algn="l" fontAlgn="ctr">
+                        <a:spcBef>
+                          <a:spcPts val="0"/>
+                        </a:spcBef>
+                        <a:spcAft>
+                          <a:spcPts val="0"/>
+                        </a:spcAft>
+                      </a:pPr>
+                      <a:r>
+                        <a:rPr lang="en-US" sz="900" b="0" i="0" u="none" strike="noStrike">
+                          <a:solidFill>
+                            <a:srgbClr val="24292F"/>
+                          </a:solidFill>
+                          <a:effectLst/>
+                          <a:latin typeface="Segoe UI" panose="020B0502040204020203" pitchFamily="34" charset="0"/>
+                        </a:rPr>
+                        <a:t>Mike Boone</a:t>
+                      </a:r>
+                      <a:endParaRPr lang="en-US" sz="2000" b="0" i="0" u="none" strike="noStrike">
+                        <a:effectLst/>
+                        <a:latin typeface="Arial" panose="020B0604020202020204" pitchFamily="34" charset="0"/>
+                      </a:endParaRPr>
+                    </a:p>
+                  </a:txBody>
+                  <a:tcPr marL="6476" marR="6476" marT="6476" marB="0" anchor="ctr">
+                    <a:lnL>
+                      <a:noFill/>
+                    </a:lnL>
+                    <a:lnR>
+                      <a:noFill/>
+                    </a:lnR>
+                    <a:lnT>
+                      <a:noFill/>
+                    </a:lnT>
+                    <a:lnB>
+                      <a:noFill/>
+                    </a:lnB>
+                  </a:tcPr>
+                </a:tc>
+                <a:tc>
+                  <a:txBody>
+                    <a:bodyPr/>
+                    <a:lstStyle/>
+                    <a:p>
+                      <a:pPr algn="l" fontAlgn="ctr">
+                        <a:spcBef>
+                          <a:spcPts val="0"/>
+                        </a:spcBef>
+                        <a:spcAft>
+                          <a:spcPts val="0"/>
+                        </a:spcAft>
+                      </a:pPr>
+                      <a:r>
+                        <a:rPr lang="en-US" sz="900" b="0" i="0" u="none" strike="noStrike">
+                          <a:solidFill>
+                            <a:srgbClr val="24292F"/>
+                          </a:solidFill>
+                          <a:effectLst/>
+                          <a:latin typeface="Segoe UI" panose="020B0502040204020203" pitchFamily="34" charset="0"/>
+                        </a:rPr>
+                        <a:t>0</a:t>
+                      </a:r>
+                      <a:endParaRPr lang="en-US" sz="2000" b="0" i="0" u="none" strike="noStrike">
+                        <a:effectLst/>
+                        <a:latin typeface="Arial" panose="020B0604020202020204" pitchFamily="34" charset="0"/>
+                      </a:endParaRPr>
+                    </a:p>
+                  </a:txBody>
+                  <a:tcPr marL="6476" marR="6476" marT="6476" marB="0" anchor="ctr">
+                    <a:lnL>
+                      <a:noFill/>
+                    </a:lnL>
+                    <a:lnR>
+                      <a:noFill/>
+                    </a:lnR>
+                    <a:lnT>
+                      <a:noFill/>
+                    </a:lnT>
+                    <a:lnB>
+                      <a:noFill/>
+                    </a:lnB>
+                  </a:tcPr>
+                </a:tc>
+                <a:tc>
+                  <a:txBody>
+                    <a:bodyPr/>
+                    <a:lstStyle/>
+                    <a:p>
+                      <a:pPr algn="l" fontAlgn="ctr">
+                        <a:spcBef>
+                          <a:spcPts val="0"/>
+                        </a:spcBef>
+                        <a:spcAft>
+                          <a:spcPts val="0"/>
+                        </a:spcAft>
+                      </a:pPr>
+                      <a:r>
+                        <a:rPr lang="en-US" sz="900" b="0" i="0" u="none" strike="noStrike">
+                          <a:solidFill>
+                            <a:srgbClr val="24292F"/>
+                          </a:solidFill>
+                          <a:effectLst/>
+                          <a:latin typeface="Segoe UI" panose="020B0502040204020203" pitchFamily="34" charset="0"/>
+                        </a:rPr>
+                        <a:t>0</a:t>
+                      </a:r>
+                      <a:endParaRPr lang="en-US" sz="2000" b="0" i="0" u="none" strike="noStrike">
+                        <a:effectLst/>
+                        <a:latin typeface="Arial" panose="020B0604020202020204" pitchFamily="34" charset="0"/>
+                      </a:endParaRPr>
+                    </a:p>
+                  </a:txBody>
+                  <a:tcPr marL="6476" marR="6476" marT="6476" marB="0" anchor="ctr">
+                    <a:lnL>
+                      <a:noFill/>
+                    </a:lnL>
+                    <a:lnR>
+                      <a:noFill/>
+                    </a:lnR>
+                    <a:lnT>
+                      <a:noFill/>
+                    </a:lnT>
+                    <a:lnB>
+                      <a:noFill/>
+                    </a:lnB>
+                  </a:tcPr>
+                </a:tc>
+                <a:tc>
+                  <a:txBody>
+                    <a:bodyPr/>
+                    <a:lstStyle/>
+                    <a:p>
+                      <a:pPr algn="l" fontAlgn="ctr">
+                        <a:spcBef>
+                          <a:spcPts val="0"/>
+                        </a:spcBef>
+                        <a:spcAft>
+                          <a:spcPts val="0"/>
+                        </a:spcAft>
+                      </a:pPr>
+                      <a:r>
+                        <a:rPr lang="en-US" sz="900" b="0" i="0" u="none" strike="noStrike">
+                          <a:solidFill>
+                            <a:srgbClr val="24292F"/>
+                          </a:solidFill>
+                          <a:effectLst/>
+                          <a:latin typeface="Segoe UI" panose="020B0502040204020203" pitchFamily="34" charset="0"/>
+                        </a:rPr>
+                        <a:t>0</a:t>
+                      </a:r>
+                      <a:endParaRPr lang="en-US" sz="2000" b="0" i="0" u="none" strike="noStrike">
+                        <a:effectLst/>
+                        <a:latin typeface="Arial" panose="020B0604020202020204" pitchFamily="34" charset="0"/>
+                      </a:endParaRPr>
+                    </a:p>
+                  </a:txBody>
+                  <a:tcPr marL="6476" marR="6476" marT="6476" marB="0" anchor="ctr">
+                    <a:lnL>
+                      <a:noFill/>
+                    </a:lnL>
+                    <a:lnR>
+                      <a:noFill/>
+                    </a:lnR>
+                    <a:lnT>
+                      <a:noFill/>
+                    </a:lnT>
+                    <a:lnB>
+                      <a:noFill/>
+                    </a:lnB>
+                  </a:tcPr>
+                </a:tc>
+                <a:tc>
+                  <a:txBody>
+                    <a:bodyPr/>
+                    <a:lstStyle/>
+                    <a:p>
+                      <a:pPr algn="l" fontAlgn="ctr">
+                        <a:spcBef>
+                          <a:spcPts val="0"/>
+                        </a:spcBef>
+                        <a:spcAft>
+                          <a:spcPts val="0"/>
+                        </a:spcAft>
+                      </a:pPr>
+                      <a:r>
+                        <a:rPr lang="en-US" sz="900" b="0" i="0" u="none" strike="noStrike">
+                          <a:solidFill>
+                            <a:srgbClr val="24292F"/>
+                          </a:solidFill>
+                          <a:effectLst/>
+                          <a:latin typeface="Segoe UI" panose="020B0502040204020203" pitchFamily="34" charset="0"/>
+                        </a:rPr>
+                        <a:t>0</a:t>
+                      </a:r>
+                      <a:endParaRPr lang="en-US" sz="2000" b="0" i="0" u="none" strike="noStrike">
+                        <a:effectLst/>
+                        <a:latin typeface="Arial" panose="020B0604020202020204" pitchFamily="34" charset="0"/>
+                      </a:endParaRPr>
+                    </a:p>
+                  </a:txBody>
+                  <a:tcPr marL="6476" marR="6476" marT="6476" marB="0" anchor="ctr">
+                    <a:lnL>
+                      <a:noFill/>
+                    </a:lnL>
+                    <a:lnR>
+                      <a:noFill/>
+                    </a:lnR>
+                    <a:lnT>
+                      <a:noFill/>
+                    </a:lnT>
+                    <a:lnB>
+                      <a:noFill/>
+                    </a:lnB>
+                  </a:tcPr>
+                </a:tc>
+                <a:tc>
+                  <a:txBody>
+                    <a:bodyPr/>
+                    <a:lstStyle/>
+                    <a:p>
+                      <a:pPr algn="l" fontAlgn="ctr">
+                        <a:spcBef>
+                          <a:spcPts val="0"/>
+                        </a:spcBef>
+                        <a:spcAft>
+                          <a:spcPts val="0"/>
+                        </a:spcAft>
+                      </a:pPr>
+                      <a:r>
+                        <a:rPr lang="en-US" sz="900" b="0" i="0" u="none" strike="noStrike">
+                          <a:solidFill>
+                            <a:srgbClr val="24292F"/>
+                          </a:solidFill>
+                          <a:effectLst/>
+                          <a:latin typeface="Segoe UI" panose="020B0502040204020203" pitchFamily="34" charset="0"/>
+                        </a:rPr>
+                        <a:t>0</a:t>
+                      </a:r>
+                      <a:endParaRPr lang="en-US" sz="2000" b="0" i="0" u="none" strike="noStrike">
+                        <a:effectLst/>
+                        <a:latin typeface="Arial" panose="020B0604020202020204" pitchFamily="34" charset="0"/>
+                      </a:endParaRPr>
+                    </a:p>
+                  </a:txBody>
+                  <a:tcPr marL="6476" marR="6476" marT="6476" marB="0" anchor="ctr">
+                    <a:lnL>
+                      <a:noFill/>
+                    </a:lnL>
+                    <a:lnR>
+                      <a:noFill/>
+                    </a:lnR>
+                    <a:lnT>
+                      <a:noFill/>
+                    </a:lnT>
+                    <a:lnB>
+                      <a:noFill/>
+                    </a:lnB>
+                  </a:tcPr>
+                </a:tc>
+                <a:tc>
+                  <a:txBody>
+                    <a:bodyPr/>
+                    <a:lstStyle/>
+                    <a:p>
+                      <a:pPr algn="l" fontAlgn="ctr">
+                        <a:spcBef>
+                          <a:spcPts val="0"/>
+                        </a:spcBef>
+                        <a:spcAft>
+                          <a:spcPts val="0"/>
+                        </a:spcAft>
+                      </a:pPr>
+                      <a:r>
+                        <a:rPr lang="en-US" sz="900" b="0" i="0" u="none" strike="noStrike">
+                          <a:solidFill>
+                            <a:srgbClr val="24292F"/>
+                          </a:solidFill>
+                          <a:effectLst/>
+                          <a:latin typeface="Segoe UI" panose="020B0502040204020203" pitchFamily="34" charset="0"/>
+                        </a:rPr>
+                        <a:t>0</a:t>
+                      </a:r>
+                      <a:endParaRPr lang="en-US" sz="2000" b="0" i="0" u="none" strike="noStrike">
+                        <a:effectLst/>
+                        <a:latin typeface="Arial" panose="020B0604020202020204" pitchFamily="34" charset="0"/>
+                      </a:endParaRPr>
+                    </a:p>
+                  </a:txBody>
+                  <a:tcPr marL="6476" marR="6476" marT="6476" marB="0" anchor="ctr">
+                    <a:lnL>
+                      <a:noFill/>
+                    </a:lnL>
+                    <a:lnR>
+                      <a:noFill/>
+                    </a:lnR>
+                    <a:lnT>
+                      <a:noFill/>
+                    </a:lnT>
+                    <a:lnB>
+                      <a:noFill/>
+                    </a:lnB>
+                  </a:tcPr>
+                </a:tc>
+                <a:tc>
+                  <a:txBody>
+                    <a:bodyPr/>
+                    <a:lstStyle/>
+                    <a:p>
+                      <a:pPr algn="l" fontAlgn="ctr">
+                        <a:spcBef>
+                          <a:spcPts val="0"/>
+                        </a:spcBef>
+                        <a:spcAft>
+                          <a:spcPts val="0"/>
+                        </a:spcAft>
+                      </a:pPr>
+                      <a:r>
+                        <a:rPr lang="en-US" sz="900" b="0" i="0" u="none" strike="noStrike">
+                          <a:solidFill>
+                            <a:srgbClr val="24292F"/>
+                          </a:solidFill>
+                          <a:effectLst/>
+                          <a:latin typeface="Segoe UI" panose="020B0502040204020203" pitchFamily="34" charset="0"/>
+                        </a:rPr>
+                        <a:t>0</a:t>
+                      </a:r>
+                      <a:endParaRPr lang="en-US" sz="2000" b="0" i="0" u="none" strike="noStrike">
+                        <a:effectLst/>
+                        <a:latin typeface="Arial" panose="020B0604020202020204" pitchFamily="34" charset="0"/>
+                      </a:endParaRPr>
+                    </a:p>
+                  </a:txBody>
+                  <a:tcPr marL="6476" marR="6476" marT="6476" marB="0" anchor="ctr">
+                    <a:lnL>
+                      <a:noFill/>
+                    </a:lnL>
+                    <a:lnR>
+                      <a:noFill/>
+                    </a:lnR>
+                    <a:lnT>
+                      <a:noFill/>
+                    </a:lnT>
+                    <a:lnB>
+                      <a:noFill/>
+                    </a:lnB>
+                  </a:tcPr>
+                </a:tc>
+                <a:tc>
+                  <a:txBody>
+                    <a:bodyPr/>
+                    <a:lstStyle/>
+                    <a:p>
+                      <a:pPr algn="l" fontAlgn="ctr">
+                        <a:spcBef>
+                          <a:spcPts val="0"/>
+                        </a:spcBef>
+                        <a:spcAft>
+                          <a:spcPts val="0"/>
+                        </a:spcAft>
+                      </a:pPr>
+                      <a:r>
+                        <a:rPr lang="en-US" sz="900" b="0" i="0" u="none" strike="noStrike">
+                          <a:solidFill>
+                            <a:srgbClr val="24292F"/>
+                          </a:solidFill>
+                          <a:effectLst/>
+                          <a:latin typeface="Segoe UI" panose="020B0502040204020203" pitchFamily="34" charset="0"/>
+                        </a:rPr>
+                        <a:t>0</a:t>
+                      </a:r>
+                      <a:endParaRPr lang="en-US" sz="2000" b="0" i="0" u="none" strike="noStrike">
+                        <a:effectLst/>
+                        <a:latin typeface="Arial" panose="020B0604020202020204" pitchFamily="34" charset="0"/>
+                      </a:endParaRPr>
+                    </a:p>
+                  </a:txBody>
+                  <a:tcPr marL="6476" marR="6476" marT="6476" marB="0" anchor="ctr">
+                    <a:lnL>
+                      <a:noFill/>
+                    </a:lnL>
+                    <a:lnR>
+                      <a:noFill/>
+                    </a:lnR>
+                    <a:lnT>
+                      <a:noFill/>
+                    </a:lnT>
+                    <a:lnB>
+                      <a:noFill/>
+                    </a:lnB>
+                  </a:tcPr>
+                </a:tc>
+                <a:tc>
+                  <a:txBody>
+                    <a:bodyPr/>
+                    <a:lstStyle/>
+                    <a:p>
+                      <a:pPr algn="l" fontAlgn="ctr">
+                        <a:spcBef>
+                          <a:spcPts val="0"/>
+                        </a:spcBef>
+                        <a:spcAft>
+                          <a:spcPts val="0"/>
+                        </a:spcAft>
+                      </a:pPr>
+                      <a:r>
+                        <a:rPr lang="en-US" sz="900" b="0" i="0" u="none" strike="noStrike">
+                          <a:solidFill>
+                            <a:srgbClr val="24292F"/>
+                          </a:solidFill>
+                          <a:effectLst/>
+                          <a:latin typeface="Segoe UI" panose="020B0502040204020203" pitchFamily="34" charset="0"/>
+                        </a:rPr>
+                        <a:t>0</a:t>
+                      </a:r>
+                      <a:endParaRPr lang="en-US" sz="2000" b="0" i="0" u="none" strike="noStrike">
+                        <a:effectLst/>
+                        <a:latin typeface="Arial" panose="020B0604020202020204" pitchFamily="34" charset="0"/>
+                      </a:endParaRPr>
+                    </a:p>
+                  </a:txBody>
+                  <a:tcPr marL="6476" marR="6476" marT="6476" marB="0" anchor="ctr">
+                    <a:lnL>
+                      <a:noFill/>
+                    </a:lnL>
+                    <a:lnR>
+                      <a:noFill/>
+                    </a:lnR>
+                    <a:lnT>
+                      <a:noFill/>
+                    </a:lnT>
+                    <a:lnB>
+                      <a:noFill/>
+                    </a:lnB>
+                  </a:tcPr>
+                </a:tc>
+                <a:tc>
+                  <a:txBody>
+                    <a:bodyPr/>
+                    <a:lstStyle/>
+                    <a:p>
+                      <a:pPr algn="l" fontAlgn="ctr">
+                        <a:spcBef>
+                          <a:spcPts val="0"/>
+                        </a:spcBef>
+                        <a:spcAft>
+                          <a:spcPts val="0"/>
+                        </a:spcAft>
+                      </a:pPr>
+                      <a:r>
+                        <a:rPr lang="en-US" sz="900" b="0" i="0" u="none" strike="noStrike">
+                          <a:solidFill>
+                            <a:srgbClr val="24292F"/>
+                          </a:solidFill>
+                          <a:effectLst/>
+                          <a:latin typeface="Segoe UI" panose="020B0502040204020203" pitchFamily="34" charset="0"/>
+                        </a:rPr>
+                        <a:t>RB</a:t>
+                      </a:r>
+                      <a:endParaRPr lang="en-US" sz="2000" b="0" i="0" u="none" strike="noStrike">
+                        <a:effectLst/>
+                        <a:latin typeface="Arial" panose="020B0604020202020204" pitchFamily="34" charset="0"/>
+                      </a:endParaRPr>
+                    </a:p>
+                  </a:txBody>
+                  <a:tcPr marL="6476" marR="6476" marT="6476" marB="0" anchor="ctr">
+                    <a:lnL>
+                      <a:noFill/>
+                    </a:lnL>
+                    <a:lnR>
+                      <a:noFill/>
+                    </a:lnR>
+                    <a:lnT>
+                      <a:noFill/>
+                    </a:lnT>
+                    <a:lnB>
+                      <a:noFill/>
+                    </a:lnB>
+                  </a:tcPr>
+                </a:tc>
+                <a:tc>
+                  <a:txBody>
+                    <a:bodyPr/>
+                    <a:lstStyle/>
+                    <a:p>
+                      <a:pPr algn="l" fontAlgn="ctr">
+                        <a:spcBef>
+                          <a:spcPts val="0"/>
+                        </a:spcBef>
+                        <a:spcAft>
+                          <a:spcPts val="0"/>
+                        </a:spcAft>
+                      </a:pPr>
+                      <a:r>
+                        <a:rPr lang="en-US" sz="900" b="0" i="0" u="none" strike="noStrike" dirty="0">
+                          <a:solidFill>
+                            <a:srgbClr val="24292F"/>
+                          </a:solidFill>
+                          <a:effectLst/>
+                          <a:latin typeface="Segoe UI" panose="020B0502040204020203" pitchFamily="34" charset="0"/>
+                        </a:rPr>
+                        <a:t>0</a:t>
+                      </a:r>
+                      <a:endParaRPr lang="en-US" sz="2000" b="0" i="0" u="none" strike="noStrike" dirty="0">
+                        <a:effectLst/>
+                        <a:latin typeface="Arial" panose="020B0604020202020204" pitchFamily="34" charset="0"/>
+                      </a:endParaRPr>
+                    </a:p>
+                  </a:txBody>
+                  <a:tcPr marL="6476" marR="6476" marT="6476" marB="0" anchor="ctr">
+                    <a:lnL>
+                      <a:noFill/>
+                    </a:lnL>
+                    <a:lnR>
+                      <a:noFill/>
+                    </a:lnR>
+                    <a:lnT>
+                      <a:noFill/>
+                    </a:lnT>
+                    <a:lnB>
+                      <a:noFill/>
+                    </a:lnB>
+                  </a:tcPr>
+                </a:tc>
+                <a:extLst>
+                  <a:ext uri="{0D108BD9-81ED-4DB2-BD59-A6C34878D82A}">
+                    <a16:rowId xmlns:a16="http://schemas.microsoft.com/office/drawing/2014/main" val="2969414227"/>
+                  </a:ext>
+                </a:extLst>
+              </a:tr>
+            </a:tbl>
+          </a:graphicData>
+        </a:graphic>
+      </p:graphicFrame>
     </p:spTree>
     <p:extLst>
       <p:ext uri="{BB962C8B-B14F-4D97-AF65-F5344CB8AC3E}">
-        <p14:creationId xmlns:p14="http://schemas.microsoft.com/office/powerpoint/2010/main" val="642101144"/>
+        <p14:creationId xmlns:p14="http://schemas.microsoft.com/office/powerpoint/2010/main" val="2123746658"/>
       </p:ext>
     </p:extLst>
   </p:cSld>

--- a/Resources/Final.Presentation.pptx
+++ b/Resources/Final.Presentation.pptx
@@ -6,7 +6,7 @@
     <p:sldMasterId id="2147483674" r:id="rId2"/>
   </p:sldMasterIdLst>
   <p:notesMasterIdLst>
-    <p:notesMasterId r:id="rId22"/>
+    <p:notesMasterId r:id="rId23"/>
   </p:notesMasterIdLst>
   <p:sldIdLst>
     <p:sldId id="256" r:id="rId3"/>
@@ -21,13 +21,14 @@
     <p:sldId id="259" r:id="rId12"/>
     <p:sldId id="277" r:id="rId13"/>
     <p:sldId id="268" r:id="rId14"/>
-    <p:sldId id="273" r:id="rId15"/>
-    <p:sldId id="279" r:id="rId16"/>
-    <p:sldId id="274" r:id="rId17"/>
-    <p:sldId id="284" r:id="rId18"/>
-    <p:sldId id="283" r:id="rId19"/>
-    <p:sldId id="264" r:id="rId20"/>
-    <p:sldId id="280" r:id="rId21"/>
+    <p:sldId id="285" r:id="rId15"/>
+    <p:sldId id="273" r:id="rId16"/>
+    <p:sldId id="279" r:id="rId17"/>
+    <p:sldId id="274" r:id="rId18"/>
+    <p:sldId id="284" r:id="rId19"/>
+    <p:sldId id="283" r:id="rId20"/>
+    <p:sldId id="264" r:id="rId21"/>
+    <p:sldId id="280" r:id="rId22"/>
   </p:sldIdLst>
   <p:sldSz cx="12192000" cy="6858000"/>
   <p:notesSz cx="6858000" cy="9144000"/>
@@ -137,7 +138,7 @@
 <file path=ppt/revisionInfo.xml><?xml version="1.0" encoding="utf-8"?>
 <p1510:revInfo xmlns:a="http://schemas.openxmlformats.org/drawingml/2006/main" xmlns:r="http://schemas.openxmlformats.org/officeDocument/2006/relationships" xmlns:p1510="http://schemas.microsoft.com/office/powerpoint/2015/10/main">
   <p1510:revLst>
-    <p1510:client id="{2D2F4B00-D67B-471E-8EC5-16430E5C6708}" v="36" dt="2021-11-19T01:59:24.209"/>
+    <p1510:client id="{2D2F4B00-D67B-471E-8EC5-16430E5C6708}" v="38" dt="2021-11-19T02:07:31.526"/>
   </p1510:revLst>
 </p1510:revInfo>
 </file>
@@ -147,7 +148,7 @@
   <pc:docChgLst>
     <pc:chgData name="Taryn Syler" userId="d093462dc93fe5e1" providerId="LiveId" clId="{2D2F4B00-D67B-471E-8EC5-16430E5C6708}"/>
     <pc:docChg chg="undo custSel addSld delSld modSld sldOrd delMainMaster">
-      <pc:chgData name="Taryn Syler" userId="d093462dc93fe5e1" providerId="LiveId" clId="{2D2F4B00-D67B-471E-8EC5-16430E5C6708}" dt="2021-11-19T01:59:29.334" v="5222" actId="2696"/>
+      <pc:chgData name="Taryn Syler" userId="d093462dc93fe5e1" providerId="LiveId" clId="{2D2F4B00-D67B-471E-8EC5-16430E5C6708}" dt="2021-11-19T02:08:20.981" v="5272" actId="1076"/>
       <pc:docMkLst>
         <pc:docMk/>
       </pc:docMkLst>
@@ -1369,6 +1370,69 @@
           <pc:sldMk cId="3041006224" sldId="284"/>
         </pc:sldMkLst>
       </pc:sldChg>
+      <pc:sldChg chg="addSp delSp modSp new mod setBg">
+        <pc:chgData name="Taryn Syler" userId="d093462dc93fe5e1" providerId="LiveId" clId="{2D2F4B00-D67B-471E-8EC5-16430E5C6708}" dt="2021-11-19T02:08:20.981" v="5272" actId="1076"/>
+        <pc:sldMkLst>
+          <pc:docMk/>
+          <pc:sldMk cId="2623708154" sldId="285"/>
+        </pc:sldMkLst>
+        <pc:spChg chg="mod">
+          <ac:chgData name="Taryn Syler" userId="d093462dc93fe5e1" providerId="LiveId" clId="{2D2F4B00-D67B-471E-8EC5-16430E5C6708}" dt="2021-11-19T02:08:20.981" v="5272" actId="1076"/>
+          <ac:spMkLst>
+            <pc:docMk/>
+            <pc:sldMk cId="2623708154" sldId="285"/>
+            <ac:spMk id="2" creationId="{242B0E94-2D3F-4DE2-AC63-D3FF77FB30B3}"/>
+          </ac:spMkLst>
+        </pc:spChg>
+        <pc:spChg chg="del">
+          <ac:chgData name="Taryn Syler" userId="d093462dc93fe5e1" providerId="LiveId" clId="{2D2F4B00-D67B-471E-8EC5-16430E5C6708}" dt="2021-11-19T02:07:07.833" v="5224"/>
+          <ac:spMkLst>
+            <pc:docMk/>
+            <pc:sldMk cId="2623708154" sldId="285"/>
+            <ac:spMk id="3" creationId="{65AC5925-D89C-4D39-9F51-03F14A3029C9}"/>
+          </ac:spMkLst>
+        </pc:spChg>
+        <pc:spChg chg="add">
+          <ac:chgData name="Taryn Syler" userId="d093462dc93fe5e1" providerId="LiveId" clId="{2D2F4B00-D67B-471E-8EC5-16430E5C6708}" dt="2021-11-19T02:07:38.110" v="5231" actId="26606"/>
+          <ac:spMkLst>
+            <pc:docMk/>
+            <pc:sldMk cId="2623708154" sldId="285"/>
+            <ac:spMk id="12" creationId="{09A1C012-8297-4361-ACE8-A2509FB18911}"/>
+          </ac:spMkLst>
+        </pc:spChg>
+        <pc:spChg chg="add">
+          <ac:chgData name="Taryn Syler" userId="d093462dc93fe5e1" providerId="LiveId" clId="{2D2F4B00-D67B-471E-8EC5-16430E5C6708}" dt="2021-11-19T02:07:38.110" v="5231" actId="26606"/>
+          <ac:spMkLst>
+            <pc:docMk/>
+            <pc:sldMk cId="2623708154" sldId="285"/>
+            <ac:spMk id="14" creationId="{4AA13AD3-0A4F-475A-BEBB-DEEFF5C096C3}"/>
+          </ac:spMkLst>
+        </pc:spChg>
+        <pc:spChg chg="add">
+          <ac:chgData name="Taryn Syler" userId="d093462dc93fe5e1" providerId="LiveId" clId="{2D2F4B00-D67B-471E-8EC5-16430E5C6708}" dt="2021-11-19T02:07:38.110" v="5231" actId="26606"/>
+          <ac:spMkLst>
+            <pc:docMk/>
+            <pc:sldMk cId="2623708154" sldId="285"/>
+            <ac:spMk id="16" creationId="{D65E0E3C-32F3-480B-9842-7611BBE2EE9F}"/>
+          </ac:spMkLst>
+        </pc:spChg>
+        <pc:picChg chg="add mod ord">
+          <ac:chgData name="Taryn Syler" userId="d093462dc93fe5e1" providerId="LiveId" clId="{2D2F4B00-D67B-471E-8EC5-16430E5C6708}" dt="2021-11-19T02:08:14.248" v="5269" actId="14100"/>
+          <ac:picMkLst>
+            <pc:docMk/>
+            <pc:sldMk cId="2623708154" sldId="285"/>
+            <ac:picMk id="5" creationId="{0B06DA64-2AEF-4B0D-9947-A8B585A24A77}"/>
+          </ac:picMkLst>
+        </pc:picChg>
+        <pc:picChg chg="add mod">
+          <ac:chgData name="Taryn Syler" userId="d093462dc93fe5e1" providerId="LiveId" clId="{2D2F4B00-D67B-471E-8EC5-16430E5C6708}" dt="2021-11-19T02:08:20.038" v="5271" actId="14100"/>
+          <ac:picMkLst>
+            <pc:docMk/>
+            <pc:sldMk cId="2623708154" sldId="285"/>
+            <ac:picMk id="7" creationId="{63766E45-F47D-440D-B690-13DAA015F10D}"/>
+          </ac:picMkLst>
+        </pc:picChg>
+      </pc:sldChg>
       <pc:sldMasterChg chg="del delSldLayout">
         <pc:chgData name="Taryn Syler" userId="d093462dc93fe5e1" providerId="LiveId" clId="{2D2F4B00-D67B-471E-8EC5-16430E5C6708}" dt="2021-11-19T01:59:29.334" v="5222" actId="2696"/>
         <pc:sldMasterMkLst>
@@ -1551,7 +1615,7 @@
           <a:p>
             <a:fld id="{917E58E4-3C21-4D5C-B4E1-FAE723A9F180}" type="datetimeFigureOut">
               <a:rPr lang="en-US" smtClean="0"/>
-              <a:t>11/16/2021</a:t>
+              <a:t>11/18/2021</a:t>
             </a:fld>
             <a:endParaRPr lang="en-US"/>
           </a:p>
@@ -2489,7 +2553,7 @@
           <a:p>
             <a:fld id="{8382AD83-B5DF-4BD6-AC2B-95FF0DEC3221}" type="slidenum">
               <a:rPr lang="en-US" smtClean="0"/>
-              <a:t>14</a:t>
+              <a:t>15</a:t>
             </a:fld>
             <a:endParaRPr lang="en-US"/>
           </a:p>
@@ -2576,7 +2640,7 @@
           <a:p>
             <a:fld id="{8382AD83-B5DF-4BD6-AC2B-95FF0DEC3221}" type="slidenum">
               <a:rPr lang="en-US" smtClean="0"/>
-              <a:t>18</a:t>
+              <a:t>19</a:t>
             </a:fld>
             <a:endParaRPr lang="en-US"/>
           </a:p>
@@ -2660,7 +2724,7 @@
           <a:p>
             <a:fld id="{8382AD83-B5DF-4BD6-AC2B-95FF0DEC3221}" type="slidenum">
               <a:rPr lang="en-US" smtClean="0"/>
-              <a:t>19</a:t>
+              <a:t>20</a:t>
             </a:fld>
             <a:endParaRPr lang="en-US"/>
           </a:p>
@@ -2901,7 +2965,7 @@
             <a:fld id="{A37D6D71-8B28-4ED6-B932-04B197003D23}" type="datetimeFigureOut">
               <a:rPr lang="en-US" smtClean="0"/>
               <a:pPr algn="r"/>
-              <a:t>11/16/2021</a:t>
+              <a:t>11/18/2021</a:t>
             </a:fld>
             <a:endParaRPr lang="en-US" dirty="0"/>
           </a:p>
@@ -3123,7 +3187,7 @@
             <a:fld id="{A37D6D71-8B28-4ED6-B932-04B197003D23}" type="datetimeFigureOut">
               <a:rPr lang="en-US" smtClean="0"/>
               <a:pPr algn="r"/>
-              <a:t>11/16/2021</a:t>
+              <a:t>11/18/2021</a:t>
             </a:fld>
             <a:endParaRPr lang="en-US" dirty="0"/>
           </a:p>
@@ -3406,7 +3470,7 @@
             <a:fld id="{A37D6D71-8B28-4ED6-B932-04B197003D23}" type="datetimeFigureOut">
               <a:rPr lang="en-US" smtClean="0"/>
               <a:pPr algn="r"/>
-              <a:t>11/16/2021</a:t>
+              <a:t>11/18/2021</a:t>
             </a:fld>
             <a:endParaRPr lang="en-US" dirty="0"/>
           </a:p>
@@ -13000,7 +13064,7 @@
             <a:fld id="{A37D6D71-8B28-4ED6-B932-04B197003D23}" type="datetimeFigureOut">
               <a:rPr lang="en-US" smtClean="0"/>
               <a:pPr algn="r"/>
-              <a:t>11/16/2021</a:t>
+              <a:t>11/18/2021</a:t>
             </a:fld>
             <a:endParaRPr lang="en-US" dirty="0"/>
           </a:p>
@@ -26919,7 +26983,7 @@
             <a:fld id="{A37D6D71-8B28-4ED6-B932-04B197003D23}" type="datetimeFigureOut">
               <a:rPr lang="en-US" smtClean="0"/>
               <a:pPr algn="r"/>
-              <a:t>11/16/2021</a:t>
+              <a:t>11/18/2021</a:t>
             </a:fld>
             <a:endParaRPr lang="en-US" dirty="0"/>
           </a:p>
@@ -27194,7 +27258,7 @@
             <a:fld id="{A37D6D71-8B28-4ED6-B932-04B197003D23}" type="datetimeFigureOut">
               <a:rPr lang="en-US" smtClean="0"/>
               <a:pPr algn="r"/>
-              <a:t>11/16/2021</a:t>
+              <a:t>11/18/2021</a:t>
             </a:fld>
             <a:endParaRPr lang="en-US" dirty="0"/>
           </a:p>
@@ -27583,7 +27647,7 @@
             <a:fld id="{A37D6D71-8B28-4ED6-B932-04B197003D23}" type="datetimeFigureOut">
               <a:rPr lang="en-US" smtClean="0"/>
               <a:pPr algn="r"/>
-              <a:t>11/16/2021</a:t>
+              <a:t>11/18/2021</a:t>
             </a:fld>
             <a:endParaRPr lang="en-US" dirty="0"/>
           </a:p>
@@ -27760,7 +27824,7 @@
             <a:fld id="{A37D6D71-8B28-4ED6-B932-04B197003D23}" type="datetimeFigureOut">
               <a:rPr lang="en-US" smtClean="0"/>
               <a:pPr algn="r"/>
-              <a:t>11/16/2021</a:t>
+              <a:t>11/18/2021</a:t>
             </a:fld>
             <a:endParaRPr lang="en-US" dirty="0"/>
           </a:p>
@@ -27881,7 +27945,7 @@
             <a:fld id="{A37D6D71-8B28-4ED6-B932-04B197003D23}" type="datetimeFigureOut">
               <a:rPr lang="en-US" smtClean="0"/>
               <a:pPr algn="r"/>
-              <a:t>11/16/2021</a:t>
+              <a:t>11/18/2021</a:t>
             </a:fld>
             <a:endParaRPr lang="en-US" dirty="0"/>
           </a:p>
@@ -28166,7 +28230,7 @@
             <a:fld id="{A37D6D71-8B28-4ED6-B932-04B197003D23}" type="datetimeFigureOut">
               <a:rPr lang="en-US" smtClean="0"/>
               <a:pPr algn="r"/>
-              <a:t>11/16/2021</a:t>
+              <a:t>11/18/2021</a:t>
             </a:fld>
             <a:endParaRPr lang="en-US" dirty="0"/>
           </a:p>
@@ -28467,7 +28531,7 @@
             <a:fld id="{A37D6D71-8B28-4ED6-B932-04B197003D23}" type="datetimeFigureOut">
               <a:rPr lang="en-US" smtClean="0"/>
               <a:pPr algn="r"/>
-              <a:t>11/16/2021</a:t>
+              <a:t>11/18/2021</a:t>
             </a:fld>
             <a:endParaRPr lang="en-US" dirty="0"/>
           </a:p>
@@ -28815,7 +28879,7 @@
             <a:fld id="{A37D6D71-8B28-4ED6-B932-04B197003D23}" type="datetimeFigureOut">
               <a:rPr lang="en-US" smtClean="0"/>
               <a:pPr algn="r"/>
-              <a:t>11/16/2021</a:t>
+              <a:t>11/18/2021</a:t>
             </a:fld>
             <a:endParaRPr lang="en-US" spc="50" dirty="0"/>
           </a:p>
@@ -37741,6 +37805,342 @@
       </p:grpSpPr>
       <p:sp>
         <p:nvSpPr>
+          <p:cNvPr id="12" name="Rectangle 11">
+            <a:extLst>
+              <a:ext uri="{FF2B5EF4-FFF2-40B4-BE49-F238E27FC236}">
+                <a16:creationId xmlns:a16="http://schemas.microsoft.com/office/drawing/2014/main" id="{09A1C012-8297-4361-ACE8-A2509FB18911}"/>
+              </a:ext>
+              <a:ext uri="{C183D7F6-B498-43B3-948B-1728B52AA6E4}">
+                <adec:decorative xmlns:adec="http://schemas.microsoft.com/office/drawing/2017/decorative" val="1"/>
+              </a:ext>
+            </a:extLst>
+          </p:cNvPr>
+          <p:cNvSpPr>
+            <a:spLocks noGrp="1" noRot="1" noChangeAspect="1" noMove="1" noResize="1" noEditPoints="1" noAdjustHandles="1" noChangeArrowheads="1" noChangeShapeType="1" noTextEdit="1"/>
+          </p:cNvSpPr>
+          <p:nvPr>
+            <p:extLst>
+              <p:ext uri="{386F3935-93C4-4BCD-93E2-E3B085C9AB24}">
+                <p16:designElem xmlns:p16="http://schemas.microsoft.com/office/powerpoint/2015/main" val="1"/>
+              </p:ext>
+            </p:extLst>
+          </p:nvPr>
+        </p:nvSpPr>
+        <p:spPr>
+          <a:xfrm>
+            <a:off x="0" y="4206240"/>
+            <a:ext cx="12192000" cy="2651760"/>
+          </a:xfrm>
+          <a:prstGeom prst="rect">
+            <a:avLst/>
+          </a:prstGeom>
+          <a:solidFill>
+            <a:schemeClr val="tx1"/>
+          </a:solidFill>
+          <a:ln>
+            <a:noFill/>
+          </a:ln>
+        </p:spPr>
+        <p:style>
+          <a:lnRef idx="2">
+            <a:schemeClr val="accent1">
+              <a:shade val="50000"/>
+            </a:schemeClr>
+          </a:lnRef>
+          <a:fillRef idx="1">
+            <a:schemeClr val="accent1"/>
+          </a:fillRef>
+          <a:effectRef idx="0">
+            <a:schemeClr val="accent1"/>
+          </a:effectRef>
+          <a:fontRef idx="minor">
+            <a:schemeClr val="lt1"/>
+          </a:fontRef>
+        </p:style>
+        <p:txBody>
+          <a:bodyPr rtlCol="0" anchor="ctr"/>
+          <a:lstStyle/>
+          <a:p>
+            <a:pPr algn="ctr"/>
+            <a:endParaRPr lang="en-US"/>
+          </a:p>
+        </p:txBody>
+      </p:sp>
+      <p:sp useBgFill="1">
+        <p:nvSpPr>
+          <p:cNvPr id="14" name="Rectangle 13">
+            <a:extLst>
+              <a:ext uri="{FF2B5EF4-FFF2-40B4-BE49-F238E27FC236}">
+                <a16:creationId xmlns:a16="http://schemas.microsoft.com/office/drawing/2014/main" id="{4AA13AD3-0A4F-475A-BEBB-DEEFF5C096C3}"/>
+              </a:ext>
+              <a:ext uri="{C183D7F6-B498-43B3-948B-1728B52AA6E4}">
+                <adec:decorative xmlns:adec="http://schemas.microsoft.com/office/drawing/2017/decorative" val="1"/>
+              </a:ext>
+            </a:extLst>
+          </p:cNvPr>
+          <p:cNvSpPr>
+            <a:spLocks noGrp="1" noRot="1" noChangeAspect="1" noMove="1" noResize="1" noEditPoints="1" noAdjustHandles="1" noChangeArrowheads="1" noChangeShapeType="1" noTextEdit="1"/>
+          </p:cNvSpPr>
+          <p:nvPr>
+            <p:extLst>
+              <p:ext uri="{386F3935-93C4-4BCD-93E2-E3B085C9AB24}">
+                <p16:designElem xmlns:p16="http://schemas.microsoft.com/office/powerpoint/2015/main" val="1"/>
+              </p:ext>
+            </p:extLst>
+          </p:nvPr>
+        </p:nvSpPr>
+        <p:spPr>
+          <a:xfrm>
+            <a:off x="0" y="0"/>
+            <a:ext cx="12192000" cy="6858000"/>
+          </a:xfrm>
+          <a:prstGeom prst="rect">
+            <a:avLst/>
+          </a:prstGeom>
+          <a:ln>
+            <a:noFill/>
+          </a:ln>
+        </p:spPr>
+        <p:style>
+          <a:lnRef idx="2">
+            <a:schemeClr val="accent1">
+              <a:shade val="50000"/>
+            </a:schemeClr>
+          </a:lnRef>
+          <a:fillRef idx="1">
+            <a:schemeClr val="accent1"/>
+          </a:fillRef>
+          <a:effectRef idx="0">
+            <a:schemeClr val="accent1"/>
+          </a:effectRef>
+          <a:fontRef idx="minor">
+            <a:schemeClr val="lt1"/>
+          </a:fontRef>
+        </p:style>
+        <p:txBody>
+          <a:bodyPr rtlCol="0" anchor="ctr"/>
+          <a:lstStyle/>
+          <a:p>
+            <a:pPr algn="ctr"/>
+            <a:endParaRPr lang="en-US"/>
+          </a:p>
+        </p:txBody>
+      </p:sp>
+      <p:sp>
+        <p:nvSpPr>
+          <p:cNvPr id="16" name="Rectangle 15">
+            <a:extLst>
+              <a:ext uri="{FF2B5EF4-FFF2-40B4-BE49-F238E27FC236}">
+                <a16:creationId xmlns:a16="http://schemas.microsoft.com/office/drawing/2014/main" id="{D65E0E3C-32F3-480B-9842-7611BBE2EE9F}"/>
+              </a:ext>
+              <a:ext uri="{C183D7F6-B498-43B3-948B-1728B52AA6E4}">
+                <adec:decorative xmlns:adec="http://schemas.microsoft.com/office/drawing/2017/decorative" val="1"/>
+              </a:ext>
+            </a:extLst>
+          </p:cNvPr>
+          <p:cNvSpPr>
+            <a:spLocks noGrp="1" noRot="1" noChangeAspect="1" noMove="1" noResize="1" noEditPoints="1" noAdjustHandles="1" noChangeArrowheads="1" noChangeShapeType="1" noTextEdit="1"/>
+          </p:cNvSpPr>
+          <p:nvPr>
+            <p:extLst>
+              <p:ext uri="{386F3935-93C4-4BCD-93E2-E3B085C9AB24}">
+                <p16:designElem xmlns:p16="http://schemas.microsoft.com/office/powerpoint/2015/main" val="1"/>
+              </p:ext>
+            </p:extLst>
+          </p:nvPr>
+        </p:nvSpPr>
+        <p:spPr>
+          <a:xfrm>
+            <a:off x="0" y="4212708"/>
+            <a:ext cx="12192000" cy="2645291"/>
+          </a:xfrm>
+          <a:prstGeom prst="rect">
+            <a:avLst/>
+          </a:prstGeom>
+          <a:solidFill>
+            <a:schemeClr val="tx1">
+              <a:alpha val="88000"/>
+            </a:schemeClr>
+          </a:solidFill>
+          <a:ln>
+            <a:noFill/>
+          </a:ln>
+        </p:spPr>
+        <p:style>
+          <a:lnRef idx="2">
+            <a:schemeClr val="accent1">
+              <a:shade val="50000"/>
+            </a:schemeClr>
+          </a:lnRef>
+          <a:fillRef idx="1">
+            <a:schemeClr val="accent1"/>
+          </a:fillRef>
+          <a:effectRef idx="0">
+            <a:schemeClr val="accent1"/>
+          </a:effectRef>
+          <a:fontRef idx="minor">
+            <a:schemeClr val="lt1"/>
+          </a:fontRef>
+        </p:style>
+        <p:txBody>
+          <a:bodyPr rtlCol="0" anchor="ctr"/>
+          <a:lstStyle/>
+          <a:p>
+            <a:pPr algn="ctr"/>
+            <a:endParaRPr lang="en-US"/>
+          </a:p>
+        </p:txBody>
+      </p:sp>
+      <p:sp>
+        <p:nvSpPr>
+          <p:cNvPr id="2" name="Title 1">
+            <a:extLst>
+              <a:ext uri="{FF2B5EF4-FFF2-40B4-BE49-F238E27FC236}">
+                <a16:creationId xmlns:a16="http://schemas.microsoft.com/office/drawing/2014/main" id="{242B0E94-2D3F-4DE2-AC63-D3FF77FB30B3}"/>
+              </a:ext>
+            </a:extLst>
+          </p:cNvPr>
+          <p:cNvSpPr>
+            <a:spLocks noGrp="1"/>
+          </p:cNvSpPr>
+          <p:nvPr>
+            <p:ph type="title"/>
+          </p:nvPr>
+        </p:nvSpPr>
+        <p:spPr>
+          <a:xfrm>
+            <a:off x="961644" y="4585066"/>
+            <a:ext cx="10268712" cy="1169121"/>
+          </a:xfrm>
+        </p:spPr>
+        <p:txBody>
+          <a:bodyPr vert="horz" lIns="91440" tIns="45720" rIns="91440" bIns="45720" rtlCol="0" anchor="ctr">
+            <a:normAutofit/>
+          </a:bodyPr>
+          <a:lstStyle/>
+          <a:p>
+            <a:pPr algn="ctr"/>
+            <a:r>
+              <a:rPr lang="en-US" sz="7200" dirty="0"/>
+              <a:t>Stats</a:t>
+            </a:r>
+          </a:p>
+        </p:txBody>
+      </p:sp>
+      <p:pic>
+        <p:nvPicPr>
+          <p:cNvPr id="7" name="Picture 6" descr="Text&#10;&#10;Description automatically generated">
+            <a:extLst>
+              <a:ext uri="{FF2B5EF4-FFF2-40B4-BE49-F238E27FC236}">
+                <a16:creationId xmlns:a16="http://schemas.microsoft.com/office/drawing/2014/main" id="{63766E45-F47D-440D-B690-13DAA015F10D}"/>
+              </a:ext>
+            </a:extLst>
+          </p:cNvPr>
+          <p:cNvPicPr>
+            <a:picLocks noChangeAspect="1"/>
+          </p:cNvPicPr>
+          <p:nvPr/>
+        </p:nvPicPr>
+        <p:blipFill>
+          <a:blip r:embed="rId2">
+            <a:extLst>
+              <a:ext uri="{28A0092B-C50C-407E-A947-70E740481C1C}">
+                <a14:useLocalDpi xmlns:a14="http://schemas.microsoft.com/office/drawing/2010/main" val="0"/>
+              </a:ext>
+            </a:extLst>
+          </a:blip>
+          <a:stretch>
+            <a:fillRect/>
+          </a:stretch>
+        </p:blipFill>
+        <p:spPr>
+          <a:xfrm>
+            <a:off x="5424798" y="124202"/>
+            <a:ext cx="4573114" cy="4048331"/>
+          </a:xfrm>
+          <a:prstGeom prst="rect">
+            <a:avLst/>
+          </a:prstGeom>
+        </p:spPr>
+      </p:pic>
+      <p:pic>
+        <p:nvPicPr>
+          <p:cNvPr id="5" name="Content Placeholder 4" descr="Table&#10;&#10;Description automatically generated">
+            <a:extLst>
+              <a:ext uri="{FF2B5EF4-FFF2-40B4-BE49-F238E27FC236}">
+                <a16:creationId xmlns:a16="http://schemas.microsoft.com/office/drawing/2014/main" id="{0B06DA64-2AEF-4B0D-9947-A8B585A24A77}"/>
+              </a:ext>
+            </a:extLst>
+          </p:cNvPr>
+          <p:cNvPicPr>
+            <a:picLocks noGrp="1" noChangeAspect="1"/>
+          </p:cNvPicPr>
+          <p:nvPr>
+            <p:ph idx="1"/>
+          </p:nvPr>
+        </p:nvPicPr>
+        <p:blipFill>
+          <a:blip r:embed="rId3">
+            <a:extLst>
+              <a:ext uri="{28A0092B-C50C-407E-A947-70E740481C1C}">
+                <a14:useLocalDpi xmlns:a14="http://schemas.microsoft.com/office/drawing/2010/main" val="0"/>
+              </a:ext>
+            </a:extLst>
+          </a:blip>
+          <a:stretch>
+            <a:fillRect/>
+          </a:stretch>
+        </p:blipFill>
+        <p:spPr>
+          <a:xfrm>
+            <a:off x="652029" y="124267"/>
+            <a:ext cx="4573114" cy="3807118"/>
+          </a:xfrm>
+          <a:prstGeom prst="rect">
+            <a:avLst/>
+          </a:prstGeom>
+        </p:spPr>
+      </p:pic>
+    </p:spTree>
+    <p:extLst>
+      <p:ext uri="{BB962C8B-B14F-4D97-AF65-F5344CB8AC3E}">
+        <p14:creationId xmlns:p14="http://schemas.microsoft.com/office/powerpoint/2010/main" val="2623708154"/>
+      </p:ext>
+    </p:extLst>
+  </p:cSld>
+  <p:clrMapOvr>
+    <a:masterClrMapping/>
+  </p:clrMapOvr>
+</p:sld>
+</file>
+
+<file path=ppt/slides/slide14.xml><?xml version="1.0" encoding="utf-8"?>
+<p:sld xmlns:a="http://schemas.openxmlformats.org/drawingml/2006/main" xmlns:r="http://schemas.openxmlformats.org/officeDocument/2006/relationships" xmlns:p="http://schemas.openxmlformats.org/presentationml/2006/main">
+  <p:cSld>
+    <p:bg>
+      <p:bgPr>
+        <a:solidFill>
+          <a:schemeClr val="bg1"/>
+        </a:solidFill>
+        <a:effectLst/>
+      </p:bgPr>
+    </p:bg>
+    <p:spTree>
+      <p:nvGrpSpPr>
+        <p:cNvPr id="1" name=""/>
+        <p:cNvGrpSpPr/>
+        <p:nvPr/>
+      </p:nvGrpSpPr>
+      <p:grpSpPr>
+        <a:xfrm>
+          <a:off x="0" y="0"/>
+          <a:ext cx="0" cy="0"/>
+          <a:chOff x="0" y="0"/>
+          <a:chExt cx="0" cy="0"/>
+        </a:xfrm>
+      </p:grpSpPr>
+      <p:sp>
+        <p:nvSpPr>
           <p:cNvPr id="18" name="Rectangle 17">
             <a:extLst>
               <a:ext uri="{FF2B5EF4-FFF2-40B4-BE49-F238E27FC236}">
@@ -38101,7 +38501,7 @@
 </p:sld>
 </file>
 
-<file path=ppt/slides/slide14.xml><?xml version="1.0" encoding="utf-8"?>
+<file path=ppt/slides/slide15.xml><?xml version="1.0" encoding="utf-8"?>
 <p:sld xmlns:a="http://schemas.openxmlformats.org/drawingml/2006/main" xmlns:r="http://schemas.openxmlformats.org/officeDocument/2006/relationships" xmlns:p="http://schemas.openxmlformats.org/presentationml/2006/main">
   <p:cSld>
     <p:spTree>
@@ -38222,7 +38622,7 @@
                 <a:tabLst/>
                 <a:defRPr/>
               </a:pPr>
-              <a:t>14</a:t>
+              <a:t>15</a:t>
             </a:fld>
             <a:endParaRPr kumimoji="0" lang="en-US" b="0" i="0" u="none" strike="noStrike" cap="none" spc="0" normalizeH="0" baseline="0">
               <a:ln>
@@ -38702,7 +39102,7 @@
 </p:sld>
 </file>
 
-<file path=ppt/slides/slide15.xml><?xml version="1.0" encoding="utf-8"?>
+<file path=ppt/slides/slide16.xml><?xml version="1.0" encoding="utf-8"?>
 <p:sld xmlns:a="http://schemas.openxmlformats.org/drawingml/2006/main" xmlns:r="http://schemas.openxmlformats.org/officeDocument/2006/relationships" xmlns:p="http://schemas.openxmlformats.org/presentationml/2006/main">
   <p:cSld>
     <p:bg>
@@ -38997,7 +39397,7 @@
 </p:sld>
 </file>
 
-<file path=ppt/slides/slide16.xml><?xml version="1.0" encoding="utf-8"?>
+<file path=ppt/slides/slide17.xml><?xml version="1.0" encoding="utf-8"?>
 <p:sld xmlns:a="http://schemas.openxmlformats.org/drawingml/2006/main" xmlns:r="http://schemas.openxmlformats.org/officeDocument/2006/relationships" xmlns:p="http://schemas.openxmlformats.org/presentationml/2006/main">
   <p:cSld>
     <p:spTree>
@@ -39315,7 +39715,7 @@
 </p:sld>
 </file>
 
-<file path=ppt/slides/slide17.xml><?xml version="1.0" encoding="utf-8"?>
+<file path=ppt/slides/slide18.xml><?xml version="1.0" encoding="utf-8"?>
 <p:sld xmlns:a="http://schemas.openxmlformats.org/drawingml/2006/main" xmlns:r="http://schemas.openxmlformats.org/officeDocument/2006/relationships" xmlns:p="http://schemas.openxmlformats.org/presentationml/2006/main">
   <p:cSld>
     <p:spTree>
@@ -39528,7 +39928,7 @@
 </p:sld>
 </file>
 
-<file path=ppt/slides/slide18.xml><?xml version="1.0" encoding="utf-8"?>
+<file path=ppt/slides/slide19.xml><?xml version="1.0" encoding="utf-8"?>
 <p:sld xmlns:a="http://schemas.openxmlformats.org/drawingml/2006/main" xmlns:r="http://schemas.openxmlformats.org/officeDocument/2006/relationships" xmlns:p="http://schemas.openxmlformats.org/presentationml/2006/main">
   <p:cSld>
     <p:spTree>
@@ -39650,301 +40050,6 @@
     <p:extLst>
       <p:ext uri="{BB962C8B-B14F-4D97-AF65-F5344CB8AC3E}">
         <p14:creationId xmlns:p14="http://schemas.microsoft.com/office/powerpoint/2010/main" val="1993694396"/>
-      </p:ext>
-    </p:extLst>
-  </p:cSld>
-  <p:clrMapOvr>
-    <a:masterClrMapping/>
-  </p:clrMapOvr>
-</p:sld>
-</file>
-
-<file path=ppt/slides/slide19.xml><?xml version="1.0" encoding="utf-8"?>
-<p:sld xmlns:a="http://schemas.openxmlformats.org/drawingml/2006/main" xmlns:r="http://schemas.openxmlformats.org/officeDocument/2006/relationships" xmlns:p="http://schemas.openxmlformats.org/presentationml/2006/main">
-  <p:cSld>
-    <p:bg>
-      <p:bgPr>
-        <a:solidFill>
-          <a:schemeClr val="bg1"/>
-        </a:solidFill>
-        <a:effectLst/>
-      </p:bgPr>
-    </p:bg>
-    <p:spTree>
-      <p:nvGrpSpPr>
-        <p:cNvPr id="1" name=""/>
-        <p:cNvGrpSpPr/>
-        <p:nvPr/>
-      </p:nvGrpSpPr>
-      <p:grpSpPr>
-        <a:xfrm>
-          <a:off x="0" y="0"/>
-          <a:ext cx="0" cy="0"/>
-          <a:chOff x="0" y="0"/>
-          <a:chExt cx="0" cy="0"/>
-        </a:xfrm>
-      </p:grpSpPr>
-      <p:sp>
-        <p:nvSpPr>
-          <p:cNvPr id="9" name="Rectangle 8">
-            <a:extLst>
-              <a:ext uri="{FF2B5EF4-FFF2-40B4-BE49-F238E27FC236}">
-                <a16:creationId xmlns:a16="http://schemas.microsoft.com/office/drawing/2014/main" id="{09A1C012-8297-4361-ACE8-A2509FB18911}"/>
-              </a:ext>
-              <a:ext uri="{C183D7F6-B498-43B3-948B-1728B52AA6E4}">
-                <adec:decorative xmlns:adec="http://schemas.microsoft.com/office/drawing/2017/decorative" val="1"/>
-              </a:ext>
-            </a:extLst>
-          </p:cNvPr>
-          <p:cNvSpPr>
-            <a:spLocks noGrp="1" noRot="1" noChangeAspect="1" noMove="1" noResize="1" noEditPoints="1" noAdjustHandles="1" noChangeArrowheads="1" noChangeShapeType="1" noTextEdit="1"/>
-          </p:cNvSpPr>
-          <p:nvPr>
-            <p:extLst>
-              <p:ext uri="{386F3935-93C4-4BCD-93E2-E3B085C9AB24}">
-                <p16:designElem xmlns:p16="http://schemas.microsoft.com/office/powerpoint/2015/main" val="1"/>
-              </p:ext>
-            </p:extLst>
-          </p:nvPr>
-        </p:nvSpPr>
-        <p:spPr>
-          <a:xfrm>
-            <a:off x="0" y="4206240"/>
-            <a:ext cx="12192000" cy="2651760"/>
-          </a:xfrm>
-          <a:prstGeom prst="rect">
-            <a:avLst/>
-          </a:prstGeom>
-          <a:solidFill>
-            <a:schemeClr val="tx1"/>
-          </a:solidFill>
-          <a:ln>
-            <a:noFill/>
-          </a:ln>
-        </p:spPr>
-        <p:style>
-          <a:lnRef idx="2">
-            <a:schemeClr val="accent1">
-              <a:shade val="50000"/>
-            </a:schemeClr>
-          </a:lnRef>
-          <a:fillRef idx="1">
-            <a:schemeClr val="accent1"/>
-          </a:fillRef>
-          <a:effectRef idx="0">
-            <a:schemeClr val="accent1"/>
-          </a:effectRef>
-          <a:fontRef idx="minor">
-            <a:schemeClr val="lt1"/>
-          </a:fontRef>
-        </p:style>
-        <p:txBody>
-          <a:bodyPr rtlCol="0" anchor="ctr"/>
-          <a:lstStyle/>
-          <a:p>
-            <a:pPr algn="ctr"/>
-            <a:endParaRPr lang="en-US"/>
-          </a:p>
-        </p:txBody>
-      </p:sp>
-      <p:sp useBgFill="1">
-        <p:nvSpPr>
-          <p:cNvPr id="11" name="Rectangle 10">
-            <a:extLst>
-              <a:ext uri="{FF2B5EF4-FFF2-40B4-BE49-F238E27FC236}">
-                <a16:creationId xmlns:a16="http://schemas.microsoft.com/office/drawing/2014/main" id="{4AA13AD3-0A4F-475A-BEBB-DEEFF5C096C3}"/>
-              </a:ext>
-              <a:ext uri="{C183D7F6-B498-43B3-948B-1728B52AA6E4}">
-                <adec:decorative xmlns:adec="http://schemas.microsoft.com/office/drawing/2017/decorative" val="1"/>
-              </a:ext>
-            </a:extLst>
-          </p:cNvPr>
-          <p:cNvSpPr>
-            <a:spLocks noGrp="1" noRot="1" noChangeAspect="1" noMove="1" noResize="1" noEditPoints="1" noAdjustHandles="1" noChangeArrowheads="1" noChangeShapeType="1" noTextEdit="1"/>
-          </p:cNvSpPr>
-          <p:nvPr>
-            <p:extLst>
-              <p:ext uri="{386F3935-93C4-4BCD-93E2-E3B085C9AB24}">
-                <p16:designElem xmlns:p16="http://schemas.microsoft.com/office/powerpoint/2015/main" val="1"/>
-              </p:ext>
-            </p:extLst>
-          </p:nvPr>
-        </p:nvSpPr>
-        <p:spPr>
-          <a:xfrm>
-            <a:off x="0" y="0"/>
-            <a:ext cx="12192000" cy="6858000"/>
-          </a:xfrm>
-          <a:prstGeom prst="rect">
-            <a:avLst/>
-          </a:prstGeom>
-          <a:ln>
-            <a:noFill/>
-          </a:ln>
-        </p:spPr>
-        <p:style>
-          <a:lnRef idx="2">
-            <a:schemeClr val="accent1">
-              <a:shade val="50000"/>
-            </a:schemeClr>
-          </a:lnRef>
-          <a:fillRef idx="1">
-            <a:schemeClr val="accent1"/>
-          </a:fillRef>
-          <a:effectRef idx="0">
-            <a:schemeClr val="accent1"/>
-          </a:effectRef>
-          <a:fontRef idx="minor">
-            <a:schemeClr val="lt1"/>
-          </a:fontRef>
-        </p:style>
-        <p:txBody>
-          <a:bodyPr rtlCol="0" anchor="ctr"/>
-          <a:lstStyle/>
-          <a:p>
-            <a:pPr algn="ctr"/>
-            <a:endParaRPr lang="en-US"/>
-          </a:p>
-        </p:txBody>
-      </p:sp>
-      <p:pic>
-        <p:nvPicPr>
-          <p:cNvPr id="5" name="Picture 4" descr="Many question marks on black background">
-            <a:extLst>
-              <a:ext uri="{FF2B5EF4-FFF2-40B4-BE49-F238E27FC236}">
-                <a16:creationId xmlns:a16="http://schemas.microsoft.com/office/drawing/2014/main" id="{E653F40F-3F42-4B45-85E2-4D8F11F53964}"/>
-              </a:ext>
-            </a:extLst>
-          </p:cNvPr>
-          <p:cNvPicPr>
-            <a:picLocks noChangeAspect="1"/>
-          </p:cNvPicPr>
-          <p:nvPr/>
-        </p:nvPicPr>
-        <p:blipFill rotWithShape="1">
-          <a:blip r:embed="rId3"/>
-          <a:srcRect t="7787"/>
-          <a:stretch/>
-        </p:blipFill>
-        <p:spPr>
-          <a:xfrm>
-            <a:off x="20" y="10"/>
-            <a:ext cx="12191980" cy="6857990"/>
-          </a:xfrm>
-          <a:prstGeom prst="rect">
-            <a:avLst/>
-          </a:prstGeom>
-        </p:spPr>
-      </p:pic>
-      <p:sp>
-        <p:nvSpPr>
-          <p:cNvPr id="13" name="Rectangle 12">
-            <a:extLst>
-              <a:ext uri="{FF2B5EF4-FFF2-40B4-BE49-F238E27FC236}">
-                <a16:creationId xmlns:a16="http://schemas.microsoft.com/office/drawing/2014/main" id="{1C2F3FA0-960A-435A-AC72-8ADCBF50F7D2}"/>
-              </a:ext>
-              <a:ext uri="{C183D7F6-B498-43B3-948B-1728B52AA6E4}">
-                <adec:decorative xmlns:adec="http://schemas.microsoft.com/office/drawing/2017/decorative" val="1"/>
-              </a:ext>
-            </a:extLst>
-          </p:cNvPr>
-          <p:cNvSpPr>
-            <a:spLocks noGrp="1" noRot="1" noChangeAspect="1" noMove="1" noResize="1" noEditPoints="1" noAdjustHandles="1" noChangeArrowheads="1" noChangeShapeType="1" noTextEdit="1"/>
-          </p:cNvSpPr>
-          <p:nvPr>
-            <p:extLst>
-              <p:ext uri="{386F3935-93C4-4BCD-93E2-E3B085C9AB24}">
-                <p16:designElem xmlns:p16="http://schemas.microsoft.com/office/powerpoint/2015/main" val="1"/>
-              </p:ext>
-            </p:extLst>
-          </p:nvPr>
-        </p:nvSpPr>
-        <p:spPr>
-          <a:xfrm>
-            <a:off x="0" y="4551139"/>
-            <a:ext cx="12192000" cy="1644556"/>
-          </a:xfrm>
-          <a:prstGeom prst="rect">
-            <a:avLst/>
-          </a:prstGeom>
-          <a:solidFill>
-            <a:schemeClr val="tx1">
-              <a:alpha val="70000"/>
-            </a:schemeClr>
-          </a:solidFill>
-          <a:ln>
-            <a:noFill/>
-          </a:ln>
-        </p:spPr>
-        <p:style>
-          <a:lnRef idx="2">
-            <a:schemeClr val="accent1">
-              <a:shade val="50000"/>
-            </a:schemeClr>
-          </a:lnRef>
-          <a:fillRef idx="1">
-            <a:schemeClr val="accent1"/>
-          </a:fillRef>
-          <a:effectRef idx="0">
-            <a:schemeClr val="accent1"/>
-          </a:effectRef>
-          <a:fontRef idx="minor">
-            <a:schemeClr val="lt1"/>
-          </a:fontRef>
-        </p:style>
-        <p:txBody>
-          <a:bodyPr rtlCol="0" anchor="ctr"/>
-          <a:lstStyle/>
-          <a:p>
-            <a:pPr algn="ctr"/>
-            <a:endParaRPr lang="en-US"/>
-          </a:p>
-        </p:txBody>
-      </p:sp>
-      <p:sp>
-        <p:nvSpPr>
-          <p:cNvPr id="2" name="Title 1">
-            <a:extLst>
-              <a:ext uri="{FF2B5EF4-FFF2-40B4-BE49-F238E27FC236}">
-                <a16:creationId xmlns:a16="http://schemas.microsoft.com/office/drawing/2014/main" id="{15FE822C-60EB-48CF-8BCA-2E6564BDB329}"/>
-              </a:ext>
-            </a:extLst>
-          </p:cNvPr>
-          <p:cNvSpPr>
-            <a:spLocks noGrp="1"/>
-          </p:cNvSpPr>
-          <p:nvPr>
-            <p:ph type="title"/>
-          </p:nvPr>
-        </p:nvSpPr>
-        <p:spPr>
-          <a:xfrm>
-            <a:off x="961644" y="4675366"/>
-            <a:ext cx="10268712" cy="846223"/>
-          </a:xfrm>
-        </p:spPr>
-        <p:txBody>
-          <a:bodyPr vert="horz" lIns="91440" tIns="45720" rIns="91440" bIns="45720" rtlCol="0" anchor="b">
-            <a:normAutofit/>
-          </a:bodyPr>
-          <a:lstStyle/>
-          <a:p>
-            <a:pPr algn="ctr"/>
-            <a:r>
-              <a:rPr lang="en-US" sz="5400" dirty="0">
-                <a:solidFill>
-                  <a:srgbClr val="FFFFFF"/>
-                </a:solidFill>
-              </a:rPr>
-              <a:t>Questions?</a:t>
-            </a:r>
-          </a:p>
-        </p:txBody>
-      </p:sp>
-    </p:spTree>
-    <p:extLst>
-      <p:ext uri="{BB962C8B-B14F-4D97-AF65-F5344CB8AC3E}">
-        <p14:creationId xmlns:p14="http://schemas.microsoft.com/office/powerpoint/2010/main" val="1701684088"/>
       </p:ext>
     </p:extLst>
   </p:cSld>
@@ -40240,6 +40345,301 @@
     <p:extLst>
       <p:ext uri="{BB962C8B-B14F-4D97-AF65-F5344CB8AC3E}">
         <p14:creationId xmlns:p14="http://schemas.microsoft.com/office/powerpoint/2010/main" val="1056705280"/>
+      </p:ext>
+    </p:extLst>
+  </p:cSld>
+  <p:clrMapOvr>
+    <a:masterClrMapping/>
+  </p:clrMapOvr>
+</p:sld>
+</file>
+
+<file path=ppt/slides/slide20.xml><?xml version="1.0" encoding="utf-8"?>
+<p:sld xmlns:a="http://schemas.openxmlformats.org/drawingml/2006/main" xmlns:r="http://schemas.openxmlformats.org/officeDocument/2006/relationships" xmlns:p="http://schemas.openxmlformats.org/presentationml/2006/main">
+  <p:cSld>
+    <p:bg>
+      <p:bgPr>
+        <a:solidFill>
+          <a:schemeClr val="bg1"/>
+        </a:solidFill>
+        <a:effectLst/>
+      </p:bgPr>
+    </p:bg>
+    <p:spTree>
+      <p:nvGrpSpPr>
+        <p:cNvPr id="1" name=""/>
+        <p:cNvGrpSpPr/>
+        <p:nvPr/>
+      </p:nvGrpSpPr>
+      <p:grpSpPr>
+        <a:xfrm>
+          <a:off x="0" y="0"/>
+          <a:ext cx="0" cy="0"/>
+          <a:chOff x="0" y="0"/>
+          <a:chExt cx="0" cy="0"/>
+        </a:xfrm>
+      </p:grpSpPr>
+      <p:sp>
+        <p:nvSpPr>
+          <p:cNvPr id="9" name="Rectangle 8">
+            <a:extLst>
+              <a:ext uri="{FF2B5EF4-FFF2-40B4-BE49-F238E27FC236}">
+                <a16:creationId xmlns:a16="http://schemas.microsoft.com/office/drawing/2014/main" id="{09A1C012-8297-4361-ACE8-A2509FB18911}"/>
+              </a:ext>
+              <a:ext uri="{C183D7F6-B498-43B3-948B-1728B52AA6E4}">
+                <adec:decorative xmlns:adec="http://schemas.microsoft.com/office/drawing/2017/decorative" val="1"/>
+              </a:ext>
+            </a:extLst>
+          </p:cNvPr>
+          <p:cNvSpPr>
+            <a:spLocks noGrp="1" noRot="1" noChangeAspect="1" noMove="1" noResize="1" noEditPoints="1" noAdjustHandles="1" noChangeArrowheads="1" noChangeShapeType="1" noTextEdit="1"/>
+          </p:cNvSpPr>
+          <p:nvPr>
+            <p:extLst>
+              <p:ext uri="{386F3935-93C4-4BCD-93E2-E3B085C9AB24}">
+                <p16:designElem xmlns:p16="http://schemas.microsoft.com/office/powerpoint/2015/main" val="1"/>
+              </p:ext>
+            </p:extLst>
+          </p:nvPr>
+        </p:nvSpPr>
+        <p:spPr>
+          <a:xfrm>
+            <a:off x="0" y="4206240"/>
+            <a:ext cx="12192000" cy="2651760"/>
+          </a:xfrm>
+          <a:prstGeom prst="rect">
+            <a:avLst/>
+          </a:prstGeom>
+          <a:solidFill>
+            <a:schemeClr val="tx1"/>
+          </a:solidFill>
+          <a:ln>
+            <a:noFill/>
+          </a:ln>
+        </p:spPr>
+        <p:style>
+          <a:lnRef idx="2">
+            <a:schemeClr val="accent1">
+              <a:shade val="50000"/>
+            </a:schemeClr>
+          </a:lnRef>
+          <a:fillRef idx="1">
+            <a:schemeClr val="accent1"/>
+          </a:fillRef>
+          <a:effectRef idx="0">
+            <a:schemeClr val="accent1"/>
+          </a:effectRef>
+          <a:fontRef idx="minor">
+            <a:schemeClr val="lt1"/>
+          </a:fontRef>
+        </p:style>
+        <p:txBody>
+          <a:bodyPr rtlCol="0" anchor="ctr"/>
+          <a:lstStyle/>
+          <a:p>
+            <a:pPr algn="ctr"/>
+            <a:endParaRPr lang="en-US"/>
+          </a:p>
+        </p:txBody>
+      </p:sp>
+      <p:sp useBgFill="1">
+        <p:nvSpPr>
+          <p:cNvPr id="11" name="Rectangle 10">
+            <a:extLst>
+              <a:ext uri="{FF2B5EF4-FFF2-40B4-BE49-F238E27FC236}">
+                <a16:creationId xmlns:a16="http://schemas.microsoft.com/office/drawing/2014/main" id="{4AA13AD3-0A4F-475A-BEBB-DEEFF5C096C3}"/>
+              </a:ext>
+              <a:ext uri="{C183D7F6-B498-43B3-948B-1728B52AA6E4}">
+                <adec:decorative xmlns:adec="http://schemas.microsoft.com/office/drawing/2017/decorative" val="1"/>
+              </a:ext>
+            </a:extLst>
+          </p:cNvPr>
+          <p:cNvSpPr>
+            <a:spLocks noGrp="1" noRot="1" noChangeAspect="1" noMove="1" noResize="1" noEditPoints="1" noAdjustHandles="1" noChangeArrowheads="1" noChangeShapeType="1" noTextEdit="1"/>
+          </p:cNvSpPr>
+          <p:nvPr>
+            <p:extLst>
+              <p:ext uri="{386F3935-93C4-4BCD-93E2-E3B085C9AB24}">
+                <p16:designElem xmlns:p16="http://schemas.microsoft.com/office/powerpoint/2015/main" val="1"/>
+              </p:ext>
+            </p:extLst>
+          </p:nvPr>
+        </p:nvSpPr>
+        <p:spPr>
+          <a:xfrm>
+            <a:off x="0" y="0"/>
+            <a:ext cx="12192000" cy="6858000"/>
+          </a:xfrm>
+          <a:prstGeom prst="rect">
+            <a:avLst/>
+          </a:prstGeom>
+          <a:ln>
+            <a:noFill/>
+          </a:ln>
+        </p:spPr>
+        <p:style>
+          <a:lnRef idx="2">
+            <a:schemeClr val="accent1">
+              <a:shade val="50000"/>
+            </a:schemeClr>
+          </a:lnRef>
+          <a:fillRef idx="1">
+            <a:schemeClr val="accent1"/>
+          </a:fillRef>
+          <a:effectRef idx="0">
+            <a:schemeClr val="accent1"/>
+          </a:effectRef>
+          <a:fontRef idx="minor">
+            <a:schemeClr val="lt1"/>
+          </a:fontRef>
+        </p:style>
+        <p:txBody>
+          <a:bodyPr rtlCol="0" anchor="ctr"/>
+          <a:lstStyle/>
+          <a:p>
+            <a:pPr algn="ctr"/>
+            <a:endParaRPr lang="en-US"/>
+          </a:p>
+        </p:txBody>
+      </p:sp>
+      <p:pic>
+        <p:nvPicPr>
+          <p:cNvPr id="5" name="Picture 4" descr="Many question marks on black background">
+            <a:extLst>
+              <a:ext uri="{FF2B5EF4-FFF2-40B4-BE49-F238E27FC236}">
+                <a16:creationId xmlns:a16="http://schemas.microsoft.com/office/drawing/2014/main" id="{E653F40F-3F42-4B45-85E2-4D8F11F53964}"/>
+              </a:ext>
+            </a:extLst>
+          </p:cNvPr>
+          <p:cNvPicPr>
+            <a:picLocks noChangeAspect="1"/>
+          </p:cNvPicPr>
+          <p:nvPr/>
+        </p:nvPicPr>
+        <p:blipFill rotWithShape="1">
+          <a:blip r:embed="rId3"/>
+          <a:srcRect t="7787"/>
+          <a:stretch/>
+        </p:blipFill>
+        <p:spPr>
+          <a:xfrm>
+            <a:off x="20" y="10"/>
+            <a:ext cx="12191980" cy="6857990"/>
+          </a:xfrm>
+          <a:prstGeom prst="rect">
+            <a:avLst/>
+          </a:prstGeom>
+        </p:spPr>
+      </p:pic>
+      <p:sp>
+        <p:nvSpPr>
+          <p:cNvPr id="13" name="Rectangle 12">
+            <a:extLst>
+              <a:ext uri="{FF2B5EF4-FFF2-40B4-BE49-F238E27FC236}">
+                <a16:creationId xmlns:a16="http://schemas.microsoft.com/office/drawing/2014/main" id="{1C2F3FA0-960A-435A-AC72-8ADCBF50F7D2}"/>
+              </a:ext>
+              <a:ext uri="{C183D7F6-B498-43B3-948B-1728B52AA6E4}">
+                <adec:decorative xmlns:adec="http://schemas.microsoft.com/office/drawing/2017/decorative" val="1"/>
+              </a:ext>
+            </a:extLst>
+          </p:cNvPr>
+          <p:cNvSpPr>
+            <a:spLocks noGrp="1" noRot="1" noChangeAspect="1" noMove="1" noResize="1" noEditPoints="1" noAdjustHandles="1" noChangeArrowheads="1" noChangeShapeType="1" noTextEdit="1"/>
+          </p:cNvSpPr>
+          <p:nvPr>
+            <p:extLst>
+              <p:ext uri="{386F3935-93C4-4BCD-93E2-E3B085C9AB24}">
+                <p16:designElem xmlns:p16="http://schemas.microsoft.com/office/powerpoint/2015/main" val="1"/>
+              </p:ext>
+            </p:extLst>
+          </p:nvPr>
+        </p:nvSpPr>
+        <p:spPr>
+          <a:xfrm>
+            <a:off x="0" y="4551139"/>
+            <a:ext cx="12192000" cy="1644556"/>
+          </a:xfrm>
+          <a:prstGeom prst="rect">
+            <a:avLst/>
+          </a:prstGeom>
+          <a:solidFill>
+            <a:schemeClr val="tx1">
+              <a:alpha val="70000"/>
+            </a:schemeClr>
+          </a:solidFill>
+          <a:ln>
+            <a:noFill/>
+          </a:ln>
+        </p:spPr>
+        <p:style>
+          <a:lnRef idx="2">
+            <a:schemeClr val="accent1">
+              <a:shade val="50000"/>
+            </a:schemeClr>
+          </a:lnRef>
+          <a:fillRef idx="1">
+            <a:schemeClr val="accent1"/>
+          </a:fillRef>
+          <a:effectRef idx="0">
+            <a:schemeClr val="accent1"/>
+          </a:effectRef>
+          <a:fontRef idx="minor">
+            <a:schemeClr val="lt1"/>
+          </a:fontRef>
+        </p:style>
+        <p:txBody>
+          <a:bodyPr rtlCol="0" anchor="ctr"/>
+          <a:lstStyle/>
+          <a:p>
+            <a:pPr algn="ctr"/>
+            <a:endParaRPr lang="en-US"/>
+          </a:p>
+        </p:txBody>
+      </p:sp>
+      <p:sp>
+        <p:nvSpPr>
+          <p:cNvPr id="2" name="Title 1">
+            <a:extLst>
+              <a:ext uri="{FF2B5EF4-FFF2-40B4-BE49-F238E27FC236}">
+                <a16:creationId xmlns:a16="http://schemas.microsoft.com/office/drawing/2014/main" id="{15FE822C-60EB-48CF-8BCA-2E6564BDB329}"/>
+              </a:ext>
+            </a:extLst>
+          </p:cNvPr>
+          <p:cNvSpPr>
+            <a:spLocks noGrp="1"/>
+          </p:cNvSpPr>
+          <p:nvPr>
+            <p:ph type="title"/>
+          </p:nvPr>
+        </p:nvSpPr>
+        <p:spPr>
+          <a:xfrm>
+            <a:off x="961644" y="4675366"/>
+            <a:ext cx="10268712" cy="846223"/>
+          </a:xfrm>
+        </p:spPr>
+        <p:txBody>
+          <a:bodyPr vert="horz" lIns="91440" tIns="45720" rIns="91440" bIns="45720" rtlCol="0" anchor="b">
+            <a:normAutofit/>
+          </a:bodyPr>
+          <a:lstStyle/>
+          <a:p>
+            <a:pPr algn="ctr"/>
+            <a:r>
+              <a:rPr lang="en-US" sz="5400" dirty="0">
+                <a:solidFill>
+                  <a:srgbClr val="FFFFFF"/>
+                </a:solidFill>
+              </a:rPr>
+              <a:t>Questions?</a:t>
+            </a:r>
+          </a:p>
+        </p:txBody>
+      </p:sp>
+    </p:spTree>
+    <p:extLst>
+      <p:ext uri="{BB962C8B-B14F-4D97-AF65-F5344CB8AC3E}">
+        <p14:creationId xmlns:p14="http://schemas.microsoft.com/office/powerpoint/2010/main" val="1701684088"/>
       </p:ext>
     </p:extLst>
   </p:cSld>

--- a/Resources/Final.Presentation.pptx
+++ b/Resources/Final.Presentation.pptx
@@ -138,7 +138,7 @@
 <file path=ppt/revisionInfo.xml><?xml version="1.0" encoding="utf-8"?>
 <p1510:revInfo xmlns:a="http://schemas.openxmlformats.org/drawingml/2006/main" xmlns:r="http://schemas.openxmlformats.org/officeDocument/2006/relationships" xmlns:p1510="http://schemas.microsoft.com/office/powerpoint/2015/10/main">
   <p1510:revLst>
-    <p1510:client id="{2D2F4B00-D67B-471E-8EC5-16430E5C6708}" v="38" dt="2021-11-19T02:07:31.526"/>
+    <p1510:client id="{2D2F4B00-D67B-471E-8EC5-16430E5C6708}" v="59" dt="2021-11-19T03:54:16.809"/>
   </p1510:revLst>
 </p1510:revInfo>
 </file>
@@ -148,10 +148,25 @@
   <pc:docChgLst>
     <pc:chgData name="Taryn Syler" userId="d093462dc93fe5e1" providerId="LiveId" clId="{2D2F4B00-D67B-471E-8EC5-16430E5C6708}"/>
     <pc:docChg chg="undo custSel addSld delSld modSld sldOrd delMainMaster">
-      <pc:chgData name="Taryn Syler" userId="d093462dc93fe5e1" providerId="LiveId" clId="{2D2F4B00-D67B-471E-8EC5-16430E5C6708}" dt="2021-11-19T02:08:20.981" v="5272" actId="1076"/>
+      <pc:chgData name="Taryn Syler" userId="d093462dc93fe5e1" providerId="LiveId" clId="{2D2F4B00-D67B-471E-8EC5-16430E5C6708}" dt="2021-11-19T03:54:16.809" v="5293" actId="20577"/>
       <pc:docMkLst>
         <pc:docMk/>
       </pc:docMkLst>
+      <pc:sldChg chg="modSp">
+        <pc:chgData name="Taryn Syler" userId="d093462dc93fe5e1" providerId="LiveId" clId="{2D2F4B00-D67B-471E-8EC5-16430E5C6708}" dt="2021-11-19T03:54:16.809" v="5293" actId="20577"/>
+        <pc:sldMkLst>
+          <pc:docMk/>
+          <pc:sldMk cId="2752801414" sldId="256"/>
+        </pc:sldMkLst>
+        <pc:spChg chg="mod">
+          <ac:chgData name="Taryn Syler" userId="d093462dc93fe5e1" providerId="LiveId" clId="{2D2F4B00-D67B-471E-8EC5-16430E5C6708}" dt="2021-11-19T03:54:16.809" v="5293" actId="20577"/>
+          <ac:spMkLst>
+            <pc:docMk/>
+            <pc:sldMk cId="2752801414" sldId="256"/>
+            <ac:spMk id="2" creationId="{6CC8CB53-5003-4FC4-A7D9-D34B3B6C09C5}"/>
+          </ac:spMkLst>
+        </pc:spChg>
+      </pc:sldChg>
       <pc:sldChg chg="addSp delSp modSp new mod setBg modNotesTx">
         <pc:chgData name="Taryn Syler" userId="d093462dc93fe5e1" providerId="LiveId" clId="{2D2F4B00-D67B-471E-8EC5-16430E5C6708}" dt="2021-11-17T03:12:20.585" v="4699"/>
         <pc:sldMkLst>
@@ -31267,13 +31282,26 @@
           <a:p>
             <a:pPr algn="l"/>
             <a:r>
+              <a:rPr lang="en-US" dirty="0">
+                <a:solidFill>
+                  <a:schemeClr val="bg1"/>
+                </a:solidFill>
+              </a:rPr>
+              <a:t>Team </a:t>
+            </a:r>
+            <a:r>
               <a:rPr lang="en-US">
                 <a:solidFill>
                   <a:schemeClr val="bg1"/>
                 </a:solidFill>
               </a:rPr>
-              <a:t>DraftKings Weekly Drafts</a:t>
+              <a:t>Cautious Waffles</a:t>
             </a:r>
+            <a:endParaRPr lang="en-US" dirty="0">
+              <a:solidFill>
+                <a:schemeClr val="bg1"/>
+              </a:solidFill>
+            </a:endParaRPr>
           </a:p>
         </p:txBody>
       </p:sp>

--- a/Resources/Final.Presentation.pptx
+++ b/Resources/Final.Presentation.pptx
@@ -138,7 +138,7 @@
 <file path=ppt/revisionInfo.xml><?xml version="1.0" encoding="utf-8"?>
 <p1510:revInfo xmlns:a="http://schemas.openxmlformats.org/drawingml/2006/main" xmlns:r="http://schemas.openxmlformats.org/officeDocument/2006/relationships" xmlns:p1510="http://schemas.microsoft.com/office/powerpoint/2015/10/main">
   <p1510:revLst>
-    <p1510:client id="{2D2F4B00-D67B-471E-8EC5-16430E5C6708}" v="59" dt="2021-11-19T03:54:16.809"/>
+    <p1510:client id="{2D2F4B00-D67B-471E-8EC5-16430E5C6708}" v="60" dt="2021-11-19T03:56:39.122"/>
   </p1510:revLst>
 </p1510:revInfo>
 </file>
@@ -148,18 +148,18 @@
   <pc:docChgLst>
     <pc:chgData name="Taryn Syler" userId="d093462dc93fe5e1" providerId="LiveId" clId="{2D2F4B00-D67B-471E-8EC5-16430E5C6708}"/>
     <pc:docChg chg="undo custSel addSld delSld modSld sldOrd delMainMaster">
-      <pc:chgData name="Taryn Syler" userId="d093462dc93fe5e1" providerId="LiveId" clId="{2D2F4B00-D67B-471E-8EC5-16430E5C6708}" dt="2021-11-19T03:54:16.809" v="5293" actId="20577"/>
+      <pc:chgData name="Taryn Syler" userId="d093462dc93fe5e1" providerId="LiveId" clId="{2D2F4B00-D67B-471E-8EC5-16430E5C6708}" dt="2021-11-19T03:56:39.117" v="5294" actId="20577"/>
       <pc:docMkLst>
         <pc:docMk/>
       </pc:docMkLst>
       <pc:sldChg chg="modSp">
-        <pc:chgData name="Taryn Syler" userId="d093462dc93fe5e1" providerId="LiveId" clId="{2D2F4B00-D67B-471E-8EC5-16430E5C6708}" dt="2021-11-19T03:54:16.809" v="5293" actId="20577"/>
+        <pc:chgData name="Taryn Syler" userId="d093462dc93fe5e1" providerId="LiveId" clId="{2D2F4B00-D67B-471E-8EC5-16430E5C6708}" dt="2021-11-19T03:56:39.117" v="5294" actId="20577"/>
         <pc:sldMkLst>
           <pc:docMk/>
           <pc:sldMk cId="2752801414" sldId="256"/>
         </pc:sldMkLst>
         <pc:spChg chg="mod">
-          <ac:chgData name="Taryn Syler" userId="d093462dc93fe5e1" providerId="LiveId" clId="{2D2F4B00-D67B-471E-8EC5-16430E5C6708}" dt="2021-11-19T03:54:16.809" v="5293" actId="20577"/>
+          <ac:chgData name="Taryn Syler" userId="d093462dc93fe5e1" providerId="LiveId" clId="{2D2F4B00-D67B-471E-8EC5-16430E5C6708}" dt="2021-11-19T03:56:39.117" v="5294" actId="20577"/>
           <ac:spMkLst>
             <pc:docMk/>
             <pc:sldMk cId="2752801414" sldId="256"/>
@@ -31295,7 +31295,7 @@
                   <a:schemeClr val="bg1"/>
                 </a:solidFill>
               </a:rPr>
-              <a:t>Cautious Waffles</a:t>
+              <a:t>Cautious Waffle</a:t>
             </a:r>
             <a:endParaRPr lang="en-US" dirty="0">
               <a:solidFill>
